--- a/aws101.pptx
+++ b/aws101.pptx
@@ -5,12 +5,12 @@
     <p:sldMasterId id="2147483789" r:id="rId1"/>
   </p:sldMasterIdLst>
   <p:notesMasterIdLst>
-    <p:notesMasterId r:id="rId19"/>
+    <p:notesMasterId r:id="rId21"/>
   </p:notesMasterIdLst>
   <p:sldIdLst>
     <p:sldId id="256" r:id="rId2"/>
-    <p:sldId id="257" r:id="rId3"/>
-    <p:sldId id="258" r:id="rId4"/>
+    <p:sldId id="258" r:id="rId3"/>
+    <p:sldId id="257" r:id="rId4"/>
     <p:sldId id="264" r:id="rId5"/>
     <p:sldId id="265" r:id="rId6"/>
     <p:sldId id="266" r:id="rId7"/>
@@ -24,7 +24,9 @@
     <p:sldId id="272" r:id="rId15"/>
     <p:sldId id="261" r:id="rId16"/>
     <p:sldId id="262" r:id="rId17"/>
-    <p:sldId id="263" r:id="rId18"/>
+    <p:sldId id="273" r:id="rId18"/>
+    <p:sldId id="263" r:id="rId19"/>
+    <p:sldId id="274" r:id="rId20"/>
   </p:sldIdLst>
   <p:sldSz cx="12192000" cy="6858000"/>
   <p:notesSz cx="6858000" cy="9144000"/>
@@ -125,10 +127,729 @@
   </p:defaultTextStyle>
   <p:extLst>
     <p:ext uri="{EFAFB233-063F-42B5-8137-9DF3F51BA10A}">
-      <p15:sldGuideLst xmlns:p15="http://schemas.microsoft.com/office/powerpoint/2012/main" xmlns=""/>
+      <p15:sldGuideLst xmlns="" xmlns:p15="http://schemas.microsoft.com/office/powerpoint/2012/main"/>
     </p:ext>
   </p:extLst>
 </p:presentation>
+</file>
+
+<file path=ppt/charts/chart1.xml><?xml version="1.0" encoding="utf-8"?>
+<c:chartSpace xmlns:c="http://schemas.openxmlformats.org/drawingml/2006/chart" xmlns:a="http://schemas.openxmlformats.org/drawingml/2006/main" xmlns:r="http://schemas.openxmlformats.org/officeDocument/2006/relationships">
+  <c:date1904 val="0"/>
+  <c:lang val="en-CA"/>
+  <c:roundedCorners val="0"/>
+  <mc:AlternateContent xmlns:mc="http://schemas.openxmlformats.org/markup-compatibility/2006">
+    <mc:Choice xmlns:c14="http://schemas.microsoft.com/office/drawing/2007/8/2/chart" Requires="c14">
+      <c14:style val="102"/>
+    </mc:Choice>
+    <mc:Fallback>
+      <c:style val="2"/>
+    </mc:Fallback>
+  </mc:AlternateContent>
+  <c:chart>
+    <c:title>
+      <c:layout/>
+      <c:overlay val="0"/>
+    </c:title>
+    <c:autoTitleDeleted val="0"/>
+    <c:plotArea>
+      <c:layout/>
+      <c:barChart>
+        <c:barDir val="col"/>
+        <c:grouping val="stacked"/>
+        <c:varyColors val="0"/>
+        <c:ser>
+          <c:idx val="0"/>
+          <c:order val="0"/>
+          <c:tx>
+            <c:strRef>
+              <c:f>Sheet1!$B$1</c:f>
+              <c:strCache>
+                <c:ptCount val="1"/>
+                <c:pt idx="0">
+                  <c:v>AWS New Service Announcement and Updates</c:v>
+                </c:pt>
+              </c:strCache>
+            </c:strRef>
+          </c:tx>
+          <c:invertIfNegative val="0"/>
+          <c:cat>
+            <c:numRef>
+              <c:f>Sheet1!$A$2:$A$7</c:f>
+              <c:numCache>
+                <c:formatCode>General</c:formatCode>
+                <c:ptCount val="6"/>
+                <c:pt idx="0">
+                  <c:v>2011</c:v>
+                </c:pt>
+                <c:pt idx="1">
+                  <c:v>2012</c:v>
+                </c:pt>
+                <c:pt idx="2">
+                  <c:v>2013</c:v>
+                </c:pt>
+                <c:pt idx="3">
+                  <c:v>2014</c:v>
+                </c:pt>
+                <c:pt idx="4">
+                  <c:v>2015</c:v>
+                </c:pt>
+                <c:pt idx="5">
+                  <c:v>2016</c:v>
+                </c:pt>
+              </c:numCache>
+            </c:numRef>
+          </c:cat>
+          <c:val>
+            <c:numRef>
+              <c:f>Sheet1!$B$2:$B$7</c:f>
+              <c:numCache>
+                <c:formatCode>General</c:formatCode>
+                <c:ptCount val="6"/>
+                <c:pt idx="0">
+                  <c:v>82</c:v>
+                </c:pt>
+                <c:pt idx="1">
+                  <c:v>159</c:v>
+                </c:pt>
+                <c:pt idx="2">
+                  <c:v>280</c:v>
+                </c:pt>
+                <c:pt idx="3">
+                  <c:v>516</c:v>
+                </c:pt>
+                <c:pt idx="4">
+                  <c:v>735</c:v>
+                </c:pt>
+                <c:pt idx="5">
+                  <c:v>1000</c:v>
+                </c:pt>
+              </c:numCache>
+            </c:numRef>
+          </c:val>
+        </c:ser>
+        <c:dLbls>
+          <c:showLegendKey val="0"/>
+          <c:showVal val="0"/>
+          <c:showCatName val="0"/>
+          <c:showSerName val="0"/>
+          <c:showPercent val="0"/>
+          <c:showBubbleSize val="0"/>
+        </c:dLbls>
+        <c:gapWidth val="150"/>
+        <c:overlap val="100"/>
+        <c:axId val="906892416"/>
+        <c:axId val="935903616"/>
+      </c:barChart>
+      <c:catAx>
+        <c:axId val="906892416"/>
+        <c:scaling>
+          <c:orientation val="minMax"/>
+        </c:scaling>
+        <c:delete val="0"/>
+        <c:axPos val="b"/>
+        <c:numFmt formatCode="General" sourceLinked="1"/>
+        <c:majorTickMark val="out"/>
+        <c:minorTickMark val="none"/>
+        <c:tickLblPos val="nextTo"/>
+        <c:crossAx val="935903616"/>
+        <c:crosses val="autoZero"/>
+        <c:auto val="1"/>
+        <c:lblAlgn val="ctr"/>
+        <c:lblOffset val="100"/>
+        <c:noMultiLvlLbl val="0"/>
+      </c:catAx>
+      <c:valAx>
+        <c:axId val="935903616"/>
+        <c:scaling>
+          <c:orientation val="minMax"/>
+        </c:scaling>
+        <c:delete val="0"/>
+        <c:axPos val="l"/>
+        <c:majorGridlines/>
+        <c:numFmt formatCode="General" sourceLinked="1"/>
+        <c:majorTickMark val="out"/>
+        <c:minorTickMark val="none"/>
+        <c:tickLblPos val="none"/>
+        <c:crossAx val="906892416"/>
+        <c:crosses val="autoZero"/>
+        <c:crossBetween val="between"/>
+      </c:valAx>
+    </c:plotArea>
+    <c:legend>
+      <c:legendPos val="r"/>
+      <c:layout/>
+      <c:overlay val="0"/>
+    </c:legend>
+    <c:plotVisOnly val="1"/>
+    <c:dispBlanksAs val="gap"/>
+    <c:showDLblsOverMax val="0"/>
+  </c:chart>
+  <c:txPr>
+    <a:bodyPr/>
+    <a:lstStyle/>
+    <a:p>
+      <a:pPr>
+        <a:defRPr sz="1800"/>
+      </a:pPr>
+      <a:endParaRPr lang="en-US"/>
+    </a:p>
+  </c:txPr>
+  <c:externalData r:id="rId1">
+    <c:autoUpdate val="0"/>
+  </c:externalData>
+  <c:userShapes r:id="rId2"/>
+</c:chartSpace>
+</file>
+
+<file path=ppt/drawings/drawing1.xml><?xml version="1.0" encoding="utf-8"?>
+<c:userShapes xmlns:c="http://schemas.openxmlformats.org/drawingml/2006/chart">
+  <cdr:relSizeAnchor xmlns:cdr="http://schemas.openxmlformats.org/drawingml/2006/chartDrawing">
+    <cdr:from>
+      <cdr:x>0.15416</cdr:x>
+      <cdr:y>0.71939</cdr:y>
+    </cdr:from>
+    <cdr:to>
+      <cdr:x>0.20691</cdr:x>
+      <cdr:y>0.79512</cdr:y>
+    </cdr:to>
+    <cdr:sp macro="" textlink="">
+      <cdr:nvSpPr>
+        <cdr:cNvPr id="2" name="TextBox 6"/>
+        <cdr:cNvSpPr txBox="1"/>
+      </cdr:nvSpPr>
+      <cdr:spPr>
+        <a:xfrm xmlns:a="http://schemas.openxmlformats.org/drawingml/2006/main">
+          <a:off x="1691592" y="3508322"/>
+          <a:ext cx="578741" cy="369332"/>
+        </a:xfrm>
+        <a:prstGeom xmlns:a="http://schemas.openxmlformats.org/drawingml/2006/main" prst="rect">
+          <a:avLst/>
+        </a:prstGeom>
+        <a:noFill xmlns:a="http://schemas.openxmlformats.org/drawingml/2006/main"/>
+      </cdr:spPr>
+      <cdr:txBody>
+        <a:bodyPr xmlns:a="http://schemas.openxmlformats.org/drawingml/2006/main" wrap="square" rtlCol="0">
+          <a:spAutoFit/>
+        </a:bodyPr>
+        <a:lstStyle xmlns:a="http://schemas.openxmlformats.org/drawingml/2006/main">
+          <a:defPPr>
+            <a:defRPr lang="en-US"/>
+          </a:defPPr>
+          <a:lvl1pPr marL="0" algn="l" defTabSz="457200" rtl="0" eaLnBrk="1" latinLnBrk="0" hangingPunct="1">
+            <a:defRPr sz="1800" kern="1200">
+              <a:solidFill>
+                <a:schemeClr val="tx1"/>
+              </a:solidFill>
+              <a:latin typeface="+mn-lt"/>
+              <a:ea typeface="+mn-ea"/>
+              <a:cs typeface="+mn-cs"/>
+            </a:defRPr>
+          </a:lvl1pPr>
+          <a:lvl2pPr marL="457200" algn="l" defTabSz="457200" rtl="0" eaLnBrk="1" latinLnBrk="0" hangingPunct="1">
+            <a:defRPr sz="1800" kern="1200">
+              <a:solidFill>
+                <a:schemeClr val="tx1"/>
+              </a:solidFill>
+              <a:latin typeface="+mn-lt"/>
+              <a:ea typeface="+mn-ea"/>
+              <a:cs typeface="+mn-cs"/>
+            </a:defRPr>
+          </a:lvl2pPr>
+          <a:lvl3pPr marL="914400" algn="l" defTabSz="457200" rtl="0" eaLnBrk="1" latinLnBrk="0" hangingPunct="1">
+            <a:defRPr sz="1800" kern="1200">
+              <a:solidFill>
+                <a:schemeClr val="tx1"/>
+              </a:solidFill>
+              <a:latin typeface="+mn-lt"/>
+              <a:ea typeface="+mn-ea"/>
+              <a:cs typeface="+mn-cs"/>
+            </a:defRPr>
+          </a:lvl3pPr>
+          <a:lvl4pPr marL="1371600" algn="l" defTabSz="457200" rtl="0" eaLnBrk="1" latinLnBrk="0" hangingPunct="1">
+            <a:defRPr sz="1800" kern="1200">
+              <a:solidFill>
+                <a:schemeClr val="tx1"/>
+              </a:solidFill>
+              <a:latin typeface="+mn-lt"/>
+              <a:ea typeface="+mn-ea"/>
+              <a:cs typeface="+mn-cs"/>
+            </a:defRPr>
+          </a:lvl4pPr>
+          <a:lvl5pPr marL="1828800" algn="l" defTabSz="457200" rtl="0" eaLnBrk="1" latinLnBrk="0" hangingPunct="1">
+            <a:defRPr sz="1800" kern="1200">
+              <a:solidFill>
+                <a:schemeClr val="tx1"/>
+              </a:solidFill>
+              <a:latin typeface="+mn-lt"/>
+              <a:ea typeface="+mn-ea"/>
+              <a:cs typeface="+mn-cs"/>
+            </a:defRPr>
+          </a:lvl5pPr>
+          <a:lvl6pPr marL="2286000" algn="l" defTabSz="457200" rtl="0" eaLnBrk="1" latinLnBrk="0" hangingPunct="1">
+            <a:defRPr sz="1800" kern="1200">
+              <a:solidFill>
+                <a:schemeClr val="tx1"/>
+              </a:solidFill>
+              <a:latin typeface="+mn-lt"/>
+              <a:ea typeface="+mn-ea"/>
+              <a:cs typeface="+mn-cs"/>
+            </a:defRPr>
+          </a:lvl6pPr>
+          <a:lvl7pPr marL="2743200" algn="l" defTabSz="457200" rtl="0" eaLnBrk="1" latinLnBrk="0" hangingPunct="1">
+            <a:defRPr sz="1800" kern="1200">
+              <a:solidFill>
+                <a:schemeClr val="tx1"/>
+              </a:solidFill>
+              <a:latin typeface="+mn-lt"/>
+              <a:ea typeface="+mn-ea"/>
+              <a:cs typeface="+mn-cs"/>
+            </a:defRPr>
+          </a:lvl7pPr>
+          <a:lvl8pPr marL="3200400" algn="l" defTabSz="457200" rtl="0" eaLnBrk="1" latinLnBrk="0" hangingPunct="1">
+            <a:defRPr sz="1800" kern="1200">
+              <a:solidFill>
+                <a:schemeClr val="tx1"/>
+              </a:solidFill>
+              <a:latin typeface="+mn-lt"/>
+              <a:ea typeface="+mn-ea"/>
+              <a:cs typeface="+mn-cs"/>
+            </a:defRPr>
+          </a:lvl8pPr>
+          <a:lvl9pPr marL="3657600" algn="l" defTabSz="457200" rtl="0" eaLnBrk="1" latinLnBrk="0" hangingPunct="1">
+            <a:defRPr sz="1800" kern="1200">
+              <a:solidFill>
+                <a:schemeClr val="tx1"/>
+              </a:solidFill>
+              <a:latin typeface="+mn-lt"/>
+              <a:ea typeface="+mn-ea"/>
+              <a:cs typeface="+mn-cs"/>
+            </a:defRPr>
+          </a:lvl9pPr>
+        </a:lstStyle>
+        <a:p xmlns:a="http://schemas.openxmlformats.org/drawingml/2006/main">
+          <a:r>
+            <a:rPr lang="en-CA" dirty="0" smtClean="0"/>
+            <a:t>159</a:t>
+          </a:r>
+          <a:endParaRPr lang="en-CA" dirty="0"/>
+        </a:p>
+      </cdr:txBody>
+    </cdr:sp>
+  </cdr:relSizeAnchor>
+  <cdr:relSizeAnchor xmlns:cdr="http://schemas.openxmlformats.org/drawingml/2006/chartDrawing">
+    <cdr:from>
+      <cdr:x>0.26861</cdr:x>
+      <cdr:y>0.63518</cdr:y>
+    </cdr:from>
+    <cdr:to>
+      <cdr:x>0.32135</cdr:x>
+      <cdr:y>0.71091</cdr:y>
+    </cdr:to>
+    <cdr:sp macro="" textlink="">
+      <cdr:nvSpPr>
+        <cdr:cNvPr id="3" name="TextBox 6"/>
+        <cdr:cNvSpPr txBox="1"/>
+      </cdr:nvSpPr>
+      <cdr:spPr>
+        <a:xfrm xmlns:a="http://schemas.openxmlformats.org/drawingml/2006/main">
+          <a:off x="2947349" y="3097649"/>
+          <a:ext cx="578741" cy="369332"/>
+        </a:xfrm>
+        <a:prstGeom xmlns:a="http://schemas.openxmlformats.org/drawingml/2006/main" prst="rect">
+          <a:avLst/>
+        </a:prstGeom>
+        <a:noFill xmlns:a="http://schemas.openxmlformats.org/drawingml/2006/main"/>
+      </cdr:spPr>
+      <cdr:txBody>
+        <a:bodyPr xmlns:a="http://schemas.openxmlformats.org/drawingml/2006/main" wrap="square" rtlCol="0">
+          <a:spAutoFit/>
+        </a:bodyPr>
+        <a:lstStyle xmlns:a="http://schemas.openxmlformats.org/drawingml/2006/main">
+          <a:lvl1pPr marL="0" indent="0">
+            <a:defRPr sz="1100">
+              <a:latin typeface="+mn-lt"/>
+              <a:ea typeface="+mn-ea"/>
+              <a:cs typeface="+mn-cs"/>
+            </a:defRPr>
+          </a:lvl1pPr>
+          <a:lvl2pPr marL="457200" indent="0">
+            <a:defRPr sz="1100">
+              <a:latin typeface="+mn-lt"/>
+              <a:ea typeface="+mn-ea"/>
+              <a:cs typeface="+mn-cs"/>
+            </a:defRPr>
+          </a:lvl2pPr>
+          <a:lvl3pPr marL="914400" indent="0">
+            <a:defRPr sz="1100">
+              <a:latin typeface="+mn-lt"/>
+              <a:ea typeface="+mn-ea"/>
+              <a:cs typeface="+mn-cs"/>
+            </a:defRPr>
+          </a:lvl3pPr>
+          <a:lvl4pPr marL="1371600" indent="0">
+            <a:defRPr sz="1100">
+              <a:latin typeface="+mn-lt"/>
+              <a:ea typeface="+mn-ea"/>
+              <a:cs typeface="+mn-cs"/>
+            </a:defRPr>
+          </a:lvl4pPr>
+          <a:lvl5pPr marL="1828800" indent="0">
+            <a:defRPr sz="1100">
+              <a:latin typeface="+mn-lt"/>
+              <a:ea typeface="+mn-ea"/>
+              <a:cs typeface="+mn-cs"/>
+            </a:defRPr>
+          </a:lvl5pPr>
+          <a:lvl6pPr marL="2286000" indent="0">
+            <a:defRPr sz="1100">
+              <a:latin typeface="+mn-lt"/>
+              <a:ea typeface="+mn-ea"/>
+              <a:cs typeface="+mn-cs"/>
+            </a:defRPr>
+          </a:lvl6pPr>
+          <a:lvl7pPr marL="2743200" indent="0">
+            <a:defRPr sz="1100">
+              <a:latin typeface="+mn-lt"/>
+              <a:ea typeface="+mn-ea"/>
+              <a:cs typeface="+mn-cs"/>
+            </a:defRPr>
+          </a:lvl7pPr>
+          <a:lvl8pPr marL="3200400" indent="0">
+            <a:defRPr sz="1100">
+              <a:latin typeface="+mn-lt"/>
+              <a:ea typeface="+mn-ea"/>
+              <a:cs typeface="+mn-cs"/>
+            </a:defRPr>
+          </a:lvl8pPr>
+          <a:lvl9pPr marL="3657600" indent="0">
+            <a:defRPr sz="1100">
+              <a:latin typeface="+mn-lt"/>
+              <a:ea typeface="+mn-ea"/>
+              <a:cs typeface="+mn-cs"/>
+            </a:defRPr>
+          </a:lvl9pPr>
+        </a:lstStyle>
+        <a:p xmlns:a="http://schemas.openxmlformats.org/drawingml/2006/main">
+          <a:r>
+            <a:rPr lang="en-CA" sz="1800" dirty="0" smtClean="0"/>
+            <a:t>280</a:t>
+          </a:r>
+          <a:endParaRPr lang="en-CA" sz="1800" dirty="0"/>
+        </a:p>
+      </cdr:txBody>
+    </cdr:sp>
+  </cdr:relSizeAnchor>
+  <cdr:relSizeAnchor xmlns:cdr="http://schemas.openxmlformats.org/drawingml/2006/chartDrawing">
+    <cdr:from>
+      <cdr:x>0.3792</cdr:x>
+      <cdr:y>0.48448</cdr:y>
+    </cdr:from>
+    <cdr:to>
+      <cdr:x>0.43194</cdr:x>
+      <cdr:y>0.56021</cdr:y>
+    </cdr:to>
+    <cdr:sp macro="" textlink="">
+      <cdr:nvSpPr>
+        <cdr:cNvPr id="4" name="TextBox 6"/>
+        <cdr:cNvSpPr txBox="1"/>
+      </cdr:nvSpPr>
+      <cdr:spPr>
+        <a:xfrm xmlns:a="http://schemas.openxmlformats.org/drawingml/2006/main">
+          <a:off x="4160852" y="2362711"/>
+          <a:ext cx="578741" cy="369332"/>
+        </a:xfrm>
+        <a:prstGeom xmlns:a="http://schemas.openxmlformats.org/drawingml/2006/main" prst="rect">
+          <a:avLst/>
+        </a:prstGeom>
+        <a:noFill xmlns:a="http://schemas.openxmlformats.org/drawingml/2006/main"/>
+      </cdr:spPr>
+      <cdr:txBody>
+        <a:bodyPr xmlns:a="http://schemas.openxmlformats.org/drawingml/2006/main" wrap="square" rtlCol="0">
+          <a:spAutoFit/>
+        </a:bodyPr>
+        <a:lstStyle xmlns:a="http://schemas.openxmlformats.org/drawingml/2006/main">
+          <a:lvl1pPr marL="0" indent="0">
+            <a:defRPr sz="1100">
+              <a:latin typeface="+mn-lt"/>
+              <a:ea typeface="+mn-ea"/>
+              <a:cs typeface="+mn-cs"/>
+            </a:defRPr>
+          </a:lvl1pPr>
+          <a:lvl2pPr marL="457200" indent="0">
+            <a:defRPr sz="1100">
+              <a:latin typeface="+mn-lt"/>
+              <a:ea typeface="+mn-ea"/>
+              <a:cs typeface="+mn-cs"/>
+            </a:defRPr>
+          </a:lvl2pPr>
+          <a:lvl3pPr marL="914400" indent="0">
+            <a:defRPr sz="1100">
+              <a:latin typeface="+mn-lt"/>
+              <a:ea typeface="+mn-ea"/>
+              <a:cs typeface="+mn-cs"/>
+            </a:defRPr>
+          </a:lvl3pPr>
+          <a:lvl4pPr marL="1371600" indent="0">
+            <a:defRPr sz="1100">
+              <a:latin typeface="+mn-lt"/>
+              <a:ea typeface="+mn-ea"/>
+              <a:cs typeface="+mn-cs"/>
+            </a:defRPr>
+          </a:lvl4pPr>
+          <a:lvl5pPr marL="1828800" indent="0">
+            <a:defRPr sz="1100">
+              <a:latin typeface="+mn-lt"/>
+              <a:ea typeface="+mn-ea"/>
+              <a:cs typeface="+mn-cs"/>
+            </a:defRPr>
+          </a:lvl5pPr>
+          <a:lvl6pPr marL="2286000" indent="0">
+            <a:defRPr sz="1100">
+              <a:latin typeface="+mn-lt"/>
+              <a:ea typeface="+mn-ea"/>
+              <a:cs typeface="+mn-cs"/>
+            </a:defRPr>
+          </a:lvl6pPr>
+          <a:lvl7pPr marL="2743200" indent="0">
+            <a:defRPr sz="1100">
+              <a:latin typeface="+mn-lt"/>
+              <a:ea typeface="+mn-ea"/>
+              <a:cs typeface="+mn-cs"/>
+            </a:defRPr>
+          </a:lvl7pPr>
+          <a:lvl8pPr marL="3200400" indent="0">
+            <a:defRPr sz="1100">
+              <a:latin typeface="+mn-lt"/>
+              <a:ea typeface="+mn-ea"/>
+              <a:cs typeface="+mn-cs"/>
+            </a:defRPr>
+          </a:lvl8pPr>
+          <a:lvl9pPr marL="3657600" indent="0">
+            <a:defRPr sz="1100">
+              <a:latin typeface="+mn-lt"/>
+              <a:ea typeface="+mn-ea"/>
+              <a:cs typeface="+mn-cs"/>
+            </a:defRPr>
+          </a:lvl9pPr>
+        </a:lstStyle>
+        <a:p xmlns:a="http://schemas.openxmlformats.org/drawingml/2006/main">
+          <a:r>
+            <a:rPr lang="en-CA" sz="1800" dirty="0" smtClean="0"/>
+            <a:t>516</a:t>
+          </a:r>
+          <a:endParaRPr lang="en-CA" sz="1800" dirty="0"/>
+        </a:p>
+      </cdr:txBody>
+    </cdr:sp>
+  </cdr:relSizeAnchor>
+  <cdr:relSizeAnchor xmlns:cdr="http://schemas.openxmlformats.org/drawingml/2006/chartDrawing">
+    <cdr:from>
+      <cdr:x>0.49368</cdr:x>
+      <cdr:y>0.33904</cdr:y>
+    </cdr:from>
+    <cdr:to>
+      <cdr:x>0.54643</cdr:x>
+      <cdr:y>0.41477</cdr:y>
+    </cdr:to>
+    <cdr:sp macro="" textlink="">
+      <cdr:nvSpPr>
+        <cdr:cNvPr id="5" name="TextBox 6"/>
+        <cdr:cNvSpPr txBox="1"/>
+      </cdr:nvSpPr>
+      <cdr:spPr>
+        <a:xfrm xmlns:a="http://schemas.openxmlformats.org/drawingml/2006/main">
+          <a:off x="5417084" y="1653410"/>
+          <a:ext cx="578741" cy="369332"/>
+        </a:xfrm>
+        <a:prstGeom xmlns:a="http://schemas.openxmlformats.org/drawingml/2006/main" prst="rect">
+          <a:avLst/>
+        </a:prstGeom>
+        <a:noFill xmlns:a="http://schemas.openxmlformats.org/drawingml/2006/main"/>
+      </cdr:spPr>
+      <cdr:txBody>
+        <a:bodyPr xmlns:a="http://schemas.openxmlformats.org/drawingml/2006/main" wrap="square" rtlCol="0">
+          <a:spAutoFit/>
+        </a:bodyPr>
+        <a:lstStyle xmlns:a="http://schemas.openxmlformats.org/drawingml/2006/main">
+          <a:lvl1pPr marL="0" indent="0">
+            <a:defRPr sz="1100">
+              <a:latin typeface="+mn-lt"/>
+              <a:ea typeface="+mn-ea"/>
+              <a:cs typeface="+mn-cs"/>
+            </a:defRPr>
+          </a:lvl1pPr>
+          <a:lvl2pPr marL="457200" indent="0">
+            <a:defRPr sz="1100">
+              <a:latin typeface="+mn-lt"/>
+              <a:ea typeface="+mn-ea"/>
+              <a:cs typeface="+mn-cs"/>
+            </a:defRPr>
+          </a:lvl2pPr>
+          <a:lvl3pPr marL="914400" indent="0">
+            <a:defRPr sz="1100">
+              <a:latin typeface="+mn-lt"/>
+              <a:ea typeface="+mn-ea"/>
+              <a:cs typeface="+mn-cs"/>
+            </a:defRPr>
+          </a:lvl3pPr>
+          <a:lvl4pPr marL="1371600" indent="0">
+            <a:defRPr sz="1100">
+              <a:latin typeface="+mn-lt"/>
+              <a:ea typeface="+mn-ea"/>
+              <a:cs typeface="+mn-cs"/>
+            </a:defRPr>
+          </a:lvl4pPr>
+          <a:lvl5pPr marL="1828800" indent="0">
+            <a:defRPr sz="1100">
+              <a:latin typeface="+mn-lt"/>
+              <a:ea typeface="+mn-ea"/>
+              <a:cs typeface="+mn-cs"/>
+            </a:defRPr>
+          </a:lvl5pPr>
+          <a:lvl6pPr marL="2286000" indent="0">
+            <a:defRPr sz="1100">
+              <a:latin typeface="+mn-lt"/>
+              <a:ea typeface="+mn-ea"/>
+              <a:cs typeface="+mn-cs"/>
+            </a:defRPr>
+          </a:lvl6pPr>
+          <a:lvl7pPr marL="2743200" indent="0">
+            <a:defRPr sz="1100">
+              <a:latin typeface="+mn-lt"/>
+              <a:ea typeface="+mn-ea"/>
+              <a:cs typeface="+mn-cs"/>
+            </a:defRPr>
+          </a:lvl7pPr>
+          <a:lvl8pPr marL="3200400" indent="0">
+            <a:defRPr sz="1100">
+              <a:latin typeface="+mn-lt"/>
+              <a:ea typeface="+mn-ea"/>
+              <a:cs typeface="+mn-cs"/>
+            </a:defRPr>
+          </a:lvl8pPr>
+          <a:lvl9pPr marL="3657600" indent="0">
+            <a:defRPr sz="1100">
+              <a:latin typeface="+mn-lt"/>
+              <a:ea typeface="+mn-ea"/>
+              <a:cs typeface="+mn-cs"/>
+            </a:defRPr>
+          </a:lvl9pPr>
+        </a:lstStyle>
+        <a:p xmlns:a="http://schemas.openxmlformats.org/drawingml/2006/main">
+          <a:r>
+            <a:rPr lang="en-CA" sz="1800" dirty="0" smtClean="0"/>
+            <a:t>735</a:t>
+          </a:r>
+          <a:endParaRPr lang="en-CA" sz="1800" dirty="0"/>
+        </a:p>
+      </cdr:txBody>
+    </cdr:sp>
+  </cdr:relSizeAnchor>
+  <cdr:relSizeAnchor xmlns:cdr="http://schemas.openxmlformats.org/drawingml/2006/chartDrawing">
+    <cdr:from>
+      <cdr:x>0.59242</cdr:x>
+      <cdr:y>0.17247</cdr:y>
+    </cdr:from>
+    <cdr:to>
+      <cdr:x>0.67497</cdr:x>
+      <cdr:y>0.2482</cdr:y>
+    </cdr:to>
+    <cdr:sp macro="" textlink="">
+      <cdr:nvSpPr>
+        <cdr:cNvPr id="6" name="TextBox 6"/>
+        <cdr:cNvSpPr txBox="1"/>
+      </cdr:nvSpPr>
+      <cdr:spPr>
+        <a:xfrm xmlns:a="http://schemas.openxmlformats.org/drawingml/2006/main">
+          <a:off x="6500502" y="841084"/>
+          <a:ext cx="905854" cy="369332"/>
+        </a:xfrm>
+        <a:prstGeom xmlns:a="http://schemas.openxmlformats.org/drawingml/2006/main" prst="rect">
+          <a:avLst/>
+        </a:prstGeom>
+        <a:noFill xmlns:a="http://schemas.openxmlformats.org/drawingml/2006/main"/>
+      </cdr:spPr>
+      <cdr:txBody>
+        <a:bodyPr xmlns:a="http://schemas.openxmlformats.org/drawingml/2006/main" wrap="square" rtlCol="0">
+          <a:spAutoFit/>
+        </a:bodyPr>
+        <a:lstStyle xmlns:a="http://schemas.openxmlformats.org/drawingml/2006/main">
+          <a:lvl1pPr marL="0" indent="0">
+            <a:defRPr sz="1100">
+              <a:latin typeface="+mn-lt"/>
+              <a:ea typeface="+mn-ea"/>
+              <a:cs typeface="+mn-cs"/>
+            </a:defRPr>
+          </a:lvl1pPr>
+          <a:lvl2pPr marL="457200" indent="0">
+            <a:defRPr sz="1100">
+              <a:latin typeface="+mn-lt"/>
+              <a:ea typeface="+mn-ea"/>
+              <a:cs typeface="+mn-cs"/>
+            </a:defRPr>
+          </a:lvl2pPr>
+          <a:lvl3pPr marL="914400" indent="0">
+            <a:defRPr sz="1100">
+              <a:latin typeface="+mn-lt"/>
+              <a:ea typeface="+mn-ea"/>
+              <a:cs typeface="+mn-cs"/>
+            </a:defRPr>
+          </a:lvl3pPr>
+          <a:lvl4pPr marL="1371600" indent="0">
+            <a:defRPr sz="1100">
+              <a:latin typeface="+mn-lt"/>
+              <a:ea typeface="+mn-ea"/>
+              <a:cs typeface="+mn-cs"/>
+            </a:defRPr>
+          </a:lvl4pPr>
+          <a:lvl5pPr marL="1828800" indent="0">
+            <a:defRPr sz="1100">
+              <a:latin typeface="+mn-lt"/>
+              <a:ea typeface="+mn-ea"/>
+              <a:cs typeface="+mn-cs"/>
+            </a:defRPr>
+          </a:lvl5pPr>
+          <a:lvl6pPr marL="2286000" indent="0">
+            <a:defRPr sz="1100">
+              <a:latin typeface="+mn-lt"/>
+              <a:ea typeface="+mn-ea"/>
+              <a:cs typeface="+mn-cs"/>
+            </a:defRPr>
+          </a:lvl6pPr>
+          <a:lvl7pPr marL="2743200" indent="0">
+            <a:defRPr sz="1100">
+              <a:latin typeface="+mn-lt"/>
+              <a:ea typeface="+mn-ea"/>
+              <a:cs typeface="+mn-cs"/>
+            </a:defRPr>
+          </a:lvl7pPr>
+          <a:lvl8pPr marL="3200400" indent="0">
+            <a:defRPr sz="1100">
+              <a:latin typeface="+mn-lt"/>
+              <a:ea typeface="+mn-ea"/>
+              <a:cs typeface="+mn-cs"/>
+            </a:defRPr>
+          </a:lvl8pPr>
+          <a:lvl9pPr marL="3657600" indent="0">
+            <a:defRPr sz="1100">
+              <a:latin typeface="+mn-lt"/>
+              <a:ea typeface="+mn-ea"/>
+              <a:cs typeface="+mn-cs"/>
+            </a:defRPr>
+          </a:lvl9pPr>
+        </a:lstStyle>
+        <a:p xmlns:a="http://schemas.openxmlformats.org/drawingml/2006/main">
+          <a:r>
+            <a:rPr lang="en-CA" sz="1800" dirty="0" smtClean="0"/>
+            <a:t>1000+</a:t>
+          </a:r>
+          <a:endParaRPr lang="en-CA" sz="1800" dirty="0"/>
+        </a:p>
+      </cdr:txBody>
+    </cdr:sp>
+  </cdr:relSizeAnchor>
+</c:userShapes>
 </file>
 
 <file path=ppt/notesMasters/notesMaster1.xml><?xml version="1.0" encoding="utf-8"?>
@@ -213,7 +934,7 @@
           <a:p>
             <a:fld id="{24720111-BA70-4E3D-B1D7-15F2563EF00A}" type="datetimeFigureOut">
               <a:rPr lang="en-US" smtClean="0"/>
-              <a:t>4/7/2017</a:t>
+              <a:t>4/9/2017</a:t>
             </a:fld>
             <a:endParaRPr lang="en-US"/>
           </a:p>
@@ -669,7 +1390,7 @@
           <a:p>
             <a:fld id="{E0C967F1-888B-4FFD-930F-399B5AFB6A40}" type="datetime1">
               <a:rPr lang="en-US" smtClean="0"/>
-              <a:t>4/7/2017</a:t>
+              <a:t>4/9/2017</a:t>
             </a:fld>
             <a:endParaRPr lang="en-US" dirty="0"/>
           </a:p>
@@ -873,7 +1594,7 @@
           <a:p>
             <a:fld id="{472C65D6-9E08-4527-85F6-4EDC8D9495C6}" type="datetime1">
               <a:rPr lang="en-US" smtClean="0"/>
-              <a:t>4/7/2017</a:t>
+              <a:t>4/9/2017</a:t>
             </a:fld>
             <a:endParaRPr lang="en-US" dirty="0"/>
           </a:p>
@@ -1052,7 +1773,7 @@
           <a:p>
             <a:fld id="{1E531BB1-F055-489F-98D0-50FA16718D1F}" type="datetime1">
               <a:rPr lang="en-US" smtClean="0"/>
-              <a:t>4/7/2017</a:t>
+              <a:t>4/9/2017</a:t>
             </a:fld>
             <a:endParaRPr lang="en-US" dirty="0"/>
           </a:p>
@@ -1222,7 +1943,7 @@
           <a:p>
             <a:fld id="{ADA672B8-0B5F-4805-9E24-76DCBCFDF28D}" type="datetime1">
               <a:rPr lang="en-US" smtClean="0"/>
-              <a:t>4/7/2017</a:t>
+              <a:t>4/9/2017</a:t>
             </a:fld>
             <a:endParaRPr lang="en-US" dirty="0"/>
           </a:p>
@@ -1474,7 +2195,7 @@
           <a:p>
             <a:fld id="{04634744-F58A-42F8-A98F-EFA90579772A}" type="datetime1">
               <a:rPr lang="en-US" smtClean="0"/>
-              <a:t>4/7/2017</a:t>
+              <a:t>4/9/2017</a:t>
             </a:fld>
             <a:endParaRPr lang="en-US" dirty="0"/>
           </a:p>
@@ -1796,7 +2517,7 @@
           <a:p>
             <a:fld id="{DE68F43B-C5C1-4A77-9370-2CB0A9FA3596}" type="datetime1">
               <a:rPr lang="en-US" smtClean="0"/>
-              <a:t>4/7/2017</a:t>
+              <a:t>4/9/2017</a:t>
             </a:fld>
             <a:endParaRPr lang="en-US" dirty="0"/>
           </a:p>
@@ -2266,7 +2987,7 @@
           <a:p>
             <a:fld id="{120ABC32-F724-4485-ADEB-C058193A362A}" type="datetime1">
               <a:rPr lang="en-US" smtClean="0"/>
-              <a:t>4/7/2017</a:t>
+              <a:t>4/9/2017</a:t>
             </a:fld>
             <a:endParaRPr lang="en-US" dirty="0"/>
           </a:p>
@@ -2418,7 +3139,7 @@
           <a:p>
             <a:fld id="{AA521F0C-7362-49B1-86D0-0E9742F912C8}" type="datetime1">
               <a:rPr lang="en-US" smtClean="0"/>
-              <a:t>4/7/2017</a:t>
+              <a:t>4/9/2017</a:t>
             </a:fld>
             <a:endParaRPr lang="en-US" dirty="0"/>
           </a:p>
@@ -2512,7 +3233,7 @@
           <a:p>
             <a:fld id="{49638AF9-AC6A-41D7-9C44-E11DD6CBF1CF}" type="datetime1">
               <a:rPr lang="en-US" smtClean="0"/>
-              <a:t>4/7/2017</a:t>
+              <a:t>4/9/2017</a:t>
             </a:fld>
             <a:endParaRPr lang="en-US" dirty="0"/>
           </a:p>
@@ -2790,7 +3511,7 @@
           <a:p>
             <a:fld id="{27A97E58-9F7E-4BBD-8B44-209DB42CC4BD}" type="datetime1">
               <a:rPr lang="en-US" smtClean="0"/>
-              <a:t>4/7/2017</a:t>
+              <a:t>4/9/2017</a:t>
             </a:fld>
             <a:endParaRPr lang="en-US" dirty="0"/>
           </a:p>
@@ -3099,7 +3820,7 @@
           <a:p>
             <a:fld id="{A52EACD4-389C-4017-9A33-9925F3908438}" type="datetime1">
               <a:rPr lang="en-US" smtClean="0"/>
-              <a:t>4/7/2017</a:t>
+              <a:t>4/9/2017</a:t>
             </a:fld>
             <a:endParaRPr lang="en-US" dirty="0"/>
           </a:p>
@@ -3401,7 +4122,7 @@
           <a:p>
             <a:fld id="{3D645673-5BCC-4FCF-96A9-7482A0FA262A}" type="datetime1">
               <a:rPr lang="en-US" smtClean="0"/>
-              <a:t>4/7/2017</a:t>
+              <a:t>4/9/2017</a:t>
             </a:fld>
             <a:endParaRPr lang="en-US" dirty="0"/>
           </a:p>
@@ -4963,8 +5684,13 @@
           <a:p>
             <a:r>
               <a:rPr lang="en-CA" dirty="0"/>
-              <a:t>A Brief History of Amazon Cloud</a:t>
-            </a:r>
+              <a:t>A Brief History of Amazon </a:t>
+            </a:r>
+            <a:r>
+              <a:rPr lang="en-CA" dirty="0" smtClean="0"/>
+              <a:t>Web Services</a:t>
+            </a:r>
+            <a:endParaRPr lang="en-CA" dirty="0"/>
           </a:p>
         </p:txBody>
       </p:sp>
@@ -4980,10 +5706,76 @@
         </p:nvSpPr>
         <p:spPr/>
         <p:txBody>
-          <a:bodyPr/>
-          <a:lstStyle/>
-          <a:p>
-            <a:endParaRPr lang="en-CA"/>
+          <a:bodyPr>
+            <a:normAutofit fontScale="85000" lnSpcReduction="10000"/>
+          </a:bodyPr>
+          <a:lstStyle/>
+          <a:p>
+            <a:r>
+              <a:rPr lang="en-CA" dirty="0" smtClean="0"/>
+              <a:t>Started late 2003, Chris Pinkham and Benjamin Black presented the idea of selling Amazon’s internal standardized computing infrastructure as service to the external wold.</a:t>
+            </a:r>
+          </a:p>
+          <a:p>
+            <a:r>
+              <a:rPr lang="en-CA" dirty="0" smtClean="0"/>
+              <a:t>November 2004, Simple Queue Service (SQS) launched as first Amazon Web Service</a:t>
+            </a:r>
+          </a:p>
+          <a:p>
+            <a:r>
+              <a:rPr lang="en-CA" dirty="0" smtClean="0"/>
+              <a:t>2006, AWS officially launched</a:t>
+            </a:r>
+          </a:p>
+          <a:p>
+            <a:r>
+              <a:rPr lang="en-CA" dirty="0" smtClean="0"/>
+              <a:t>2007, 180,000 developers on board on the platform</a:t>
+            </a:r>
+          </a:p>
+          <a:p>
+            <a:r>
+              <a:rPr lang="en-CA" dirty="0" smtClean="0"/>
+              <a:t>2010, all amazon.com moved over to AWS</a:t>
+            </a:r>
+          </a:p>
+          <a:p>
+            <a:r>
+              <a:rPr lang="en-CA" dirty="0" smtClean="0"/>
+              <a:t>2012, first Re-Invent conference at Las Vegas</a:t>
+            </a:r>
+          </a:p>
+          <a:p>
+            <a:r>
+              <a:rPr lang="en-CA" dirty="0" smtClean="0"/>
+              <a:t>2013, AWS Certification launched</a:t>
+            </a:r>
+          </a:p>
+          <a:p>
+            <a:r>
+              <a:rPr lang="en-CA" dirty="0" smtClean="0"/>
+              <a:t>2015, AWS became profitable, generate $6B USD revenue per annum and 90% growth rate year over year</a:t>
+            </a:r>
+          </a:p>
+          <a:p>
+            <a:r>
+              <a:rPr lang="en-CA" dirty="0" smtClean="0"/>
+              <a:t>2016 $13B USD revenue</a:t>
+            </a:r>
+          </a:p>
+          <a:p>
+            <a:r>
+              <a:rPr lang="en-CA" dirty="0" smtClean="0"/>
+              <a:t>2016, Cisco, IBM, HP Enterprise, Dell EMC, Oracle, VMWare generated over $206B revenue, $15B reduction from 2012(3% shrinkage year over year)</a:t>
+            </a:r>
+          </a:p>
+          <a:p>
+            <a:r>
+              <a:rPr lang="en-CA" dirty="0" smtClean="0"/>
+              <a:t>Dec. 2016 AWS Canada opened first Canada Availability Center in Montreal</a:t>
+            </a:r>
+            <a:endParaRPr lang="en-CA" dirty="0"/>
           </a:p>
         </p:txBody>
       </p:sp>
@@ -5085,25 +5877,31 @@
           </a:p>
         </p:txBody>
       </p:sp>
-      <p:sp>
-        <p:nvSpPr>
-          <p:cNvPr id="3" name="Content Placeholder 2"/>
-          <p:cNvSpPr>
-            <a:spLocks noGrp="1"/>
-          </p:cNvSpPr>
+      <p:graphicFrame>
+        <p:nvGraphicFramePr>
+          <p:cNvPr id="6" name="Content Placeholder 5"/>
+          <p:cNvGraphicFramePr>
+            <a:graphicFrameLocks noGrp="1"/>
+          </p:cNvGraphicFramePr>
           <p:nvPr>
             <p:ph idx="1"/>
-          </p:nvPr>
-        </p:nvSpPr>
-        <p:spPr/>
-        <p:txBody>
-          <a:bodyPr/>
-          <a:lstStyle/>
-          <a:p>
-            <a:endParaRPr lang="en-CA"/>
-          </a:p>
-        </p:txBody>
-      </p:sp>
+            <p:extLst>
+              <p:ext uri="{D42A27DB-BD31-4B8C-83A1-F6EECF244321}">
+                <p14:modId xmlns:p14="http://schemas.microsoft.com/office/powerpoint/2010/main" val="2574626137"/>
+              </p:ext>
+            </p:extLst>
+          </p:nvPr>
+        </p:nvGraphicFramePr>
+        <p:xfrm>
+          <a:off x="609600" y="1600200"/>
+          <a:ext cx="10972800" cy="4876800"/>
+        </p:xfrm>
+        <a:graphic>
+          <a:graphicData uri="http://schemas.openxmlformats.org/drawingml/2006/chart">
+            <c:chart xmlns:c="http://schemas.openxmlformats.org/drawingml/2006/chart" xmlns:r="http://schemas.openxmlformats.org/officeDocument/2006/relationships" r:id="rId2"/>
+          </a:graphicData>
+        </a:graphic>
+      </p:graphicFrame>
       <p:sp>
         <p:nvSpPr>
           <p:cNvPr id="4" name="Footer Placeholder 3"/>
@@ -5147,6 +5945,36 @@
               <a:t>16</a:t>
             </a:fld>
             <a:endParaRPr lang="en-US" dirty="0"/>
+          </a:p>
+        </p:txBody>
+      </p:sp>
+      <p:sp>
+        <p:nvSpPr>
+          <p:cNvPr id="7" name="TextBox 6"/>
+          <p:cNvSpPr txBox="1"/>
+          <p:nvPr/>
+        </p:nvSpPr>
+        <p:spPr>
+          <a:xfrm>
+            <a:off x="1119499" y="5361556"/>
+            <a:ext cx="495656" cy="369332"/>
+          </a:xfrm>
+          <a:prstGeom prst="rect">
+            <a:avLst/>
+          </a:prstGeom>
+          <a:noFill/>
+        </p:spPr>
+        <p:txBody>
+          <a:bodyPr wrap="square" rtlCol="0">
+            <a:spAutoFit/>
+          </a:bodyPr>
+          <a:lstStyle/>
+          <a:p>
+            <a:r>
+              <a:rPr lang="en-CA" dirty="0" smtClean="0"/>
+              <a:t>82</a:t>
+            </a:r>
+            <a:endParaRPr lang="en-CA" dirty="0"/>
           </a:p>
         </p:txBody>
       </p:sp>
@@ -5197,27 +6025,8 @@
           <a:p>
             <a:r>
               <a:rPr lang="en-CA" dirty="0"/>
-              <a:t>AWS Market Share</a:t>
-            </a:r>
-          </a:p>
-        </p:txBody>
-      </p:sp>
-      <p:sp>
-        <p:nvSpPr>
-          <p:cNvPr id="3" name="Content Placeholder 2"/>
-          <p:cNvSpPr>
-            <a:spLocks noGrp="1"/>
-          </p:cNvSpPr>
-          <p:nvPr>
-            <p:ph idx="1"/>
-          </p:nvPr>
-        </p:nvSpPr>
-        <p:spPr/>
-        <p:txBody>
-          <a:bodyPr/>
-          <a:lstStyle/>
-          <a:p>
-            <a:endParaRPr lang="en-CA"/>
+              <a:t>AWS Growth</a:t>
+            </a:r>
           </a:p>
         </p:txBody>
       </p:sp>
@@ -5264,6 +6073,271 @@
               <a:t>17</a:t>
             </a:fld>
             <a:endParaRPr lang="en-US" dirty="0"/>
+          </a:p>
+        </p:txBody>
+      </p:sp>
+      <p:pic>
+        <p:nvPicPr>
+          <p:cNvPr id="1026" name="Picture 2" descr="stock chart"/>
+          <p:cNvPicPr>
+            <a:picLocks noChangeAspect="1" noChangeArrowheads="1"/>
+          </p:cNvPicPr>
+          <p:nvPr/>
+        </p:nvPicPr>
+        <p:blipFill rotWithShape="1">
+          <a:blip r:embed="rId2">
+            <a:extLst>
+              <a:ext uri="{28A0092B-C50C-407E-A947-70E740481C1C}">
+                <a14:useLocalDpi xmlns:a14="http://schemas.microsoft.com/office/drawing/2010/main" val="0"/>
+              </a:ext>
+            </a:extLst>
+          </a:blip>
+          <a:srcRect b="32014"/>
+          <a:stretch/>
+        </p:blipFill>
+        <p:spPr bwMode="auto">
+          <a:xfrm>
+            <a:off x="880217" y="1626573"/>
+            <a:ext cx="10007126" cy="3977166"/>
+          </a:xfrm>
+          <a:prstGeom prst="rect">
+            <a:avLst/>
+          </a:prstGeom>
+          <a:noFill/>
+          <a:extLst>
+            <a:ext uri="{909E8E84-426E-40DD-AFC4-6F175D3DCCD1}">
+              <a14:hiddenFill xmlns:a14="http://schemas.microsoft.com/office/drawing/2010/main">
+                <a:solidFill>
+                  <a:srgbClr val="FFFFFF"/>
+                </a:solidFill>
+              </a14:hiddenFill>
+            </a:ext>
+          </a:extLst>
+        </p:spPr>
+      </p:pic>
+    </p:spTree>
+    <p:extLst>
+      <p:ext uri="{BB962C8B-B14F-4D97-AF65-F5344CB8AC3E}">
+        <p14:creationId xmlns:p14="http://schemas.microsoft.com/office/powerpoint/2010/main" val="13187605"/>
+      </p:ext>
+    </p:extLst>
+  </p:cSld>
+  <p:clrMapOvr>
+    <a:masterClrMapping/>
+  </p:clrMapOvr>
+</p:sld>
+</file>
+
+<file path=ppt/slides/slide18.xml><?xml version="1.0" encoding="utf-8"?>
+<p:sld xmlns:a="http://schemas.openxmlformats.org/drawingml/2006/main" xmlns:r="http://schemas.openxmlformats.org/officeDocument/2006/relationships" xmlns:p="http://schemas.openxmlformats.org/presentationml/2006/main">
+  <p:cSld>
+    <p:spTree>
+      <p:nvGrpSpPr>
+        <p:cNvPr id="1" name=""/>
+        <p:cNvGrpSpPr/>
+        <p:nvPr/>
+      </p:nvGrpSpPr>
+      <p:grpSpPr>
+        <a:xfrm>
+          <a:off x="0" y="0"/>
+          <a:ext cx="0" cy="0"/>
+          <a:chOff x="0" y="0"/>
+          <a:chExt cx="0" cy="0"/>
+        </a:xfrm>
+      </p:grpSpPr>
+      <p:sp>
+        <p:nvSpPr>
+          <p:cNvPr id="2" name="Title 1"/>
+          <p:cNvSpPr>
+            <a:spLocks noGrp="1"/>
+          </p:cNvSpPr>
+          <p:nvPr>
+            <p:ph type="title"/>
+          </p:nvPr>
+        </p:nvSpPr>
+        <p:spPr/>
+        <p:txBody>
+          <a:bodyPr/>
+          <a:lstStyle/>
+          <a:p>
+            <a:r>
+              <a:rPr lang="en-CA" dirty="0"/>
+              <a:t>AWS </a:t>
+            </a:r>
+            <a:r>
+              <a:rPr lang="en-CA" dirty="0" smtClean="0"/>
+              <a:t>Leadership</a:t>
+            </a:r>
+            <a:endParaRPr lang="en-CA" dirty="0"/>
+          </a:p>
+        </p:txBody>
+      </p:sp>
+      <p:sp>
+        <p:nvSpPr>
+          <p:cNvPr id="4" name="Footer Placeholder 3"/>
+          <p:cNvSpPr>
+            <a:spLocks noGrp="1"/>
+          </p:cNvSpPr>
+          <p:nvPr>
+            <p:ph type="ftr" sz="quarter" idx="11"/>
+          </p:nvPr>
+        </p:nvSpPr>
+        <p:spPr/>
+        <p:txBody>
+          <a:bodyPr/>
+          <a:lstStyle/>
+          <a:p>
+            <a:r>
+              <a:rPr lang="en-US" smtClean="0"/>
+              <a:t>aws101</a:t>
+            </a:r>
+            <a:endParaRPr lang="en-US" dirty="0"/>
+          </a:p>
+        </p:txBody>
+      </p:sp>
+      <p:sp>
+        <p:nvSpPr>
+          <p:cNvPr id="5" name="Slide Number Placeholder 4"/>
+          <p:cNvSpPr>
+            <a:spLocks noGrp="1"/>
+          </p:cNvSpPr>
+          <p:nvPr>
+            <p:ph type="sldNum" sz="quarter" idx="12"/>
+          </p:nvPr>
+        </p:nvSpPr>
+        <p:spPr/>
+        <p:txBody>
+          <a:bodyPr/>
+          <a:lstStyle/>
+          <a:p>
+            <a:fld id="{6D22F896-40B5-4ADD-8801-0D06FADFA095}" type="slidenum">
+              <a:rPr lang="en-US" smtClean="0"/>
+              <a:t>18</a:t>
+            </a:fld>
+            <a:endParaRPr lang="en-US" dirty="0"/>
+          </a:p>
+        </p:txBody>
+      </p:sp>
+      <p:pic>
+        <p:nvPicPr>
+          <p:cNvPr id="2051" name="Picture 3"/>
+          <p:cNvPicPr>
+            <a:picLocks noChangeAspect="1" noChangeArrowheads="1"/>
+          </p:cNvPicPr>
+          <p:nvPr/>
+        </p:nvPicPr>
+        <p:blipFill rotWithShape="1">
+          <a:blip r:embed="rId2">
+            <a:extLst>
+              <a:ext uri="{28A0092B-C50C-407E-A947-70E740481C1C}">
+                <a14:useLocalDpi xmlns:a14="http://schemas.microsoft.com/office/drawing/2010/main" val="0"/>
+              </a:ext>
+            </a:extLst>
+          </a:blip>
+          <a:srcRect t="5270"/>
+          <a:stretch/>
+        </p:blipFill>
+        <p:spPr bwMode="auto">
+          <a:xfrm>
+            <a:off x="6192549" y="2137909"/>
+            <a:ext cx="4764048" cy="4709205"/>
+          </a:xfrm>
+          <a:prstGeom prst="rect">
+            <a:avLst/>
+          </a:prstGeom>
+          <a:noFill/>
+          <a:ln>
+            <a:noFill/>
+          </a:ln>
+          <a:extLst>
+            <a:ext uri="{909E8E84-426E-40DD-AFC4-6F175D3DCCD1}">
+              <a14:hiddenFill xmlns:a14="http://schemas.microsoft.com/office/drawing/2010/main">
+                <a:solidFill>
+                  <a:schemeClr val="accent1"/>
+                </a:solidFill>
+              </a14:hiddenFill>
+            </a:ext>
+            <a:ext uri="{91240B29-F687-4F45-9708-019B960494DF}">
+              <a14:hiddenLine xmlns:a14="http://schemas.microsoft.com/office/drawing/2010/main" w="9525">
+                <a:solidFill>
+                  <a:schemeClr val="tx1"/>
+                </a:solidFill>
+                <a:miter lim="800000"/>
+                <a:headEnd/>
+                <a:tailEnd/>
+              </a14:hiddenLine>
+            </a:ext>
+          </a:extLst>
+        </p:spPr>
+      </p:pic>
+      <p:pic>
+        <p:nvPicPr>
+          <p:cNvPr id="2053" name="Picture 5" descr="Image result for gartner's magic quadrant iaas 2015"/>
+          <p:cNvPicPr>
+            <a:picLocks noChangeAspect="1" noChangeArrowheads="1"/>
+          </p:cNvPicPr>
+          <p:nvPr/>
+        </p:nvPicPr>
+        <p:blipFill>
+          <a:blip r:embed="rId3">
+            <a:extLst>
+              <a:ext uri="{28A0092B-C50C-407E-A947-70E740481C1C}">
+                <a14:useLocalDpi xmlns:a14="http://schemas.microsoft.com/office/drawing/2010/main" val="0"/>
+              </a:ext>
+            </a:extLst>
+          </a:blip>
+          <a:srcRect/>
+          <a:stretch>
+            <a:fillRect/>
+          </a:stretch>
+        </p:blipFill>
+        <p:spPr bwMode="auto">
+          <a:xfrm>
+            <a:off x="435428" y="2148794"/>
+            <a:ext cx="4496254" cy="4496255"/>
+          </a:xfrm>
+          <a:prstGeom prst="rect">
+            <a:avLst/>
+          </a:prstGeom>
+          <a:noFill/>
+          <a:extLst>
+            <a:ext uri="{909E8E84-426E-40DD-AFC4-6F175D3DCCD1}">
+              <a14:hiddenFill xmlns:a14="http://schemas.microsoft.com/office/drawing/2010/main">
+                <a:solidFill>
+                  <a:srgbClr val="FFFFFF"/>
+                </a:solidFill>
+              </a14:hiddenFill>
+            </a:ext>
+          </a:extLst>
+        </p:spPr>
+      </p:pic>
+      <p:sp>
+        <p:nvSpPr>
+          <p:cNvPr id="6" name="TextBox 5"/>
+          <p:cNvSpPr txBox="1"/>
+          <p:nvPr/>
+        </p:nvSpPr>
+        <p:spPr>
+          <a:xfrm>
+            <a:off x="511629" y="1567543"/>
+            <a:ext cx="10319657" cy="461665"/>
+          </a:xfrm>
+          <a:prstGeom prst="rect">
+            <a:avLst/>
+          </a:prstGeom>
+          <a:noFill/>
+        </p:spPr>
+        <p:txBody>
+          <a:bodyPr wrap="square" rtlCol="0">
+            <a:spAutoFit/>
+          </a:bodyPr>
+          <a:lstStyle/>
+          <a:p>
+            <a:r>
+              <a:rPr lang="en-CA" sz="2400" dirty="0" smtClean="0"/>
+              <a:t>Gartner’s Magic Quadrant: Cloud Infrastructure As Service</a:t>
+            </a:r>
+            <a:endParaRPr lang="en-CA" sz="2400" dirty="0"/>
           </a:p>
         </p:txBody>
       </p:sp>
@@ -5271,6 +6345,146 @@
     <p:extLst>
       <p:ext uri="{BB962C8B-B14F-4D97-AF65-F5344CB8AC3E}">
         <p14:creationId xmlns:p14="http://schemas.microsoft.com/office/powerpoint/2010/main" val="1356754037"/>
+      </p:ext>
+    </p:extLst>
+  </p:cSld>
+  <p:clrMapOvr>
+    <a:masterClrMapping/>
+  </p:clrMapOvr>
+</p:sld>
+</file>
+
+<file path=ppt/slides/slide19.xml><?xml version="1.0" encoding="utf-8"?>
+<p:sld xmlns:a="http://schemas.openxmlformats.org/drawingml/2006/main" xmlns:r="http://schemas.openxmlformats.org/officeDocument/2006/relationships" xmlns:p="http://schemas.openxmlformats.org/presentationml/2006/main">
+  <p:cSld>
+    <p:spTree>
+      <p:nvGrpSpPr>
+        <p:cNvPr id="1" name=""/>
+        <p:cNvGrpSpPr/>
+        <p:nvPr/>
+      </p:nvGrpSpPr>
+      <p:grpSpPr>
+        <a:xfrm>
+          <a:off x="0" y="0"/>
+          <a:ext cx="0" cy="0"/>
+          <a:chOff x="0" y="0"/>
+          <a:chExt cx="0" cy="0"/>
+        </a:xfrm>
+      </p:grpSpPr>
+      <p:sp>
+        <p:nvSpPr>
+          <p:cNvPr id="2" name="Title 1"/>
+          <p:cNvSpPr>
+            <a:spLocks noGrp="1"/>
+          </p:cNvSpPr>
+          <p:nvPr>
+            <p:ph type="title"/>
+          </p:nvPr>
+        </p:nvSpPr>
+        <p:spPr/>
+        <p:txBody>
+          <a:bodyPr/>
+          <a:lstStyle/>
+          <a:p>
+            <a:r>
+              <a:rPr lang="en-CA" dirty="0" smtClean="0"/>
+              <a:t>Break for 15 minute</a:t>
+            </a:r>
+            <a:endParaRPr lang="en-CA" dirty="0"/>
+          </a:p>
+        </p:txBody>
+      </p:sp>
+      <p:sp>
+        <p:nvSpPr>
+          <p:cNvPr id="4" name="Footer Placeholder 3"/>
+          <p:cNvSpPr>
+            <a:spLocks noGrp="1"/>
+          </p:cNvSpPr>
+          <p:nvPr>
+            <p:ph type="ftr" sz="quarter" idx="11"/>
+          </p:nvPr>
+        </p:nvSpPr>
+        <p:spPr/>
+        <p:txBody>
+          <a:bodyPr/>
+          <a:lstStyle/>
+          <a:p>
+            <a:r>
+              <a:rPr lang="en-US" smtClean="0"/>
+              <a:t>aws101</a:t>
+            </a:r>
+            <a:endParaRPr lang="en-US" dirty="0"/>
+          </a:p>
+        </p:txBody>
+      </p:sp>
+      <p:sp>
+        <p:nvSpPr>
+          <p:cNvPr id="5" name="Slide Number Placeholder 4"/>
+          <p:cNvSpPr>
+            <a:spLocks noGrp="1"/>
+          </p:cNvSpPr>
+          <p:nvPr>
+            <p:ph type="sldNum" sz="quarter" idx="12"/>
+          </p:nvPr>
+        </p:nvSpPr>
+        <p:spPr/>
+        <p:txBody>
+          <a:bodyPr/>
+          <a:lstStyle/>
+          <a:p>
+            <a:fld id="{6D22F896-40B5-4ADD-8801-0D06FADFA095}" type="slidenum">
+              <a:rPr lang="en-US" smtClean="0"/>
+              <a:t>19</a:t>
+            </a:fld>
+            <a:endParaRPr lang="en-US" dirty="0"/>
+          </a:p>
+        </p:txBody>
+      </p:sp>
+      <p:pic>
+        <p:nvPicPr>
+          <p:cNvPr id="3075" name="Picture 3" descr="C:\Users\ydong05\AppData\Local\Microsoft\Windows\Temporary Internet Files\Content.IE5\NZILQGMY\1094px-Vector_cup_of_coffee.svg[1].png"/>
+          <p:cNvPicPr>
+            <a:picLocks noChangeAspect="1" noChangeArrowheads="1"/>
+          </p:cNvPicPr>
+          <p:nvPr/>
+        </p:nvPicPr>
+        <p:blipFill>
+          <a:blip r:embed="rId2">
+            <a:extLst>
+              <a:ext uri="{28A0092B-C50C-407E-A947-70E740481C1C}">
+                <a14:useLocalDpi xmlns:a14="http://schemas.microsoft.com/office/drawing/2010/main" val="0"/>
+              </a:ext>
+            </a:extLst>
+          </a:blip>
+          <a:srcRect/>
+          <a:stretch>
+            <a:fillRect/>
+          </a:stretch>
+        </p:blipFill>
+        <p:spPr bwMode="auto">
+          <a:xfrm>
+            <a:off x="4996543" y="2787912"/>
+            <a:ext cx="1971222" cy="1845093"/>
+          </a:xfrm>
+          <a:prstGeom prst="rect">
+            <a:avLst/>
+          </a:prstGeom>
+          <a:noFill/>
+          <a:extLst>
+            <a:ext uri="{909E8E84-426E-40DD-AFC4-6F175D3DCCD1}">
+              <a14:hiddenFill xmlns:a14="http://schemas.microsoft.com/office/drawing/2010/main">
+                <a:solidFill>
+                  <a:srgbClr val="FFFFFF"/>
+                </a:solidFill>
+              </a14:hiddenFill>
+            </a:ext>
+          </a:extLst>
+        </p:spPr>
+      </p:pic>
+    </p:spTree>
+    <p:extLst>
+      <p:ext uri="{BB962C8B-B14F-4D97-AF65-F5344CB8AC3E}">
+        <p14:creationId xmlns:p14="http://schemas.microsoft.com/office/powerpoint/2010/main" val="1580744599"/>
       </p:ext>
     </p:extLst>
   </p:cSld>
@@ -5314,7 +6528,7 @@
           <a:p>
             <a:r>
               <a:rPr lang="en-CA" dirty="0"/>
-              <a:t>What is Cloud Computing</a:t>
+              <a:t>Cloud Computing Characteristics</a:t>
             </a:r>
           </a:p>
         </p:txBody>
@@ -5331,95 +6545,31 @@
         </p:nvSpPr>
         <p:spPr/>
         <p:txBody>
-          <a:bodyPr/>
-          <a:lstStyle/>
-          <a:p>
-            <a:r>
-              <a:rPr lang="en-US" sz="3200" dirty="0"/>
-              <a:t>Cloud computing is a model for enabling </a:t>
-            </a:r>
-            <a:r>
-              <a:rPr lang="en-US" sz="3200" u="sng" dirty="0"/>
-              <a:t>ubiquitous</a:t>
-            </a:r>
-            <a:r>
-              <a:rPr lang="en-US" sz="3200" dirty="0"/>
-              <a:t>, </a:t>
-            </a:r>
-            <a:r>
-              <a:rPr lang="en-US" sz="3200" u="sng" dirty="0"/>
-              <a:t>convenient</a:t>
-            </a:r>
-            <a:r>
-              <a:rPr lang="en-US" sz="3200" dirty="0"/>
-              <a:t>, </a:t>
-            </a:r>
-            <a:r>
-              <a:rPr lang="en-US" sz="3200" u="sng" dirty="0"/>
-              <a:t>on-demand</a:t>
-            </a:r>
-            <a:r>
-              <a:rPr lang="en-US" sz="3200" dirty="0"/>
-              <a:t> network access to a </a:t>
-            </a:r>
-            <a:r>
-              <a:rPr lang="en-US" sz="3200" u="sng" dirty="0"/>
-              <a:t>shared </a:t>
-            </a:r>
-            <a:r>
-              <a:rPr lang="en-US" sz="3200" dirty="0"/>
-              <a:t>pool of </a:t>
-            </a:r>
-            <a:r>
-              <a:rPr lang="en-US" sz="3200" u="sng" dirty="0"/>
-              <a:t>configurable</a:t>
-            </a:r>
-            <a:r>
-              <a:rPr lang="en-US" sz="3200" dirty="0"/>
-              <a:t> computing resources (e.g., networks, servers, storage, applications, and services) that can be </a:t>
-            </a:r>
-            <a:r>
-              <a:rPr lang="en-US" sz="3200" u="sng" dirty="0"/>
-              <a:t>rapidly </a:t>
-            </a:r>
-            <a:r>
-              <a:rPr lang="en-US" sz="3200" dirty="0"/>
-              <a:t>provisioned and released with </a:t>
-            </a:r>
-            <a:r>
-              <a:rPr lang="en-US" sz="3200" u="sng" dirty="0"/>
-              <a:t>minimal </a:t>
-            </a:r>
-            <a:r>
-              <a:rPr lang="en-US" sz="3200" dirty="0"/>
-              <a:t>management effort or service provider </a:t>
-            </a:r>
-            <a:r>
-              <a:rPr lang="en-US" sz="3200" dirty="0" smtClean="0"/>
-              <a:t>interaction.</a:t>
-            </a:r>
-          </a:p>
-          <a:p>
-            <a:pPr marL="0" indent="0" algn="r">
+          <a:bodyPr>
+            <a:normAutofit/>
+          </a:bodyPr>
+          <a:lstStyle/>
+          <a:p>
+            <a:pPr marL="0" indent="0">
               <a:buNone/>
             </a:pPr>
-            <a:endParaRPr lang="en-US" sz="2000" dirty="0" smtClean="0"/>
-          </a:p>
-          <a:p>
-            <a:pPr marL="0" indent="0" algn="r">
-              <a:buNone/>
-            </a:pPr>
-            <a:r>
-              <a:rPr lang="en-US" sz="2800" dirty="0" smtClean="0"/>
-              <a:t>-National </a:t>
-            </a:r>
-            <a:r>
-              <a:rPr lang="en-US" sz="2800" dirty="0"/>
-              <a:t>Institute of Standards and Technology</a:t>
-            </a:r>
-          </a:p>
-          <a:p>
-            <a:endParaRPr lang="en-CA" dirty="0"/>
+            <a:r>
+              <a:rPr lang="en-US" b="1" dirty="0"/>
+              <a:t>On-demand self-service. </a:t>
+            </a:r>
+            <a:endParaRPr lang="en-US" b="1" dirty="0" smtClean="0"/>
+          </a:p>
+          <a:p>
+            <a:pPr lvl="1"/>
+            <a:r>
+              <a:rPr lang="en-US" sz="2400" dirty="0" smtClean="0"/>
+              <a:t>A </a:t>
+            </a:r>
+            <a:r>
+              <a:rPr lang="en-US" sz="2400" dirty="0"/>
+              <a:t>consumer can unilaterally provision computing capabilities, such as server time and network storage, as needed automatically without requiring human interaction with each service provider.</a:t>
+            </a:r>
+            <a:endParaRPr lang="en-CA" sz="2400" dirty="0"/>
           </a:p>
         </p:txBody>
       </p:sp>
@@ -5472,7 +6622,7 @@
     </p:spTree>
     <p:extLst>
       <p:ext uri="{BB962C8B-B14F-4D97-AF65-F5344CB8AC3E}">
-        <p14:creationId xmlns:p14="http://schemas.microsoft.com/office/powerpoint/2010/main" val="1563562151"/>
+        <p14:creationId xmlns:p14="http://schemas.microsoft.com/office/powerpoint/2010/main" val="2638130746"/>
       </p:ext>
     </p:extLst>
   </p:cSld>
@@ -5516,7 +6666,7 @@
           <a:p>
             <a:r>
               <a:rPr lang="en-CA" dirty="0"/>
-              <a:t>Cloud Computing Characteristics</a:t>
+              <a:t>What is Cloud Computing</a:t>
             </a:r>
           </a:p>
         </p:txBody>
@@ -5533,31 +6683,95 @@
         </p:nvSpPr>
         <p:spPr/>
         <p:txBody>
-          <a:bodyPr>
-            <a:normAutofit/>
-          </a:bodyPr>
-          <a:lstStyle/>
-          <a:p>
-            <a:pPr marL="0" indent="0">
+          <a:bodyPr/>
+          <a:lstStyle/>
+          <a:p>
+            <a:r>
+              <a:rPr lang="en-US" sz="3200" dirty="0"/>
+              <a:t>Cloud computing is a model for enabling </a:t>
+            </a:r>
+            <a:r>
+              <a:rPr lang="en-US" sz="3200" u="sng" dirty="0"/>
+              <a:t>ubiquitous</a:t>
+            </a:r>
+            <a:r>
+              <a:rPr lang="en-US" sz="3200" dirty="0"/>
+              <a:t>, </a:t>
+            </a:r>
+            <a:r>
+              <a:rPr lang="en-US" sz="3200" u="sng" dirty="0"/>
+              <a:t>convenient</a:t>
+            </a:r>
+            <a:r>
+              <a:rPr lang="en-US" sz="3200" dirty="0"/>
+              <a:t>, </a:t>
+            </a:r>
+            <a:r>
+              <a:rPr lang="en-US" sz="3200" u="sng" dirty="0"/>
+              <a:t>on-demand</a:t>
+            </a:r>
+            <a:r>
+              <a:rPr lang="en-US" sz="3200" dirty="0"/>
+              <a:t> network access to a </a:t>
+            </a:r>
+            <a:r>
+              <a:rPr lang="en-US" sz="3200" u="sng" dirty="0"/>
+              <a:t>shared </a:t>
+            </a:r>
+            <a:r>
+              <a:rPr lang="en-US" sz="3200" dirty="0"/>
+              <a:t>pool of </a:t>
+            </a:r>
+            <a:r>
+              <a:rPr lang="en-US" sz="3200" u="sng" dirty="0"/>
+              <a:t>configurable</a:t>
+            </a:r>
+            <a:r>
+              <a:rPr lang="en-US" sz="3200" dirty="0"/>
+              <a:t> computing resources (e.g., networks, servers, storage, applications, and services) that can be </a:t>
+            </a:r>
+            <a:r>
+              <a:rPr lang="en-US" sz="3200" u="sng" dirty="0"/>
+              <a:t>rapidly </a:t>
+            </a:r>
+            <a:r>
+              <a:rPr lang="en-US" sz="3200" dirty="0"/>
+              <a:t>provisioned and released with </a:t>
+            </a:r>
+            <a:r>
+              <a:rPr lang="en-US" sz="3200" u="sng" dirty="0"/>
+              <a:t>minimal </a:t>
+            </a:r>
+            <a:r>
+              <a:rPr lang="en-US" sz="3200" dirty="0"/>
+              <a:t>management effort or service provider </a:t>
+            </a:r>
+            <a:r>
+              <a:rPr lang="en-US" sz="3200" dirty="0" smtClean="0"/>
+              <a:t>interaction.</a:t>
+            </a:r>
+          </a:p>
+          <a:p>
+            <a:pPr marL="0" indent="0" algn="r">
               <a:buNone/>
             </a:pPr>
-            <a:r>
-              <a:rPr lang="en-US" b="1" dirty="0"/>
-              <a:t>On-demand self-service. </a:t>
-            </a:r>
-            <a:endParaRPr lang="en-US" b="1" dirty="0" smtClean="0"/>
-          </a:p>
-          <a:p>
-            <a:pPr lvl="1"/>
-            <a:r>
-              <a:rPr lang="en-US" sz="2400" dirty="0" smtClean="0"/>
-              <a:t>A </a:t>
-            </a:r>
-            <a:r>
-              <a:rPr lang="en-US" sz="2400" dirty="0"/>
-              <a:t>consumer can unilaterally provision computing capabilities, such as server time and network storage, as needed automatically without requiring human interaction with each service provider.</a:t>
-            </a:r>
-            <a:endParaRPr lang="en-CA" sz="2400" dirty="0"/>
+            <a:endParaRPr lang="en-US" sz="2000" dirty="0" smtClean="0"/>
+          </a:p>
+          <a:p>
+            <a:pPr marL="0" indent="0" algn="r">
+              <a:buNone/>
+            </a:pPr>
+            <a:r>
+              <a:rPr lang="en-US" sz="2800" dirty="0" smtClean="0"/>
+              <a:t>-National </a:t>
+            </a:r>
+            <a:r>
+              <a:rPr lang="en-US" sz="2800" dirty="0"/>
+              <a:t>Institute of Standards and Technology</a:t>
+            </a:r>
+          </a:p>
+          <a:p>
+            <a:endParaRPr lang="en-CA" dirty="0"/>
           </a:p>
         </p:txBody>
       </p:sp>
@@ -5610,7 +6824,7 @@
     </p:spTree>
     <p:extLst>
       <p:ext uri="{BB962C8B-B14F-4D97-AF65-F5344CB8AC3E}">
-        <p14:creationId xmlns:p14="http://schemas.microsoft.com/office/powerpoint/2010/main" val="2638130746"/>
+        <p14:creationId xmlns:p14="http://schemas.microsoft.com/office/powerpoint/2010/main" val="1563562151"/>
       </p:ext>
     </p:extLst>
   </p:cSld>

--- a/aws101.pptx
+++ b/aws101.pptx
@@ -5,7 +5,7 @@
     <p:sldMasterId id="2147483789" r:id="rId1"/>
   </p:sldMasterIdLst>
   <p:notesMasterIdLst>
-    <p:notesMasterId r:id="rId21"/>
+    <p:notesMasterId r:id="rId22"/>
   </p:notesMasterIdLst>
   <p:sldIdLst>
     <p:sldId id="256" r:id="rId2"/>
@@ -27,6 +27,7 @@
     <p:sldId id="273" r:id="rId18"/>
     <p:sldId id="263" r:id="rId19"/>
     <p:sldId id="274" r:id="rId20"/>
+    <p:sldId id="275" r:id="rId21"/>
   </p:sldIdLst>
   <p:sldSz cx="12192000" cy="6858000"/>
   <p:notesSz cx="6858000" cy="9144000"/>
@@ -127,16 +128,27 @@
   </p:defaultTextStyle>
   <p:extLst>
     <p:ext uri="{EFAFB233-063F-42B5-8137-9DF3F51BA10A}">
-      <p15:sldGuideLst xmlns="" xmlns:p15="http://schemas.microsoft.com/office/powerpoint/2012/main"/>
+      <p15:sldGuideLst xmlns:p15="http://schemas.microsoft.com/office/powerpoint/2012/main">
+        <p15:guide id="1" orient="horz" pos="2160">
+          <p15:clr>
+            <a:srgbClr val="A4A3A4"/>
+          </p15:clr>
+        </p15:guide>
+        <p15:guide id="2" pos="3840">
+          <p15:clr>
+            <a:srgbClr val="A4A3A4"/>
+          </p15:clr>
+        </p15:guide>
+      </p15:sldGuideLst>
     </p:ext>
   </p:extLst>
 </p:presentation>
 </file>
 
 <file path=ppt/charts/chart1.xml><?xml version="1.0" encoding="utf-8"?>
-<c:chartSpace xmlns:c="http://schemas.openxmlformats.org/drawingml/2006/chart" xmlns:a="http://schemas.openxmlformats.org/drawingml/2006/main" xmlns:r="http://schemas.openxmlformats.org/officeDocument/2006/relationships">
+<c:chartSpace xmlns:c="http://schemas.openxmlformats.org/drawingml/2006/chart" xmlns:a="http://schemas.openxmlformats.org/drawingml/2006/main" xmlns:r="http://schemas.openxmlformats.org/officeDocument/2006/relationships" xmlns:c16r2="http://schemas.microsoft.com/office/drawing/2015/06/chart">
   <c:date1904 val="0"/>
-  <c:lang val="en-CA"/>
+  <c:lang val="en-US"/>
   <c:roundedCorners val="0"/>
   <mc:AlternateContent xmlns:mc="http://schemas.openxmlformats.org/markup-compatibility/2006">
     <mc:Choice xmlns:c14="http://schemas.microsoft.com/office/drawing/2007/8/2/chart" Requires="c14">
@@ -148,7 +160,6 @@
   </mc:AlternateContent>
   <c:chart>
     <c:title>
-      <c:layout/>
       <c:overlay val="0"/>
     </c:title>
     <c:autoTitleDeleted val="0"/>
@@ -227,6 +238,11 @@
               </c:numCache>
             </c:numRef>
           </c:val>
+          <c:extLst>
+            <c:ext xmlns:c16="http://schemas.microsoft.com/office/drawing/2014/chart" uri="{C3380CC4-5D6E-409C-BE32-E72D297353CC}">
+              <c16:uniqueId val="{00000000-D3F1-4E18-8270-156F6C198515}"/>
+            </c:ext>
+          </c:extLst>
         </c:ser>
         <c:dLbls>
           <c:showLegendKey val="0"/>
@@ -278,7 +294,6 @@
     </c:plotArea>
     <c:legend>
       <c:legendPos val="r"/>
-      <c:layout/>
       <c:overlay val="0"/>
     </c:legend>
     <c:plotVisOnly val="1"/>
@@ -429,10 +444,9 @@
         </a:lstStyle>
         <a:p xmlns:a="http://schemas.openxmlformats.org/drawingml/2006/main">
           <a:r>
-            <a:rPr lang="en-CA" dirty="0" smtClean="0"/>
+            <a:rPr lang="en-CA" dirty="0"/>
             <a:t>159</a:t>
           </a:r>
-          <a:endParaRPr lang="en-CA" dirty="0"/>
         </a:p>
       </cdr:txBody>
     </cdr:sp>
@@ -532,10 +546,9 @@
         </a:lstStyle>
         <a:p xmlns:a="http://schemas.openxmlformats.org/drawingml/2006/main">
           <a:r>
-            <a:rPr lang="en-CA" sz="1800" dirty="0" smtClean="0"/>
+            <a:rPr lang="en-CA" sz="1800" dirty="0"/>
             <a:t>280</a:t>
           </a:r>
-          <a:endParaRPr lang="en-CA" sz="1800" dirty="0"/>
         </a:p>
       </cdr:txBody>
     </cdr:sp>
@@ -635,10 +648,9 @@
         </a:lstStyle>
         <a:p xmlns:a="http://schemas.openxmlformats.org/drawingml/2006/main">
           <a:r>
-            <a:rPr lang="en-CA" sz="1800" dirty="0" smtClean="0"/>
+            <a:rPr lang="en-CA" sz="1800" dirty="0"/>
             <a:t>516</a:t>
           </a:r>
-          <a:endParaRPr lang="en-CA" sz="1800" dirty="0"/>
         </a:p>
       </cdr:txBody>
     </cdr:sp>
@@ -738,10 +750,9 @@
         </a:lstStyle>
         <a:p xmlns:a="http://schemas.openxmlformats.org/drawingml/2006/main">
           <a:r>
-            <a:rPr lang="en-CA" sz="1800" dirty="0" smtClean="0"/>
+            <a:rPr lang="en-CA" sz="1800" dirty="0"/>
             <a:t>735</a:t>
           </a:r>
-          <a:endParaRPr lang="en-CA" sz="1800" dirty="0"/>
         </a:p>
       </cdr:txBody>
     </cdr:sp>
@@ -841,10 +852,9 @@
         </a:lstStyle>
         <a:p xmlns:a="http://schemas.openxmlformats.org/drawingml/2006/main">
           <a:r>
-            <a:rPr lang="en-CA" sz="1800" dirty="0" smtClean="0"/>
+            <a:rPr lang="en-CA" sz="1800" dirty="0"/>
             <a:t>1000+</a:t>
           </a:r>
-          <a:endParaRPr lang="en-CA" sz="1800" dirty="0"/>
         </a:p>
       </cdr:txBody>
     </cdr:sp>
@@ -934,7 +944,7 @@
           <a:p>
             <a:fld id="{24720111-BA70-4E3D-B1D7-15F2563EF00A}" type="datetimeFigureOut">
               <a:rPr lang="en-US" smtClean="0"/>
-              <a:t>4/9/2017</a:t>
+              <a:t>4/13/2017</a:t>
             </a:fld>
             <a:endParaRPr lang="en-US"/>
           </a:p>
@@ -998,38 +1008,37 @@
           <a:p>
             <a:pPr lvl="0"/>
             <a:r>
-              <a:rPr lang="en-US" smtClean="0"/>
+              <a:rPr lang="en-US"/>
               <a:t>Click to edit Master text styles</a:t>
             </a:r>
           </a:p>
           <a:p>
             <a:pPr lvl="1"/>
             <a:r>
-              <a:rPr lang="en-US" smtClean="0"/>
+              <a:rPr lang="en-US"/>
               <a:t>Second level</a:t>
             </a:r>
           </a:p>
           <a:p>
             <a:pPr lvl="2"/>
             <a:r>
-              <a:rPr lang="en-US" smtClean="0"/>
+              <a:rPr lang="en-US"/>
               <a:t>Third level</a:t>
             </a:r>
           </a:p>
           <a:p>
             <a:pPr lvl="3"/>
             <a:r>
-              <a:rPr lang="en-US" smtClean="0"/>
+              <a:rPr lang="en-US"/>
               <a:t>Fourth level</a:t>
             </a:r>
           </a:p>
           <a:p>
             <a:pPr lvl="4"/>
             <a:r>
-              <a:rPr lang="en-US" smtClean="0"/>
+              <a:rPr lang="en-US"/>
               <a:t>Fifth level</a:t>
             </a:r>
-            <a:endParaRPr lang="en-US"/>
           </a:p>
         </p:txBody>
       </p:sp>
@@ -1246,7 +1255,7 @@
           </a:lstStyle>
           <a:p>
             <a:r>
-              <a:rPr lang="en-US" smtClean="0"/>
+              <a:rPr lang="en-US"/>
               <a:t>Click to edit Master title style</a:t>
             </a:r>
             <a:endParaRPr lang="en-US" dirty="0"/>
@@ -1366,7 +1375,7 @@
           </a:lstStyle>
           <a:p>
             <a:r>
-              <a:rPr lang="en-US" smtClean="0"/>
+              <a:rPr lang="en-US"/>
               <a:t>Click to edit Master subtitle style</a:t>
             </a:r>
             <a:endParaRPr lang="en-US" dirty="0"/>
@@ -1390,7 +1399,7 @@
           <a:p>
             <a:fld id="{E0C967F1-888B-4FFD-930F-399B5AFB6A40}" type="datetime1">
               <a:rPr lang="en-US" smtClean="0"/>
-              <a:t>4/9/2017</a:t>
+              <a:t>4/13/2017</a:t>
             </a:fld>
             <a:endParaRPr lang="en-US" dirty="0"/>
           </a:p>
@@ -1412,7 +1421,7 @@
           <a:lstStyle/>
           <a:p>
             <a:r>
-              <a:rPr lang="en-US" smtClean="0"/>
+              <a:rPr lang="en-US"/>
               <a:t>aws101</a:t>
             </a:r>
             <a:endParaRPr lang="en-US" dirty="0"/>
@@ -1518,10 +1527,9 @@
           <a:lstStyle/>
           <a:p>
             <a:r>
-              <a:rPr lang="en-US" smtClean="0"/>
+              <a:rPr lang="en-US"/>
               <a:t>Click to edit Master title style</a:t>
             </a:r>
-            <a:endParaRPr lang="en-US"/>
           </a:p>
         </p:txBody>
       </p:sp>
@@ -1542,38 +1550,37 @@
           <a:p>
             <a:pPr lvl="0"/>
             <a:r>
-              <a:rPr lang="en-US" smtClean="0"/>
+              <a:rPr lang="en-US"/>
               <a:t>Click to edit Master text styles</a:t>
             </a:r>
           </a:p>
           <a:p>
             <a:pPr lvl="1"/>
             <a:r>
-              <a:rPr lang="en-US" smtClean="0"/>
+              <a:rPr lang="en-US"/>
               <a:t>Second level</a:t>
             </a:r>
           </a:p>
           <a:p>
             <a:pPr lvl="2"/>
             <a:r>
-              <a:rPr lang="en-US" smtClean="0"/>
+              <a:rPr lang="en-US"/>
               <a:t>Third level</a:t>
             </a:r>
           </a:p>
           <a:p>
             <a:pPr lvl="3"/>
             <a:r>
-              <a:rPr lang="en-US" smtClean="0"/>
+              <a:rPr lang="en-US"/>
               <a:t>Fourth level</a:t>
             </a:r>
           </a:p>
           <a:p>
             <a:pPr lvl="4"/>
             <a:r>
-              <a:rPr lang="en-US" smtClean="0"/>
+              <a:rPr lang="en-US"/>
               <a:t>Fifth level</a:t>
             </a:r>
-            <a:endParaRPr lang="en-US"/>
           </a:p>
         </p:txBody>
       </p:sp>
@@ -1594,7 +1601,7 @@
           <a:p>
             <a:fld id="{472C65D6-9E08-4527-85F6-4EDC8D9495C6}" type="datetime1">
               <a:rPr lang="en-US" smtClean="0"/>
-              <a:t>4/9/2017</a:t>
+              <a:t>4/13/2017</a:t>
             </a:fld>
             <a:endParaRPr lang="en-US" dirty="0"/>
           </a:p>
@@ -1616,7 +1623,7 @@
           <a:lstStyle/>
           <a:p>
             <a:r>
-              <a:rPr lang="en-US" smtClean="0"/>
+              <a:rPr lang="en-US"/>
               <a:t>aws101</a:t>
             </a:r>
             <a:endParaRPr lang="en-US" dirty="0"/>
@@ -1692,7 +1699,7 @@
           <a:lstStyle/>
           <a:p>
             <a:r>
-              <a:rPr lang="en-US" smtClean="0"/>
+              <a:rPr lang="en-US"/>
               <a:t>Click to edit Master title style</a:t>
             </a:r>
             <a:endParaRPr lang="en-US" dirty="0"/>
@@ -1721,35 +1728,35 @@
           <a:p>
             <a:pPr lvl="0"/>
             <a:r>
-              <a:rPr lang="en-US" smtClean="0"/>
+              <a:rPr lang="en-US"/>
               <a:t>Click to edit Master text styles</a:t>
             </a:r>
           </a:p>
           <a:p>
             <a:pPr lvl="1"/>
             <a:r>
-              <a:rPr lang="en-US" smtClean="0"/>
+              <a:rPr lang="en-US"/>
               <a:t>Second level</a:t>
             </a:r>
           </a:p>
           <a:p>
             <a:pPr lvl="2"/>
             <a:r>
-              <a:rPr lang="en-US" smtClean="0"/>
+              <a:rPr lang="en-US"/>
               <a:t>Third level</a:t>
             </a:r>
           </a:p>
           <a:p>
             <a:pPr lvl="3"/>
             <a:r>
-              <a:rPr lang="en-US" smtClean="0"/>
+              <a:rPr lang="en-US"/>
               <a:t>Fourth level</a:t>
             </a:r>
           </a:p>
           <a:p>
             <a:pPr lvl="4"/>
             <a:r>
-              <a:rPr lang="en-US" smtClean="0"/>
+              <a:rPr lang="en-US"/>
               <a:t>Fifth level</a:t>
             </a:r>
             <a:endParaRPr lang="en-US" dirty="0"/>
@@ -1773,7 +1780,7 @@
           <a:p>
             <a:fld id="{1E531BB1-F055-489F-98D0-50FA16718D1F}" type="datetime1">
               <a:rPr lang="en-US" smtClean="0"/>
-              <a:t>4/9/2017</a:t>
+              <a:t>4/13/2017</a:t>
             </a:fld>
             <a:endParaRPr lang="en-US" dirty="0"/>
           </a:p>
@@ -1795,7 +1802,7 @@
           <a:lstStyle/>
           <a:p>
             <a:r>
-              <a:rPr lang="en-US" smtClean="0"/>
+              <a:rPr lang="en-US"/>
               <a:t>aws101</a:t>
             </a:r>
             <a:endParaRPr lang="en-US" dirty="0"/>
@@ -1867,10 +1874,9 @@
           <a:lstStyle/>
           <a:p>
             <a:r>
-              <a:rPr lang="en-US" smtClean="0"/>
+              <a:rPr lang="en-US"/>
               <a:t>Click to edit Master title style</a:t>
             </a:r>
-            <a:endParaRPr lang="en-US"/>
           </a:p>
         </p:txBody>
       </p:sp>
@@ -1891,38 +1897,37 @@
           <a:p>
             <a:pPr lvl="0"/>
             <a:r>
-              <a:rPr lang="en-US" smtClean="0"/>
+              <a:rPr lang="en-US"/>
               <a:t>Click to edit Master text styles</a:t>
             </a:r>
           </a:p>
           <a:p>
             <a:pPr lvl="1"/>
             <a:r>
-              <a:rPr lang="en-US" smtClean="0"/>
+              <a:rPr lang="en-US"/>
               <a:t>Second level</a:t>
             </a:r>
           </a:p>
           <a:p>
             <a:pPr lvl="2"/>
             <a:r>
-              <a:rPr lang="en-US" smtClean="0"/>
+              <a:rPr lang="en-US"/>
               <a:t>Third level</a:t>
             </a:r>
           </a:p>
           <a:p>
             <a:pPr lvl="3"/>
             <a:r>
-              <a:rPr lang="en-US" smtClean="0"/>
+              <a:rPr lang="en-US"/>
               <a:t>Fourth level</a:t>
             </a:r>
           </a:p>
           <a:p>
             <a:pPr lvl="4"/>
             <a:r>
-              <a:rPr lang="en-US" smtClean="0"/>
+              <a:rPr lang="en-US"/>
               <a:t>Fifth level</a:t>
             </a:r>
-            <a:endParaRPr lang="en-US"/>
           </a:p>
         </p:txBody>
       </p:sp>
@@ -1943,7 +1948,7 @@
           <a:p>
             <a:fld id="{ADA672B8-0B5F-4805-9E24-76DCBCFDF28D}" type="datetime1">
               <a:rPr lang="en-US" smtClean="0"/>
-              <a:t>4/9/2017</a:t>
+              <a:t>4/13/2017</a:t>
             </a:fld>
             <a:endParaRPr lang="en-US" dirty="0"/>
           </a:p>
@@ -1965,7 +1970,7 @@
           <a:lstStyle/>
           <a:p>
             <a:r>
-              <a:rPr lang="en-US" smtClean="0"/>
+              <a:rPr lang="en-US"/>
               <a:t>aws101</a:t>
             </a:r>
             <a:endParaRPr lang="en-US" dirty="0"/>
@@ -2052,7 +2057,7 @@
           </a:lstStyle>
           <a:p>
             <a:r>
-              <a:rPr lang="en-US" smtClean="0"/>
+              <a:rPr lang="en-US"/>
               <a:t>Click to edit Master title style</a:t>
             </a:r>
             <a:endParaRPr lang="en-US" dirty="0"/>
@@ -2172,7 +2177,7 @@
           <a:p>
             <a:pPr lvl="0"/>
             <a:r>
-              <a:rPr lang="en-US" smtClean="0"/>
+              <a:rPr lang="en-US"/>
               <a:t>Click to edit Master text styles</a:t>
             </a:r>
           </a:p>
@@ -2195,7 +2200,7 @@
           <a:p>
             <a:fld id="{04634744-F58A-42F8-A98F-EFA90579772A}" type="datetime1">
               <a:rPr lang="en-US" smtClean="0"/>
-              <a:t>4/9/2017</a:t>
+              <a:t>4/13/2017</a:t>
             </a:fld>
             <a:endParaRPr lang="en-US" dirty="0"/>
           </a:p>
@@ -2217,7 +2222,7 @@
           <a:lstStyle/>
           <a:p>
             <a:r>
-              <a:rPr lang="en-US" smtClean="0"/>
+              <a:rPr lang="en-US"/>
               <a:t>aws101</a:t>
             </a:r>
             <a:endParaRPr lang="en-US" dirty="0"/>
@@ -2323,10 +2328,9 @@
           <a:lstStyle/>
           <a:p>
             <a:r>
-              <a:rPr lang="en-US" smtClean="0"/>
+              <a:rPr lang="en-US"/>
               <a:t>Click to edit Master title style</a:t>
             </a:r>
-            <a:endParaRPr lang="en-US"/>
           </a:p>
         </p:txBody>
       </p:sp>
@@ -2380,35 +2384,35 @@
           <a:p>
             <a:pPr lvl="0"/>
             <a:r>
-              <a:rPr lang="en-US" smtClean="0"/>
+              <a:rPr lang="en-US"/>
               <a:t>Click to edit Master text styles</a:t>
             </a:r>
           </a:p>
           <a:p>
             <a:pPr lvl="1"/>
             <a:r>
-              <a:rPr lang="en-US" smtClean="0"/>
+              <a:rPr lang="en-US"/>
               <a:t>Second level</a:t>
             </a:r>
           </a:p>
           <a:p>
             <a:pPr lvl="2"/>
             <a:r>
-              <a:rPr lang="en-US" smtClean="0"/>
+              <a:rPr lang="en-US"/>
               <a:t>Third level</a:t>
             </a:r>
           </a:p>
           <a:p>
             <a:pPr lvl="3"/>
             <a:r>
-              <a:rPr lang="en-US" smtClean="0"/>
+              <a:rPr lang="en-US"/>
               <a:t>Fourth level</a:t>
             </a:r>
           </a:p>
           <a:p>
             <a:pPr lvl="4"/>
             <a:r>
-              <a:rPr lang="en-US" smtClean="0"/>
+              <a:rPr lang="en-US"/>
               <a:t>Fifth level</a:t>
             </a:r>
             <a:endParaRPr lang="en-US" dirty="0"/>
@@ -2465,35 +2469,35 @@
           <a:p>
             <a:pPr lvl="0"/>
             <a:r>
-              <a:rPr lang="en-US" smtClean="0"/>
+              <a:rPr lang="en-US"/>
               <a:t>Click to edit Master text styles</a:t>
             </a:r>
           </a:p>
           <a:p>
             <a:pPr lvl="1"/>
             <a:r>
-              <a:rPr lang="en-US" smtClean="0"/>
+              <a:rPr lang="en-US"/>
               <a:t>Second level</a:t>
             </a:r>
           </a:p>
           <a:p>
             <a:pPr lvl="2"/>
             <a:r>
-              <a:rPr lang="en-US" smtClean="0"/>
+              <a:rPr lang="en-US"/>
               <a:t>Third level</a:t>
             </a:r>
           </a:p>
           <a:p>
             <a:pPr lvl="3"/>
             <a:r>
-              <a:rPr lang="en-US" smtClean="0"/>
+              <a:rPr lang="en-US"/>
               <a:t>Fourth level</a:t>
             </a:r>
           </a:p>
           <a:p>
             <a:pPr lvl="4"/>
             <a:r>
-              <a:rPr lang="en-US" smtClean="0"/>
+              <a:rPr lang="en-US"/>
               <a:t>Fifth level</a:t>
             </a:r>
             <a:endParaRPr lang="en-US" dirty="0"/>
@@ -2517,7 +2521,7 @@
           <a:p>
             <a:fld id="{DE68F43B-C5C1-4A77-9370-2CB0A9FA3596}" type="datetime1">
               <a:rPr lang="en-US" smtClean="0"/>
-              <a:t>4/9/2017</a:t>
+              <a:t>4/13/2017</a:t>
             </a:fld>
             <a:endParaRPr lang="en-US" dirty="0"/>
           </a:p>
@@ -2539,7 +2543,7 @@
           <a:lstStyle/>
           <a:p>
             <a:r>
-              <a:rPr lang="en-US" smtClean="0"/>
+              <a:rPr lang="en-US"/>
               <a:t>aws101</a:t>
             </a:r>
             <a:endParaRPr lang="en-US" dirty="0"/>
@@ -2614,7 +2618,7 @@
           </a:lstStyle>
           <a:p>
             <a:r>
-              <a:rPr lang="en-US" smtClean="0"/>
+              <a:rPr lang="en-US"/>
               <a:t>Click to edit Master title style</a:t>
             </a:r>
             <a:endParaRPr lang="en-US" dirty="0"/>
@@ -2703,7 +2707,7 @@
           <a:p>
             <a:pPr lvl="0"/>
             <a:r>
-              <a:rPr lang="en-US" smtClean="0"/>
+              <a:rPr lang="en-US"/>
               <a:t>Click to edit Master text styles</a:t>
             </a:r>
           </a:p>
@@ -2759,35 +2763,35 @@
           <a:p>
             <a:pPr lvl="0"/>
             <a:r>
-              <a:rPr lang="en-US" smtClean="0"/>
+              <a:rPr lang="en-US"/>
               <a:t>Click to edit Master text styles</a:t>
             </a:r>
           </a:p>
           <a:p>
             <a:pPr lvl="1"/>
             <a:r>
-              <a:rPr lang="en-US" smtClean="0"/>
+              <a:rPr lang="en-US"/>
               <a:t>Second level</a:t>
             </a:r>
           </a:p>
           <a:p>
             <a:pPr lvl="2"/>
             <a:r>
-              <a:rPr lang="en-US" smtClean="0"/>
+              <a:rPr lang="en-US"/>
               <a:t>Third level</a:t>
             </a:r>
           </a:p>
           <a:p>
             <a:pPr lvl="3"/>
             <a:r>
-              <a:rPr lang="en-US" smtClean="0"/>
+              <a:rPr lang="en-US"/>
               <a:t>Fourth level</a:t>
             </a:r>
           </a:p>
           <a:p>
             <a:pPr lvl="4"/>
             <a:r>
-              <a:rPr lang="en-US" smtClean="0"/>
+              <a:rPr lang="en-US"/>
               <a:t>Fifth level</a:t>
             </a:r>
             <a:endParaRPr lang="en-US" dirty="0"/>
@@ -2879,7 +2883,7 @@
           <a:p>
             <a:pPr lvl="0"/>
             <a:r>
-              <a:rPr lang="en-US" smtClean="0"/>
+              <a:rPr lang="en-US"/>
               <a:t>Click to edit Master text styles</a:t>
             </a:r>
           </a:p>
@@ -2935,35 +2939,35 @@
           <a:p>
             <a:pPr lvl="0"/>
             <a:r>
-              <a:rPr lang="en-US" smtClean="0"/>
+              <a:rPr lang="en-US"/>
               <a:t>Click to edit Master text styles</a:t>
             </a:r>
           </a:p>
           <a:p>
             <a:pPr lvl="1"/>
             <a:r>
-              <a:rPr lang="en-US" smtClean="0"/>
+              <a:rPr lang="en-US"/>
               <a:t>Second level</a:t>
             </a:r>
           </a:p>
           <a:p>
             <a:pPr lvl="2"/>
             <a:r>
-              <a:rPr lang="en-US" smtClean="0"/>
+              <a:rPr lang="en-US"/>
               <a:t>Third level</a:t>
             </a:r>
           </a:p>
           <a:p>
             <a:pPr lvl="3"/>
             <a:r>
-              <a:rPr lang="en-US" smtClean="0"/>
+              <a:rPr lang="en-US"/>
               <a:t>Fourth level</a:t>
             </a:r>
           </a:p>
           <a:p>
             <a:pPr lvl="4"/>
             <a:r>
-              <a:rPr lang="en-US" smtClean="0"/>
+              <a:rPr lang="en-US"/>
               <a:t>Fifth level</a:t>
             </a:r>
             <a:endParaRPr lang="en-US" dirty="0"/>
@@ -2987,7 +2991,7 @@
           <a:p>
             <a:fld id="{120ABC32-F724-4485-ADEB-C058193A362A}" type="datetime1">
               <a:rPr lang="en-US" smtClean="0"/>
-              <a:t>4/9/2017</a:t>
+              <a:t>4/13/2017</a:t>
             </a:fld>
             <a:endParaRPr lang="en-US" dirty="0"/>
           </a:p>
@@ -3009,7 +3013,7 @@
           <a:lstStyle/>
           <a:p>
             <a:r>
-              <a:rPr lang="en-US" smtClean="0"/>
+              <a:rPr lang="en-US"/>
               <a:t>aws101</a:t>
             </a:r>
             <a:endParaRPr lang="en-US" dirty="0"/>
@@ -3115,10 +3119,9 @@
           <a:lstStyle/>
           <a:p>
             <a:r>
-              <a:rPr lang="en-US" smtClean="0"/>
+              <a:rPr lang="en-US"/>
               <a:t>Click to edit Master title style</a:t>
             </a:r>
-            <a:endParaRPr lang="en-US"/>
           </a:p>
         </p:txBody>
       </p:sp>
@@ -3139,7 +3142,7 @@
           <a:p>
             <a:fld id="{AA521F0C-7362-49B1-86D0-0E9742F912C8}" type="datetime1">
               <a:rPr lang="en-US" smtClean="0"/>
-              <a:t>4/9/2017</a:t>
+              <a:t>4/13/2017</a:t>
             </a:fld>
             <a:endParaRPr lang="en-US" dirty="0"/>
           </a:p>
@@ -3161,7 +3164,7 @@
           <a:lstStyle/>
           <a:p>
             <a:r>
-              <a:rPr lang="en-US" smtClean="0"/>
+              <a:rPr lang="en-US"/>
               <a:t>aws101</a:t>
             </a:r>
             <a:endParaRPr lang="en-US" dirty="0"/>
@@ -3233,7 +3236,7 @@
           <a:p>
             <a:fld id="{49638AF9-AC6A-41D7-9C44-E11DD6CBF1CF}" type="datetime1">
               <a:rPr lang="en-US" smtClean="0"/>
-              <a:t>4/9/2017</a:t>
+              <a:t>4/13/2017</a:t>
             </a:fld>
             <a:endParaRPr lang="en-US" dirty="0"/>
           </a:p>
@@ -3255,7 +3258,7 @@
           <a:lstStyle/>
           <a:p>
             <a:r>
-              <a:rPr lang="en-US" smtClean="0"/>
+              <a:rPr lang="en-US"/>
               <a:t>aws101</a:t>
             </a:r>
             <a:endParaRPr lang="en-US" dirty="0"/>
@@ -3337,7 +3340,7 @@
           </a:lstStyle>
           <a:p>
             <a:r>
-              <a:rPr lang="en-US" smtClean="0"/>
+              <a:rPr lang="en-US"/>
               <a:t>Click to edit Master title style</a:t>
             </a:r>
             <a:endParaRPr lang="en-US" dirty="0"/>
@@ -3394,35 +3397,35 @@
           <a:p>
             <a:pPr lvl="0"/>
             <a:r>
-              <a:rPr lang="en-US" smtClean="0"/>
+              <a:rPr lang="en-US"/>
               <a:t>Click to edit Master text styles</a:t>
             </a:r>
           </a:p>
           <a:p>
             <a:pPr lvl="1"/>
             <a:r>
-              <a:rPr lang="en-US" smtClean="0"/>
+              <a:rPr lang="en-US"/>
               <a:t>Second level</a:t>
             </a:r>
           </a:p>
           <a:p>
             <a:pPr lvl="2"/>
             <a:r>
-              <a:rPr lang="en-US" smtClean="0"/>
+              <a:rPr lang="en-US"/>
               <a:t>Third level</a:t>
             </a:r>
           </a:p>
           <a:p>
             <a:pPr lvl="3"/>
             <a:r>
-              <a:rPr lang="en-US" smtClean="0"/>
+              <a:rPr lang="en-US"/>
               <a:t>Fourth level</a:t>
             </a:r>
           </a:p>
           <a:p>
             <a:pPr lvl="4"/>
             <a:r>
-              <a:rPr lang="en-US" smtClean="0"/>
+              <a:rPr lang="en-US"/>
               <a:t>Fifth level</a:t>
             </a:r>
             <a:endParaRPr lang="en-US" dirty="0"/>
@@ -3488,7 +3491,7 @@
           <a:p>
             <a:pPr lvl="0"/>
             <a:r>
-              <a:rPr lang="en-US" smtClean="0"/>
+              <a:rPr lang="en-US"/>
               <a:t>Click to edit Master text styles</a:t>
             </a:r>
           </a:p>
@@ -3511,7 +3514,7 @@
           <a:p>
             <a:fld id="{27A97E58-9F7E-4BBD-8B44-209DB42CC4BD}" type="datetime1">
               <a:rPr lang="en-US" smtClean="0"/>
-              <a:t>4/9/2017</a:t>
+              <a:t>4/13/2017</a:t>
             </a:fld>
             <a:endParaRPr lang="en-US" dirty="0"/>
           </a:p>
@@ -3533,7 +3536,7 @@
           <a:lstStyle/>
           <a:p>
             <a:r>
-              <a:rPr lang="en-US" smtClean="0"/>
+              <a:rPr lang="en-US"/>
               <a:t>aws101</a:t>
             </a:r>
             <a:endParaRPr lang="en-US" dirty="0"/>
@@ -3650,7 +3653,7 @@
           </a:lstStyle>
           <a:p>
             <a:r>
-              <a:rPr lang="en-US" smtClean="0"/>
+              <a:rPr lang="en-US"/>
               <a:t>Click to edit Master title style</a:t>
             </a:r>
             <a:endParaRPr lang="en-US" dirty="0"/>
@@ -3731,7 +3734,7 @@
           </a:lstStyle>
           <a:p>
             <a:r>
-              <a:rPr lang="en-US" smtClean="0"/>
+              <a:rPr lang="en-US"/>
               <a:t>Click icon to add picture</a:t>
             </a:r>
             <a:endParaRPr lang="en-US" dirty="0"/>
@@ -3797,7 +3800,7 @@
           <a:p>
             <a:pPr lvl="0"/>
             <a:r>
-              <a:rPr lang="en-US" smtClean="0"/>
+              <a:rPr lang="en-US"/>
               <a:t>Click to edit Master text styles</a:t>
             </a:r>
           </a:p>
@@ -3820,7 +3823,7 @@
           <a:p>
             <a:fld id="{A52EACD4-389C-4017-9A33-9925F3908438}" type="datetime1">
               <a:rPr lang="en-US" smtClean="0"/>
-              <a:t>4/9/2017</a:t>
+              <a:t>4/13/2017</a:t>
             </a:fld>
             <a:endParaRPr lang="en-US" dirty="0"/>
           </a:p>
@@ -3842,7 +3845,7 @@
           <a:lstStyle/>
           <a:p>
             <a:r>
-              <a:rPr lang="en-US" smtClean="0"/>
+              <a:rPr lang="en-US"/>
               <a:t>aws101</a:t>
             </a:r>
             <a:endParaRPr lang="en-US" dirty="0"/>
@@ -3974,7 +3977,7 @@
           <a:lstStyle/>
           <a:p>
             <a:r>
-              <a:rPr lang="en-US" smtClean="0"/>
+              <a:rPr lang="en-US"/>
               <a:t>Click to edit Master title style</a:t>
             </a:r>
             <a:endParaRPr lang="en-US" dirty="0"/>
@@ -4008,35 +4011,35 @@
           <a:p>
             <a:pPr lvl="0"/>
             <a:r>
-              <a:rPr lang="en-US" smtClean="0"/>
+              <a:rPr lang="en-US"/>
               <a:t>Click to edit Master text styles</a:t>
             </a:r>
           </a:p>
           <a:p>
             <a:pPr lvl="1"/>
             <a:r>
-              <a:rPr lang="en-US" smtClean="0"/>
+              <a:rPr lang="en-US"/>
               <a:t>Second level</a:t>
             </a:r>
           </a:p>
           <a:p>
             <a:pPr lvl="2"/>
             <a:r>
-              <a:rPr lang="en-US" smtClean="0"/>
+              <a:rPr lang="en-US"/>
               <a:t>Third level</a:t>
             </a:r>
           </a:p>
           <a:p>
             <a:pPr lvl="3"/>
             <a:r>
-              <a:rPr lang="en-US" smtClean="0"/>
+              <a:rPr lang="en-US"/>
               <a:t>Fourth level</a:t>
             </a:r>
           </a:p>
           <a:p>
             <a:pPr lvl="4"/>
             <a:r>
-              <a:rPr lang="en-US" smtClean="0"/>
+              <a:rPr lang="en-US"/>
               <a:t>Fifth level</a:t>
             </a:r>
             <a:endParaRPr lang="en-US" dirty="0"/>
@@ -4122,7 +4125,7 @@
           <a:p>
             <a:fld id="{3D645673-5BCC-4FCF-96A9-7482A0FA262A}" type="datetime1">
               <a:rPr lang="en-US" smtClean="0"/>
-              <a:t>4/9/2017</a:t>
+              <a:t>4/13/2017</a:t>
             </a:fld>
             <a:endParaRPr lang="en-US" dirty="0"/>
           </a:p>
@@ -4160,7 +4163,7 @@
           </a:lstStyle>
           <a:p>
             <a:r>
-              <a:rPr lang="en-US" smtClean="0"/>
+              <a:rPr lang="en-US"/>
               <a:t>aws101</a:t>
             </a:r>
             <a:endParaRPr lang="en-US" dirty="0"/>
@@ -4542,15 +4545,7 @@
           <a:p>
             <a:r>
               <a:rPr lang="en-CA" dirty="0"/>
-              <a:t>Amazon Web </a:t>
-            </a:r>
-            <a:r>
-              <a:rPr lang="en-CA" dirty="0" smtClean="0"/>
-              <a:t>Services </a:t>
-            </a:r>
-            <a:r>
-              <a:rPr lang="en-CA" dirty="0"/>
-              <a:t>101</a:t>
+              <a:t>Amazon Web Services 101</a:t>
             </a:r>
           </a:p>
         </p:txBody>
@@ -4590,7 +4585,7 @@
           <a:lstStyle/>
           <a:p>
             <a:r>
-              <a:rPr lang="en-US" smtClean="0"/>
+              <a:rPr lang="en-US"/>
               <a:t>aws101</a:t>
             </a:r>
             <a:endParaRPr lang="en-US" dirty="0"/>
@@ -4666,10 +4661,9 @@
           <a:lstStyle/>
           <a:p>
             <a:r>
-              <a:rPr lang="en-CA" dirty="0" smtClean="0"/>
+              <a:rPr lang="en-CA" dirty="0"/>
               <a:t>Cloud Computing Models</a:t>
             </a:r>
-            <a:endParaRPr lang="en-CA" dirty="0"/>
           </a:p>
         </p:txBody>
       </p:sp>
@@ -4702,33 +4696,12 @@
               <a:rPr lang="en-US" b="1" dirty="0"/>
               <a:t>Platform as a Service (PaaS). </a:t>
             </a:r>
-            <a:endParaRPr lang="en-US" b="1" dirty="0" smtClean="0"/>
           </a:p>
           <a:p>
             <a:pPr lvl="1"/>
             <a:r>
-              <a:rPr lang="en-US" sz="2400" dirty="0" smtClean="0"/>
-              <a:t>The </a:t>
-            </a:r>
-            <a:r>
               <a:rPr lang="en-US" sz="2400" dirty="0"/>
-              <a:t>capability provided to the consumer is to deploy onto the cloud infrastructure consumer-created or acquired applications created using </a:t>
-            </a:r>
-            <a:r>
-              <a:rPr lang="en-US" sz="2400" dirty="0" smtClean="0"/>
-              <a:t>programming languages</a:t>
-            </a:r>
-            <a:r>
-              <a:rPr lang="en-US" sz="2400" dirty="0"/>
-              <a:t>, libraries, services, and tools supported by the provider</a:t>
-            </a:r>
-            <a:r>
-              <a:rPr lang="en-US" sz="2400" dirty="0" smtClean="0"/>
-              <a:t>. </a:t>
-            </a:r>
-            <a:r>
-              <a:rPr lang="en-US" sz="2400" dirty="0"/>
-              <a:t>The consumer does not manage or control the underlying cloud infrastructure including network, servers, operating systems, or storage, but has control over the deployed applications and possibly configuration settings for the application-hosting environment.</a:t>
+              <a:t>The capability provided to the consumer is to deploy onto the cloud infrastructure consumer-created or acquired applications created using programming languages, libraries, services, and tools supported by the provider. The consumer does not manage or control the underlying cloud infrastructure including network, servers, operating systems, or storage, but has control over the deployed applications and possibly configuration settings for the application-hosting environment.</a:t>
             </a:r>
             <a:endParaRPr lang="en-CA" sz="2400" dirty="0"/>
           </a:p>
@@ -4750,7 +4723,7 @@
           <a:lstStyle/>
           <a:p>
             <a:r>
-              <a:rPr lang="en-US" smtClean="0"/>
+              <a:rPr lang="en-US"/>
               <a:t>aws101</a:t>
             </a:r>
             <a:endParaRPr lang="en-US" dirty="0"/>
@@ -4974,33 +4947,12 @@
               <a:rPr lang="en-US" b="1" dirty="0"/>
               <a:t>Software as a Service (SaaS). </a:t>
             </a:r>
-            <a:endParaRPr lang="en-US" b="1" dirty="0" smtClean="0"/>
           </a:p>
           <a:p>
             <a:pPr lvl="1"/>
             <a:r>
-              <a:rPr lang="en-US" sz="2400" dirty="0" smtClean="0"/>
-              <a:t>The </a:t>
-            </a:r>
-            <a:r>
               <a:rPr lang="en-US" sz="2400" dirty="0"/>
-              <a:t>capability provided to the consumer is to use the provider’s applications running on a cloud </a:t>
-            </a:r>
-            <a:r>
-              <a:rPr lang="en-US" sz="2400" dirty="0" smtClean="0"/>
-              <a:t>infrastructure. </a:t>
-            </a:r>
-            <a:r>
-              <a:rPr lang="en-US" sz="2400" dirty="0"/>
-              <a:t>The applications are accessible from various client devices through either a thin client interface, such as a web browser (e.g., web-based email), or a program interface. The consumer does not manage or control the underlying cloud infrastructure including network, servers, operating systems, storage, or even individual application capabilities, with the possible exception of limited </a:t>
-            </a:r>
-            <a:r>
-              <a:rPr lang="en-US" sz="2400" dirty="0" smtClean="0"/>
-              <a:t>user specific </a:t>
-            </a:r>
-            <a:r>
-              <a:rPr lang="en-US" sz="2400" dirty="0"/>
-              <a:t>application configuration settings.</a:t>
+              <a:t>The capability provided to the consumer is to use the provider’s applications running on a cloud infrastructure. The applications are accessible from various client devices through either a thin client interface, such as a web browser (e.g., web-based email), or a program interface. The consumer does not manage or control the underlying cloud infrastructure including network, servers, operating systems, storage, or even individual application capabilities, with the possible exception of limited user specific application configuration settings.</a:t>
             </a:r>
             <a:endParaRPr lang="en-CA" sz="2400" dirty="0"/>
           </a:p>
@@ -5022,7 +4974,7 @@
           <a:lstStyle/>
           <a:p>
             <a:r>
-              <a:rPr lang="en-US" smtClean="0"/>
+              <a:rPr lang="en-US"/>
               <a:t>aws101</a:t>
             </a:r>
             <a:endParaRPr lang="en-US" dirty="0"/>
@@ -5150,10 +5102,9 @@
           <a:lstStyle/>
           <a:p>
             <a:r>
-              <a:rPr lang="en-CA" dirty="0" smtClean="0"/>
+              <a:rPr lang="en-CA" dirty="0"/>
               <a:t>Cloud Deployment Model</a:t>
             </a:r>
-            <a:endParaRPr lang="en-CA" dirty="0"/>
           </a:p>
         </p:txBody>
       </p:sp>
@@ -5179,17 +5130,12 @@
               <a:rPr lang="en-US" b="1" dirty="0"/>
               <a:t>Private cloud. </a:t>
             </a:r>
-            <a:endParaRPr lang="en-US" b="1" dirty="0" smtClean="0"/>
           </a:p>
           <a:p>
             <a:pPr lvl="1"/>
             <a:r>
-              <a:rPr lang="en-US" sz="2400" dirty="0" smtClean="0"/>
-              <a:t>The </a:t>
-            </a:r>
-            <a:r>
               <a:rPr lang="en-US" sz="2400" dirty="0"/>
-              <a:t>cloud infrastructure is provisioned for exclusive use by a single organization comprising multiple consumers (e.g., business units). It may be owned, managed, and operated by the organization, a third party, or some combination of them, and it may exist on or off premises.</a:t>
+              <a:t>The cloud infrastructure is provisioned for exclusive use by a single organization comprising multiple consumers (e.g., business units). It may be owned, managed, and operated by the organization, a third party, or some combination of them, and it may exist on or off premises.</a:t>
             </a:r>
             <a:endParaRPr lang="en-CA" sz="2400" dirty="0"/>
           </a:p>
@@ -5211,7 +5157,7 @@
           <a:lstStyle/>
           <a:p>
             <a:r>
-              <a:rPr lang="en-US" smtClean="0"/>
+              <a:rPr lang="en-US"/>
               <a:t>aws101</a:t>
             </a:r>
             <a:endParaRPr lang="en-US" dirty="0"/>
@@ -5328,10 +5274,9 @@
           <a:lstStyle/>
           <a:p>
             <a:r>
-              <a:rPr lang="en-CA" dirty="0" smtClean="0"/>
+              <a:rPr lang="en-CA" dirty="0"/>
               <a:t>Cloud Deployment Model</a:t>
             </a:r>
-            <a:endParaRPr lang="en-CA" dirty="0"/>
           </a:p>
         </p:txBody>
       </p:sp>
@@ -5361,12 +5306,8 @@
           <a:p>
             <a:pPr lvl="1"/>
             <a:r>
-              <a:rPr lang="en-US" sz="2400" dirty="0" smtClean="0"/>
-              <a:t>The </a:t>
-            </a:r>
-            <a:r>
               <a:rPr lang="en-US" sz="2400" dirty="0"/>
-              <a:t>cloud infrastructure is provisioned for open use by the general public. It may be owned, managed, and operated by a business, academic, or government organization, or some combination of them. It exists on the premises of the cloud provider</a:t>
+              <a:t>The cloud infrastructure is provisioned for open use by the general public. It may be owned, managed, and operated by a business, academic, or government organization, or some combination of them. It exists on the premises of the cloud provider</a:t>
             </a:r>
             <a:endParaRPr lang="en-CA" sz="2400" dirty="0"/>
           </a:p>
@@ -5388,7 +5329,7 @@
           <a:lstStyle/>
           <a:p>
             <a:r>
-              <a:rPr lang="en-US" smtClean="0"/>
+              <a:rPr lang="en-US"/>
               <a:t>aws101</a:t>
             </a:r>
             <a:endParaRPr lang="en-US" dirty="0"/>
@@ -5505,10 +5446,9 @@
           <a:lstStyle/>
           <a:p>
             <a:r>
-              <a:rPr lang="en-CA" dirty="0" smtClean="0"/>
+              <a:rPr lang="en-CA" dirty="0"/>
               <a:t>Cloud Deployment Model</a:t>
             </a:r>
-            <a:endParaRPr lang="en-CA" dirty="0"/>
           </a:p>
         </p:txBody>
       </p:sp>
@@ -5534,17 +5474,12 @@
               <a:rPr lang="en-US" b="1" dirty="0"/>
               <a:t>Hybrid cloud. </a:t>
             </a:r>
-            <a:endParaRPr lang="en-US" b="1" dirty="0" smtClean="0"/>
           </a:p>
           <a:p>
             <a:pPr lvl="1"/>
             <a:r>
-              <a:rPr lang="en-US" sz="2400" dirty="0" smtClean="0"/>
-              <a:t>The </a:t>
-            </a:r>
-            <a:r>
               <a:rPr lang="en-US" sz="2400" dirty="0"/>
-              <a:t>cloud infrastructure is a composition of two or more distinct cloud infrastructures (private, community, or public) that remain unique entities, but are bound together by standardized or proprietary technology that enables data and application portability (e.g., cloud bursting for load balancing between clouds).</a:t>
+              <a:t>The cloud infrastructure is a composition of two or more distinct cloud infrastructures (private, community, or public) that remain unique entities, but are bound together by standardized or proprietary technology that enables data and application portability (e.g., cloud bursting for load balancing between clouds).</a:t>
             </a:r>
             <a:endParaRPr lang="en-CA" sz="2400" dirty="0"/>
           </a:p>
@@ -5566,7 +5501,7 @@
           <a:lstStyle/>
           <a:p>
             <a:r>
-              <a:rPr lang="en-US" smtClean="0"/>
+              <a:rPr lang="en-US"/>
               <a:t>aws101</a:t>
             </a:r>
             <a:endParaRPr lang="en-US" dirty="0"/>
@@ -5684,13 +5619,8 @@
           <a:p>
             <a:r>
               <a:rPr lang="en-CA" dirty="0"/>
-              <a:t>A Brief History of Amazon </a:t>
-            </a:r>
-            <a:r>
-              <a:rPr lang="en-CA" dirty="0" smtClean="0"/>
-              <a:t>Web Services</a:t>
-            </a:r>
-            <a:endParaRPr lang="en-CA" dirty="0"/>
+              <a:t>A Brief History of Amazon Web Services</a:t>
+            </a:r>
           </a:p>
         </p:txBody>
       </p:sp>
@@ -5712,70 +5642,69 @@
           <a:lstStyle/>
           <a:p>
             <a:r>
-              <a:rPr lang="en-CA" dirty="0" smtClean="0"/>
+              <a:rPr lang="en-CA" dirty="0"/>
               <a:t>Started late 2003, Chris Pinkham and Benjamin Black presented the idea of selling Amazon’s internal standardized computing infrastructure as service to the external wold.</a:t>
             </a:r>
           </a:p>
           <a:p>
             <a:r>
-              <a:rPr lang="en-CA" dirty="0" smtClean="0"/>
+              <a:rPr lang="en-CA" dirty="0"/>
               <a:t>November 2004, Simple Queue Service (SQS) launched as first Amazon Web Service</a:t>
             </a:r>
           </a:p>
           <a:p>
             <a:r>
-              <a:rPr lang="en-CA" dirty="0" smtClean="0"/>
+              <a:rPr lang="en-CA" dirty="0"/>
               <a:t>2006, AWS officially launched</a:t>
             </a:r>
           </a:p>
           <a:p>
             <a:r>
-              <a:rPr lang="en-CA" dirty="0" smtClean="0"/>
+              <a:rPr lang="en-CA" dirty="0"/>
               <a:t>2007, 180,000 developers on board on the platform</a:t>
             </a:r>
           </a:p>
           <a:p>
             <a:r>
-              <a:rPr lang="en-CA" dirty="0" smtClean="0"/>
+              <a:rPr lang="en-CA" dirty="0"/>
               <a:t>2010, all amazon.com moved over to AWS</a:t>
             </a:r>
           </a:p>
           <a:p>
             <a:r>
-              <a:rPr lang="en-CA" dirty="0" smtClean="0"/>
+              <a:rPr lang="en-CA" dirty="0"/>
               <a:t>2012, first Re-Invent conference at Las Vegas</a:t>
             </a:r>
           </a:p>
           <a:p>
             <a:r>
-              <a:rPr lang="en-CA" dirty="0" smtClean="0"/>
+              <a:rPr lang="en-CA" dirty="0"/>
               <a:t>2013, AWS Certification launched</a:t>
             </a:r>
           </a:p>
           <a:p>
             <a:r>
-              <a:rPr lang="en-CA" dirty="0" smtClean="0"/>
+              <a:rPr lang="en-CA" dirty="0"/>
               <a:t>2015, AWS became profitable, generate $6B USD revenue per annum and 90% growth rate year over year</a:t>
             </a:r>
           </a:p>
           <a:p>
             <a:r>
-              <a:rPr lang="en-CA" dirty="0" smtClean="0"/>
+              <a:rPr lang="en-CA" dirty="0"/>
               <a:t>2016 $13B USD revenue</a:t>
             </a:r>
           </a:p>
           <a:p>
             <a:r>
-              <a:rPr lang="en-CA" dirty="0" smtClean="0"/>
+              <a:rPr lang="en-CA" dirty="0"/>
               <a:t>2016, Cisco, IBM, HP Enterprise, Dell EMC, Oracle, VMWare generated over $206B revenue, $15B reduction from 2012(3% shrinkage year over year)</a:t>
             </a:r>
           </a:p>
           <a:p>
             <a:r>
-              <a:rPr lang="en-CA" dirty="0" smtClean="0"/>
+              <a:rPr lang="en-CA" dirty="0"/>
               <a:t>Dec. 2016 AWS Canada opened first Canada Availability Center in Montreal</a:t>
             </a:r>
-            <a:endParaRPr lang="en-CA" dirty="0"/>
           </a:p>
         </p:txBody>
       </p:sp>
@@ -5795,7 +5724,7 @@
           <a:lstStyle/>
           <a:p>
             <a:r>
-              <a:rPr lang="en-US" smtClean="0"/>
+              <a:rPr lang="en-US"/>
               <a:t>aws101</a:t>
             </a:r>
             <a:endParaRPr lang="en-US" dirty="0"/>
@@ -5918,7 +5847,7 @@
           <a:lstStyle/>
           <a:p>
             <a:r>
-              <a:rPr lang="en-US" smtClean="0"/>
+              <a:rPr lang="en-US"/>
               <a:t>aws101</a:t>
             </a:r>
             <a:endParaRPr lang="en-US" dirty="0"/>
@@ -5971,10 +5900,9 @@
           <a:lstStyle/>
           <a:p>
             <a:r>
-              <a:rPr lang="en-CA" dirty="0" smtClean="0"/>
+              <a:rPr lang="en-CA" dirty="0"/>
               <a:t>82</a:t>
             </a:r>
-            <a:endParaRPr lang="en-CA" dirty="0"/>
           </a:p>
         </p:txBody>
       </p:sp>
@@ -6046,7 +5974,7 @@
           <a:lstStyle/>
           <a:p>
             <a:r>
-              <a:rPr lang="en-US" smtClean="0"/>
+              <a:rPr lang="en-US"/>
               <a:t>aws101</a:t>
             </a:r>
             <a:endParaRPr lang="en-US" dirty="0"/>
@@ -6162,13 +6090,8 @@
           <a:p>
             <a:r>
               <a:rPr lang="en-CA" dirty="0"/>
-              <a:t>AWS </a:t>
-            </a:r>
-            <a:r>
-              <a:rPr lang="en-CA" dirty="0" smtClean="0"/>
-              <a:t>Leadership</a:t>
-            </a:r>
-            <a:endParaRPr lang="en-CA" dirty="0"/>
+              <a:t>AWS Leadership</a:t>
+            </a:r>
           </a:p>
         </p:txBody>
       </p:sp>
@@ -6188,7 +6111,7 @@
           <a:lstStyle/>
           <a:p>
             <a:r>
-              <a:rPr lang="en-US" smtClean="0"/>
+              <a:rPr lang="en-US"/>
               <a:t>aws101</a:t>
             </a:r>
             <a:endParaRPr lang="en-US" dirty="0"/>
@@ -6334,10 +6257,9 @@
           <a:lstStyle/>
           <a:p>
             <a:r>
-              <a:rPr lang="en-CA" sz="2400" dirty="0" smtClean="0"/>
+              <a:rPr lang="en-CA" sz="2400" dirty="0"/>
               <a:t>Gartner’s Magic Quadrant: Cloud Infrastructure As Service</a:t>
             </a:r>
-            <a:endParaRPr lang="en-CA" sz="2400" dirty="0"/>
           </a:p>
         </p:txBody>
       </p:sp>
@@ -6387,10 +6309,9 @@
           <a:lstStyle/>
           <a:p>
             <a:r>
-              <a:rPr lang="en-CA" dirty="0" smtClean="0"/>
+              <a:rPr lang="en-CA" dirty="0"/>
               <a:t>Break for 15 minute</a:t>
             </a:r>
-            <a:endParaRPr lang="en-CA" dirty="0"/>
           </a:p>
         </p:txBody>
       </p:sp>
@@ -6410,7 +6331,7 @@
           <a:lstStyle/>
           <a:p>
             <a:r>
-              <a:rPr lang="en-US" smtClean="0"/>
+              <a:rPr lang="en-US"/>
               <a:t>aws101</a:t>
             </a:r>
             <a:endParaRPr lang="en-US" dirty="0"/>
@@ -6557,17 +6478,12 @@
               <a:rPr lang="en-US" b="1" dirty="0"/>
               <a:t>On-demand self-service. </a:t>
             </a:r>
-            <a:endParaRPr lang="en-US" b="1" dirty="0" smtClean="0"/>
           </a:p>
           <a:p>
             <a:pPr lvl="1"/>
             <a:r>
-              <a:rPr lang="en-US" sz="2400" dirty="0" smtClean="0"/>
-              <a:t>A </a:t>
-            </a:r>
-            <a:r>
               <a:rPr lang="en-US" sz="2400" dirty="0"/>
-              <a:t>consumer can unilaterally provision computing capabilities, such as server time and network storage, as needed automatically without requiring human interaction with each service provider.</a:t>
+              <a:t>A consumer can unilaterally provision computing capabilities, such as server time and network storage, as needed automatically without requiring human interaction with each service provider.</a:t>
             </a:r>
             <a:endParaRPr lang="en-CA" sz="2400" dirty="0"/>
           </a:p>
@@ -6589,7 +6505,7 @@
           <a:lstStyle/>
           <a:p>
             <a:r>
-              <a:rPr lang="en-US" smtClean="0"/>
+              <a:rPr lang="en-US"/>
               <a:t>aws101</a:t>
             </a:r>
             <a:endParaRPr lang="en-US" dirty="0"/>
@@ -6623,6 +6539,1054 @@
     <p:extLst>
       <p:ext uri="{BB962C8B-B14F-4D97-AF65-F5344CB8AC3E}">
         <p14:creationId xmlns:p14="http://schemas.microsoft.com/office/powerpoint/2010/main" val="2638130746"/>
+      </p:ext>
+    </p:extLst>
+  </p:cSld>
+  <p:clrMapOvr>
+    <a:masterClrMapping/>
+  </p:clrMapOvr>
+</p:sld>
+</file>
+
+<file path=ppt/slides/slide20.xml><?xml version="1.0" encoding="utf-8"?>
+<p:sld xmlns:a="http://schemas.openxmlformats.org/drawingml/2006/main" xmlns:r="http://schemas.openxmlformats.org/officeDocument/2006/relationships" xmlns:p="http://schemas.openxmlformats.org/presentationml/2006/main">
+  <p:cSld>
+    <p:spTree>
+      <p:nvGrpSpPr>
+        <p:cNvPr id="1" name=""/>
+        <p:cNvGrpSpPr/>
+        <p:nvPr/>
+      </p:nvGrpSpPr>
+      <p:grpSpPr>
+        <a:xfrm>
+          <a:off x="0" y="0"/>
+          <a:ext cx="0" cy="0"/>
+          <a:chOff x="0" y="0"/>
+          <a:chExt cx="0" cy="0"/>
+        </a:xfrm>
+      </p:grpSpPr>
+      <p:sp>
+        <p:nvSpPr>
+          <p:cNvPr id="2" name="Title 1"/>
+          <p:cNvSpPr>
+            <a:spLocks noGrp="1"/>
+          </p:cNvSpPr>
+          <p:nvPr>
+            <p:ph type="title"/>
+          </p:nvPr>
+        </p:nvSpPr>
+        <p:spPr/>
+        <p:txBody>
+          <a:bodyPr/>
+          <a:lstStyle/>
+          <a:p>
+            <a:r>
+              <a:rPr lang="en-CA" dirty="0"/>
+              <a:t>The AWS Platform</a:t>
+            </a:r>
+          </a:p>
+        </p:txBody>
+      </p:sp>
+      <p:sp>
+        <p:nvSpPr>
+          <p:cNvPr id="4" name="Footer Placeholder 3"/>
+          <p:cNvSpPr>
+            <a:spLocks noGrp="1"/>
+          </p:cNvSpPr>
+          <p:nvPr>
+            <p:ph type="ftr" sz="quarter" idx="11"/>
+          </p:nvPr>
+        </p:nvSpPr>
+        <p:spPr/>
+        <p:txBody>
+          <a:bodyPr/>
+          <a:lstStyle/>
+          <a:p>
+            <a:r>
+              <a:rPr lang="en-US"/>
+              <a:t>aws101</a:t>
+            </a:r>
+            <a:endParaRPr lang="en-US" dirty="0"/>
+          </a:p>
+        </p:txBody>
+      </p:sp>
+      <p:sp>
+        <p:nvSpPr>
+          <p:cNvPr id="5" name="Slide Number Placeholder 4"/>
+          <p:cNvSpPr>
+            <a:spLocks noGrp="1"/>
+          </p:cNvSpPr>
+          <p:nvPr>
+            <p:ph type="sldNum" sz="quarter" idx="12"/>
+          </p:nvPr>
+        </p:nvSpPr>
+        <p:spPr/>
+        <p:txBody>
+          <a:bodyPr/>
+          <a:lstStyle/>
+          <a:p>
+            <a:fld id="{6D22F896-40B5-4ADD-8801-0D06FADFA095}" type="slidenum">
+              <a:rPr lang="en-US" smtClean="0"/>
+              <a:t>20</a:t>
+            </a:fld>
+            <a:endParaRPr lang="en-US" dirty="0"/>
+          </a:p>
+        </p:txBody>
+      </p:sp>
+      <p:sp>
+        <p:nvSpPr>
+          <p:cNvPr id="6" name="Rectangle 5"/>
+          <p:cNvSpPr/>
+          <p:nvPr/>
+        </p:nvSpPr>
+        <p:spPr>
+          <a:xfrm>
+            <a:off x="889000" y="5784208"/>
+            <a:ext cx="10693400" cy="514991"/>
+          </a:xfrm>
+          <a:prstGeom prst="rect">
+            <a:avLst/>
+          </a:prstGeom>
+          <a:solidFill>
+            <a:srgbClr val="FFC000"/>
+          </a:solidFill>
+        </p:spPr>
+        <p:style>
+          <a:lnRef idx="2">
+            <a:schemeClr val="accent1">
+              <a:shade val="50000"/>
+            </a:schemeClr>
+          </a:lnRef>
+          <a:fillRef idx="1">
+            <a:schemeClr val="accent1"/>
+          </a:fillRef>
+          <a:effectRef idx="0">
+            <a:schemeClr val="accent1"/>
+          </a:effectRef>
+          <a:fontRef idx="minor">
+            <a:schemeClr val="lt1"/>
+          </a:fontRef>
+        </p:style>
+        <p:txBody>
+          <a:bodyPr rtlCol="0" anchor="ctr"/>
+          <a:lstStyle/>
+          <a:p>
+            <a:pPr algn="ctr"/>
+            <a:r>
+              <a:rPr lang="en-CA" dirty="0">
+                <a:solidFill>
+                  <a:schemeClr val="tx1"/>
+                </a:solidFill>
+              </a:rPr>
+              <a:t>AWS Global Infrastructure</a:t>
+            </a:r>
+          </a:p>
+        </p:txBody>
+      </p:sp>
+      <p:sp>
+        <p:nvSpPr>
+          <p:cNvPr id="7" name="Rectangle 6"/>
+          <p:cNvSpPr/>
+          <p:nvPr/>
+        </p:nvSpPr>
+        <p:spPr>
+          <a:xfrm>
+            <a:off x="889000" y="5106098"/>
+            <a:ext cx="3464886" cy="514991"/>
+          </a:xfrm>
+          <a:prstGeom prst="rect">
+            <a:avLst/>
+          </a:prstGeom>
+          <a:solidFill>
+            <a:srgbClr val="FFC000"/>
+          </a:solidFill>
+        </p:spPr>
+        <p:style>
+          <a:lnRef idx="2">
+            <a:schemeClr val="accent1">
+              <a:shade val="50000"/>
+            </a:schemeClr>
+          </a:lnRef>
+          <a:fillRef idx="1">
+            <a:schemeClr val="accent1"/>
+          </a:fillRef>
+          <a:effectRef idx="0">
+            <a:schemeClr val="accent1"/>
+          </a:effectRef>
+          <a:fontRef idx="minor">
+            <a:schemeClr val="lt1"/>
+          </a:fontRef>
+        </p:style>
+        <p:txBody>
+          <a:bodyPr rtlCol="0" anchor="ctr"/>
+          <a:lstStyle/>
+          <a:p>
+            <a:pPr algn="ctr"/>
+            <a:r>
+              <a:rPr lang="en-CA" dirty="0">
+                <a:solidFill>
+                  <a:schemeClr val="tx1"/>
+                </a:solidFill>
+              </a:rPr>
+              <a:t>Networking &amp; Content Delivery</a:t>
+            </a:r>
+          </a:p>
+        </p:txBody>
+      </p:sp>
+      <p:sp>
+        <p:nvSpPr>
+          <p:cNvPr id="10" name="Rectangle 9"/>
+          <p:cNvSpPr/>
+          <p:nvPr/>
+        </p:nvSpPr>
+        <p:spPr>
+          <a:xfrm>
+            <a:off x="4503257" y="5106098"/>
+            <a:ext cx="3464886" cy="514991"/>
+          </a:xfrm>
+          <a:prstGeom prst="rect">
+            <a:avLst/>
+          </a:prstGeom>
+          <a:solidFill>
+            <a:srgbClr val="FFC000"/>
+          </a:solidFill>
+        </p:spPr>
+        <p:style>
+          <a:lnRef idx="2">
+            <a:schemeClr val="accent1">
+              <a:shade val="50000"/>
+            </a:schemeClr>
+          </a:lnRef>
+          <a:fillRef idx="1">
+            <a:schemeClr val="accent1"/>
+          </a:fillRef>
+          <a:effectRef idx="0">
+            <a:schemeClr val="accent1"/>
+          </a:effectRef>
+          <a:fontRef idx="minor">
+            <a:schemeClr val="lt1"/>
+          </a:fontRef>
+        </p:style>
+        <p:txBody>
+          <a:bodyPr rtlCol="0" anchor="ctr"/>
+          <a:lstStyle/>
+          <a:p>
+            <a:pPr algn="ctr"/>
+            <a:r>
+              <a:rPr lang="en-CA" dirty="0">
+                <a:solidFill>
+                  <a:schemeClr val="tx1"/>
+                </a:solidFill>
+              </a:rPr>
+              <a:t>Compute</a:t>
+            </a:r>
+          </a:p>
+        </p:txBody>
+      </p:sp>
+      <p:sp>
+        <p:nvSpPr>
+          <p:cNvPr id="11" name="Rectangle 10"/>
+          <p:cNvSpPr/>
+          <p:nvPr/>
+        </p:nvSpPr>
+        <p:spPr>
+          <a:xfrm>
+            <a:off x="8117514" y="5106098"/>
+            <a:ext cx="3464886" cy="514991"/>
+          </a:xfrm>
+          <a:prstGeom prst="rect">
+            <a:avLst/>
+          </a:prstGeom>
+          <a:solidFill>
+            <a:srgbClr val="FFC000"/>
+          </a:solidFill>
+        </p:spPr>
+        <p:style>
+          <a:lnRef idx="2">
+            <a:schemeClr val="accent1">
+              <a:shade val="50000"/>
+            </a:schemeClr>
+          </a:lnRef>
+          <a:fillRef idx="1">
+            <a:schemeClr val="accent1"/>
+          </a:fillRef>
+          <a:effectRef idx="0">
+            <a:schemeClr val="accent1"/>
+          </a:effectRef>
+          <a:fontRef idx="minor">
+            <a:schemeClr val="lt1"/>
+          </a:fontRef>
+        </p:style>
+        <p:txBody>
+          <a:bodyPr rtlCol="0" anchor="ctr"/>
+          <a:lstStyle/>
+          <a:p>
+            <a:pPr algn="ctr"/>
+            <a:r>
+              <a:rPr lang="en-CA" dirty="0">
+                <a:solidFill>
+                  <a:schemeClr val="tx1"/>
+                </a:solidFill>
+              </a:rPr>
+              <a:t>Storage</a:t>
+            </a:r>
+          </a:p>
+        </p:txBody>
+      </p:sp>
+      <p:sp>
+        <p:nvSpPr>
+          <p:cNvPr id="12" name="Rectangle 11"/>
+          <p:cNvSpPr/>
+          <p:nvPr/>
+        </p:nvSpPr>
+        <p:spPr>
+          <a:xfrm>
+            <a:off x="889000" y="4444766"/>
+            <a:ext cx="3464886" cy="514991"/>
+          </a:xfrm>
+          <a:prstGeom prst="rect">
+            <a:avLst/>
+          </a:prstGeom>
+          <a:solidFill>
+            <a:srgbClr val="FFC000"/>
+          </a:solidFill>
+        </p:spPr>
+        <p:style>
+          <a:lnRef idx="2">
+            <a:schemeClr val="accent1">
+              <a:shade val="50000"/>
+            </a:schemeClr>
+          </a:lnRef>
+          <a:fillRef idx="1">
+            <a:schemeClr val="accent1"/>
+          </a:fillRef>
+          <a:effectRef idx="0">
+            <a:schemeClr val="accent1"/>
+          </a:effectRef>
+          <a:fontRef idx="minor">
+            <a:schemeClr val="lt1"/>
+          </a:fontRef>
+        </p:style>
+        <p:txBody>
+          <a:bodyPr rtlCol="0" anchor="ctr"/>
+          <a:lstStyle/>
+          <a:p>
+            <a:pPr algn="ctr"/>
+            <a:r>
+              <a:rPr lang="en-CA" dirty="0">
+                <a:solidFill>
+                  <a:schemeClr val="tx1"/>
+                </a:solidFill>
+              </a:rPr>
+              <a:t>Database</a:t>
+            </a:r>
+          </a:p>
+        </p:txBody>
+      </p:sp>
+      <p:sp>
+        <p:nvSpPr>
+          <p:cNvPr id="13" name="Rectangle 12"/>
+          <p:cNvSpPr/>
+          <p:nvPr/>
+        </p:nvSpPr>
+        <p:spPr>
+          <a:xfrm>
+            <a:off x="4503257" y="4444766"/>
+            <a:ext cx="3464886" cy="514991"/>
+          </a:xfrm>
+          <a:prstGeom prst="rect">
+            <a:avLst/>
+          </a:prstGeom>
+          <a:solidFill>
+            <a:srgbClr val="FFC000"/>
+          </a:solidFill>
+        </p:spPr>
+        <p:style>
+          <a:lnRef idx="2">
+            <a:schemeClr val="accent1">
+              <a:shade val="50000"/>
+            </a:schemeClr>
+          </a:lnRef>
+          <a:fillRef idx="1">
+            <a:schemeClr val="accent1"/>
+          </a:fillRef>
+          <a:effectRef idx="0">
+            <a:schemeClr val="accent1"/>
+          </a:effectRef>
+          <a:fontRef idx="minor">
+            <a:schemeClr val="lt1"/>
+          </a:fontRef>
+        </p:style>
+        <p:txBody>
+          <a:bodyPr rtlCol="0" anchor="ctr"/>
+          <a:lstStyle/>
+          <a:p>
+            <a:pPr algn="ctr"/>
+            <a:r>
+              <a:rPr lang="en-CA" dirty="0">
+                <a:solidFill>
+                  <a:schemeClr val="tx1"/>
+                </a:solidFill>
+              </a:rPr>
+              <a:t>Migration</a:t>
+            </a:r>
+          </a:p>
+        </p:txBody>
+      </p:sp>
+      <p:sp>
+        <p:nvSpPr>
+          <p:cNvPr id="14" name="Rectangle 13"/>
+          <p:cNvSpPr/>
+          <p:nvPr/>
+        </p:nvSpPr>
+        <p:spPr>
+          <a:xfrm>
+            <a:off x="8117514" y="4444766"/>
+            <a:ext cx="3464886" cy="514991"/>
+          </a:xfrm>
+          <a:prstGeom prst="rect">
+            <a:avLst/>
+          </a:prstGeom>
+          <a:solidFill>
+            <a:srgbClr val="FFC000"/>
+          </a:solidFill>
+        </p:spPr>
+        <p:style>
+          <a:lnRef idx="2">
+            <a:schemeClr val="accent1">
+              <a:shade val="50000"/>
+            </a:schemeClr>
+          </a:lnRef>
+          <a:fillRef idx="1">
+            <a:schemeClr val="accent1"/>
+          </a:fillRef>
+          <a:effectRef idx="0">
+            <a:schemeClr val="accent1"/>
+          </a:effectRef>
+          <a:fontRef idx="minor">
+            <a:schemeClr val="lt1"/>
+          </a:fontRef>
+        </p:style>
+        <p:txBody>
+          <a:bodyPr rtlCol="0" anchor="ctr"/>
+          <a:lstStyle/>
+          <a:p>
+            <a:pPr algn="ctr"/>
+            <a:r>
+              <a:rPr lang="en-CA" dirty="0">
+                <a:solidFill>
+                  <a:schemeClr val="tx1"/>
+                </a:solidFill>
+              </a:rPr>
+              <a:t>Messaging</a:t>
+            </a:r>
+          </a:p>
+        </p:txBody>
+      </p:sp>
+      <p:sp>
+        <p:nvSpPr>
+          <p:cNvPr id="15" name="Rectangle 14"/>
+          <p:cNvSpPr/>
+          <p:nvPr/>
+        </p:nvSpPr>
+        <p:spPr>
+          <a:xfrm>
+            <a:off x="889000" y="3766656"/>
+            <a:ext cx="3464886" cy="514991"/>
+          </a:xfrm>
+          <a:prstGeom prst="rect">
+            <a:avLst/>
+          </a:prstGeom>
+          <a:solidFill>
+            <a:srgbClr val="FFC000"/>
+          </a:solidFill>
+        </p:spPr>
+        <p:style>
+          <a:lnRef idx="2">
+            <a:schemeClr val="accent1">
+              <a:shade val="50000"/>
+            </a:schemeClr>
+          </a:lnRef>
+          <a:fillRef idx="1">
+            <a:schemeClr val="accent1"/>
+          </a:fillRef>
+          <a:effectRef idx="0">
+            <a:schemeClr val="accent1"/>
+          </a:effectRef>
+          <a:fontRef idx="minor">
+            <a:schemeClr val="lt1"/>
+          </a:fontRef>
+        </p:style>
+        <p:txBody>
+          <a:bodyPr rtlCol="0" anchor="ctr"/>
+          <a:lstStyle/>
+          <a:p>
+            <a:pPr algn="ctr"/>
+            <a:r>
+              <a:rPr lang="en-CA" dirty="0">
+                <a:solidFill>
+                  <a:schemeClr val="tx1"/>
+                </a:solidFill>
+              </a:rPr>
+              <a:t>Analytics</a:t>
+            </a:r>
+          </a:p>
+        </p:txBody>
+      </p:sp>
+      <p:sp>
+        <p:nvSpPr>
+          <p:cNvPr id="16" name="Rectangle 15"/>
+          <p:cNvSpPr/>
+          <p:nvPr/>
+        </p:nvSpPr>
+        <p:spPr>
+          <a:xfrm>
+            <a:off x="4503257" y="3766656"/>
+            <a:ext cx="3464886" cy="514991"/>
+          </a:xfrm>
+          <a:prstGeom prst="rect">
+            <a:avLst/>
+          </a:prstGeom>
+          <a:solidFill>
+            <a:srgbClr val="FFC000"/>
+          </a:solidFill>
+        </p:spPr>
+        <p:style>
+          <a:lnRef idx="2">
+            <a:schemeClr val="accent1">
+              <a:shade val="50000"/>
+            </a:schemeClr>
+          </a:lnRef>
+          <a:fillRef idx="1">
+            <a:schemeClr val="accent1"/>
+          </a:fillRef>
+          <a:effectRef idx="0">
+            <a:schemeClr val="accent1"/>
+          </a:effectRef>
+          <a:fontRef idx="minor">
+            <a:schemeClr val="lt1"/>
+          </a:fontRef>
+        </p:style>
+        <p:txBody>
+          <a:bodyPr rtlCol="0" anchor="ctr"/>
+          <a:lstStyle/>
+          <a:p>
+            <a:pPr algn="ctr"/>
+            <a:r>
+              <a:rPr lang="en-CA" dirty="0">
+                <a:solidFill>
+                  <a:schemeClr val="tx1"/>
+                </a:solidFill>
+              </a:rPr>
+              <a:t>Security &amp; Identity</a:t>
+            </a:r>
+          </a:p>
+        </p:txBody>
+      </p:sp>
+      <p:sp>
+        <p:nvSpPr>
+          <p:cNvPr id="17" name="Rectangle 16"/>
+          <p:cNvSpPr/>
+          <p:nvPr/>
+        </p:nvSpPr>
+        <p:spPr>
+          <a:xfrm>
+            <a:off x="8117514" y="3766656"/>
+            <a:ext cx="3464886" cy="514991"/>
+          </a:xfrm>
+          <a:prstGeom prst="rect">
+            <a:avLst/>
+          </a:prstGeom>
+          <a:solidFill>
+            <a:srgbClr val="FFC000"/>
+          </a:solidFill>
+        </p:spPr>
+        <p:style>
+          <a:lnRef idx="2">
+            <a:schemeClr val="accent1">
+              <a:shade val="50000"/>
+            </a:schemeClr>
+          </a:lnRef>
+          <a:fillRef idx="1">
+            <a:schemeClr val="accent1"/>
+          </a:fillRef>
+          <a:effectRef idx="0">
+            <a:schemeClr val="accent1"/>
+          </a:effectRef>
+          <a:fontRef idx="minor">
+            <a:schemeClr val="lt1"/>
+          </a:fontRef>
+        </p:style>
+        <p:txBody>
+          <a:bodyPr rtlCol="0" anchor="ctr"/>
+          <a:lstStyle/>
+          <a:p>
+            <a:pPr algn="ctr"/>
+            <a:r>
+              <a:rPr lang="en-CA" dirty="0">
+                <a:solidFill>
+                  <a:schemeClr val="tx1"/>
+                </a:solidFill>
+              </a:rPr>
+              <a:t>Management Tools</a:t>
+            </a:r>
+          </a:p>
+        </p:txBody>
+      </p:sp>
+      <p:sp>
+        <p:nvSpPr>
+          <p:cNvPr id="18" name="Rectangle 17"/>
+          <p:cNvSpPr/>
+          <p:nvPr/>
+        </p:nvSpPr>
+        <p:spPr>
+          <a:xfrm>
+            <a:off x="889000" y="3075030"/>
+            <a:ext cx="3464886" cy="514991"/>
+          </a:xfrm>
+          <a:prstGeom prst="rect">
+            <a:avLst/>
+          </a:prstGeom>
+          <a:solidFill>
+            <a:srgbClr val="FFC000"/>
+          </a:solidFill>
+        </p:spPr>
+        <p:style>
+          <a:lnRef idx="2">
+            <a:schemeClr val="accent1">
+              <a:shade val="50000"/>
+            </a:schemeClr>
+          </a:lnRef>
+          <a:fillRef idx="1">
+            <a:schemeClr val="accent1"/>
+          </a:fillRef>
+          <a:effectRef idx="0">
+            <a:schemeClr val="accent1"/>
+          </a:effectRef>
+          <a:fontRef idx="minor">
+            <a:schemeClr val="lt1"/>
+          </a:fontRef>
+        </p:style>
+        <p:txBody>
+          <a:bodyPr rtlCol="0" anchor="ctr"/>
+          <a:lstStyle/>
+          <a:p>
+            <a:pPr algn="ctr"/>
+            <a:r>
+              <a:rPr lang="en-CA" dirty="0">
+                <a:solidFill>
+                  <a:schemeClr val="tx1"/>
+                </a:solidFill>
+              </a:rPr>
+              <a:t>Application Services</a:t>
+            </a:r>
+          </a:p>
+        </p:txBody>
+      </p:sp>
+      <p:sp>
+        <p:nvSpPr>
+          <p:cNvPr id="19" name="Rectangle 18"/>
+          <p:cNvSpPr/>
+          <p:nvPr/>
+        </p:nvSpPr>
+        <p:spPr>
+          <a:xfrm>
+            <a:off x="4503257" y="3075030"/>
+            <a:ext cx="3464886" cy="514991"/>
+          </a:xfrm>
+          <a:prstGeom prst="rect">
+            <a:avLst/>
+          </a:prstGeom>
+          <a:solidFill>
+            <a:srgbClr val="FFC000"/>
+          </a:solidFill>
+        </p:spPr>
+        <p:style>
+          <a:lnRef idx="2">
+            <a:schemeClr val="accent1">
+              <a:shade val="50000"/>
+            </a:schemeClr>
+          </a:lnRef>
+          <a:fillRef idx="1">
+            <a:schemeClr val="accent1"/>
+          </a:fillRef>
+          <a:effectRef idx="0">
+            <a:schemeClr val="accent1"/>
+          </a:effectRef>
+          <a:fontRef idx="minor">
+            <a:schemeClr val="lt1"/>
+          </a:fontRef>
+        </p:style>
+        <p:txBody>
+          <a:bodyPr rtlCol="0" anchor="ctr"/>
+          <a:lstStyle/>
+          <a:p>
+            <a:pPr algn="ctr"/>
+            <a:r>
+              <a:rPr lang="en-CA" dirty="0">
+                <a:solidFill>
+                  <a:schemeClr val="tx1"/>
+                </a:solidFill>
+              </a:rPr>
+              <a:t>Developer Tools</a:t>
+            </a:r>
+          </a:p>
+        </p:txBody>
+      </p:sp>
+      <p:sp>
+        <p:nvSpPr>
+          <p:cNvPr id="20" name="Rectangle 19"/>
+          <p:cNvSpPr/>
+          <p:nvPr/>
+        </p:nvSpPr>
+        <p:spPr>
+          <a:xfrm>
+            <a:off x="8117514" y="3075030"/>
+            <a:ext cx="3464886" cy="514991"/>
+          </a:xfrm>
+          <a:prstGeom prst="rect">
+            <a:avLst/>
+          </a:prstGeom>
+          <a:solidFill>
+            <a:srgbClr val="FFC000"/>
+          </a:solidFill>
+        </p:spPr>
+        <p:style>
+          <a:lnRef idx="2">
+            <a:schemeClr val="accent1">
+              <a:shade val="50000"/>
+            </a:schemeClr>
+          </a:lnRef>
+          <a:fillRef idx="1">
+            <a:schemeClr val="accent1"/>
+          </a:fillRef>
+          <a:effectRef idx="0">
+            <a:schemeClr val="accent1"/>
+          </a:effectRef>
+          <a:fontRef idx="minor">
+            <a:schemeClr val="lt1"/>
+          </a:fontRef>
+        </p:style>
+        <p:txBody>
+          <a:bodyPr rtlCol="0" anchor="ctr"/>
+          <a:lstStyle/>
+          <a:p>
+            <a:pPr algn="ctr"/>
+            <a:r>
+              <a:rPr lang="en-CA" dirty="0">
+                <a:solidFill>
+                  <a:schemeClr val="tx1"/>
+                </a:solidFill>
+              </a:rPr>
+              <a:t>Mobile Services</a:t>
+            </a:r>
+          </a:p>
+        </p:txBody>
+      </p:sp>
+      <p:sp>
+        <p:nvSpPr>
+          <p:cNvPr id="21" name="Rectangle 20"/>
+          <p:cNvSpPr/>
+          <p:nvPr/>
+        </p:nvSpPr>
+        <p:spPr>
+          <a:xfrm>
+            <a:off x="889000" y="2407174"/>
+            <a:ext cx="3464886" cy="514991"/>
+          </a:xfrm>
+          <a:prstGeom prst="rect">
+            <a:avLst/>
+          </a:prstGeom>
+          <a:solidFill>
+            <a:srgbClr val="FFC000"/>
+          </a:solidFill>
+        </p:spPr>
+        <p:style>
+          <a:lnRef idx="2">
+            <a:schemeClr val="accent1">
+              <a:shade val="50000"/>
+            </a:schemeClr>
+          </a:lnRef>
+          <a:fillRef idx="1">
+            <a:schemeClr val="accent1"/>
+          </a:fillRef>
+          <a:effectRef idx="0">
+            <a:schemeClr val="accent1"/>
+          </a:effectRef>
+          <a:fontRef idx="minor">
+            <a:schemeClr val="lt1"/>
+          </a:fontRef>
+        </p:style>
+        <p:txBody>
+          <a:bodyPr rtlCol="0" anchor="ctr"/>
+          <a:lstStyle/>
+          <a:p>
+            <a:pPr algn="ctr"/>
+            <a:r>
+              <a:rPr lang="en-CA" dirty="0">
+                <a:solidFill>
+                  <a:schemeClr val="tx1"/>
+                </a:solidFill>
+              </a:rPr>
+              <a:t>Business Productivity</a:t>
+            </a:r>
+          </a:p>
+        </p:txBody>
+      </p:sp>
+      <p:sp>
+        <p:nvSpPr>
+          <p:cNvPr id="22" name="Rectangle 21"/>
+          <p:cNvSpPr/>
+          <p:nvPr/>
+        </p:nvSpPr>
+        <p:spPr>
+          <a:xfrm>
+            <a:off x="4503257" y="2407174"/>
+            <a:ext cx="3464886" cy="514991"/>
+          </a:xfrm>
+          <a:prstGeom prst="rect">
+            <a:avLst/>
+          </a:prstGeom>
+          <a:solidFill>
+            <a:srgbClr val="FFC000"/>
+          </a:solidFill>
+        </p:spPr>
+        <p:style>
+          <a:lnRef idx="2">
+            <a:schemeClr val="accent1">
+              <a:shade val="50000"/>
+            </a:schemeClr>
+          </a:lnRef>
+          <a:fillRef idx="1">
+            <a:schemeClr val="accent1"/>
+          </a:fillRef>
+          <a:effectRef idx="0">
+            <a:schemeClr val="accent1"/>
+          </a:effectRef>
+          <a:fontRef idx="minor">
+            <a:schemeClr val="lt1"/>
+          </a:fontRef>
+        </p:style>
+        <p:txBody>
+          <a:bodyPr rtlCol="0" anchor="ctr"/>
+          <a:lstStyle/>
+          <a:p>
+            <a:pPr algn="ctr"/>
+            <a:r>
+              <a:rPr lang="en-CA" dirty="0">
+                <a:solidFill>
+                  <a:schemeClr val="tx1"/>
+                </a:solidFill>
+              </a:rPr>
+              <a:t>Internet Of Things</a:t>
+            </a:r>
+          </a:p>
+        </p:txBody>
+      </p:sp>
+      <p:sp>
+        <p:nvSpPr>
+          <p:cNvPr id="23" name="Rectangle 22"/>
+          <p:cNvSpPr/>
+          <p:nvPr/>
+        </p:nvSpPr>
+        <p:spPr>
+          <a:xfrm>
+            <a:off x="8117514" y="2407174"/>
+            <a:ext cx="3464886" cy="514991"/>
+          </a:xfrm>
+          <a:prstGeom prst="rect">
+            <a:avLst/>
+          </a:prstGeom>
+          <a:solidFill>
+            <a:srgbClr val="FFC000"/>
+          </a:solidFill>
+        </p:spPr>
+        <p:style>
+          <a:lnRef idx="2">
+            <a:schemeClr val="accent1">
+              <a:shade val="50000"/>
+            </a:schemeClr>
+          </a:lnRef>
+          <a:fillRef idx="1">
+            <a:schemeClr val="accent1"/>
+          </a:fillRef>
+          <a:effectRef idx="0">
+            <a:schemeClr val="accent1"/>
+          </a:effectRef>
+          <a:fontRef idx="minor">
+            <a:schemeClr val="lt1"/>
+          </a:fontRef>
+        </p:style>
+        <p:txBody>
+          <a:bodyPr rtlCol="0" anchor="ctr"/>
+          <a:lstStyle/>
+          <a:p>
+            <a:pPr algn="ctr"/>
+            <a:r>
+              <a:rPr lang="en-CA" dirty="0">
+                <a:solidFill>
+                  <a:schemeClr val="tx1"/>
+                </a:solidFill>
+              </a:rPr>
+              <a:t>Desktop &amp; App Streaming</a:t>
+            </a:r>
+          </a:p>
+        </p:txBody>
+      </p:sp>
+      <p:sp>
+        <p:nvSpPr>
+          <p:cNvPr id="24" name="Rectangle 23"/>
+          <p:cNvSpPr/>
+          <p:nvPr/>
+        </p:nvSpPr>
+        <p:spPr>
+          <a:xfrm>
+            <a:off x="889000" y="1730929"/>
+            <a:ext cx="3464886" cy="514991"/>
+          </a:xfrm>
+          <a:prstGeom prst="rect">
+            <a:avLst/>
+          </a:prstGeom>
+          <a:solidFill>
+            <a:srgbClr val="FFC000"/>
+          </a:solidFill>
+        </p:spPr>
+        <p:style>
+          <a:lnRef idx="2">
+            <a:schemeClr val="accent1">
+              <a:shade val="50000"/>
+            </a:schemeClr>
+          </a:lnRef>
+          <a:fillRef idx="1">
+            <a:schemeClr val="accent1"/>
+          </a:fillRef>
+          <a:effectRef idx="0">
+            <a:schemeClr val="accent1"/>
+          </a:effectRef>
+          <a:fontRef idx="minor">
+            <a:schemeClr val="lt1"/>
+          </a:fontRef>
+        </p:style>
+        <p:txBody>
+          <a:bodyPr rtlCol="0" anchor="ctr"/>
+          <a:lstStyle/>
+          <a:p>
+            <a:pPr algn="ctr"/>
+            <a:r>
+              <a:rPr lang="en-CA" dirty="0">
+                <a:solidFill>
+                  <a:schemeClr val="tx1"/>
+                </a:solidFill>
+              </a:rPr>
+              <a:t>Game Development</a:t>
+            </a:r>
+          </a:p>
+        </p:txBody>
+      </p:sp>
+      <p:sp>
+        <p:nvSpPr>
+          <p:cNvPr id="25" name="Rectangle 24"/>
+          <p:cNvSpPr/>
+          <p:nvPr/>
+        </p:nvSpPr>
+        <p:spPr>
+          <a:xfrm>
+            <a:off x="4503257" y="1730929"/>
+            <a:ext cx="3464886" cy="514991"/>
+          </a:xfrm>
+          <a:prstGeom prst="rect">
+            <a:avLst/>
+          </a:prstGeom>
+          <a:solidFill>
+            <a:srgbClr val="FFC000"/>
+          </a:solidFill>
+        </p:spPr>
+        <p:style>
+          <a:lnRef idx="2">
+            <a:schemeClr val="accent1">
+              <a:shade val="50000"/>
+            </a:schemeClr>
+          </a:lnRef>
+          <a:fillRef idx="1">
+            <a:schemeClr val="accent1"/>
+          </a:fillRef>
+          <a:effectRef idx="0">
+            <a:schemeClr val="accent1"/>
+          </a:effectRef>
+          <a:fontRef idx="minor">
+            <a:schemeClr val="lt1"/>
+          </a:fontRef>
+        </p:style>
+        <p:txBody>
+          <a:bodyPr rtlCol="0" anchor="ctr"/>
+          <a:lstStyle/>
+          <a:p>
+            <a:pPr algn="ctr"/>
+            <a:r>
+              <a:rPr lang="en-CA" dirty="0">
+                <a:solidFill>
+                  <a:schemeClr val="tx1"/>
+                </a:solidFill>
+              </a:rPr>
+              <a:t>Artificial Intelligence</a:t>
+            </a:r>
+          </a:p>
+        </p:txBody>
+      </p:sp>
+      <p:sp>
+        <p:nvSpPr>
+          <p:cNvPr id="26" name="Rectangle 25"/>
+          <p:cNvSpPr/>
+          <p:nvPr/>
+        </p:nvSpPr>
+        <p:spPr>
+          <a:xfrm>
+            <a:off x="8117514" y="1730929"/>
+            <a:ext cx="3464886" cy="514991"/>
+          </a:xfrm>
+          <a:prstGeom prst="rect">
+            <a:avLst/>
+          </a:prstGeom>
+          <a:solidFill>
+            <a:srgbClr val="FFC000"/>
+          </a:solidFill>
+        </p:spPr>
+        <p:style>
+          <a:lnRef idx="2">
+            <a:schemeClr val="accent1">
+              <a:shade val="50000"/>
+            </a:schemeClr>
+          </a:lnRef>
+          <a:fillRef idx="1">
+            <a:schemeClr val="accent1"/>
+          </a:fillRef>
+          <a:effectRef idx="0">
+            <a:schemeClr val="accent1"/>
+          </a:effectRef>
+          <a:fontRef idx="minor">
+            <a:schemeClr val="lt1"/>
+          </a:fontRef>
+        </p:style>
+        <p:txBody>
+          <a:bodyPr rtlCol="0" anchor="ctr"/>
+          <a:lstStyle/>
+          <a:p>
+            <a:pPr algn="ctr"/>
+            <a:r>
+              <a:rPr lang="en-CA" dirty="0">
+                <a:solidFill>
+                  <a:schemeClr val="tx1"/>
+                </a:solidFill>
+              </a:rPr>
+              <a:t>Contact Center</a:t>
+            </a:r>
+          </a:p>
+        </p:txBody>
+      </p:sp>
+    </p:spTree>
+    <p:extLst>
+      <p:ext uri="{BB962C8B-B14F-4D97-AF65-F5344CB8AC3E}">
+        <p14:creationId xmlns:p14="http://schemas.microsoft.com/office/powerpoint/2010/main" val="2928086609"/>
       </p:ext>
     </p:extLst>
   </p:cSld>
@@ -6744,30 +7708,22 @@
             </a:r>
             <a:r>
               <a:rPr lang="en-US" sz="3200" dirty="0"/>
-              <a:t>management effort or service provider </a:t>
-            </a:r>
-            <a:r>
-              <a:rPr lang="en-US" sz="3200" dirty="0" smtClean="0"/>
-              <a:t>interaction.</a:t>
+              <a:t>management effort or service provider interaction.</a:t>
             </a:r>
           </a:p>
           <a:p>
             <a:pPr marL="0" indent="0" algn="r">
               <a:buNone/>
             </a:pPr>
-            <a:endParaRPr lang="en-US" sz="2000" dirty="0" smtClean="0"/>
+            <a:endParaRPr lang="en-US" sz="2000" dirty="0"/>
           </a:p>
           <a:p>
             <a:pPr marL="0" indent="0" algn="r">
               <a:buNone/>
             </a:pPr>
             <a:r>
-              <a:rPr lang="en-US" sz="2800" dirty="0" smtClean="0"/>
-              <a:t>-National </a:t>
-            </a:r>
-            <a:r>
               <a:rPr lang="en-US" sz="2800" dirty="0"/>
-              <a:t>Institute of Standards and Technology</a:t>
+              <a:t>-National Institute of Standards and Technology</a:t>
             </a:r>
           </a:p>
           <a:p>
@@ -6791,7 +7747,7 @@
           <a:lstStyle/>
           <a:p>
             <a:r>
-              <a:rPr lang="en-US" smtClean="0"/>
+              <a:rPr lang="en-US"/>
               <a:t>aws101</a:t>
             </a:r>
             <a:endParaRPr lang="en-US" dirty="0"/>
@@ -6895,26 +7851,18 @@
             </a:pPr>
             <a:r>
               <a:rPr lang="en-US" b="1" dirty="0"/>
-              <a:t>Broad network access</a:t>
-            </a:r>
-            <a:r>
-              <a:rPr lang="en-US" b="1" dirty="0" smtClean="0"/>
-              <a:t>.</a:t>
+              <a:t>Broad network access.</a:t>
             </a:r>
           </a:p>
           <a:p>
             <a:pPr lvl="1"/>
             <a:r>
-              <a:rPr lang="en-US" dirty="0" smtClean="0"/>
+              <a:rPr lang="en-US" dirty="0"/>
               <a:t> </a:t>
             </a:r>
             <a:r>
               <a:rPr lang="en-US" sz="2400" dirty="0"/>
-              <a:t>Capabilities are available over the network and accessed through standard mechanisms that promote use by heterogeneous thin or thick client platforms (e.g., mobile phones, tablets, laptops, and workstations)</a:t>
-            </a:r>
-            <a:r>
-              <a:rPr lang="en-US" sz="2400" dirty="0" smtClean="0"/>
-              <a:t>.</a:t>
+              <a:t>Capabilities are available over the network and accessed through standard mechanisms that promote use by heterogeneous thin or thick client platforms (e.g., mobile phones, tablets, laptops, and workstations).</a:t>
             </a:r>
             <a:endParaRPr lang="en-CA" sz="2400" dirty="0"/>
           </a:p>
@@ -6936,7 +7884,7 @@
           <a:lstStyle/>
           <a:p>
             <a:r>
-              <a:rPr lang="en-US" smtClean="0"/>
+              <a:rPr lang="en-US"/>
               <a:t>aws101</a:t>
             </a:r>
             <a:endParaRPr lang="en-US" dirty="0"/>
@@ -7043,19 +7991,15 @@
               <a:t>Resource pooling</a:t>
             </a:r>
             <a:r>
-              <a:rPr lang="en-US" dirty="0" smtClean="0"/>
+              <a:rPr lang="en-US" dirty="0"/>
               <a:t>.</a:t>
             </a:r>
           </a:p>
           <a:p>
             <a:pPr lvl="1"/>
             <a:r>
-              <a:rPr lang="en-US" sz="2400" dirty="0" smtClean="0"/>
-              <a:t> </a:t>
-            </a:r>
-            <a:r>
               <a:rPr lang="en-US" sz="2400" dirty="0"/>
-              <a:t>The provider’s computing resources are pooled to serve multiple consumers using a multi-tenant model, with different physical and virtual resources dynamically assigned and reassigned according to consumer demand. There is a sense of location independence in that the customer generally has no control or knowledge over the exact location of the provided resources but may be able to specify location at a higher level of abstraction (e.g., country, state, or datacenter). Examples of resources include storage, processing, memory, and network bandwidth.</a:t>
+              <a:t> The provider’s computing resources are pooled to serve multiple consumers using a multi-tenant model, with different physical and virtual resources dynamically assigned and reassigned according to consumer demand. There is a sense of location independence in that the customer generally has no control or knowledge over the exact location of the provided resources but may be able to specify location at a higher level of abstraction (e.g., country, state, or datacenter). Examples of resources include storage, processing, memory, and network bandwidth.</a:t>
             </a:r>
             <a:endParaRPr lang="en-CA" sz="2400" dirty="0"/>
           </a:p>
@@ -7077,7 +8021,7 @@
           <a:lstStyle/>
           <a:p>
             <a:r>
-              <a:rPr lang="en-US" smtClean="0"/>
+              <a:rPr lang="en-US"/>
               <a:t>aws101</a:t>
             </a:r>
             <a:endParaRPr lang="en-US" dirty="0"/>
@@ -7183,17 +8127,12 @@
               <a:rPr lang="en-US" b="1" dirty="0"/>
               <a:t>Rapid elasticity. </a:t>
             </a:r>
-            <a:endParaRPr lang="en-US" b="1" dirty="0" smtClean="0"/>
           </a:p>
           <a:p>
             <a:pPr lvl="1"/>
             <a:r>
-              <a:rPr lang="en-US" sz="2400" dirty="0" smtClean="0"/>
-              <a:t>Capabilities </a:t>
-            </a:r>
-            <a:r>
               <a:rPr lang="en-US" sz="2400" dirty="0"/>
-              <a:t>can be elastically provisioned and released, in some cases automatically, to scale rapidly outward and inward commensurate with demand. To the consumer, the capabilities available for provisioning often appear to be unlimited and can be appropriated in any quantity at any time.</a:t>
+              <a:t>Capabilities can be elastically provisioned and released, in some cases automatically, to scale rapidly outward and inward commensurate with demand. To the consumer, the capabilities available for provisioning often appear to be unlimited and can be appropriated in any quantity at any time.</a:t>
             </a:r>
             <a:endParaRPr lang="en-CA" sz="2400" dirty="0"/>
           </a:p>
@@ -7215,7 +8154,7 @@
           <a:lstStyle/>
           <a:p>
             <a:r>
-              <a:rPr lang="en-US" smtClean="0"/>
+              <a:rPr lang="en-US"/>
               <a:t>aws101</a:t>
             </a:r>
             <a:endParaRPr lang="en-US" dirty="0"/>
@@ -7321,17 +8260,12 @@
               <a:rPr lang="en-US" b="1" dirty="0"/>
               <a:t>Measured service. </a:t>
             </a:r>
-            <a:endParaRPr lang="en-US" b="1" dirty="0" smtClean="0"/>
           </a:p>
           <a:p>
             <a:pPr lvl="1"/>
             <a:r>
-              <a:rPr lang="en-US" sz="2400" dirty="0" smtClean="0"/>
-              <a:t>Cloud </a:t>
-            </a:r>
-            <a:r>
               <a:rPr lang="en-US" sz="2400" dirty="0"/>
-              <a:t>systems automatically control and optimize resource use by leveraging a metering capability1 at some level of abstraction appropriate to the type of service (e.g., storage, processing, bandwidth, and active user accounts). Resource usage can be monitored, controlled, and reported, providing transparency for both the provider and consumer of the utilized service</a:t>
+              <a:t>Cloud systems automatically control and optimize resource use by leveraging a metering capability1 at some level of abstraction appropriate to the type of service (e.g., storage, processing, bandwidth, and active user accounts). Resource usage can be monitored, controlled, and reported, providing transparency for both the provider and consumer of the utilized service</a:t>
             </a:r>
             <a:endParaRPr lang="en-CA" sz="2400" dirty="0"/>
           </a:p>
@@ -7353,7 +8287,7 @@
           <a:lstStyle/>
           <a:p>
             <a:r>
-              <a:rPr lang="en-US" smtClean="0"/>
+              <a:rPr lang="en-US"/>
               <a:t>aws101</a:t>
             </a:r>
             <a:endParaRPr lang="en-US" dirty="0"/>
@@ -7429,10 +8363,9 @@
           <a:lstStyle/>
           <a:p>
             <a:r>
-              <a:rPr lang="en-CA" dirty="0" smtClean="0"/>
+              <a:rPr lang="en-CA" dirty="0"/>
               <a:t>Cloud Computing Models</a:t>
             </a:r>
-            <a:endParaRPr lang="en-CA" dirty="0"/>
           </a:p>
         </p:txBody>
       </p:sp>
@@ -7452,7 +8385,7 @@
           <a:lstStyle/>
           <a:p>
             <a:r>
-              <a:rPr lang="en-US" smtClean="0"/>
+              <a:rPr lang="en-US"/>
               <a:t>aws101</a:t>
             </a:r>
             <a:endParaRPr lang="en-US" dirty="0"/>
@@ -7617,17 +8550,12 @@
               <a:rPr lang="en-US" b="1" dirty="0"/>
               <a:t>Infrastructure as a Service (IaaS). </a:t>
             </a:r>
-            <a:endParaRPr lang="en-US" b="1" dirty="0" smtClean="0"/>
           </a:p>
           <a:p>
             <a:pPr lvl="1"/>
             <a:r>
-              <a:rPr lang="en-US" sz="2400" dirty="0" smtClean="0"/>
-              <a:t>The </a:t>
-            </a:r>
-            <a:r>
               <a:rPr lang="en-US" sz="2400" dirty="0"/>
-              <a:t>capability provided to the consumer is to provision processing, storage, networks, and other fundamental computing resources where the consumer is able to deploy and run arbitrary software, which can include operating systems and applications. The consumer does not manage or control the underlying cloud infrastructure but has control over operating systems, storage, and deployed applications; and possibly limited control of select networking components (e.g., host firewalls).</a:t>
+              <a:t>The capability provided to the consumer is to provision processing, storage, networks, and other fundamental computing resources where the consumer is able to deploy and run arbitrary software, which can include operating systems and applications. The consumer does not manage or control the underlying cloud infrastructure but has control over operating systems, storage, and deployed applications; and possibly limited control of select networking components (e.g., host firewalls).</a:t>
             </a:r>
             <a:endParaRPr lang="en-CA" sz="2400" dirty="0"/>
           </a:p>
@@ -7649,7 +8577,7 @@
           <a:lstStyle/>
           <a:p>
             <a:r>
-              <a:rPr lang="en-US" smtClean="0"/>
+              <a:rPr lang="en-US"/>
               <a:t>aws101</a:t>
             </a:r>
             <a:endParaRPr lang="en-US" dirty="0"/>

--- a/aws101.pptx
+++ b/aws101.pptx
@@ -5,7 +5,7 @@
     <p:sldMasterId id="2147483789" r:id="rId1"/>
   </p:sldMasterIdLst>
   <p:notesMasterIdLst>
-    <p:notesMasterId r:id="rId22"/>
+    <p:notesMasterId r:id="rId26"/>
   </p:notesMasterIdLst>
   <p:sldIdLst>
     <p:sldId id="256" r:id="rId2"/>
@@ -28,6 +28,10 @@
     <p:sldId id="263" r:id="rId19"/>
     <p:sldId id="274" r:id="rId20"/>
     <p:sldId id="275" r:id="rId21"/>
+    <p:sldId id="276" r:id="rId22"/>
+    <p:sldId id="277" r:id="rId23"/>
+    <p:sldId id="278" r:id="rId24"/>
+    <p:sldId id="279" r:id="rId25"/>
   </p:sldIdLst>
   <p:sldSz cx="12192000" cy="6858000"/>
   <p:notesSz cx="6858000" cy="9144000"/>
@@ -944,7 +948,7 @@
           <a:p>
             <a:fld id="{24720111-BA70-4E3D-B1D7-15F2563EF00A}" type="datetimeFigureOut">
               <a:rPr lang="en-US" smtClean="0"/>
-              <a:t>4/13/2017</a:t>
+              <a:t>4/15/2017</a:t>
             </a:fld>
             <a:endParaRPr lang="en-US"/>
           </a:p>
@@ -1399,7 +1403,7 @@
           <a:p>
             <a:fld id="{E0C967F1-888B-4FFD-930F-399B5AFB6A40}" type="datetime1">
               <a:rPr lang="en-US" smtClean="0"/>
-              <a:t>4/13/2017</a:t>
+              <a:t>4/15/2017</a:t>
             </a:fld>
             <a:endParaRPr lang="en-US" dirty="0"/>
           </a:p>
@@ -1601,7 +1605,7 @@
           <a:p>
             <a:fld id="{472C65D6-9E08-4527-85F6-4EDC8D9495C6}" type="datetime1">
               <a:rPr lang="en-US" smtClean="0"/>
-              <a:t>4/13/2017</a:t>
+              <a:t>4/15/2017</a:t>
             </a:fld>
             <a:endParaRPr lang="en-US" dirty="0"/>
           </a:p>
@@ -1780,7 +1784,7 @@
           <a:p>
             <a:fld id="{1E531BB1-F055-489F-98D0-50FA16718D1F}" type="datetime1">
               <a:rPr lang="en-US" smtClean="0"/>
-              <a:t>4/13/2017</a:t>
+              <a:t>4/15/2017</a:t>
             </a:fld>
             <a:endParaRPr lang="en-US" dirty="0"/>
           </a:p>
@@ -1948,7 +1952,7 @@
           <a:p>
             <a:fld id="{ADA672B8-0B5F-4805-9E24-76DCBCFDF28D}" type="datetime1">
               <a:rPr lang="en-US" smtClean="0"/>
-              <a:t>4/13/2017</a:t>
+              <a:t>4/15/2017</a:t>
             </a:fld>
             <a:endParaRPr lang="en-US" dirty="0"/>
           </a:p>
@@ -2200,7 +2204,7 @@
           <a:p>
             <a:fld id="{04634744-F58A-42F8-A98F-EFA90579772A}" type="datetime1">
               <a:rPr lang="en-US" smtClean="0"/>
-              <a:t>4/13/2017</a:t>
+              <a:t>4/15/2017</a:t>
             </a:fld>
             <a:endParaRPr lang="en-US" dirty="0"/>
           </a:p>
@@ -2521,7 +2525,7 @@
           <a:p>
             <a:fld id="{DE68F43B-C5C1-4A77-9370-2CB0A9FA3596}" type="datetime1">
               <a:rPr lang="en-US" smtClean="0"/>
-              <a:t>4/13/2017</a:t>
+              <a:t>4/15/2017</a:t>
             </a:fld>
             <a:endParaRPr lang="en-US" dirty="0"/>
           </a:p>
@@ -2991,7 +2995,7 @@
           <a:p>
             <a:fld id="{120ABC32-F724-4485-ADEB-C058193A362A}" type="datetime1">
               <a:rPr lang="en-US" smtClean="0"/>
-              <a:t>4/13/2017</a:t>
+              <a:t>4/15/2017</a:t>
             </a:fld>
             <a:endParaRPr lang="en-US" dirty="0"/>
           </a:p>
@@ -3142,7 +3146,7 @@
           <a:p>
             <a:fld id="{AA521F0C-7362-49B1-86D0-0E9742F912C8}" type="datetime1">
               <a:rPr lang="en-US" smtClean="0"/>
-              <a:t>4/13/2017</a:t>
+              <a:t>4/15/2017</a:t>
             </a:fld>
             <a:endParaRPr lang="en-US" dirty="0"/>
           </a:p>
@@ -3236,7 +3240,7 @@
           <a:p>
             <a:fld id="{49638AF9-AC6A-41D7-9C44-E11DD6CBF1CF}" type="datetime1">
               <a:rPr lang="en-US" smtClean="0"/>
-              <a:t>4/13/2017</a:t>
+              <a:t>4/15/2017</a:t>
             </a:fld>
             <a:endParaRPr lang="en-US" dirty="0"/>
           </a:p>
@@ -3514,7 +3518,7 @@
           <a:p>
             <a:fld id="{27A97E58-9F7E-4BBD-8B44-209DB42CC4BD}" type="datetime1">
               <a:rPr lang="en-US" smtClean="0"/>
-              <a:t>4/13/2017</a:t>
+              <a:t>4/15/2017</a:t>
             </a:fld>
             <a:endParaRPr lang="en-US" dirty="0"/>
           </a:p>
@@ -3823,7 +3827,7 @@
           <a:p>
             <a:fld id="{A52EACD4-389C-4017-9A33-9925F3908438}" type="datetime1">
               <a:rPr lang="en-US" smtClean="0"/>
-              <a:t>4/13/2017</a:t>
+              <a:t>4/15/2017</a:t>
             </a:fld>
             <a:endParaRPr lang="en-US" dirty="0"/>
           </a:p>
@@ -4125,7 +4129,7 @@
           <a:p>
             <a:fld id="{3D645673-5BCC-4FCF-96A9-7482A0FA262A}" type="datetime1">
               <a:rPr lang="en-US" smtClean="0"/>
-              <a:t>4/13/2017</a:t>
+              <a:t>4/15/2017</a:t>
             </a:fld>
             <a:endParaRPr lang="en-US" dirty="0"/>
           </a:p>
@@ -6728,7 +6732,7 @@
                   <a:schemeClr val="tx1"/>
                 </a:solidFill>
               </a:rPr>
-              <a:t>Networking &amp; Content Delivery</a:t>
+              <a:t>Compute</a:t>
             </a:r>
           </a:p>
         </p:txBody>
@@ -6778,7 +6782,7 @@
                   <a:schemeClr val="tx1"/>
                 </a:solidFill>
               </a:rPr>
-              <a:t>Compute</a:t>
+              <a:t>Storage</a:t>
             </a:r>
           </a:p>
         </p:txBody>
@@ -6828,7 +6832,7 @@
                   <a:schemeClr val="tx1"/>
                 </a:solidFill>
               </a:rPr>
-              <a:t>Storage</a:t>
+              <a:t>Networking &amp; Content Delivery</a:t>
             </a:r>
           </a:p>
         </p:txBody>
@@ -7587,6 +7591,1376 @@
     <p:extLst>
       <p:ext uri="{BB962C8B-B14F-4D97-AF65-F5344CB8AC3E}">
         <p14:creationId xmlns:p14="http://schemas.microsoft.com/office/powerpoint/2010/main" val="2928086609"/>
+      </p:ext>
+    </p:extLst>
+  </p:cSld>
+  <p:clrMapOvr>
+    <a:masterClrMapping/>
+  </p:clrMapOvr>
+</p:sld>
+</file>
+
+<file path=ppt/slides/slide21.xml><?xml version="1.0" encoding="utf-8"?>
+<p:sld xmlns:a="http://schemas.openxmlformats.org/drawingml/2006/main" xmlns:r="http://schemas.openxmlformats.org/officeDocument/2006/relationships" xmlns:p="http://schemas.openxmlformats.org/presentationml/2006/main">
+  <p:cSld>
+    <p:spTree>
+      <p:nvGrpSpPr>
+        <p:cNvPr id="1" name=""/>
+        <p:cNvGrpSpPr/>
+        <p:nvPr/>
+      </p:nvGrpSpPr>
+      <p:grpSpPr>
+        <a:xfrm>
+          <a:off x="0" y="0"/>
+          <a:ext cx="0" cy="0"/>
+          <a:chOff x="0" y="0"/>
+          <a:chExt cx="0" cy="0"/>
+        </a:xfrm>
+      </p:grpSpPr>
+      <p:sp>
+        <p:nvSpPr>
+          <p:cNvPr id="2" name="Title 1"/>
+          <p:cNvSpPr>
+            <a:spLocks noGrp="1"/>
+          </p:cNvSpPr>
+          <p:nvPr>
+            <p:ph type="title"/>
+          </p:nvPr>
+        </p:nvSpPr>
+        <p:spPr/>
+        <p:txBody>
+          <a:bodyPr/>
+          <a:lstStyle/>
+          <a:p>
+            <a:r>
+              <a:rPr lang="en-CA" dirty="0"/>
+              <a:t>AWS Global Infrastructure</a:t>
+            </a:r>
+          </a:p>
+        </p:txBody>
+      </p:sp>
+      <p:sp>
+        <p:nvSpPr>
+          <p:cNvPr id="4" name="Footer Placeholder 3"/>
+          <p:cNvSpPr>
+            <a:spLocks noGrp="1"/>
+          </p:cNvSpPr>
+          <p:nvPr>
+            <p:ph type="ftr" sz="quarter" idx="11"/>
+          </p:nvPr>
+        </p:nvSpPr>
+        <p:spPr/>
+        <p:txBody>
+          <a:bodyPr/>
+          <a:lstStyle/>
+          <a:p>
+            <a:r>
+              <a:rPr lang="en-US"/>
+              <a:t>aws101</a:t>
+            </a:r>
+            <a:endParaRPr lang="en-US" dirty="0"/>
+          </a:p>
+        </p:txBody>
+      </p:sp>
+      <p:sp>
+        <p:nvSpPr>
+          <p:cNvPr id="5" name="Slide Number Placeholder 4"/>
+          <p:cNvSpPr>
+            <a:spLocks noGrp="1"/>
+          </p:cNvSpPr>
+          <p:nvPr>
+            <p:ph type="sldNum" sz="quarter" idx="12"/>
+          </p:nvPr>
+        </p:nvSpPr>
+        <p:spPr/>
+        <p:txBody>
+          <a:bodyPr/>
+          <a:lstStyle/>
+          <a:p>
+            <a:fld id="{6D22F896-40B5-4ADD-8801-0D06FADFA095}" type="slidenum">
+              <a:rPr lang="en-US" smtClean="0"/>
+              <a:t>21</a:t>
+            </a:fld>
+            <a:endParaRPr lang="en-US" dirty="0"/>
+          </a:p>
+        </p:txBody>
+      </p:sp>
+      <p:pic>
+        <p:nvPicPr>
+          <p:cNvPr id="1026" name="Picture 2" descr="AWS Global Infrastructure"/>
+          <p:cNvPicPr>
+            <a:picLocks noGrp="1" noChangeAspect="1" noChangeArrowheads="1"/>
+          </p:cNvPicPr>
+          <p:nvPr>
+            <p:ph idx="1"/>
+          </p:nvPr>
+        </p:nvPicPr>
+        <p:blipFill>
+          <a:blip r:embed="rId2">
+            <a:extLst>
+              <a:ext uri="{28A0092B-C50C-407E-A947-70E740481C1C}">
+                <a14:useLocalDpi xmlns:a14="http://schemas.microsoft.com/office/drawing/2010/main" val="0"/>
+              </a:ext>
+            </a:extLst>
+          </a:blip>
+          <a:srcRect/>
+          <a:stretch>
+            <a:fillRect/>
+          </a:stretch>
+        </p:blipFill>
+        <p:spPr bwMode="auto">
+          <a:xfrm>
+            <a:off x="2379238" y="1524000"/>
+            <a:ext cx="8491962" cy="4812112"/>
+          </a:xfrm>
+          <a:prstGeom prst="rect">
+            <a:avLst/>
+          </a:prstGeom>
+          <a:noFill/>
+          <a:extLst>
+            <a:ext uri="{909E8E84-426E-40DD-AFC4-6F175D3DCCD1}">
+              <a14:hiddenFill xmlns:a14="http://schemas.microsoft.com/office/drawing/2010/main">
+                <a:solidFill>
+                  <a:srgbClr val="FFFFFF"/>
+                </a:solidFill>
+              </a14:hiddenFill>
+            </a:ext>
+          </a:extLst>
+        </p:spPr>
+      </p:pic>
+      <p:sp>
+        <p:nvSpPr>
+          <p:cNvPr id="6" name="TextBox 5"/>
+          <p:cNvSpPr txBox="1"/>
+          <p:nvPr/>
+        </p:nvSpPr>
+        <p:spPr>
+          <a:xfrm>
+            <a:off x="864065" y="4387442"/>
+            <a:ext cx="2567031" cy="1754326"/>
+          </a:xfrm>
+          <a:prstGeom prst="rect">
+            <a:avLst/>
+          </a:prstGeom>
+          <a:noFill/>
+        </p:spPr>
+        <p:txBody>
+          <a:bodyPr wrap="square" rtlCol="0">
+            <a:spAutoFit/>
+          </a:bodyPr>
+          <a:lstStyle/>
+          <a:p>
+            <a:pPr marL="285750" indent="-285750">
+              <a:buFont typeface="Arial" panose="020B0604020202020204" pitchFamily="34" charset="0"/>
+              <a:buChar char="•"/>
+            </a:pPr>
+            <a:r>
+              <a:rPr lang="en-CA" dirty="0"/>
+              <a:t>16 Regions</a:t>
+            </a:r>
+          </a:p>
+          <a:p>
+            <a:pPr marL="285750" indent="-285750">
+              <a:buFont typeface="Arial" panose="020B0604020202020204" pitchFamily="34" charset="0"/>
+              <a:buChar char="•"/>
+            </a:pPr>
+            <a:r>
+              <a:rPr lang="en-CA" dirty="0"/>
+              <a:t>42 Availability Zones</a:t>
+            </a:r>
+          </a:p>
+          <a:p>
+            <a:pPr marL="285750" indent="-285750">
+              <a:buFont typeface="Arial" panose="020B0604020202020204" pitchFamily="34" charset="0"/>
+              <a:buChar char="•"/>
+            </a:pPr>
+            <a:r>
+              <a:rPr lang="en-CA" dirty="0"/>
+              <a:t>3 More Regions to come</a:t>
+            </a:r>
+          </a:p>
+          <a:p>
+            <a:pPr marL="285750" indent="-285750">
+              <a:buFont typeface="Arial" panose="020B0604020202020204" pitchFamily="34" charset="0"/>
+              <a:buChar char="•"/>
+            </a:pPr>
+            <a:r>
+              <a:rPr lang="en-CA" dirty="0"/>
+              <a:t>7 More Availability Zones to come </a:t>
+            </a:r>
+          </a:p>
+        </p:txBody>
+      </p:sp>
+    </p:spTree>
+    <p:extLst>
+      <p:ext uri="{BB962C8B-B14F-4D97-AF65-F5344CB8AC3E}">
+        <p14:creationId xmlns:p14="http://schemas.microsoft.com/office/powerpoint/2010/main" val="666043277"/>
+      </p:ext>
+    </p:extLst>
+  </p:cSld>
+  <p:clrMapOvr>
+    <a:masterClrMapping/>
+  </p:clrMapOvr>
+</p:sld>
+</file>
+
+<file path=ppt/slides/slide22.xml><?xml version="1.0" encoding="utf-8"?>
+<p:sld xmlns:a="http://schemas.openxmlformats.org/drawingml/2006/main" xmlns:r="http://schemas.openxmlformats.org/officeDocument/2006/relationships" xmlns:p="http://schemas.openxmlformats.org/presentationml/2006/main">
+  <p:cSld>
+    <p:spTree>
+      <p:nvGrpSpPr>
+        <p:cNvPr id="1" name=""/>
+        <p:cNvGrpSpPr/>
+        <p:nvPr/>
+      </p:nvGrpSpPr>
+      <p:grpSpPr>
+        <a:xfrm>
+          <a:off x="0" y="0"/>
+          <a:ext cx="0" cy="0"/>
+          <a:chOff x="0" y="0"/>
+          <a:chExt cx="0" cy="0"/>
+        </a:xfrm>
+      </p:grpSpPr>
+      <p:sp>
+        <p:nvSpPr>
+          <p:cNvPr id="2" name="Title 1"/>
+          <p:cNvSpPr>
+            <a:spLocks noGrp="1"/>
+          </p:cNvSpPr>
+          <p:nvPr>
+            <p:ph type="title"/>
+          </p:nvPr>
+        </p:nvSpPr>
+        <p:spPr/>
+        <p:txBody>
+          <a:bodyPr/>
+          <a:lstStyle/>
+          <a:p>
+            <a:r>
+              <a:rPr lang="en-CA" dirty="0"/>
+              <a:t>AWS Global Infrastructure</a:t>
+            </a:r>
+          </a:p>
+        </p:txBody>
+      </p:sp>
+      <p:sp>
+        <p:nvSpPr>
+          <p:cNvPr id="3" name="Content Placeholder 2"/>
+          <p:cNvSpPr>
+            <a:spLocks noGrp="1"/>
+          </p:cNvSpPr>
+          <p:nvPr>
+            <p:ph idx="1"/>
+          </p:nvPr>
+        </p:nvSpPr>
+        <p:spPr>
+          <a:xfrm>
+            <a:off x="609600" y="1600200"/>
+            <a:ext cx="4885189" cy="4876800"/>
+          </a:xfrm>
+        </p:spPr>
+        <p:txBody>
+          <a:bodyPr>
+            <a:normAutofit lnSpcReduction="10000"/>
+          </a:bodyPr>
+          <a:lstStyle/>
+          <a:p>
+            <a:r>
+              <a:rPr lang="en-CA" sz="2000" dirty="0"/>
+              <a:t>A Region is a physical location in the world where we have multiple Availability Zones.</a:t>
+            </a:r>
+          </a:p>
+          <a:p>
+            <a:endParaRPr lang="en-CA" sz="2000" dirty="0"/>
+          </a:p>
+          <a:p>
+            <a:r>
+              <a:rPr lang="en-CA" sz="2000" dirty="0"/>
+              <a:t>Availability Zones(AZ) consist of one or more discrete data centers, each with redundant power, networking and connectivity, housed in separate facilities</a:t>
+            </a:r>
+          </a:p>
+          <a:p>
+            <a:endParaRPr lang="en-CA" sz="2000" dirty="0"/>
+          </a:p>
+          <a:p>
+            <a:r>
+              <a:rPr lang="en-CA" sz="2000" dirty="0"/>
+              <a:t>Edge Location are Content Delivery Network End Points for </a:t>
+            </a:r>
+            <a:r>
+              <a:rPr lang="en-CA" sz="2000" dirty="0" err="1"/>
+              <a:t>CloudFront</a:t>
+            </a:r>
+            <a:r>
+              <a:rPr lang="en-CA" sz="2000" dirty="0"/>
+              <a:t> (Cache static content such as images and media files), currently there are over 66 edge locations</a:t>
+            </a:r>
+          </a:p>
+        </p:txBody>
+      </p:sp>
+      <p:sp>
+        <p:nvSpPr>
+          <p:cNvPr id="4" name="Footer Placeholder 3"/>
+          <p:cNvSpPr>
+            <a:spLocks noGrp="1"/>
+          </p:cNvSpPr>
+          <p:nvPr>
+            <p:ph type="ftr" sz="quarter" idx="11"/>
+          </p:nvPr>
+        </p:nvSpPr>
+        <p:spPr/>
+        <p:txBody>
+          <a:bodyPr/>
+          <a:lstStyle/>
+          <a:p>
+            <a:r>
+              <a:rPr lang="en-US"/>
+              <a:t>aws101</a:t>
+            </a:r>
+            <a:endParaRPr lang="en-US" dirty="0"/>
+          </a:p>
+        </p:txBody>
+      </p:sp>
+      <p:sp>
+        <p:nvSpPr>
+          <p:cNvPr id="5" name="Slide Number Placeholder 4"/>
+          <p:cNvSpPr>
+            <a:spLocks noGrp="1"/>
+          </p:cNvSpPr>
+          <p:nvPr>
+            <p:ph type="sldNum" sz="quarter" idx="12"/>
+          </p:nvPr>
+        </p:nvSpPr>
+        <p:spPr/>
+        <p:txBody>
+          <a:bodyPr/>
+          <a:lstStyle/>
+          <a:p>
+            <a:fld id="{6D22F896-40B5-4ADD-8801-0D06FADFA095}" type="slidenum">
+              <a:rPr lang="en-US" smtClean="0"/>
+              <a:t>22</a:t>
+            </a:fld>
+            <a:endParaRPr lang="en-US" dirty="0"/>
+          </a:p>
+        </p:txBody>
+      </p:sp>
+      <p:grpSp>
+        <p:nvGrpSpPr>
+          <p:cNvPr id="9" name="Group 8"/>
+          <p:cNvGrpSpPr/>
+          <p:nvPr/>
+        </p:nvGrpSpPr>
+        <p:grpSpPr>
+          <a:xfrm>
+            <a:off x="6667499" y="4091940"/>
+            <a:ext cx="4293189" cy="2415680"/>
+            <a:chOff x="6128922" y="3781161"/>
+            <a:chExt cx="4953687" cy="2787419"/>
+          </a:xfrm>
+        </p:grpSpPr>
+        <p:pic>
+          <p:nvPicPr>
+            <p:cNvPr id="6" name="Picture 5"/>
+            <p:cNvPicPr>
+              <a:picLocks noChangeAspect="1"/>
+            </p:cNvPicPr>
+            <p:nvPr/>
+          </p:nvPicPr>
+          <p:blipFill>
+            <a:blip r:embed="rId2"/>
+            <a:stretch>
+              <a:fillRect/>
+            </a:stretch>
+          </p:blipFill>
+          <p:spPr>
+            <a:xfrm>
+              <a:off x="6128922" y="3781161"/>
+              <a:ext cx="4953687" cy="2787419"/>
+            </a:xfrm>
+            <a:prstGeom prst="rect">
+              <a:avLst/>
+            </a:prstGeom>
+          </p:spPr>
+        </p:pic>
+        <p:sp>
+          <p:nvSpPr>
+            <p:cNvPr id="8" name="Rectangle 7"/>
+            <p:cNvSpPr/>
+            <p:nvPr/>
+          </p:nvSpPr>
+          <p:spPr>
+            <a:xfrm>
+              <a:off x="6240780" y="5615940"/>
+              <a:ext cx="967740" cy="190500"/>
+            </a:xfrm>
+            <a:prstGeom prst="rect">
+              <a:avLst/>
+            </a:prstGeom>
+            <a:solidFill>
+              <a:schemeClr val="bg1"/>
+            </a:solidFill>
+            <a:ln>
+              <a:noFill/>
+            </a:ln>
+          </p:spPr>
+          <p:style>
+            <a:lnRef idx="2">
+              <a:schemeClr val="accent1">
+                <a:shade val="50000"/>
+              </a:schemeClr>
+            </a:lnRef>
+            <a:fillRef idx="1">
+              <a:schemeClr val="accent1"/>
+            </a:fillRef>
+            <a:effectRef idx="0">
+              <a:schemeClr val="accent1"/>
+            </a:effectRef>
+            <a:fontRef idx="minor">
+              <a:schemeClr val="lt1"/>
+            </a:fontRef>
+          </p:style>
+          <p:txBody>
+            <a:bodyPr rtlCol="0" anchor="ctr"/>
+            <a:lstStyle/>
+            <a:p>
+              <a:pPr algn="ctr"/>
+              <a:endParaRPr lang="en-CA"/>
+            </a:p>
+          </p:txBody>
+        </p:sp>
+      </p:grpSp>
+      <p:grpSp>
+        <p:nvGrpSpPr>
+          <p:cNvPr id="15" name="Group 14"/>
+          <p:cNvGrpSpPr/>
+          <p:nvPr/>
+        </p:nvGrpSpPr>
+        <p:grpSpPr>
+          <a:xfrm>
+            <a:off x="7406640" y="1524000"/>
+            <a:ext cx="2959100" cy="2164080"/>
+            <a:chOff x="7200900" y="1417320"/>
+            <a:chExt cx="2959100" cy="2164080"/>
+          </a:xfrm>
+        </p:grpSpPr>
+        <p:sp>
+          <p:nvSpPr>
+            <p:cNvPr id="10" name="Rectangle: Rounded Corners 9"/>
+            <p:cNvSpPr/>
+            <p:nvPr/>
+          </p:nvSpPr>
+          <p:spPr>
+            <a:xfrm>
+              <a:off x="7200900" y="1417320"/>
+              <a:ext cx="2959100" cy="2164080"/>
+            </a:xfrm>
+            <a:prstGeom prst="roundRect">
+              <a:avLst/>
+            </a:prstGeom>
+            <a:solidFill>
+              <a:schemeClr val="bg1"/>
+            </a:solidFill>
+          </p:spPr>
+          <p:style>
+            <a:lnRef idx="2">
+              <a:schemeClr val="accent1">
+                <a:shade val="50000"/>
+              </a:schemeClr>
+            </a:lnRef>
+            <a:fillRef idx="1">
+              <a:schemeClr val="accent1"/>
+            </a:fillRef>
+            <a:effectRef idx="0">
+              <a:schemeClr val="accent1"/>
+            </a:effectRef>
+            <a:fontRef idx="minor">
+              <a:schemeClr val="lt1"/>
+            </a:fontRef>
+          </p:style>
+          <p:txBody>
+            <a:bodyPr rtlCol="0" anchor="ctr"/>
+            <a:lstStyle/>
+            <a:p>
+              <a:pPr algn="ctr"/>
+              <a:r>
+                <a:rPr lang="en-CA" dirty="0">
+                  <a:solidFill>
+                    <a:schemeClr val="tx1"/>
+                  </a:solidFill>
+                </a:rPr>
+                <a:t>Region</a:t>
+              </a:r>
+            </a:p>
+            <a:p>
+              <a:pPr algn="ctr"/>
+              <a:endParaRPr lang="en-CA" dirty="0">
+                <a:solidFill>
+                  <a:schemeClr val="tx1"/>
+                </a:solidFill>
+              </a:endParaRPr>
+            </a:p>
+            <a:p>
+              <a:pPr algn="ctr"/>
+              <a:endParaRPr lang="en-CA" dirty="0">
+                <a:solidFill>
+                  <a:schemeClr val="tx1"/>
+                </a:solidFill>
+              </a:endParaRPr>
+            </a:p>
+            <a:p>
+              <a:pPr algn="ctr"/>
+              <a:endParaRPr lang="en-CA" dirty="0">
+                <a:solidFill>
+                  <a:schemeClr val="tx1"/>
+                </a:solidFill>
+              </a:endParaRPr>
+            </a:p>
+            <a:p>
+              <a:pPr algn="ctr"/>
+              <a:endParaRPr lang="en-CA" dirty="0">
+                <a:solidFill>
+                  <a:schemeClr val="tx1"/>
+                </a:solidFill>
+              </a:endParaRPr>
+            </a:p>
+            <a:p>
+              <a:pPr algn="ctr"/>
+              <a:endParaRPr lang="en-CA" dirty="0">
+                <a:solidFill>
+                  <a:schemeClr val="tx1"/>
+                </a:solidFill>
+              </a:endParaRPr>
+            </a:p>
+            <a:p>
+              <a:pPr algn="ctr"/>
+              <a:endParaRPr lang="en-CA" dirty="0">
+                <a:solidFill>
+                  <a:schemeClr val="tx1"/>
+                </a:solidFill>
+              </a:endParaRPr>
+            </a:p>
+            <a:p>
+              <a:pPr algn="ctr"/>
+              <a:endParaRPr lang="en-CA" dirty="0">
+                <a:solidFill>
+                  <a:schemeClr val="tx1"/>
+                </a:solidFill>
+              </a:endParaRPr>
+            </a:p>
+          </p:txBody>
+        </p:sp>
+        <p:sp>
+          <p:nvSpPr>
+            <p:cNvPr id="11" name="Oval 10"/>
+            <p:cNvSpPr/>
+            <p:nvPr/>
+          </p:nvSpPr>
+          <p:spPr>
+            <a:xfrm>
+              <a:off x="7909560" y="1821180"/>
+              <a:ext cx="1584960" cy="1440180"/>
+            </a:xfrm>
+            <a:prstGeom prst="ellipse">
+              <a:avLst/>
+            </a:prstGeom>
+            <a:noFill/>
+            <a:ln>
+              <a:solidFill>
+                <a:srgbClr val="FFC000"/>
+              </a:solidFill>
+            </a:ln>
+          </p:spPr>
+          <p:style>
+            <a:lnRef idx="2">
+              <a:schemeClr val="accent1">
+                <a:shade val="50000"/>
+              </a:schemeClr>
+            </a:lnRef>
+            <a:fillRef idx="1">
+              <a:schemeClr val="accent1"/>
+            </a:fillRef>
+            <a:effectRef idx="0">
+              <a:schemeClr val="accent1"/>
+            </a:effectRef>
+            <a:fontRef idx="minor">
+              <a:schemeClr val="lt1"/>
+            </a:fontRef>
+          </p:style>
+          <p:txBody>
+            <a:bodyPr rtlCol="0" anchor="ctr"/>
+            <a:lstStyle/>
+            <a:p>
+              <a:pPr algn="ctr"/>
+              <a:endParaRPr lang="en-CA"/>
+            </a:p>
+          </p:txBody>
+        </p:sp>
+        <p:sp>
+          <p:nvSpPr>
+            <p:cNvPr id="12" name="Rectangle: Rounded Corners 11"/>
+            <p:cNvSpPr/>
+            <p:nvPr/>
+          </p:nvSpPr>
+          <p:spPr>
+            <a:xfrm>
+              <a:off x="7439234" y="2020062"/>
+              <a:ext cx="876300" cy="613410"/>
+            </a:xfrm>
+            <a:prstGeom prst="roundRect">
+              <a:avLst/>
+            </a:prstGeom>
+            <a:solidFill>
+              <a:schemeClr val="bg2">
+                <a:lumMod val="90000"/>
+              </a:schemeClr>
+            </a:solidFill>
+          </p:spPr>
+          <p:style>
+            <a:lnRef idx="2">
+              <a:schemeClr val="accent1">
+                <a:shade val="50000"/>
+              </a:schemeClr>
+            </a:lnRef>
+            <a:fillRef idx="1">
+              <a:schemeClr val="accent1"/>
+            </a:fillRef>
+            <a:effectRef idx="0">
+              <a:schemeClr val="accent1"/>
+            </a:effectRef>
+            <a:fontRef idx="minor">
+              <a:schemeClr val="lt1"/>
+            </a:fontRef>
+          </p:style>
+          <p:txBody>
+            <a:bodyPr rtlCol="0" anchor="ctr"/>
+            <a:lstStyle/>
+            <a:p>
+              <a:pPr algn="ctr"/>
+              <a:r>
+                <a:rPr lang="en-CA" dirty="0">
+                  <a:solidFill>
+                    <a:srgbClr val="0070C0"/>
+                  </a:solidFill>
+                </a:rPr>
+                <a:t>AZ-1</a:t>
+              </a:r>
+            </a:p>
+          </p:txBody>
+        </p:sp>
+        <p:sp>
+          <p:nvSpPr>
+            <p:cNvPr id="13" name="Rectangle: Rounded Corners 12"/>
+            <p:cNvSpPr/>
+            <p:nvPr/>
+          </p:nvSpPr>
+          <p:spPr>
+            <a:xfrm>
+              <a:off x="9056370" y="2020062"/>
+              <a:ext cx="876300" cy="613410"/>
+            </a:xfrm>
+            <a:prstGeom prst="roundRect">
+              <a:avLst/>
+            </a:prstGeom>
+            <a:solidFill>
+              <a:schemeClr val="bg2">
+                <a:lumMod val="90000"/>
+              </a:schemeClr>
+            </a:solidFill>
+          </p:spPr>
+          <p:style>
+            <a:lnRef idx="2">
+              <a:schemeClr val="accent1">
+                <a:shade val="50000"/>
+              </a:schemeClr>
+            </a:lnRef>
+            <a:fillRef idx="1">
+              <a:schemeClr val="accent1"/>
+            </a:fillRef>
+            <a:effectRef idx="0">
+              <a:schemeClr val="accent1"/>
+            </a:effectRef>
+            <a:fontRef idx="minor">
+              <a:schemeClr val="lt1"/>
+            </a:fontRef>
+          </p:style>
+          <p:txBody>
+            <a:bodyPr rtlCol="0" anchor="ctr"/>
+            <a:lstStyle/>
+            <a:p>
+              <a:pPr algn="ctr"/>
+              <a:r>
+                <a:rPr lang="en-CA" dirty="0">
+                  <a:solidFill>
+                    <a:srgbClr val="0070C0"/>
+                  </a:solidFill>
+                </a:rPr>
+                <a:t>AZ-2</a:t>
+              </a:r>
+            </a:p>
+          </p:txBody>
+        </p:sp>
+        <p:sp>
+          <p:nvSpPr>
+            <p:cNvPr id="14" name="Rectangle: Rounded Corners 13"/>
+            <p:cNvSpPr/>
+            <p:nvPr/>
+          </p:nvSpPr>
+          <p:spPr>
+            <a:xfrm>
+              <a:off x="8263890" y="2767965"/>
+              <a:ext cx="876300" cy="613410"/>
+            </a:xfrm>
+            <a:prstGeom prst="roundRect">
+              <a:avLst/>
+            </a:prstGeom>
+            <a:solidFill>
+              <a:schemeClr val="bg2">
+                <a:lumMod val="90000"/>
+              </a:schemeClr>
+            </a:solidFill>
+          </p:spPr>
+          <p:style>
+            <a:lnRef idx="2">
+              <a:schemeClr val="accent1">
+                <a:shade val="50000"/>
+              </a:schemeClr>
+            </a:lnRef>
+            <a:fillRef idx="1">
+              <a:schemeClr val="accent1"/>
+            </a:fillRef>
+            <a:effectRef idx="0">
+              <a:schemeClr val="accent1"/>
+            </a:effectRef>
+            <a:fontRef idx="minor">
+              <a:schemeClr val="lt1"/>
+            </a:fontRef>
+          </p:style>
+          <p:txBody>
+            <a:bodyPr rtlCol="0" anchor="ctr"/>
+            <a:lstStyle/>
+            <a:p>
+              <a:pPr algn="ctr"/>
+              <a:r>
+                <a:rPr lang="en-CA" dirty="0">
+                  <a:solidFill>
+                    <a:srgbClr val="0070C0"/>
+                  </a:solidFill>
+                </a:rPr>
+                <a:t>AZ-3</a:t>
+              </a:r>
+            </a:p>
+          </p:txBody>
+        </p:sp>
+      </p:grpSp>
+    </p:spTree>
+    <p:extLst>
+      <p:ext uri="{BB962C8B-B14F-4D97-AF65-F5344CB8AC3E}">
+        <p14:creationId xmlns:p14="http://schemas.microsoft.com/office/powerpoint/2010/main" val="3774768416"/>
+      </p:ext>
+    </p:extLst>
+  </p:cSld>
+  <p:clrMapOvr>
+    <a:masterClrMapping/>
+  </p:clrMapOvr>
+</p:sld>
+</file>
+
+<file path=ppt/slides/slide23.xml><?xml version="1.0" encoding="utf-8"?>
+<p:sld xmlns:a="http://schemas.openxmlformats.org/drawingml/2006/main" xmlns:r="http://schemas.openxmlformats.org/officeDocument/2006/relationships" xmlns:p="http://schemas.openxmlformats.org/presentationml/2006/main">
+  <p:cSld>
+    <p:spTree>
+      <p:nvGrpSpPr>
+        <p:cNvPr id="1" name=""/>
+        <p:cNvGrpSpPr/>
+        <p:nvPr/>
+      </p:nvGrpSpPr>
+      <p:grpSpPr>
+        <a:xfrm>
+          <a:off x="0" y="0"/>
+          <a:ext cx="0" cy="0"/>
+          <a:chOff x="0" y="0"/>
+          <a:chExt cx="0" cy="0"/>
+        </a:xfrm>
+      </p:grpSpPr>
+      <p:sp>
+        <p:nvSpPr>
+          <p:cNvPr id="2" name="Title 1"/>
+          <p:cNvSpPr>
+            <a:spLocks noGrp="1"/>
+          </p:cNvSpPr>
+          <p:nvPr>
+            <p:ph type="title"/>
+          </p:nvPr>
+        </p:nvSpPr>
+        <p:spPr/>
+        <p:txBody>
+          <a:bodyPr/>
+          <a:lstStyle/>
+          <a:p>
+            <a:r>
+              <a:rPr lang="en-CA" dirty="0"/>
+              <a:t>Networking &amp; Content Delivery</a:t>
+            </a:r>
+          </a:p>
+        </p:txBody>
+      </p:sp>
+      <p:sp>
+        <p:nvSpPr>
+          <p:cNvPr id="4" name="Footer Placeholder 3"/>
+          <p:cNvSpPr>
+            <a:spLocks noGrp="1"/>
+          </p:cNvSpPr>
+          <p:nvPr>
+            <p:ph type="ftr" sz="quarter" idx="11"/>
+          </p:nvPr>
+        </p:nvSpPr>
+        <p:spPr/>
+        <p:txBody>
+          <a:bodyPr/>
+          <a:lstStyle/>
+          <a:p>
+            <a:r>
+              <a:rPr lang="en-US"/>
+              <a:t>aws101</a:t>
+            </a:r>
+            <a:endParaRPr lang="en-US" dirty="0"/>
+          </a:p>
+        </p:txBody>
+      </p:sp>
+      <p:sp>
+        <p:nvSpPr>
+          <p:cNvPr id="5" name="Slide Number Placeholder 4"/>
+          <p:cNvSpPr>
+            <a:spLocks noGrp="1"/>
+          </p:cNvSpPr>
+          <p:nvPr>
+            <p:ph type="sldNum" sz="quarter" idx="12"/>
+          </p:nvPr>
+        </p:nvSpPr>
+        <p:spPr/>
+        <p:txBody>
+          <a:bodyPr/>
+          <a:lstStyle/>
+          <a:p>
+            <a:fld id="{6D22F896-40B5-4ADD-8801-0D06FADFA095}" type="slidenum">
+              <a:rPr lang="en-US" smtClean="0"/>
+              <a:t>23</a:t>
+            </a:fld>
+            <a:endParaRPr lang="en-US" dirty="0"/>
+          </a:p>
+        </p:txBody>
+      </p:sp>
+      <p:pic>
+        <p:nvPicPr>
+          <p:cNvPr id="6" name="Picture 5"/>
+          <p:cNvPicPr>
+            <a:picLocks noChangeAspect="1"/>
+          </p:cNvPicPr>
+          <p:nvPr/>
+        </p:nvPicPr>
+        <p:blipFill rotWithShape="1">
+          <a:blip r:embed="rId2"/>
+          <a:srcRect l="30666" t="20200" r="30667" b="19799"/>
+          <a:stretch/>
+        </p:blipFill>
+        <p:spPr>
+          <a:xfrm>
+            <a:off x="761483" y="1836420"/>
+            <a:ext cx="840384" cy="869363"/>
+          </a:xfrm>
+          <a:prstGeom prst="rect">
+            <a:avLst/>
+          </a:prstGeom>
+        </p:spPr>
+      </p:pic>
+      <p:pic>
+        <p:nvPicPr>
+          <p:cNvPr id="2052" name="Picture 4" descr="Image result for route 53"/>
+          <p:cNvPicPr>
+            <a:picLocks noChangeAspect="1" noChangeArrowheads="1"/>
+          </p:cNvPicPr>
+          <p:nvPr/>
+        </p:nvPicPr>
+        <p:blipFill>
+          <a:blip r:embed="rId3">
+            <a:extLst>
+              <a:ext uri="{28A0092B-C50C-407E-A947-70E740481C1C}">
+                <a14:useLocalDpi xmlns:a14="http://schemas.microsoft.com/office/drawing/2010/main" val="0"/>
+              </a:ext>
+            </a:extLst>
+          </a:blip>
+          <a:srcRect/>
+          <a:stretch>
+            <a:fillRect/>
+          </a:stretch>
+        </p:blipFill>
+        <p:spPr bwMode="auto">
+          <a:xfrm>
+            <a:off x="6208776" y="1867662"/>
+            <a:ext cx="856488" cy="856488"/>
+          </a:xfrm>
+          <a:prstGeom prst="rect">
+            <a:avLst/>
+          </a:prstGeom>
+          <a:noFill/>
+          <a:extLst>
+            <a:ext uri="{909E8E84-426E-40DD-AFC4-6F175D3DCCD1}">
+              <a14:hiddenFill xmlns:a14="http://schemas.microsoft.com/office/drawing/2010/main">
+                <a:solidFill>
+                  <a:srgbClr val="FFFFFF"/>
+                </a:solidFill>
+              </a14:hiddenFill>
+            </a:ext>
+          </a:extLst>
+        </p:spPr>
+      </p:pic>
+      <p:pic>
+        <p:nvPicPr>
+          <p:cNvPr id="2054" name="Picture 6" descr="Image result for cloud front logo"/>
+          <p:cNvPicPr>
+            <a:picLocks noChangeAspect="1" noChangeArrowheads="1"/>
+          </p:cNvPicPr>
+          <p:nvPr/>
+        </p:nvPicPr>
+        <p:blipFill rotWithShape="1">
+          <a:blip r:embed="rId4">
+            <a:extLst>
+              <a:ext uri="{28A0092B-C50C-407E-A947-70E740481C1C}">
+                <a14:useLocalDpi xmlns:a14="http://schemas.microsoft.com/office/drawing/2010/main" val="0"/>
+              </a:ext>
+            </a:extLst>
+          </a:blip>
+          <a:srcRect l="31067" t="19400" r="30266" b="19400"/>
+          <a:stretch/>
+        </p:blipFill>
+        <p:spPr bwMode="auto">
+          <a:xfrm>
+            <a:off x="778597" y="4026907"/>
+            <a:ext cx="809462" cy="854122"/>
+          </a:xfrm>
+          <a:prstGeom prst="rect">
+            <a:avLst/>
+          </a:prstGeom>
+          <a:noFill/>
+          <a:extLst>
+            <a:ext uri="{909E8E84-426E-40DD-AFC4-6F175D3DCCD1}">
+              <a14:hiddenFill xmlns:a14="http://schemas.microsoft.com/office/drawing/2010/main">
+                <a:solidFill>
+                  <a:srgbClr val="FFFFFF"/>
+                </a:solidFill>
+              </a14:hiddenFill>
+            </a:ext>
+          </a:extLst>
+        </p:spPr>
+      </p:pic>
+      <p:pic>
+        <p:nvPicPr>
+          <p:cNvPr id="2056" name="Picture 8" descr="Image result for Direct connect aws logo"/>
+          <p:cNvPicPr>
+            <a:picLocks noChangeAspect="1" noChangeArrowheads="1"/>
+          </p:cNvPicPr>
+          <p:nvPr/>
+        </p:nvPicPr>
+        <p:blipFill>
+          <a:blip r:embed="rId5">
+            <a:extLst>
+              <a:ext uri="{28A0092B-C50C-407E-A947-70E740481C1C}">
+                <a14:useLocalDpi xmlns:a14="http://schemas.microsoft.com/office/drawing/2010/main" val="0"/>
+              </a:ext>
+            </a:extLst>
+          </a:blip>
+          <a:srcRect/>
+          <a:stretch>
+            <a:fillRect/>
+          </a:stretch>
+        </p:blipFill>
+        <p:spPr bwMode="auto">
+          <a:xfrm>
+            <a:off x="6230636" y="4014349"/>
+            <a:ext cx="812768" cy="812768"/>
+          </a:xfrm>
+          <a:prstGeom prst="rect">
+            <a:avLst/>
+          </a:prstGeom>
+          <a:noFill/>
+          <a:extLst>
+            <a:ext uri="{909E8E84-426E-40DD-AFC4-6F175D3DCCD1}">
+              <a14:hiddenFill xmlns:a14="http://schemas.microsoft.com/office/drawing/2010/main">
+                <a:solidFill>
+                  <a:srgbClr val="FFFFFF"/>
+                </a:solidFill>
+              </a14:hiddenFill>
+            </a:ext>
+          </a:extLst>
+        </p:spPr>
+      </p:pic>
+      <p:sp>
+        <p:nvSpPr>
+          <p:cNvPr id="8" name="TextBox 7"/>
+          <p:cNvSpPr txBox="1"/>
+          <p:nvPr/>
+        </p:nvSpPr>
+        <p:spPr>
+          <a:xfrm>
+            <a:off x="1764173" y="1763097"/>
+            <a:ext cx="3253740" cy="1754326"/>
+          </a:xfrm>
+          <a:prstGeom prst="rect">
+            <a:avLst/>
+          </a:prstGeom>
+          <a:noFill/>
+        </p:spPr>
+        <p:txBody>
+          <a:bodyPr wrap="square" rtlCol="0">
+            <a:spAutoFit/>
+          </a:bodyPr>
+          <a:lstStyle/>
+          <a:p>
+            <a:r>
+              <a:rPr lang="en-CA" dirty="0"/>
+              <a:t>VPC – Virtual Private Cloud enables you to launch AWS resources into a virtual network closely resembles a traditional network in a data center</a:t>
+            </a:r>
+          </a:p>
+        </p:txBody>
+      </p:sp>
+      <p:sp>
+        <p:nvSpPr>
+          <p:cNvPr id="9" name="TextBox 8"/>
+          <p:cNvSpPr txBox="1"/>
+          <p:nvPr/>
+        </p:nvSpPr>
+        <p:spPr>
+          <a:xfrm>
+            <a:off x="7227570" y="1740237"/>
+            <a:ext cx="4251960" cy="2308324"/>
+          </a:xfrm>
+          <a:prstGeom prst="rect">
+            <a:avLst/>
+          </a:prstGeom>
+          <a:noFill/>
+        </p:spPr>
+        <p:txBody>
+          <a:bodyPr wrap="square" rtlCol="0">
+            <a:spAutoFit/>
+          </a:bodyPr>
+          <a:lstStyle/>
+          <a:p>
+            <a:r>
+              <a:rPr lang="en-CA" dirty="0"/>
+              <a:t>Route 53 – AWS DNS Service (53 is the DNS port) is designed to provide a reliable and cost effective way to route end users to Internet applications by translating domain names like www.example.com into the IP addresses like 192.0.2.1. </a:t>
+            </a:r>
+          </a:p>
+          <a:p>
+            <a:endParaRPr lang="en-CA" dirty="0"/>
+          </a:p>
+        </p:txBody>
+      </p:sp>
+      <p:sp>
+        <p:nvSpPr>
+          <p:cNvPr id="10" name="TextBox 9"/>
+          <p:cNvSpPr txBox="1"/>
+          <p:nvPr/>
+        </p:nvSpPr>
+        <p:spPr>
+          <a:xfrm>
+            <a:off x="1790275" y="4003866"/>
+            <a:ext cx="3337560" cy="1754326"/>
+          </a:xfrm>
+          <a:prstGeom prst="rect">
+            <a:avLst/>
+          </a:prstGeom>
+          <a:noFill/>
+        </p:spPr>
+        <p:txBody>
+          <a:bodyPr wrap="square" rtlCol="0">
+            <a:spAutoFit/>
+          </a:bodyPr>
+          <a:lstStyle/>
+          <a:p>
+            <a:r>
+              <a:rPr lang="en-CA" dirty="0"/>
+              <a:t>Cloud Front – AWS global content delivery network (CDN) service that accelerates delivery of your websites, APIs, video content or other web assets.</a:t>
+            </a:r>
+          </a:p>
+        </p:txBody>
+      </p:sp>
+      <p:sp>
+        <p:nvSpPr>
+          <p:cNvPr id="13" name="TextBox 12"/>
+          <p:cNvSpPr txBox="1"/>
+          <p:nvPr/>
+        </p:nvSpPr>
+        <p:spPr>
+          <a:xfrm>
+            <a:off x="7205710" y="4003866"/>
+            <a:ext cx="3787140" cy="1200329"/>
+          </a:xfrm>
+          <a:prstGeom prst="rect">
+            <a:avLst/>
+          </a:prstGeom>
+          <a:noFill/>
+        </p:spPr>
+        <p:txBody>
+          <a:bodyPr wrap="square" rtlCol="0">
+            <a:spAutoFit/>
+          </a:bodyPr>
+          <a:lstStyle/>
+          <a:p>
+            <a:r>
+              <a:rPr lang="en-CA" dirty="0"/>
+              <a:t>Direct Connect - AWS Direct Connect makes it easy to establish a dedicated network connection from your premises to AWS.</a:t>
+            </a:r>
+          </a:p>
+        </p:txBody>
+      </p:sp>
+    </p:spTree>
+    <p:extLst>
+      <p:ext uri="{BB962C8B-B14F-4D97-AF65-F5344CB8AC3E}">
+        <p14:creationId xmlns:p14="http://schemas.microsoft.com/office/powerpoint/2010/main" val="3147305883"/>
+      </p:ext>
+    </p:extLst>
+  </p:cSld>
+  <p:clrMapOvr>
+    <a:masterClrMapping/>
+  </p:clrMapOvr>
+</p:sld>
+</file>
+
+<file path=ppt/slides/slide24.xml><?xml version="1.0" encoding="utf-8"?>
+<p:sld xmlns:a="http://schemas.openxmlformats.org/drawingml/2006/main" xmlns:r="http://schemas.openxmlformats.org/officeDocument/2006/relationships" xmlns:p="http://schemas.openxmlformats.org/presentationml/2006/main">
+  <p:cSld>
+    <p:spTree>
+      <p:nvGrpSpPr>
+        <p:cNvPr id="1" name=""/>
+        <p:cNvGrpSpPr/>
+        <p:nvPr/>
+      </p:nvGrpSpPr>
+      <p:grpSpPr>
+        <a:xfrm>
+          <a:off x="0" y="0"/>
+          <a:ext cx="0" cy="0"/>
+          <a:chOff x="0" y="0"/>
+          <a:chExt cx="0" cy="0"/>
+        </a:xfrm>
+      </p:grpSpPr>
+      <p:sp>
+        <p:nvSpPr>
+          <p:cNvPr id="2" name="Title 1"/>
+          <p:cNvSpPr>
+            <a:spLocks noGrp="1"/>
+          </p:cNvSpPr>
+          <p:nvPr>
+            <p:ph type="title"/>
+          </p:nvPr>
+        </p:nvSpPr>
+        <p:spPr/>
+        <p:txBody>
+          <a:bodyPr/>
+          <a:lstStyle/>
+          <a:p>
+            <a:r>
+              <a:rPr lang="en-CA" dirty="0"/>
+              <a:t>Compute</a:t>
+            </a:r>
+          </a:p>
+        </p:txBody>
+      </p:sp>
+      <p:sp>
+        <p:nvSpPr>
+          <p:cNvPr id="4" name="Footer Placeholder 3"/>
+          <p:cNvSpPr>
+            <a:spLocks noGrp="1"/>
+          </p:cNvSpPr>
+          <p:nvPr>
+            <p:ph type="ftr" sz="quarter" idx="11"/>
+          </p:nvPr>
+        </p:nvSpPr>
+        <p:spPr/>
+        <p:txBody>
+          <a:bodyPr/>
+          <a:lstStyle/>
+          <a:p>
+            <a:r>
+              <a:rPr lang="en-US"/>
+              <a:t>aws101</a:t>
+            </a:r>
+            <a:endParaRPr lang="en-US" dirty="0"/>
+          </a:p>
+        </p:txBody>
+      </p:sp>
+      <p:sp>
+        <p:nvSpPr>
+          <p:cNvPr id="5" name="Slide Number Placeholder 4"/>
+          <p:cNvSpPr>
+            <a:spLocks noGrp="1"/>
+          </p:cNvSpPr>
+          <p:nvPr>
+            <p:ph type="sldNum" sz="quarter" idx="12"/>
+          </p:nvPr>
+        </p:nvSpPr>
+        <p:spPr/>
+        <p:txBody>
+          <a:bodyPr/>
+          <a:lstStyle/>
+          <a:p>
+            <a:fld id="{6D22F896-40B5-4ADD-8801-0D06FADFA095}" type="slidenum">
+              <a:rPr lang="en-US" smtClean="0"/>
+              <a:t>24</a:t>
+            </a:fld>
+            <a:endParaRPr lang="en-US" dirty="0"/>
+          </a:p>
+        </p:txBody>
+      </p:sp>
+      <p:sp>
+        <p:nvSpPr>
+          <p:cNvPr id="6" name="TextBox 5"/>
+          <p:cNvSpPr txBox="1"/>
+          <p:nvPr/>
+        </p:nvSpPr>
+        <p:spPr>
+          <a:xfrm>
+            <a:off x="1562100" y="1775460"/>
+            <a:ext cx="3063240" cy="646331"/>
+          </a:xfrm>
+          <a:prstGeom prst="rect">
+            <a:avLst/>
+          </a:prstGeom>
+          <a:noFill/>
+        </p:spPr>
+        <p:txBody>
+          <a:bodyPr wrap="square" rtlCol="0">
+            <a:spAutoFit/>
+          </a:bodyPr>
+          <a:lstStyle/>
+          <a:p>
+            <a:r>
+              <a:rPr lang="en-CA" dirty="0"/>
+              <a:t>EC2 – Elastic Computer Cloud</a:t>
+            </a:r>
+          </a:p>
+        </p:txBody>
+      </p:sp>
+      <p:sp>
+        <p:nvSpPr>
+          <p:cNvPr id="7" name="TextBox 6"/>
+          <p:cNvSpPr txBox="1"/>
+          <p:nvPr/>
+        </p:nvSpPr>
+        <p:spPr>
+          <a:xfrm>
+            <a:off x="1562100" y="2781300"/>
+            <a:ext cx="3063240" cy="646331"/>
+          </a:xfrm>
+          <a:prstGeom prst="rect">
+            <a:avLst/>
+          </a:prstGeom>
+          <a:noFill/>
+        </p:spPr>
+        <p:txBody>
+          <a:bodyPr wrap="square" rtlCol="0">
+            <a:spAutoFit/>
+          </a:bodyPr>
+          <a:lstStyle/>
+          <a:p>
+            <a:r>
+              <a:rPr lang="en-CA" dirty="0"/>
+              <a:t>ECS- EC2 Container Service</a:t>
+            </a:r>
+          </a:p>
+        </p:txBody>
+      </p:sp>
+      <p:sp>
+        <p:nvSpPr>
+          <p:cNvPr id="8" name="TextBox 7"/>
+          <p:cNvSpPr txBox="1"/>
+          <p:nvPr/>
+        </p:nvSpPr>
+        <p:spPr>
+          <a:xfrm>
+            <a:off x="1562100" y="3870960"/>
+            <a:ext cx="3063240" cy="369332"/>
+          </a:xfrm>
+          <a:prstGeom prst="rect">
+            <a:avLst/>
+          </a:prstGeom>
+          <a:noFill/>
+        </p:spPr>
+        <p:txBody>
+          <a:bodyPr wrap="square" rtlCol="0">
+            <a:spAutoFit/>
+          </a:bodyPr>
+          <a:lstStyle/>
+          <a:p>
+            <a:r>
+              <a:rPr lang="en-CA" dirty="0"/>
+              <a:t>Elastic Beanstalk</a:t>
+            </a:r>
+          </a:p>
+        </p:txBody>
+      </p:sp>
+      <p:sp>
+        <p:nvSpPr>
+          <p:cNvPr id="9" name="TextBox 8"/>
+          <p:cNvSpPr txBox="1"/>
+          <p:nvPr/>
+        </p:nvSpPr>
+        <p:spPr>
+          <a:xfrm>
+            <a:off x="1562100" y="4683621"/>
+            <a:ext cx="3063240" cy="369332"/>
+          </a:xfrm>
+          <a:prstGeom prst="rect">
+            <a:avLst/>
+          </a:prstGeom>
+          <a:noFill/>
+        </p:spPr>
+        <p:txBody>
+          <a:bodyPr wrap="square" rtlCol="0">
+            <a:spAutoFit/>
+          </a:bodyPr>
+          <a:lstStyle/>
+          <a:p>
+            <a:r>
+              <a:rPr lang="en-CA" dirty="0"/>
+              <a:t>Lambda</a:t>
+            </a:r>
+          </a:p>
+        </p:txBody>
+      </p:sp>
+      <p:sp>
+        <p:nvSpPr>
+          <p:cNvPr id="10" name="TextBox 9"/>
+          <p:cNvSpPr txBox="1"/>
+          <p:nvPr/>
+        </p:nvSpPr>
+        <p:spPr>
+          <a:xfrm>
+            <a:off x="1562100" y="5496282"/>
+            <a:ext cx="3063240" cy="369332"/>
+          </a:xfrm>
+          <a:prstGeom prst="rect">
+            <a:avLst/>
+          </a:prstGeom>
+          <a:noFill/>
+        </p:spPr>
+        <p:txBody>
+          <a:bodyPr wrap="square" rtlCol="0">
+            <a:spAutoFit/>
+          </a:bodyPr>
+          <a:lstStyle/>
+          <a:p>
+            <a:r>
+              <a:rPr lang="en-CA" dirty="0" err="1"/>
+              <a:t>Lightsail</a:t>
+            </a:r>
+            <a:endParaRPr lang="en-CA" dirty="0"/>
+          </a:p>
+        </p:txBody>
+      </p:sp>
+    </p:spTree>
+    <p:extLst>
+      <p:ext uri="{BB962C8B-B14F-4D97-AF65-F5344CB8AC3E}">
+        <p14:creationId xmlns:p14="http://schemas.microsoft.com/office/powerpoint/2010/main" val="677465705"/>
       </p:ext>
     </p:extLst>
   </p:cSld>

--- a/aws101.pptx
+++ b/aws101.pptx
@@ -8819,8 +8819,8 @@
         </p:nvSpPr>
         <p:spPr>
           <a:xfrm>
-            <a:off x="1562100" y="1775460"/>
-            <a:ext cx="3063240" cy="646331"/>
+            <a:off x="1562100" y="1683191"/>
+            <a:ext cx="4368917" cy="1754326"/>
           </a:xfrm>
           <a:prstGeom prst="rect">
             <a:avLst/>
@@ -8835,7 +8835,7 @@
           <a:p>
             <a:r>
               <a:rPr lang="en-CA" dirty="0"/>
-              <a:t>EC2 – Elastic Computer Cloud</a:t>
+              <a:t>EC2 – Elastic Compute Cloud is a web service that provides scalable computing capacity in the AWS cloud. EC2 instances are virtual servers you can launch, configure, manage and scale in cloud on demand </a:t>
             </a:r>
           </a:p>
         </p:txBody>
@@ -8848,8 +8848,8 @@
         </p:nvSpPr>
         <p:spPr>
           <a:xfrm>
-            <a:off x="1562100" y="2781300"/>
-            <a:ext cx="3063240" cy="646331"/>
+            <a:off x="7315200" y="1683191"/>
+            <a:ext cx="4756558" cy="1754326"/>
           </a:xfrm>
           <a:prstGeom prst="rect">
             <a:avLst/>
@@ -8864,7 +8864,7 @@
           <a:p>
             <a:r>
               <a:rPr lang="en-CA" dirty="0"/>
-              <a:t>ECS- EC2 Container Service</a:t>
+              <a:t>ECS- EC2 Container Service is a highly scalable, high performance container management service that supports Docker containers and allows you to easily run applications on a managed cluster of Amazon EC2 instances</a:t>
             </a:r>
           </a:p>
         </p:txBody>
@@ -8877,8 +8877,8 @@
         </p:nvSpPr>
         <p:spPr>
           <a:xfrm>
-            <a:off x="1562100" y="3870960"/>
-            <a:ext cx="3063240" cy="369332"/>
+            <a:off x="1562100" y="3710137"/>
+            <a:ext cx="4108858" cy="1477328"/>
           </a:xfrm>
           <a:prstGeom prst="rect">
             <a:avLst/>
@@ -8893,7 +8893,7 @@
           <a:p>
             <a:r>
               <a:rPr lang="en-CA" dirty="0"/>
-              <a:t>Elastic Beanstalk</a:t>
+              <a:t>Elastic Beanstalk – Elastic Beanstalk automatically handles the complexity of AWS infrastructure setup so a developer simply uploads his/her application and runs it  </a:t>
             </a:r>
           </a:p>
         </p:txBody>
@@ -8906,8 +8906,8 @@
         </p:nvSpPr>
         <p:spPr>
           <a:xfrm>
-            <a:off x="1562100" y="4683621"/>
-            <a:ext cx="3063240" cy="369332"/>
+            <a:off x="7339203" y="3689723"/>
+            <a:ext cx="2719197" cy="365901"/>
           </a:xfrm>
           <a:prstGeom prst="rect">
             <a:avLst/>
@@ -8957,6 +8957,211 @@
           </a:p>
         </p:txBody>
       </p:sp>
+      <p:pic>
+        <p:nvPicPr>
+          <p:cNvPr id="1026" name="Picture 2" descr="Related image"/>
+          <p:cNvPicPr>
+            <a:picLocks noChangeAspect="1" noChangeArrowheads="1"/>
+          </p:cNvPicPr>
+          <p:nvPr/>
+        </p:nvPicPr>
+        <p:blipFill>
+          <a:blip r:embed="rId2">
+            <a:extLst>
+              <a:ext uri="{28A0092B-C50C-407E-A947-70E740481C1C}">
+                <a14:useLocalDpi xmlns:a14="http://schemas.microsoft.com/office/drawing/2010/main" val="0"/>
+              </a:ext>
+            </a:extLst>
+          </a:blip>
+          <a:srcRect/>
+          <a:stretch>
+            <a:fillRect/>
+          </a:stretch>
+        </p:blipFill>
+        <p:spPr bwMode="auto">
+          <a:xfrm>
+            <a:off x="609600" y="1649729"/>
+            <a:ext cx="897791" cy="897791"/>
+          </a:xfrm>
+          <a:prstGeom prst="rect">
+            <a:avLst/>
+          </a:prstGeom>
+          <a:noFill/>
+          <a:extLst>
+            <a:ext uri="{909E8E84-426E-40DD-AFC4-6F175D3DCCD1}">
+              <a14:hiddenFill xmlns:a14="http://schemas.microsoft.com/office/drawing/2010/main">
+                <a:solidFill>
+                  <a:srgbClr val="FFFFFF"/>
+                </a:solidFill>
+              </a14:hiddenFill>
+            </a:ext>
+          </a:extLst>
+        </p:spPr>
+      </p:pic>
+      <p:pic>
+        <p:nvPicPr>
+          <p:cNvPr id="1028" name="Picture 4" descr="Image result for ec2 container service logo"/>
+          <p:cNvPicPr>
+            <a:picLocks noChangeAspect="1" noChangeArrowheads="1"/>
+          </p:cNvPicPr>
+          <p:nvPr/>
+        </p:nvPicPr>
+        <p:blipFill>
+          <a:blip r:embed="rId3">
+            <a:extLst>
+              <a:ext uri="{28A0092B-C50C-407E-A947-70E740481C1C}">
+                <a14:useLocalDpi xmlns:a14="http://schemas.microsoft.com/office/drawing/2010/main" val="0"/>
+              </a:ext>
+            </a:extLst>
+          </a:blip>
+          <a:srcRect/>
+          <a:stretch>
+            <a:fillRect/>
+          </a:stretch>
+        </p:blipFill>
+        <p:spPr bwMode="auto">
+          <a:xfrm>
+            <a:off x="6265992" y="1624191"/>
+            <a:ext cx="992386" cy="992386"/>
+          </a:xfrm>
+          <a:prstGeom prst="rect">
+            <a:avLst/>
+          </a:prstGeom>
+          <a:noFill/>
+          <a:extLst>
+            <a:ext uri="{909E8E84-426E-40DD-AFC4-6F175D3DCCD1}">
+              <a14:hiddenFill xmlns:a14="http://schemas.microsoft.com/office/drawing/2010/main">
+                <a:solidFill>
+                  <a:srgbClr val="FFFFFF"/>
+                </a:solidFill>
+              </a14:hiddenFill>
+            </a:ext>
+          </a:extLst>
+        </p:spPr>
+      </p:pic>
+      <p:pic>
+        <p:nvPicPr>
+          <p:cNvPr id="1030" name="Picture 6" descr="Image result for elastic beanstalk logo"/>
+          <p:cNvPicPr>
+            <a:picLocks noChangeAspect="1" noChangeArrowheads="1"/>
+          </p:cNvPicPr>
+          <p:nvPr/>
+        </p:nvPicPr>
+        <p:blipFill>
+          <a:blip r:embed="rId4">
+            <a:extLst>
+              <a:ext uri="{28A0092B-C50C-407E-A947-70E740481C1C}">
+                <a14:useLocalDpi xmlns:a14="http://schemas.microsoft.com/office/drawing/2010/main" val="0"/>
+              </a:ext>
+            </a:extLst>
+          </a:blip>
+          <a:srcRect/>
+          <a:stretch>
+            <a:fillRect/>
+          </a:stretch>
+        </p:blipFill>
+        <p:spPr bwMode="auto">
+          <a:xfrm>
+            <a:off x="711313" y="3710137"/>
+            <a:ext cx="694364" cy="961101"/>
+          </a:xfrm>
+          <a:prstGeom prst="rect">
+            <a:avLst/>
+          </a:prstGeom>
+          <a:noFill/>
+          <a:extLst>
+            <a:ext uri="{909E8E84-426E-40DD-AFC4-6F175D3DCCD1}">
+              <a14:hiddenFill xmlns:a14="http://schemas.microsoft.com/office/drawing/2010/main">
+                <a:solidFill>
+                  <a:srgbClr val="FFFFFF"/>
+                </a:solidFill>
+              </a14:hiddenFill>
+            </a:ext>
+          </a:extLst>
+        </p:spPr>
+      </p:pic>
+      <p:pic>
+        <p:nvPicPr>
+          <p:cNvPr id="1032" name="Picture 8" descr="Image result for aws lambda logo"/>
+          <p:cNvPicPr>
+            <a:picLocks noChangeAspect="1" noChangeArrowheads="1"/>
+          </p:cNvPicPr>
+          <p:nvPr/>
+        </p:nvPicPr>
+        <p:blipFill>
+          <a:blip r:embed="rId5">
+            <a:extLst>
+              <a:ext uri="{28A0092B-C50C-407E-A947-70E740481C1C}">
+                <a14:useLocalDpi xmlns:a14="http://schemas.microsoft.com/office/drawing/2010/main" val="0"/>
+              </a:ext>
+            </a:extLst>
+          </a:blip>
+          <a:srcRect/>
+          <a:stretch>
+            <a:fillRect/>
+          </a:stretch>
+        </p:blipFill>
+        <p:spPr bwMode="auto">
+          <a:xfrm>
+            <a:off x="6336268" y="3629708"/>
+            <a:ext cx="851833" cy="851833"/>
+          </a:xfrm>
+          <a:prstGeom prst="rect">
+            <a:avLst/>
+          </a:prstGeom>
+          <a:noFill/>
+          <a:extLst>
+            <a:ext uri="{909E8E84-426E-40DD-AFC4-6F175D3DCCD1}">
+              <a14:hiddenFill xmlns:a14="http://schemas.microsoft.com/office/drawing/2010/main">
+                <a:solidFill>
+                  <a:srgbClr val="FFFFFF"/>
+                </a:solidFill>
+              </a14:hiddenFill>
+            </a:ext>
+          </a:extLst>
+        </p:spPr>
+      </p:pic>
+      <p:pic>
+        <p:nvPicPr>
+          <p:cNvPr id="1034" name="Picture 10" descr="Image result for aws lightsail logo"/>
+          <p:cNvPicPr>
+            <a:picLocks noChangeAspect="1" noChangeArrowheads="1"/>
+          </p:cNvPicPr>
+          <p:nvPr/>
+        </p:nvPicPr>
+        <p:blipFill>
+          <a:blip r:embed="rId6">
+            <a:extLst>
+              <a:ext uri="{28A0092B-C50C-407E-A947-70E740481C1C}">
+                <a14:useLocalDpi xmlns:a14="http://schemas.microsoft.com/office/drawing/2010/main" val="0"/>
+              </a:ext>
+            </a:extLst>
+          </a:blip>
+          <a:srcRect/>
+          <a:stretch>
+            <a:fillRect/>
+          </a:stretch>
+        </p:blipFill>
+        <p:spPr bwMode="auto">
+          <a:xfrm>
+            <a:off x="609600" y="5496282"/>
+            <a:ext cx="1061601" cy="1058074"/>
+          </a:xfrm>
+          <a:prstGeom prst="rect">
+            <a:avLst/>
+          </a:prstGeom>
+          <a:noFill/>
+          <a:extLst>
+            <a:ext uri="{909E8E84-426E-40DD-AFC4-6F175D3DCCD1}">
+              <a14:hiddenFill xmlns:a14="http://schemas.microsoft.com/office/drawing/2010/main">
+                <a:solidFill>
+                  <a:srgbClr val="FFFFFF"/>
+                </a:solidFill>
+              </a14:hiddenFill>
+            </a:ext>
+          </a:extLst>
+        </p:spPr>
+      </p:pic>
     </p:spTree>
     <p:extLst>
       <p:ext uri="{BB962C8B-B14F-4D97-AF65-F5344CB8AC3E}">

--- a/aws101.pptx
+++ b/aws101.pptx
@@ -5,7 +5,7 @@
     <p:sldMasterId id="2147483789" r:id="rId1"/>
   </p:sldMasterIdLst>
   <p:notesMasterIdLst>
-    <p:notesMasterId r:id="rId26"/>
+    <p:notesMasterId r:id="rId39"/>
   </p:notesMasterIdLst>
   <p:sldIdLst>
     <p:sldId id="256" r:id="rId2"/>
@@ -32,6 +32,19 @@
     <p:sldId id="277" r:id="rId23"/>
     <p:sldId id="278" r:id="rId24"/>
     <p:sldId id="279" r:id="rId25"/>
+    <p:sldId id="280" r:id="rId26"/>
+    <p:sldId id="281" r:id="rId27"/>
+    <p:sldId id="282" r:id="rId28"/>
+    <p:sldId id="283" r:id="rId29"/>
+    <p:sldId id="284" r:id="rId30"/>
+    <p:sldId id="285" r:id="rId31"/>
+    <p:sldId id="286" r:id="rId32"/>
+    <p:sldId id="291" r:id="rId33"/>
+    <p:sldId id="288" r:id="rId34"/>
+    <p:sldId id="289" r:id="rId35"/>
+    <p:sldId id="290" r:id="rId36"/>
+    <p:sldId id="287" r:id="rId37"/>
+    <p:sldId id="292" r:id="rId38"/>
   </p:sldIdLst>
   <p:sldSz cx="12192000" cy="6858000"/>
   <p:notesSz cx="6858000" cy="9144000"/>
@@ -132,7 +145,7 @@
   </p:defaultTextStyle>
   <p:extLst>
     <p:ext uri="{EFAFB233-063F-42B5-8137-9DF3F51BA10A}">
-      <p15:sldGuideLst xmlns:p15="http://schemas.microsoft.com/office/powerpoint/2012/main">
+      <p15:sldGuideLst xmlns:p15="http://schemas.microsoft.com/office/powerpoint/2012/main" xmlns="">
         <p15:guide id="1" orient="horz" pos="2160">
           <p15:clr>
             <a:srgbClr val="A4A3A4"/>
@@ -150,9 +163,9 @@
 </file>
 
 <file path=ppt/charts/chart1.xml><?xml version="1.0" encoding="utf-8"?>
-<c:chartSpace xmlns:c="http://schemas.openxmlformats.org/drawingml/2006/chart" xmlns:a="http://schemas.openxmlformats.org/drawingml/2006/main" xmlns:r="http://schemas.openxmlformats.org/officeDocument/2006/relationships" xmlns:c16r2="http://schemas.microsoft.com/office/drawing/2015/06/chart">
+<c:chartSpace xmlns:c="http://schemas.openxmlformats.org/drawingml/2006/chart" xmlns:a="http://schemas.openxmlformats.org/drawingml/2006/main" xmlns:r="http://schemas.openxmlformats.org/officeDocument/2006/relationships">
   <c:date1904 val="0"/>
-  <c:lang val="en-US"/>
+  <c:lang val="en-CA"/>
   <c:roundedCorners val="0"/>
   <mc:AlternateContent xmlns:mc="http://schemas.openxmlformats.org/markup-compatibility/2006">
     <mc:Choice xmlns:c14="http://schemas.microsoft.com/office/drawing/2007/8/2/chart" Requires="c14">
@@ -164,6 +177,7 @@
   </mc:AlternateContent>
   <c:chart>
     <c:title>
+      <c:layout/>
       <c:overlay val="0"/>
     </c:title>
     <c:autoTitleDeleted val="0"/>
@@ -242,7 +256,7 @@
               </c:numCache>
             </c:numRef>
           </c:val>
-          <c:extLst>
+          <c:extLst xmlns:c16r2="http://schemas.microsoft.com/office/drawing/2015/06/chart">
             <c:ext xmlns:c16="http://schemas.microsoft.com/office/drawing/2014/chart" uri="{C3380CC4-5D6E-409C-BE32-E72D297353CC}">
               <c16:uniqueId val="{00000000-D3F1-4E18-8270-156F6C198515}"/>
             </c:ext>
@@ -258,11 +272,11 @@
         </c:dLbls>
         <c:gapWidth val="150"/>
         <c:overlap val="100"/>
-        <c:axId val="906892416"/>
-        <c:axId val="935903616"/>
+        <c:axId val="42025344"/>
+        <c:axId val="42026880"/>
       </c:barChart>
       <c:catAx>
-        <c:axId val="906892416"/>
+        <c:axId val="42025344"/>
         <c:scaling>
           <c:orientation val="minMax"/>
         </c:scaling>
@@ -272,7 +286,7 @@
         <c:majorTickMark val="out"/>
         <c:minorTickMark val="none"/>
         <c:tickLblPos val="nextTo"/>
-        <c:crossAx val="935903616"/>
+        <c:crossAx val="42026880"/>
         <c:crosses val="autoZero"/>
         <c:auto val="1"/>
         <c:lblAlgn val="ctr"/>
@@ -280,7 +294,7 @@
         <c:noMultiLvlLbl val="0"/>
       </c:catAx>
       <c:valAx>
-        <c:axId val="935903616"/>
+        <c:axId val="42026880"/>
         <c:scaling>
           <c:orientation val="minMax"/>
         </c:scaling>
@@ -291,13 +305,14 @@
         <c:majorTickMark val="out"/>
         <c:minorTickMark val="none"/>
         <c:tickLblPos val="none"/>
-        <c:crossAx val="906892416"/>
+        <c:crossAx val="42025344"/>
         <c:crosses val="autoZero"/>
         <c:crossBetween val="between"/>
       </c:valAx>
     </c:plotArea>
     <c:legend>
       <c:legendPos val="r"/>
+      <c:layout/>
       <c:overlay val="0"/>
     </c:legend>
     <c:plotVisOnly val="1"/>
@@ -7077,13 +7092,18 @@
           <a:p>
             <a:pPr algn="ctr"/>
             <a:r>
-              <a:rPr lang="en-CA" dirty="0">
+              <a:rPr lang="en-CA" dirty="0" smtClean="0">
                 <a:solidFill>
                   <a:schemeClr val="tx1"/>
                 </a:solidFill>
               </a:rPr>
-              <a:t>Security &amp; Identity</a:t>
-            </a:r>
+              <a:t>Security, Identity &amp; Compliance</a:t>
+            </a:r>
+            <a:endParaRPr lang="en-CA" dirty="0">
+              <a:solidFill>
+                <a:schemeClr val="tx1"/>
+              </a:solidFill>
+            </a:endParaRPr>
           </a:p>
         </p:txBody>
       </p:sp>
@@ -8877,7 +8897,7 @@
         </p:nvSpPr>
         <p:spPr>
           <a:xfrm>
-            <a:off x="1562100" y="3710137"/>
+            <a:off x="1562100" y="3596849"/>
             <a:ext cx="4108858" cy="1477328"/>
           </a:xfrm>
           <a:prstGeom prst="rect">
@@ -8906,8 +8926,8 @@
         </p:nvSpPr>
         <p:spPr>
           <a:xfrm>
-            <a:off x="7339203" y="3689723"/>
-            <a:ext cx="2719197" cy="365901"/>
+            <a:off x="7339203" y="3568343"/>
+            <a:ext cx="4334352" cy="1477328"/>
           </a:xfrm>
           <a:prstGeom prst="rect">
             <a:avLst/>
@@ -8921,9 +8941,26 @@
           <a:lstStyle/>
           <a:p>
             <a:r>
-              <a:rPr lang="en-CA" dirty="0"/>
-              <a:t>Lambda</a:t>
-            </a:r>
+              <a:rPr lang="en-CA" dirty="0" smtClean="0"/>
+              <a:t>Lambda - </a:t>
+            </a:r>
+            <a:r>
+              <a:rPr lang="en-US" dirty="0"/>
+              <a:t>AWS Lambda is a </a:t>
+            </a:r>
+            <a:r>
+              <a:rPr lang="en-US" dirty="0" err="1" smtClean="0"/>
+              <a:t>serverless</a:t>
+            </a:r>
+            <a:r>
+              <a:rPr lang="en-US" dirty="0" smtClean="0"/>
+              <a:t> compute service </a:t>
+            </a:r>
+            <a:r>
+              <a:rPr lang="en-US" dirty="0"/>
+              <a:t>that runs your code in response to events and automatically manages the underlying compute resources for you.</a:t>
+            </a:r>
+            <a:endParaRPr lang="en-CA" dirty="0"/>
           </a:p>
         </p:txBody>
       </p:sp>
@@ -8935,8 +8972,8 @@
         </p:nvSpPr>
         <p:spPr>
           <a:xfrm>
-            <a:off x="1562100" y="5496282"/>
-            <a:ext cx="3063240" cy="369332"/>
+            <a:off x="1574097" y="5293982"/>
+            <a:ext cx="10104904" cy="1200329"/>
           </a:xfrm>
           <a:prstGeom prst="rect">
             <a:avLst/>
@@ -8950,8 +8987,40 @@
           <a:lstStyle/>
           <a:p>
             <a:r>
-              <a:rPr lang="en-CA" dirty="0" err="1"/>
+              <a:rPr lang="en-CA" dirty="0" err="1" smtClean="0"/>
               <a:t>Lightsail</a:t>
+            </a:r>
+            <a:r>
+              <a:rPr lang="en-CA" dirty="0" smtClean="0"/>
+              <a:t>- </a:t>
+            </a:r>
+            <a:r>
+              <a:rPr lang="en-US" dirty="0"/>
+              <a:t>Amazon </a:t>
+            </a:r>
+            <a:r>
+              <a:rPr lang="en-US" dirty="0" err="1"/>
+              <a:t>Lightsail</a:t>
+            </a:r>
+            <a:r>
+              <a:rPr lang="en-US" dirty="0"/>
+              <a:t> </a:t>
+            </a:r>
+            <a:r>
+              <a:rPr lang="en-US" dirty="0" smtClean="0"/>
+              <a:t>provides </a:t>
+            </a:r>
+            <a:r>
+              <a:rPr lang="en-US" dirty="0"/>
+              <a:t>developers compute, storage, and networking capacity and capabilities to deploy and manage websites and web applications in the cloud. </a:t>
+            </a:r>
+            <a:r>
+              <a:rPr lang="en-US" dirty="0" err="1"/>
+              <a:t>Lightsail</a:t>
+            </a:r>
+            <a:r>
+              <a:rPr lang="en-US" dirty="0"/>
+              <a:t> includes everything you need to launch your project quickly – a virtual machine, SSD-based storage, data transfer, DNS management, and a static IP – for a low, predictable monthly price.</a:t>
             </a:r>
             <a:endParaRPr lang="en-CA" dirty="0"/>
           </a:p>
@@ -9129,6 +9198,2584 @@
           </p:cNvPicPr>
           <p:nvPr/>
         </p:nvPicPr>
+        <p:blipFill rotWithShape="1">
+          <a:blip r:embed="rId6">
+            <a:extLst>
+              <a:ext uri="{28A0092B-C50C-407E-A947-70E740481C1C}">
+                <a14:useLocalDpi xmlns:a14="http://schemas.microsoft.com/office/drawing/2010/main" val="0"/>
+              </a:ext>
+            </a:extLst>
+          </a:blip>
+          <a:srcRect b="20631"/>
+          <a:stretch/>
+        </p:blipFill>
+        <p:spPr bwMode="auto">
+          <a:xfrm>
+            <a:off x="487234" y="5382994"/>
+            <a:ext cx="1061601" cy="839781"/>
+          </a:xfrm>
+          <a:prstGeom prst="rect">
+            <a:avLst/>
+          </a:prstGeom>
+          <a:noFill/>
+          <a:extLst>
+            <a:ext uri="{909E8E84-426E-40DD-AFC4-6F175D3DCCD1}">
+              <a14:hiddenFill xmlns:a14="http://schemas.microsoft.com/office/drawing/2010/main">
+                <a:solidFill>
+                  <a:srgbClr val="FFFFFF"/>
+                </a:solidFill>
+              </a14:hiddenFill>
+            </a:ext>
+          </a:extLst>
+        </p:spPr>
+      </p:pic>
+    </p:spTree>
+    <p:extLst>
+      <p:ext uri="{BB962C8B-B14F-4D97-AF65-F5344CB8AC3E}">
+        <p14:creationId xmlns:p14="http://schemas.microsoft.com/office/powerpoint/2010/main" val="677465705"/>
+      </p:ext>
+    </p:extLst>
+  </p:cSld>
+  <p:clrMapOvr>
+    <a:masterClrMapping/>
+  </p:clrMapOvr>
+</p:sld>
+</file>
+
+<file path=ppt/slides/slide25.xml><?xml version="1.0" encoding="utf-8"?>
+<p:sld xmlns:a="http://schemas.openxmlformats.org/drawingml/2006/main" xmlns:r="http://schemas.openxmlformats.org/officeDocument/2006/relationships" xmlns:p="http://schemas.openxmlformats.org/presentationml/2006/main">
+  <p:cSld>
+    <p:spTree>
+      <p:nvGrpSpPr>
+        <p:cNvPr id="1" name=""/>
+        <p:cNvGrpSpPr/>
+        <p:nvPr/>
+      </p:nvGrpSpPr>
+      <p:grpSpPr>
+        <a:xfrm>
+          <a:off x="0" y="0"/>
+          <a:ext cx="0" cy="0"/>
+          <a:chOff x="0" y="0"/>
+          <a:chExt cx="0" cy="0"/>
+        </a:xfrm>
+      </p:grpSpPr>
+      <p:sp>
+        <p:nvSpPr>
+          <p:cNvPr id="2" name="Title 1"/>
+          <p:cNvSpPr>
+            <a:spLocks noGrp="1"/>
+          </p:cNvSpPr>
+          <p:nvPr>
+            <p:ph type="title"/>
+          </p:nvPr>
+        </p:nvSpPr>
+        <p:spPr/>
+        <p:txBody>
+          <a:bodyPr/>
+          <a:lstStyle/>
+          <a:p>
+            <a:r>
+              <a:rPr lang="en-CA" dirty="0" smtClean="0"/>
+              <a:t>Storage</a:t>
+            </a:r>
+            <a:endParaRPr lang="en-CA" dirty="0"/>
+          </a:p>
+        </p:txBody>
+      </p:sp>
+      <p:sp>
+        <p:nvSpPr>
+          <p:cNvPr id="4" name="Footer Placeholder 3"/>
+          <p:cNvSpPr>
+            <a:spLocks noGrp="1"/>
+          </p:cNvSpPr>
+          <p:nvPr>
+            <p:ph type="ftr" sz="quarter" idx="11"/>
+          </p:nvPr>
+        </p:nvSpPr>
+        <p:spPr/>
+        <p:txBody>
+          <a:bodyPr/>
+          <a:lstStyle/>
+          <a:p>
+            <a:r>
+              <a:rPr lang="en-US" smtClean="0"/>
+              <a:t>aws101</a:t>
+            </a:r>
+            <a:endParaRPr lang="en-US" dirty="0"/>
+          </a:p>
+        </p:txBody>
+      </p:sp>
+      <p:sp>
+        <p:nvSpPr>
+          <p:cNvPr id="5" name="Slide Number Placeholder 4"/>
+          <p:cNvSpPr>
+            <a:spLocks noGrp="1"/>
+          </p:cNvSpPr>
+          <p:nvPr>
+            <p:ph type="sldNum" sz="quarter" idx="12"/>
+          </p:nvPr>
+        </p:nvSpPr>
+        <p:spPr/>
+        <p:txBody>
+          <a:bodyPr/>
+          <a:lstStyle/>
+          <a:p>
+            <a:fld id="{6D22F896-40B5-4ADD-8801-0D06FADFA095}" type="slidenum">
+              <a:rPr lang="en-US" smtClean="0"/>
+              <a:t>25</a:t>
+            </a:fld>
+            <a:endParaRPr lang="en-US" dirty="0"/>
+          </a:p>
+        </p:txBody>
+      </p:sp>
+      <p:sp>
+        <p:nvSpPr>
+          <p:cNvPr id="6" name="TextBox 5"/>
+          <p:cNvSpPr txBox="1"/>
+          <p:nvPr/>
+        </p:nvSpPr>
+        <p:spPr>
+          <a:xfrm>
+            <a:off x="1777524" y="1847905"/>
+            <a:ext cx="3913975" cy="1477328"/>
+          </a:xfrm>
+          <a:prstGeom prst="rect">
+            <a:avLst/>
+          </a:prstGeom>
+          <a:noFill/>
+        </p:spPr>
+        <p:txBody>
+          <a:bodyPr wrap="square" rtlCol="0">
+            <a:spAutoFit/>
+          </a:bodyPr>
+          <a:lstStyle/>
+          <a:p>
+            <a:r>
+              <a:rPr lang="en-CA" dirty="0" smtClean="0"/>
+              <a:t>S3- </a:t>
+            </a:r>
+            <a:r>
+              <a:rPr lang="en-US" dirty="0" smtClean="0"/>
+              <a:t>Amazon </a:t>
+            </a:r>
+            <a:r>
+              <a:rPr lang="en-US" dirty="0"/>
+              <a:t>Simple Storage Service </a:t>
+            </a:r>
+            <a:r>
+              <a:rPr lang="en-US" dirty="0" smtClean="0"/>
+              <a:t>is </a:t>
+            </a:r>
+            <a:r>
+              <a:rPr lang="en-US" dirty="0"/>
+              <a:t>object storage with a simple web service interface to store and retrieve any amount of data from anywhere on the web.</a:t>
+            </a:r>
+            <a:endParaRPr lang="en-CA" dirty="0"/>
+          </a:p>
+        </p:txBody>
+      </p:sp>
+      <p:sp>
+        <p:nvSpPr>
+          <p:cNvPr id="7" name="TextBox 6"/>
+          <p:cNvSpPr txBox="1"/>
+          <p:nvPr/>
+        </p:nvSpPr>
+        <p:spPr>
+          <a:xfrm>
+            <a:off x="1777523" y="4217595"/>
+            <a:ext cx="4529271" cy="1200329"/>
+          </a:xfrm>
+          <a:prstGeom prst="rect">
+            <a:avLst/>
+          </a:prstGeom>
+          <a:noFill/>
+        </p:spPr>
+        <p:txBody>
+          <a:bodyPr wrap="square" rtlCol="0">
+            <a:spAutoFit/>
+          </a:bodyPr>
+          <a:lstStyle/>
+          <a:p>
+            <a:r>
+              <a:rPr lang="en-CA" dirty="0" smtClean="0"/>
+              <a:t>Glacier- </a:t>
+            </a:r>
+            <a:r>
+              <a:rPr lang="en-US" dirty="0"/>
+              <a:t>Amazon Glacier is a secure, durable, and extremely low-cost </a:t>
+            </a:r>
+            <a:r>
+              <a:rPr lang="en-US" dirty="0" smtClean="0"/>
+              <a:t>cloud storage</a:t>
+            </a:r>
+            <a:r>
+              <a:rPr lang="en-US" dirty="0"/>
+              <a:t> for data archiving and long-term backup.</a:t>
+            </a:r>
+            <a:endParaRPr lang="en-CA" dirty="0"/>
+          </a:p>
+        </p:txBody>
+      </p:sp>
+      <p:sp>
+        <p:nvSpPr>
+          <p:cNvPr id="8" name="TextBox 7"/>
+          <p:cNvSpPr txBox="1"/>
+          <p:nvPr/>
+        </p:nvSpPr>
+        <p:spPr>
+          <a:xfrm>
+            <a:off x="7223493" y="1856124"/>
+            <a:ext cx="4529271" cy="1754326"/>
+          </a:xfrm>
+          <a:prstGeom prst="rect">
+            <a:avLst/>
+          </a:prstGeom>
+          <a:noFill/>
+        </p:spPr>
+        <p:txBody>
+          <a:bodyPr wrap="square" rtlCol="0">
+            <a:spAutoFit/>
+          </a:bodyPr>
+          <a:lstStyle/>
+          <a:p>
+            <a:r>
+              <a:rPr lang="en-CA" dirty="0" smtClean="0"/>
+              <a:t>EFS - </a:t>
+            </a:r>
+            <a:r>
+              <a:rPr lang="en-US" dirty="0"/>
+              <a:t>Amazon Elastic File System </a:t>
+            </a:r>
+            <a:r>
+              <a:rPr lang="en-US" dirty="0" smtClean="0"/>
+              <a:t>provides </a:t>
+            </a:r>
+            <a:r>
+              <a:rPr lang="en-US" dirty="0"/>
+              <a:t>simple, scalable file storage for use with Amazon EC2 instances in the AWS Cloud</a:t>
+            </a:r>
+            <a:r>
+              <a:rPr lang="en-US" dirty="0" smtClean="0"/>
+              <a:t>. </a:t>
+            </a:r>
+            <a:r>
+              <a:rPr lang="en-US" dirty="0"/>
+              <a:t>With Amazon EFS, storage capacity is elastic, growing and shrinking automatically as </a:t>
+            </a:r>
+            <a:r>
+              <a:rPr lang="en-US" dirty="0" smtClean="0"/>
+              <a:t>files added or removed</a:t>
+            </a:r>
+            <a:endParaRPr lang="en-CA" dirty="0"/>
+          </a:p>
+        </p:txBody>
+      </p:sp>
+      <p:sp>
+        <p:nvSpPr>
+          <p:cNvPr id="9" name="TextBox 8"/>
+          <p:cNvSpPr txBox="1"/>
+          <p:nvPr/>
+        </p:nvSpPr>
+        <p:spPr>
+          <a:xfrm>
+            <a:off x="7256513" y="4119073"/>
+            <a:ext cx="4529271" cy="2308324"/>
+          </a:xfrm>
+          <a:prstGeom prst="rect">
+            <a:avLst/>
+          </a:prstGeom>
+          <a:noFill/>
+        </p:spPr>
+        <p:txBody>
+          <a:bodyPr wrap="square" rtlCol="0">
+            <a:spAutoFit/>
+          </a:bodyPr>
+          <a:lstStyle/>
+          <a:p>
+            <a:r>
+              <a:rPr lang="en-CA" dirty="0" smtClean="0"/>
+              <a:t>Storage Gateway - </a:t>
+            </a:r>
+            <a:r>
+              <a:rPr lang="en-US" dirty="0"/>
+              <a:t>AWS Storage Gateway connects an on-premises software appliance with cloud-based storage to provide seamless integration with data security features between your on-premises IT environment and the Amazon Web Services (AWS) storage infrastructure. </a:t>
+            </a:r>
+            <a:endParaRPr lang="en-CA" dirty="0"/>
+          </a:p>
+        </p:txBody>
+      </p:sp>
+      <p:sp>
+        <p:nvSpPr>
+          <p:cNvPr id="10" name="AutoShape 2" descr="Image result for aws S3 logo"/>
+          <p:cNvSpPr>
+            <a:spLocks noChangeAspect="1" noChangeArrowheads="1"/>
+          </p:cNvSpPr>
+          <p:nvPr/>
+        </p:nvSpPr>
+        <p:spPr bwMode="auto">
+          <a:xfrm>
+            <a:off x="155575" y="-144463"/>
+            <a:ext cx="304800" cy="304801"/>
+          </a:xfrm>
+          <a:prstGeom prst="rect">
+            <a:avLst/>
+          </a:prstGeom>
+          <a:noFill/>
+          <a:extLst>
+            <a:ext uri="{909E8E84-426E-40DD-AFC4-6F175D3DCCD1}">
+              <a14:hiddenFill xmlns:a14="http://schemas.microsoft.com/office/drawing/2010/main">
+                <a:solidFill>
+                  <a:srgbClr val="FFFFFF"/>
+                </a:solidFill>
+              </a14:hiddenFill>
+            </a:ext>
+          </a:extLst>
+        </p:spPr>
+        <p:txBody>
+          <a:bodyPr vert="horz" wrap="square" lIns="91440" tIns="45720" rIns="91440" bIns="45720" numCol="1" anchor="t" anchorCtr="0" compatLnSpc="1">
+            <a:prstTxWarp prst="textNoShape">
+              <a:avLst/>
+            </a:prstTxWarp>
+          </a:bodyPr>
+          <a:lstStyle/>
+          <a:p>
+            <a:endParaRPr lang="en-CA"/>
+          </a:p>
+        </p:txBody>
+      </p:sp>
+      <p:sp>
+        <p:nvSpPr>
+          <p:cNvPr id="11" name="AutoShape 4" descr="Image result for aws S3 logo"/>
+          <p:cNvSpPr>
+            <a:spLocks noChangeAspect="1" noChangeArrowheads="1"/>
+          </p:cNvSpPr>
+          <p:nvPr/>
+        </p:nvSpPr>
+        <p:spPr bwMode="auto">
+          <a:xfrm>
+            <a:off x="307975" y="7937"/>
+            <a:ext cx="304800" cy="304801"/>
+          </a:xfrm>
+          <a:prstGeom prst="rect">
+            <a:avLst/>
+          </a:prstGeom>
+          <a:noFill/>
+          <a:extLst>
+            <a:ext uri="{909E8E84-426E-40DD-AFC4-6F175D3DCCD1}">
+              <a14:hiddenFill xmlns:a14="http://schemas.microsoft.com/office/drawing/2010/main">
+                <a:solidFill>
+                  <a:srgbClr val="FFFFFF"/>
+                </a:solidFill>
+              </a14:hiddenFill>
+            </a:ext>
+          </a:extLst>
+        </p:spPr>
+        <p:txBody>
+          <a:bodyPr vert="horz" wrap="square" lIns="91440" tIns="45720" rIns="91440" bIns="45720" numCol="1" anchor="t" anchorCtr="0" compatLnSpc="1">
+            <a:prstTxWarp prst="textNoShape">
+              <a:avLst/>
+            </a:prstTxWarp>
+          </a:bodyPr>
+          <a:lstStyle/>
+          <a:p>
+            <a:endParaRPr lang="en-CA"/>
+          </a:p>
+        </p:txBody>
+      </p:sp>
+      <p:sp>
+        <p:nvSpPr>
+          <p:cNvPr id="12" name="AutoShape 6" descr="Image result for aws S3 logo"/>
+          <p:cNvSpPr>
+            <a:spLocks noChangeAspect="1" noChangeArrowheads="1"/>
+          </p:cNvSpPr>
+          <p:nvPr/>
+        </p:nvSpPr>
+        <p:spPr bwMode="auto">
+          <a:xfrm>
+            <a:off x="460375" y="160337"/>
+            <a:ext cx="304800" cy="304801"/>
+          </a:xfrm>
+          <a:prstGeom prst="rect">
+            <a:avLst/>
+          </a:prstGeom>
+          <a:noFill/>
+          <a:extLst>
+            <a:ext uri="{909E8E84-426E-40DD-AFC4-6F175D3DCCD1}">
+              <a14:hiddenFill xmlns:a14="http://schemas.microsoft.com/office/drawing/2010/main">
+                <a:solidFill>
+                  <a:srgbClr val="FFFFFF"/>
+                </a:solidFill>
+              </a14:hiddenFill>
+            </a:ext>
+          </a:extLst>
+        </p:spPr>
+        <p:txBody>
+          <a:bodyPr vert="horz" wrap="square" lIns="91440" tIns="45720" rIns="91440" bIns="45720" numCol="1" anchor="t" anchorCtr="0" compatLnSpc="1">
+            <a:prstTxWarp prst="textNoShape">
+              <a:avLst/>
+            </a:prstTxWarp>
+          </a:bodyPr>
+          <a:lstStyle/>
+          <a:p>
+            <a:endParaRPr lang="en-CA"/>
+          </a:p>
+        </p:txBody>
+      </p:sp>
+      <p:sp>
+        <p:nvSpPr>
+          <p:cNvPr id="13" name="AutoShape 9" descr="Image result for aws S3 logo"/>
+          <p:cNvSpPr>
+            <a:spLocks noChangeAspect="1" noChangeArrowheads="1"/>
+          </p:cNvSpPr>
+          <p:nvPr/>
+        </p:nvSpPr>
+        <p:spPr bwMode="auto">
+          <a:xfrm>
+            <a:off x="612775" y="312737"/>
+            <a:ext cx="304800" cy="304801"/>
+          </a:xfrm>
+          <a:prstGeom prst="rect">
+            <a:avLst/>
+          </a:prstGeom>
+          <a:noFill/>
+          <a:extLst>
+            <a:ext uri="{909E8E84-426E-40DD-AFC4-6F175D3DCCD1}">
+              <a14:hiddenFill xmlns:a14="http://schemas.microsoft.com/office/drawing/2010/main">
+                <a:solidFill>
+                  <a:srgbClr val="FFFFFF"/>
+                </a:solidFill>
+              </a14:hiddenFill>
+            </a:ext>
+          </a:extLst>
+        </p:spPr>
+        <p:txBody>
+          <a:bodyPr vert="horz" wrap="square" lIns="91440" tIns="45720" rIns="91440" bIns="45720" numCol="1" anchor="t" anchorCtr="0" compatLnSpc="1">
+            <a:prstTxWarp prst="textNoShape">
+              <a:avLst/>
+            </a:prstTxWarp>
+          </a:bodyPr>
+          <a:lstStyle/>
+          <a:p>
+            <a:endParaRPr lang="en-CA"/>
+          </a:p>
+        </p:txBody>
+      </p:sp>
+      <p:sp>
+        <p:nvSpPr>
+          <p:cNvPr id="14" name="AutoShape 11" descr="Image result for aws S3 logo"/>
+          <p:cNvSpPr>
+            <a:spLocks noChangeAspect="1" noChangeArrowheads="1"/>
+          </p:cNvSpPr>
+          <p:nvPr/>
+        </p:nvSpPr>
+        <p:spPr bwMode="auto">
+          <a:xfrm>
+            <a:off x="765175" y="465137"/>
+            <a:ext cx="304800" cy="304801"/>
+          </a:xfrm>
+          <a:prstGeom prst="rect">
+            <a:avLst/>
+          </a:prstGeom>
+          <a:noFill/>
+          <a:extLst>
+            <a:ext uri="{909E8E84-426E-40DD-AFC4-6F175D3DCCD1}">
+              <a14:hiddenFill xmlns:a14="http://schemas.microsoft.com/office/drawing/2010/main">
+                <a:solidFill>
+                  <a:srgbClr val="FFFFFF"/>
+                </a:solidFill>
+              </a14:hiddenFill>
+            </a:ext>
+          </a:extLst>
+        </p:spPr>
+        <p:txBody>
+          <a:bodyPr vert="horz" wrap="square" lIns="91440" tIns="45720" rIns="91440" bIns="45720" numCol="1" anchor="t" anchorCtr="0" compatLnSpc="1">
+            <a:prstTxWarp prst="textNoShape">
+              <a:avLst/>
+            </a:prstTxWarp>
+          </a:bodyPr>
+          <a:lstStyle/>
+          <a:p>
+            <a:endParaRPr lang="en-CA"/>
+          </a:p>
+        </p:txBody>
+      </p:sp>
+      <p:pic>
+        <p:nvPicPr>
+          <p:cNvPr id="1037" name="Picture 13" descr="Image result for aws S3 logo"/>
+          <p:cNvPicPr>
+            <a:picLocks noChangeAspect="1" noChangeArrowheads="1"/>
+          </p:cNvPicPr>
+          <p:nvPr/>
+        </p:nvPicPr>
+        <p:blipFill rotWithShape="1">
+          <a:blip r:embed="rId2">
+            <a:extLst>
+              <a:ext uri="{28A0092B-C50C-407E-A947-70E740481C1C}">
+                <a14:useLocalDpi xmlns:a14="http://schemas.microsoft.com/office/drawing/2010/main" val="0"/>
+              </a:ext>
+            </a:extLst>
+          </a:blip>
+          <a:srcRect l="17099" r="17944"/>
+          <a:stretch/>
+        </p:blipFill>
+        <p:spPr bwMode="auto">
+          <a:xfrm>
+            <a:off x="607898" y="1847905"/>
+            <a:ext cx="1004189" cy="1069783"/>
+          </a:xfrm>
+          <a:prstGeom prst="rect">
+            <a:avLst/>
+          </a:prstGeom>
+          <a:noFill/>
+          <a:extLst>
+            <a:ext uri="{909E8E84-426E-40DD-AFC4-6F175D3DCCD1}">
+              <a14:hiddenFill xmlns:a14="http://schemas.microsoft.com/office/drawing/2010/main">
+                <a:solidFill>
+                  <a:srgbClr val="FFFFFF"/>
+                </a:solidFill>
+              </a14:hiddenFill>
+            </a:ext>
+          </a:extLst>
+        </p:spPr>
+      </p:pic>
+      <p:pic>
+        <p:nvPicPr>
+          <p:cNvPr id="1045" name="Picture 21" descr="\\officescchome9.office.adroot.bmogc.net\scc9userdata$\ydong05\Desktop\efsicon.png"/>
+          <p:cNvPicPr>
+            <a:picLocks noChangeAspect="1" noChangeArrowheads="1"/>
+          </p:cNvPicPr>
+          <p:nvPr/>
+        </p:nvPicPr>
+        <p:blipFill>
+          <a:blip r:embed="rId3">
+            <a:extLst>
+              <a:ext uri="{28A0092B-C50C-407E-A947-70E740481C1C}">
+                <a14:useLocalDpi xmlns:a14="http://schemas.microsoft.com/office/drawing/2010/main" val="0"/>
+              </a:ext>
+            </a:extLst>
+          </a:blip>
+          <a:srcRect/>
+          <a:stretch>
+            <a:fillRect/>
+          </a:stretch>
+        </p:blipFill>
+        <p:spPr bwMode="auto">
+          <a:xfrm>
+            <a:off x="6074083" y="1827410"/>
+            <a:ext cx="1149410" cy="1110774"/>
+          </a:xfrm>
+          <a:prstGeom prst="rect">
+            <a:avLst/>
+          </a:prstGeom>
+          <a:noFill/>
+          <a:extLst>
+            <a:ext uri="{909E8E84-426E-40DD-AFC4-6F175D3DCCD1}">
+              <a14:hiddenFill xmlns:a14="http://schemas.microsoft.com/office/drawing/2010/main">
+                <a:solidFill>
+                  <a:srgbClr val="FFFFFF"/>
+                </a:solidFill>
+              </a14:hiddenFill>
+            </a:ext>
+          </a:extLst>
+        </p:spPr>
+      </p:pic>
+      <p:pic>
+        <p:nvPicPr>
+          <p:cNvPr id="1047" name="Picture 23" descr="Image result for aws Glacier logo"/>
+          <p:cNvPicPr>
+            <a:picLocks noChangeAspect="1" noChangeArrowheads="1"/>
+          </p:cNvPicPr>
+          <p:nvPr/>
+        </p:nvPicPr>
+        <p:blipFill>
+          <a:blip r:embed="rId4">
+            <a:extLst>
+              <a:ext uri="{28A0092B-C50C-407E-A947-70E740481C1C}">
+                <a14:useLocalDpi xmlns:a14="http://schemas.microsoft.com/office/drawing/2010/main" val="0"/>
+              </a:ext>
+            </a:extLst>
+          </a:blip>
+          <a:srcRect/>
+          <a:stretch>
+            <a:fillRect/>
+          </a:stretch>
+        </p:blipFill>
+        <p:spPr bwMode="auto">
+          <a:xfrm>
+            <a:off x="442463" y="3926401"/>
+            <a:ext cx="1335061" cy="1335061"/>
+          </a:xfrm>
+          <a:prstGeom prst="rect">
+            <a:avLst/>
+          </a:prstGeom>
+          <a:noFill/>
+          <a:extLst>
+            <a:ext uri="{909E8E84-426E-40DD-AFC4-6F175D3DCCD1}">
+              <a14:hiddenFill xmlns:a14="http://schemas.microsoft.com/office/drawing/2010/main">
+                <a:solidFill>
+                  <a:srgbClr val="FFFFFF"/>
+                </a:solidFill>
+              </a14:hiddenFill>
+            </a:ext>
+          </a:extLst>
+        </p:spPr>
+      </p:pic>
+      <p:pic>
+        <p:nvPicPr>
+          <p:cNvPr id="1049" name="Picture 25" descr="Image result for aws storage gateway logo"/>
+          <p:cNvPicPr>
+            <a:picLocks noChangeAspect="1" noChangeArrowheads="1"/>
+          </p:cNvPicPr>
+          <p:nvPr/>
+        </p:nvPicPr>
+        <p:blipFill>
+          <a:blip r:embed="rId5">
+            <a:extLst>
+              <a:ext uri="{28A0092B-C50C-407E-A947-70E740481C1C}">
+                <a14:useLocalDpi xmlns:a14="http://schemas.microsoft.com/office/drawing/2010/main" val="0"/>
+              </a:ext>
+            </a:extLst>
+          </a:blip>
+          <a:srcRect/>
+          <a:stretch>
+            <a:fillRect/>
+          </a:stretch>
+        </p:blipFill>
+        <p:spPr bwMode="auto">
+          <a:xfrm>
+            <a:off x="6306795" y="4119073"/>
+            <a:ext cx="949718" cy="949718"/>
+          </a:xfrm>
+          <a:prstGeom prst="rect">
+            <a:avLst/>
+          </a:prstGeom>
+          <a:noFill/>
+          <a:extLst>
+            <a:ext uri="{909E8E84-426E-40DD-AFC4-6F175D3DCCD1}">
+              <a14:hiddenFill xmlns:a14="http://schemas.microsoft.com/office/drawing/2010/main">
+                <a:solidFill>
+                  <a:srgbClr val="FFFFFF"/>
+                </a:solidFill>
+              </a14:hiddenFill>
+            </a:ext>
+          </a:extLst>
+        </p:spPr>
+      </p:pic>
+    </p:spTree>
+    <p:extLst>
+      <p:ext uri="{BB962C8B-B14F-4D97-AF65-F5344CB8AC3E}">
+        <p14:creationId xmlns:p14="http://schemas.microsoft.com/office/powerpoint/2010/main" val="3835654204"/>
+      </p:ext>
+    </p:extLst>
+  </p:cSld>
+  <p:clrMapOvr>
+    <a:masterClrMapping/>
+  </p:clrMapOvr>
+</p:sld>
+</file>
+
+<file path=ppt/slides/slide26.xml><?xml version="1.0" encoding="utf-8"?>
+<p:sld xmlns:a="http://schemas.openxmlformats.org/drawingml/2006/main" xmlns:r="http://schemas.openxmlformats.org/officeDocument/2006/relationships" xmlns:p="http://schemas.openxmlformats.org/presentationml/2006/main">
+  <p:cSld>
+    <p:spTree>
+      <p:nvGrpSpPr>
+        <p:cNvPr id="1" name=""/>
+        <p:cNvGrpSpPr/>
+        <p:nvPr/>
+      </p:nvGrpSpPr>
+      <p:grpSpPr>
+        <a:xfrm>
+          <a:off x="0" y="0"/>
+          <a:ext cx="0" cy="0"/>
+          <a:chOff x="0" y="0"/>
+          <a:chExt cx="0" cy="0"/>
+        </a:xfrm>
+      </p:grpSpPr>
+      <p:sp>
+        <p:nvSpPr>
+          <p:cNvPr id="2" name="Title 1"/>
+          <p:cNvSpPr>
+            <a:spLocks noGrp="1"/>
+          </p:cNvSpPr>
+          <p:nvPr>
+            <p:ph type="title"/>
+          </p:nvPr>
+        </p:nvSpPr>
+        <p:spPr/>
+        <p:txBody>
+          <a:bodyPr/>
+          <a:lstStyle/>
+          <a:p>
+            <a:r>
+              <a:rPr lang="en-CA" dirty="0" smtClean="0"/>
+              <a:t>Database</a:t>
+            </a:r>
+            <a:endParaRPr lang="en-CA" dirty="0"/>
+          </a:p>
+        </p:txBody>
+      </p:sp>
+      <p:sp>
+        <p:nvSpPr>
+          <p:cNvPr id="4" name="Footer Placeholder 3"/>
+          <p:cNvSpPr>
+            <a:spLocks noGrp="1"/>
+          </p:cNvSpPr>
+          <p:nvPr>
+            <p:ph type="ftr" sz="quarter" idx="11"/>
+          </p:nvPr>
+        </p:nvSpPr>
+        <p:spPr/>
+        <p:txBody>
+          <a:bodyPr/>
+          <a:lstStyle/>
+          <a:p>
+            <a:r>
+              <a:rPr lang="en-US" smtClean="0"/>
+              <a:t>aws101</a:t>
+            </a:r>
+            <a:endParaRPr lang="en-US" dirty="0"/>
+          </a:p>
+        </p:txBody>
+      </p:sp>
+      <p:sp>
+        <p:nvSpPr>
+          <p:cNvPr id="5" name="Slide Number Placeholder 4"/>
+          <p:cNvSpPr>
+            <a:spLocks noGrp="1"/>
+          </p:cNvSpPr>
+          <p:nvPr>
+            <p:ph type="sldNum" sz="quarter" idx="12"/>
+          </p:nvPr>
+        </p:nvSpPr>
+        <p:spPr/>
+        <p:txBody>
+          <a:bodyPr/>
+          <a:lstStyle/>
+          <a:p>
+            <a:fld id="{6D22F896-40B5-4ADD-8801-0D06FADFA095}" type="slidenum">
+              <a:rPr lang="en-US" smtClean="0"/>
+              <a:t>26</a:t>
+            </a:fld>
+            <a:endParaRPr lang="en-US" dirty="0"/>
+          </a:p>
+        </p:txBody>
+      </p:sp>
+      <p:sp>
+        <p:nvSpPr>
+          <p:cNvPr id="6" name="TextBox 5"/>
+          <p:cNvSpPr txBox="1"/>
+          <p:nvPr/>
+        </p:nvSpPr>
+        <p:spPr>
+          <a:xfrm>
+            <a:off x="1643743" y="1731059"/>
+            <a:ext cx="4201886" cy="2585323"/>
+          </a:xfrm>
+          <a:prstGeom prst="rect">
+            <a:avLst/>
+          </a:prstGeom>
+          <a:noFill/>
+        </p:spPr>
+        <p:txBody>
+          <a:bodyPr wrap="square" rtlCol="0">
+            <a:spAutoFit/>
+          </a:bodyPr>
+          <a:lstStyle/>
+          <a:p>
+            <a:r>
+              <a:rPr lang="en-CA" dirty="0" smtClean="0"/>
+              <a:t>RDS - </a:t>
+            </a:r>
+            <a:r>
+              <a:rPr lang="en-US" dirty="0"/>
+              <a:t>Amazon Relational Database Service (Amazon RDS) is a web service that makes it easier to set up, operate, and scale a relational database in the cloud. It provides cost-efficient, </a:t>
+            </a:r>
+            <a:r>
+              <a:rPr lang="en-US" dirty="0" err="1"/>
+              <a:t>resizeable</a:t>
+            </a:r>
+            <a:r>
+              <a:rPr lang="en-US" dirty="0"/>
+              <a:t> capacity for an industry-standard relational database and manages common database administration tasks.</a:t>
+            </a:r>
+            <a:endParaRPr lang="en-CA" dirty="0"/>
+          </a:p>
+        </p:txBody>
+      </p:sp>
+      <p:sp>
+        <p:nvSpPr>
+          <p:cNvPr id="7" name="TextBox 6"/>
+          <p:cNvSpPr txBox="1"/>
+          <p:nvPr/>
+        </p:nvSpPr>
+        <p:spPr>
+          <a:xfrm>
+            <a:off x="7249887" y="1731059"/>
+            <a:ext cx="4539342" cy="2031325"/>
+          </a:xfrm>
+          <a:prstGeom prst="rect">
+            <a:avLst/>
+          </a:prstGeom>
+          <a:noFill/>
+        </p:spPr>
+        <p:txBody>
+          <a:bodyPr wrap="square" rtlCol="0">
+            <a:spAutoFit/>
+          </a:bodyPr>
+          <a:lstStyle/>
+          <a:p>
+            <a:r>
+              <a:rPr lang="en-CA" dirty="0" err="1" smtClean="0"/>
+              <a:t>DynamoDB</a:t>
+            </a:r>
+            <a:r>
+              <a:rPr lang="en-CA" dirty="0" smtClean="0"/>
+              <a:t> - </a:t>
+            </a:r>
+            <a:r>
+              <a:rPr lang="en-US" dirty="0"/>
+              <a:t>Amazon </a:t>
+            </a:r>
+            <a:r>
+              <a:rPr lang="en-US" dirty="0" err="1"/>
+              <a:t>DynamoDB</a:t>
+            </a:r>
+            <a:r>
+              <a:rPr lang="en-US" dirty="0"/>
+              <a:t> is a fast and flexible </a:t>
+            </a:r>
+            <a:r>
+              <a:rPr lang="en-US" dirty="0" smtClean="0"/>
+              <a:t>NoSQL Database </a:t>
+            </a:r>
+            <a:r>
+              <a:rPr lang="en-US" dirty="0"/>
+              <a:t> service for all applications that need consistent, single-digit millisecond latency at any scale. It is a fully managed cloud database and supports both document and key-value store models.</a:t>
+            </a:r>
+            <a:endParaRPr lang="en-CA" dirty="0"/>
+          </a:p>
+        </p:txBody>
+      </p:sp>
+      <p:sp>
+        <p:nvSpPr>
+          <p:cNvPr id="8" name="TextBox 7"/>
+          <p:cNvSpPr txBox="1"/>
+          <p:nvPr/>
+        </p:nvSpPr>
+        <p:spPr>
+          <a:xfrm>
+            <a:off x="1687286" y="4549369"/>
+            <a:ext cx="4114800" cy="1477328"/>
+          </a:xfrm>
+          <a:prstGeom prst="rect">
+            <a:avLst/>
+          </a:prstGeom>
+          <a:noFill/>
+        </p:spPr>
+        <p:txBody>
+          <a:bodyPr wrap="square" rtlCol="0">
+            <a:spAutoFit/>
+          </a:bodyPr>
+          <a:lstStyle/>
+          <a:p>
+            <a:r>
+              <a:rPr lang="en-CA" dirty="0" err="1" smtClean="0"/>
+              <a:t>ElasticCache</a:t>
+            </a:r>
+            <a:r>
+              <a:rPr lang="en-CA" dirty="0" smtClean="0"/>
+              <a:t> - </a:t>
+            </a:r>
+            <a:r>
+              <a:rPr lang="en-US" dirty="0" err="1"/>
+              <a:t>ElastiCache</a:t>
+            </a:r>
+            <a:r>
+              <a:rPr lang="en-US" dirty="0"/>
+              <a:t> is a web service that makes it easier to launch,</a:t>
+            </a:r>
+          </a:p>
+          <a:p>
+            <a:r>
+              <a:rPr lang="en-US" dirty="0"/>
+              <a:t>manage, and scale a distributed in-memory cache in the cloud.</a:t>
+            </a:r>
+          </a:p>
+          <a:p>
+            <a:endParaRPr lang="en-CA" dirty="0"/>
+          </a:p>
+        </p:txBody>
+      </p:sp>
+      <p:sp>
+        <p:nvSpPr>
+          <p:cNvPr id="9" name="TextBox 8"/>
+          <p:cNvSpPr txBox="1"/>
+          <p:nvPr/>
+        </p:nvSpPr>
+        <p:spPr>
+          <a:xfrm>
+            <a:off x="7249887" y="4491435"/>
+            <a:ext cx="4157231" cy="1754326"/>
+          </a:xfrm>
+          <a:prstGeom prst="rect">
+            <a:avLst/>
+          </a:prstGeom>
+          <a:noFill/>
+        </p:spPr>
+        <p:txBody>
+          <a:bodyPr wrap="square" rtlCol="0">
+            <a:spAutoFit/>
+          </a:bodyPr>
+          <a:lstStyle/>
+          <a:p>
+            <a:r>
+              <a:rPr lang="en-CA" dirty="0" smtClean="0"/>
+              <a:t>Redshift - </a:t>
+            </a:r>
+            <a:r>
+              <a:rPr lang="en-US" dirty="0"/>
+              <a:t>Amazon Redshift is a fast, fully managed, petabyte-scale </a:t>
+            </a:r>
+            <a:r>
+              <a:rPr lang="en-US" dirty="0" smtClean="0"/>
+              <a:t>data warehouse </a:t>
+            </a:r>
+            <a:r>
+              <a:rPr lang="en-US" dirty="0"/>
+              <a:t> that makes it simple and cost-effective to analyze all your data using your existing business intelligence tools.</a:t>
+            </a:r>
+            <a:endParaRPr lang="en-CA" dirty="0"/>
+          </a:p>
+        </p:txBody>
+      </p:sp>
+      <p:pic>
+        <p:nvPicPr>
+          <p:cNvPr id="2050" name="Picture 2" descr="Image result for aws rds logo"/>
+          <p:cNvPicPr>
+            <a:picLocks noChangeAspect="1" noChangeArrowheads="1"/>
+          </p:cNvPicPr>
+          <p:nvPr/>
+        </p:nvPicPr>
+        <p:blipFill>
+          <a:blip r:embed="rId2">
+            <a:extLst>
+              <a:ext uri="{28A0092B-C50C-407E-A947-70E740481C1C}">
+                <a14:useLocalDpi xmlns:a14="http://schemas.microsoft.com/office/drawing/2010/main" val="0"/>
+              </a:ext>
+            </a:extLst>
+          </a:blip>
+          <a:srcRect/>
+          <a:stretch>
+            <a:fillRect/>
+          </a:stretch>
+        </p:blipFill>
+        <p:spPr bwMode="auto">
+          <a:xfrm>
+            <a:off x="665614" y="1751244"/>
+            <a:ext cx="845914" cy="845914"/>
+          </a:xfrm>
+          <a:prstGeom prst="rect">
+            <a:avLst/>
+          </a:prstGeom>
+          <a:noFill/>
+          <a:extLst>
+            <a:ext uri="{909E8E84-426E-40DD-AFC4-6F175D3DCCD1}">
+              <a14:hiddenFill xmlns:a14="http://schemas.microsoft.com/office/drawing/2010/main">
+                <a:solidFill>
+                  <a:srgbClr val="FFFFFF"/>
+                </a:solidFill>
+              </a14:hiddenFill>
+            </a:ext>
+          </a:extLst>
+        </p:spPr>
+      </p:pic>
+      <p:sp>
+        <p:nvSpPr>
+          <p:cNvPr id="10" name="AutoShape 4" descr="Image result for aws dynamodb logo"/>
+          <p:cNvSpPr>
+            <a:spLocks noChangeAspect="1" noChangeArrowheads="1"/>
+          </p:cNvSpPr>
+          <p:nvPr/>
+        </p:nvSpPr>
+        <p:spPr bwMode="auto">
+          <a:xfrm>
+            <a:off x="155575" y="-144463"/>
+            <a:ext cx="304800" cy="304801"/>
+          </a:xfrm>
+          <a:prstGeom prst="rect">
+            <a:avLst/>
+          </a:prstGeom>
+          <a:noFill/>
+          <a:extLst>
+            <a:ext uri="{909E8E84-426E-40DD-AFC4-6F175D3DCCD1}">
+              <a14:hiddenFill xmlns:a14="http://schemas.microsoft.com/office/drawing/2010/main">
+                <a:solidFill>
+                  <a:srgbClr val="FFFFFF"/>
+                </a:solidFill>
+              </a14:hiddenFill>
+            </a:ext>
+          </a:extLst>
+        </p:spPr>
+        <p:txBody>
+          <a:bodyPr vert="horz" wrap="square" lIns="91440" tIns="45720" rIns="91440" bIns="45720" numCol="1" anchor="t" anchorCtr="0" compatLnSpc="1">
+            <a:prstTxWarp prst="textNoShape">
+              <a:avLst/>
+            </a:prstTxWarp>
+          </a:bodyPr>
+          <a:lstStyle/>
+          <a:p>
+            <a:endParaRPr lang="en-CA"/>
+          </a:p>
+        </p:txBody>
+      </p:sp>
+      <p:pic>
+        <p:nvPicPr>
+          <p:cNvPr id="2054" name="Picture 6" descr="Related image"/>
+          <p:cNvPicPr>
+            <a:picLocks noChangeAspect="1" noChangeArrowheads="1"/>
+          </p:cNvPicPr>
+          <p:nvPr/>
+        </p:nvPicPr>
+        <p:blipFill>
+          <a:blip r:embed="rId3">
+            <a:extLst>
+              <a:ext uri="{28A0092B-C50C-407E-A947-70E740481C1C}">
+                <a14:useLocalDpi xmlns:a14="http://schemas.microsoft.com/office/drawing/2010/main" val="0"/>
+              </a:ext>
+            </a:extLst>
+          </a:blip>
+          <a:srcRect/>
+          <a:stretch>
+            <a:fillRect/>
+          </a:stretch>
+        </p:blipFill>
+        <p:spPr bwMode="auto">
+          <a:xfrm>
+            <a:off x="6044397" y="1751244"/>
+            <a:ext cx="1205490" cy="855898"/>
+          </a:xfrm>
+          <a:prstGeom prst="rect">
+            <a:avLst/>
+          </a:prstGeom>
+          <a:noFill/>
+          <a:extLst>
+            <a:ext uri="{909E8E84-426E-40DD-AFC4-6F175D3DCCD1}">
+              <a14:hiddenFill xmlns:a14="http://schemas.microsoft.com/office/drawing/2010/main">
+                <a:solidFill>
+                  <a:srgbClr val="FFFFFF"/>
+                </a:solidFill>
+              </a14:hiddenFill>
+            </a:ext>
+          </a:extLst>
+        </p:spPr>
+      </p:pic>
+      <p:pic>
+        <p:nvPicPr>
+          <p:cNvPr id="2056" name="Picture 8" descr="Image result for aws elasticache logo"/>
+          <p:cNvPicPr>
+            <a:picLocks noChangeAspect="1" noChangeArrowheads="1"/>
+          </p:cNvPicPr>
+          <p:nvPr/>
+        </p:nvPicPr>
+        <p:blipFill>
+          <a:blip r:embed="rId4">
+            <a:extLst>
+              <a:ext uri="{28A0092B-C50C-407E-A947-70E740481C1C}">
+                <a14:useLocalDpi xmlns:a14="http://schemas.microsoft.com/office/drawing/2010/main" val="0"/>
+              </a:ext>
+            </a:extLst>
+          </a:blip>
+          <a:srcRect/>
+          <a:stretch>
+            <a:fillRect/>
+          </a:stretch>
+        </p:blipFill>
+        <p:spPr bwMode="auto">
+          <a:xfrm>
+            <a:off x="548431" y="4491435"/>
+            <a:ext cx="1080279" cy="1080279"/>
+          </a:xfrm>
+          <a:prstGeom prst="rect">
+            <a:avLst/>
+          </a:prstGeom>
+          <a:noFill/>
+          <a:extLst>
+            <a:ext uri="{909E8E84-426E-40DD-AFC4-6F175D3DCCD1}">
+              <a14:hiddenFill xmlns:a14="http://schemas.microsoft.com/office/drawing/2010/main">
+                <a:solidFill>
+                  <a:srgbClr val="FFFFFF"/>
+                </a:solidFill>
+              </a14:hiddenFill>
+            </a:ext>
+          </a:extLst>
+        </p:spPr>
+      </p:pic>
+      <p:pic>
+        <p:nvPicPr>
+          <p:cNvPr id="2058" name="Picture 10" descr="Image result for aws redshift logo"/>
+          <p:cNvPicPr>
+            <a:picLocks noChangeAspect="1" noChangeArrowheads="1"/>
+          </p:cNvPicPr>
+          <p:nvPr/>
+        </p:nvPicPr>
+        <p:blipFill>
+          <a:blip r:embed="rId5">
+            <a:extLst>
+              <a:ext uri="{28A0092B-C50C-407E-A947-70E740481C1C}">
+                <a14:useLocalDpi xmlns:a14="http://schemas.microsoft.com/office/drawing/2010/main" val="0"/>
+              </a:ext>
+            </a:extLst>
+          </a:blip>
+          <a:srcRect/>
+          <a:stretch>
+            <a:fillRect/>
+          </a:stretch>
+        </p:blipFill>
+        <p:spPr bwMode="auto">
+          <a:xfrm>
+            <a:off x="5912658" y="4316382"/>
+            <a:ext cx="1468968" cy="1468968"/>
+          </a:xfrm>
+          <a:prstGeom prst="rect">
+            <a:avLst/>
+          </a:prstGeom>
+          <a:noFill/>
+          <a:extLst>
+            <a:ext uri="{909E8E84-426E-40DD-AFC4-6F175D3DCCD1}">
+              <a14:hiddenFill xmlns:a14="http://schemas.microsoft.com/office/drawing/2010/main">
+                <a:solidFill>
+                  <a:srgbClr val="FFFFFF"/>
+                </a:solidFill>
+              </a14:hiddenFill>
+            </a:ext>
+          </a:extLst>
+        </p:spPr>
+      </p:pic>
+    </p:spTree>
+    <p:extLst>
+      <p:ext uri="{BB962C8B-B14F-4D97-AF65-F5344CB8AC3E}">
+        <p14:creationId xmlns:p14="http://schemas.microsoft.com/office/powerpoint/2010/main" val="1025542889"/>
+      </p:ext>
+    </p:extLst>
+  </p:cSld>
+  <p:clrMapOvr>
+    <a:masterClrMapping/>
+  </p:clrMapOvr>
+</p:sld>
+</file>
+
+<file path=ppt/slides/slide27.xml><?xml version="1.0" encoding="utf-8"?>
+<p:sld xmlns:a="http://schemas.openxmlformats.org/drawingml/2006/main" xmlns:r="http://schemas.openxmlformats.org/officeDocument/2006/relationships" xmlns:p="http://schemas.openxmlformats.org/presentationml/2006/main">
+  <p:cSld>
+    <p:spTree>
+      <p:nvGrpSpPr>
+        <p:cNvPr id="1" name=""/>
+        <p:cNvGrpSpPr/>
+        <p:nvPr/>
+      </p:nvGrpSpPr>
+      <p:grpSpPr>
+        <a:xfrm>
+          <a:off x="0" y="0"/>
+          <a:ext cx="0" cy="0"/>
+          <a:chOff x="0" y="0"/>
+          <a:chExt cx="0" cy="0"/>
+        </a:xfrm>
+      </p:grpSpPr>
+      <p:sp>
+        <p:nvSpPr>
+          <p:cNvPr id="2" name="Title 1"/>
+          <p:cNvSpPr>
+            <a:spLocks noGrp="1"/>
+          </p:cNvSpPr>
+          <p:nvPr>
+            <p:ph type="title"/>
+          </p:nvPr>
+        </p:nvSpPr>
+        <p:spPr/>
+        <p:txBody>
+          <a:bodyPr/>
+          <a:lstStyle/>
+          <a:p>
+            <a:r>
+              <a:rPr lang="en-CA" dirty="0" smtClean="0"/>
+              <a:t>Migration</a:t>
+            </a:r>
+            <a:endParaRPr lang="en-CA" dirty="0"/>
+          </a:p>
+        </p:txBody>
+      </p:sp>
+      <p:sp>
+        <p:nvSpPr>
+          <p:cNvPr id="4" name="Footer Placeholder 3"/>
+          <p:cNvSpPr>
+            <a:spLocks noGrp="1"/>
+          </p:cNvSpPr>
+          <p:nvPr>
+            <p:ph type="ftr" sz="quarter" idx="11"/>
+          </p:nvPr>
+        </p:nvSpPr>
+        <p:spPr/>
+        <p:txBody>
+          <a:bodyPr/>
+          <a:lstStyle/>
+          <a:p>
+            <a:r>
+              <a:rPr lang="en-US" smtClean="0"/>
+              <a:t>aws101</a:t>
+            </a:r>
+            <a:endParaRPr lang="en-US" dirty="0"/>
+          </a:p>
+        </p:txBody>
+      </p:sp>
+      <p:sp>
+        <p:nvSpPr>
+          <p:cNvPr id="5" name="Slide Number Placeholder 4"/>
+          <p:cNvSpPr>
+            <a:spLocks noGrp="1"/>
+          </p:cNvSpPr>
+          <p:nvPr>
+            <p:ph type="sldNum" sz="quarter" idx="12"/>
+          </p:nvPr>
+        </p:nvSpPr>
+        <p:spPr/>
+        <p:txBody>
+          <a:bodyPr/>
+          <a:lstStyle/>
+          <a:p>
+            <a:fld id="{6D22F896-40B5-4ADD-8801-0D06FADFA095}" type="slidenum">
+              <a:rPr lang="en-US" smtClean="0"/>
+              <a:t>27</a:t>
+            </a:fld>
+            <a:endParaRPr lang="en-US" dirty="0"/>
+          </a:p>
+        </p:txBody>
+      </p:sp>
+      <p:sp>
+        <p:nvSpPr>
+          <p:cNvPr id="6" name="TextBox 5"/>
+          <p:cNvSpPr txBox="1"/>
+          <p:nvPr/>
+        </p:nvSpPr>
+        <p:spPr>
+          <a:xfrm>
+            <a:off x="1643743" y="1731059"/>
+            <a:ext cx="4201886" cy="2308324"/>
+          </a:xfrm>
+          <a:prstGeom prst="rect">
+            <a:avLst/>
+          </a:prstGeom>
+          <a:noFill/>
+        </p:spPr>
+        <p:txBody>
+          <a:bodyPr wrap="square" rtlCol="0">
+            <a:spAutoFit/>
+          </a:bodyPr>
+          <a:lstStyle/>
+          <a:p>
+            <a:r>
+              <a:rPr lang="en-US" dirty="0" smtClean="0"/>
+              <a:t>Application </a:t>
+            </a:r>
+            <a:r>
+              <a:rPr lang="en-US" dirty="0"/>
+              <a:t>Discovery Service </a:t>
+            </a:r>
+            <a:r>
+              <a:rPr lang="en-US" dirty="0" smtClean="0"/>
+              <a:t>- helps </a:t>
+            </a:r>
+            <a:r>
+              <a:rPr lang="en-US" dirty="0"/>
+              <a:t>Systems Integrators quickly and reliably plan application migration projects by automatically identifying applications running in on-premises data centers, their associated dependencies, and their performance profile.</a:t>
+            </a:r>
+            <a:endParaRPr lang="en-CA" b="1" dirty="0"/>
+          </a:p>
+        </p:txBody>
+      </p:sp>
+      <p:sp>
+        <p:nvSpPr>
+          <p:cNvPr id="7" name="TextBox 6"/>
+          <p:cNvSpPr txBox="1"/>
+          <p:nvPr/>
+        </p:nvSpPr>
+        <p:spPr>
+          <a:xfrm>
+            <a:off x="7249886" y="1731059"/>
+            <a:ext cx="4675413" cy="2585323"/>
+          </a:xfrm>
+          <a:prstGeom prst="rect">
+            <a:avLst/>
+          </a:prstGeom>
+          <a:noFill/>
+        </p:spPr>
+        <p:txBody>
+          <a:bodyPr wrap="square" rtlCol="0">
+            <a:spAutoFit/>
+          </a:bodyPr>
+          <a:lstStyle/>
+          <a:p>
+            <a:r>
+              <a:rPr lang="en-CA" dirty="0" smtClean="0"/>
+              <a:t>DMS - </a:t>
+            </a:r>
+            <a:r>
+              <a:rPr lang="en-US" dirty="0"/>
+              <a:t>AWS Database Migration Service helps you migrate databases to AWS easily and securely. The source database remains fully operational during the migration, minimizing downtime to applications that rely on the database. The AWS Database Migration Service can migrate your data to and from most widely used commercial and open-source databases.</a:t>
+            </a:r>
+            <a:endParaRPr lang="en-CA" dirty="0"/>
+          </a:p>
+        </p:txBody>
+      </p:sp>
+      <p:sp>
+        <p:nvSpPr>
+          <p:cNvPr id="8" name="TextBox 7"/>
+          <p:cNvSpPr txBox="1"/>
+          <p:nvPr/>
+        </p:nvSpPr>
+        <p:spPr>
+          <a:xfrm>
+            <a:off x="1643743" y="4491435"/>
+            <a:ext cx="4357111" cy="1477328"/>
+          </a:xfrm>
+          <a:prstGeom prst="rect">
+            <a:avLst/>
+          </a:prstGeom>
+          <a:noFill/>
+        </p:spPr>
+        <p:txBody>
+          <a:bodyPr wrap="square" rtlCol="0">
+            <a:spAutoFit/>
+          </a:bodyPr>
+          <a:lstStyle/>
+          <a:p>
+            <a:r>
+              <a:rPr lang="en-CA" dirty="0" smtClean="0"/>
+              <a:t>SMS - </a:t>
+            </a:r>
+            <a:r>
+              <a:rPr lang="en-US" dirty="0"/>
+              <a:t>AWS Server Migration Service (SMS) is an agentless service which makes it easier and faster for you to migrate thousands of on-premises workloads to AWS. </a:t>
+            </a:r>
+            <a:endParaRPr lang="en-CA" dirty="0"/>
+          </a:p>
+        </p:txBody>
+      </p:sp>
+      <p:sp>
+        <p:nvSpPr>
+          <p:cNvPr id="9" name="TextBox 8"/>
+          <p:cNvSpPr txBox="1"/>
+          <p:nvPr/>
+        </p:nvSpPr>
+        <p:spPr>
+          <a:xfrm>
+            <a:off x="7249887" y="4491435"/>
+            <a:ext cx="4157231" cy="1200329"/>
+          </a:xfrm>
+          <a:prstGeom prst="rect">
+            <a:avLst/>
+          </a:prstGeom>
+          <a:noFill/>
+        </p:spPr>
+        <p:txBody>
+          <a:bodyPr wrap="square" rtlCol="0">
+            <a:spAutoFit/>
+          </a:bodyPr>
+          <a:lstStyle/>
+          <a:p>
+            <a:r>
+              <a:rPr lang="en-US" dirty="0"/>
+              <a:t>Snowball is a petabyte-scale data transport solution that uses secure appliances to transfer large amounts of data into and out of the AWS cloud.</a:t>
+            </a:r>
+            <a:endParaRPr lang="en-CA" dirty="0"/>
+          </a:p>
+        </p:txBody>
+      </p:sp>
+      <p:sp>
+        <p:nvSpPr>
+          <p:cNvPr id="10" name="AutoShape 4" descr="Image result for aws dynamodb logo"/>
+          <p:cNvSpPr>
+            <a:spLocks noChangeAspect="1" noChangeArrowheads="1"/>
+          </p:cNvSpPr>
+          <p:nvPr/>
+        </p:nvSpPr>
+        <p:spPr bwMode="auto">
+          <a:xfrm>
+            <a:off x="155575" y="-144463"/>
+            <a:ext cx="304800" cy="304801"/>
+          </a:xfrm>
+          <a:prstGeom prst="rect">
+            <a:avLst/>
+          </a:prstGeom>
+          <a:noFill/>
+          <a:extLst>
+            <a:ext uri="{909E8E84-426E-40DD-AFC4-6F175D3DCCD1}">
+              <a14:hiddenFill xmlns:a14="http://schemas.microsoft.com/office/drawing/2010/main">
+                <a:solidFill>
+                  <a:srgbClr val="FFFFFF"/>
+                </a:solidFill>
+              </a14:hiddenFill>
+            </a:ext>
+          </a:extLst>
+        </p:spPr>
+        <p:txBody>
+          <a:bodyPr vert="horz" wrap="square" lIns="91440" tIns="45720" rIns="91440" bIns="45720" numCol="1" anchor="t" anchorCtr="0" compatLnSpc="1">
+            <a:prstTxWarp prst="textNoShape">
+              <a:avLst/>
+            </a:prstTxWarp>
+          </a:bodyPr>
+          <a:lstStyle/>
+          <a:p>
+            <a:endParaRPr lang="en-CA"/>
+          </a:p>
+        </p:txBody>
+      </p:sp>
+      <p:pic>
+        <p:nvPicPr>
+          <p:cNvPr id="3074" name="Picture 2" descr="\\officescchome9.office.adroot.bmogc.net\scc9userdata$\ydong05\Desktop\ApplicationDiscoveryService_MCV3_Benefit_DiscoverInventory.png"/>
+          <p:cNvPicPr>
+            <a:picLocks noChangeAspect="1" noChangeArrowheads="1"/>
+          </p:cNvPicPr>
+          <p:nvPr/>
+        </p:nvPicPr>
+        <p:blipFill>
+          <a:blip r:embed="rId2">
+            <a:extLst>
+              <a:ext uri="{28A0092B-C50C-407E-A947-70E740481C1C}">
+                <a14:useLocalDpi xmlns:a14="http://schemas.microsoft.com/office/drawing/2010/main" val="0"/>
+              </a:ext>
+            </a:extLst>
+          </a:blip>
+          <a:srcRect/>
+          <a:stretch>
+            <a:fillRect/>
+          </a:stretch>
+        </p:blipFill>
+        <p:spPr bwMode="auto">
+          <a:xfrm>
+            <a:off x="175903" y="1695357"/>
+            <a:ext cx="1452807" cy="1089605"/>
+          </a:xfrm>
+          <a:prstGeom prst="rect">
+            <a:avLst/>
+          </a:prstGeom>
+          <a:noFill/>
+          <a:extLst>
+            <a:ext uri="{909E8E84-426E-40DD-AFC4-6F175D3DCCD1}">
+              <a14:hiddenFill xmlns:a14="http://schemas.microsoft.com/office/drawing/2010/main">
+                <a:solidFill>
+                  <a:srgbClr val="FFFFFF"/>
+                </a:solidFill>
+              </a14:hiddenFill>
+            </a:ext>
+          </a:extLst>
+        </p:spPr>
+      </p:pic>
+      <p:pic>
+        <p:nvPicPr>
+          <p:cNvPr id="3076" name="Picture 4" descr="Related image"/>
+          <p:cNvPicPr>
+            <a:picLocks noChangeAspect="1" noChangeArrowheads="1"/>
+          </p:cNvPicPr>
+          <p:nvPr/>
+        </p:nvPicPr>
+        <p:blipFill>
+          <a:blip r:embed="rId3">
+            <a:extLst>
+              <a:ext uri="{28A0092B-C50C-407E-A947-70E740481C1C}">
+                <a14:useLocalDpi xmlns:a14="http://schemas.microsoft.com/office/drawing/2010/main" val="0"/>
+              </a:ext>
+            </a:extLst>
+          </a:blip>
+          <a:srcRect/>
+          <a:stretch>
+            <a:fillRect/>
+          </a:stretch>
+        </p:blipFill>
+        <p:spPr bwMode="auto">
+          <a:xfrm>
+            <a:off x="5985821" y="1695357"/>
+            <a:ext cx="1323160" cy="955616"/>
+          </a:xfrm>
+          <a:prstGeom prst="rect">
+            <a:avLst/>
+          </a:prstGeom>
+          <a:noFill/>
+          <a:extLst>
+            <a:ext uri="{909E8E84-426E-40DD-AFC4-6F175D3DCCD1}">
+              <a14:hiddenFill xmlns:a14="http://schemas.microsoft.com/office/drawing/2010/main">
+                <a:solidFill>
+                  <a:srgbClr val="FFFFFF"/>
+                </a:solidFill>
+              </a14:hiddenFill>
+            </a:ext>
+          </a:extLst>
+        </p:spPr>
+      </p:pic>
+      <p:pic>
+        <p:nvPicPr>
+          <p:cNvPr id="3080" name="Picture 8" descr="https://image.slidesharecdn.com/706wed1600ent312-161226235029/95/aws-reinvent-2016-develop-your-migration-toolkit-ent312-19-638.jpg?cb=1482796367"/>
+          <p:cNvPicPr>
+            <a:picLocks noChangeAspect="1" noChangeArrowheads="1"/>
+          </p:cNvPicPr>
+          <p:nvPr/>
+        </p:nvPicPr>
+        <p:blipFill rotWithShape="1">
+          <a:blip r:embed="rId4">
+            <a:extLst>
+              <a:ext uri="{28A0092B-C50C-407E-A947-70E740481C1C}">
+                <a14:useLocalDpi xmlns:a14="http://schemas.microsoft.com/office/drawing/2010/main" val="0"/>
+              </a:ext>
+            </a:extLst>
+          </a:blip>
+          <a:srcRect l="52298" t="67671" r="38650" b="14571"/>
+          <a:stretch/>
+        </p:blipFill>
+        <p:spPr bwMode="auto">
+          <a:xfrm>
+            <a:off x="373989" y="4505401"/>
+            <a:ext cx="975519" cy="1076870"/>
+          </a:xfrm>
+          <a:prstGeom prst="rect">
+            <a:avLst/>
+          </a:prstGeom>
+          <a:noFill/>
+          <a:extLst>
+            <a:ext uri="{909E8E84-426E-40DD-AFC4-6F175D3DCCD1}">
+              <a14:hiddenFill xmlns:a14="http://schemas.microsoft.com/office/drawing/2010/main">
+                <a:solidFill>
+                  <a:srgbClr val="FFFFFF"/>
+                </a:solidFill>
+              </a14:hiddenFill>
+            </a:ext>
+          </a:extLst>
+        </p:spPr>
+      </p:pic>
+      <p:pic>
+        <p:nvPicPr>
+          <p:cNvPr id="3082" name="Picture 10" descr="Image result for AWS snowball logo"/>
+          <p:cNvPicPr>
+            <a:picLocks noChangeAspect="1" noChangeArrowheads="1"/>
+          </p:cNvPicPr>
+          <p:nvPr/>
+        </p:nvPicPr>
+        <p:blipFill rotWithShape="1">
+          <a:blip r:embed="rId5">
+            <a:extLst>
+              <a:ext uri="{28A0092B-C50C-407E-A947-70E740481C1C}">
+                <a14:useLocalDpi xmlns:a14="http://schemas.microsoft.com/office/drawing/2010/main" val="0"/>
+              </a:ext>
+            </a:extLst>
+          </a:blip>
+          <a:srcRect l="40081" t="19838" r="39240" b="37446"/>
+          <a:stretch/>
+        </p:blipFill>
+        <p:spPr bwMode="auto">
+          <a:xfrm>
+            <a:off x="6248959" y="4457569"/>
+            <a:ext cx="967225" cy="1123019"/>
+          </a:xfrm>
+          <a:prstGeom prst="rect">
+            <a:avLst/>
+          </a:prstGeom>
+          <a:noFill/>
+          <a:extLst>
+            <a:ext uri="{909E8E84-426E-40DD-AFC4-6F175D3DCCD1}">
+              <a14:hiddenFill xmlns:a14="http://schemas.microsoft.com/office/drawing/2010/main">
+                <a:solidFill>
+                  <a:srgbClr val="FFFFFF"/>
+                </a:solidFill>
+              </a14:hiddenFill>
+            </a:ext>
+          </a:extLst>
+        </p:spPr>
+      </p:pic>
+    </p:spTree>
+    <p:extLst>
+      <p:ext uri="{BB962C8B-B14F-4D97-AF65-F5344CB8AC3E}">
+        <p14:creationId xmlns:p14="http://schemas.microsoft.com/office/powerpoint/2010/main" val="953279741"/>
+      </p:ext>
+    </p:extLst>
+  </p:cSld>
+  <p:clrMapOvr>
+    <a:masterClrMapping/>
+  </p:clrMapOvr>
+</p:sld>
+</file>
+
+<file path=ppt/slides/slide28.xml><?xml version="1.0" encoding="utf-8"?>
+<p:sld xmlns:a="http://schemas.openxmlformats.org/drawingml/2006/main" xmlns:r="http://schemas.openxmlformats.org/officeDocument/2006/relationships" xmlns:p="http://schemas.openxmlformats.org/presentationml/2006/main">
+  <p:cSld>
+    <p:spTree>
+      <p:nvGrpSpPr>
+        <p:cNvPr id="1" name=""/>
+        <p:cNvGrpSpPr/>
+        <p:nvPr/>
+      </p:nvGrpSpPr>
+      <p:grpSpPr>
+        <a:xfrm>
+          <a:off x="0" y="0"/>
+          <a:ext cx="0" cy="0"/>
+          <a:chOff x="0" y="0"/>
+          <a:chExt cx="0" cy="0"/>
+        </a:xfrm>
+      </p:grpSpPr>
+      <p:sp>
+        <p:nvSpPr>
+          <p:cNvPr id="2" name="Title 1"/>
+          <p:cNvSpPr>
+            <a:spLocks noGrp="1"/>
+          </p:cNvSpPr>
+          <p:nvPr>
+            <p:ph type="title"/>
+          </p:nvPr>
+        </p:nvSpPr>
+        <p:spPr/>
+        <p:txBody>
+          <a:bodyPr/>
+          <a:lstStyle/>
+          <a:p>
+            <a:r>
+              <a:rPr lang="en-CA" dirty="0" smtClean="0"/>
+              <a:t>Messaging</a:t>
+            </a:r>
+            <a:endParaRPr lang="en-CA" dirty="0"/>
+          </a:p>
+        </p:txBody>
+      </p:sp>
+      <p:sp>
+        <p:nvSpPr>
+          <p:cNvPr id="4" name="Footer Placeholder 3"/>
+          <p:cNvSpPr>
+            <a:spLocks noGrp="1"/>
+          </p:cNvSpPr>
+          <p:nvPr>
+            <p:ph type="ftr" sz="quarter" idx="11"/>
+          </p:nvPr>
+        </p:nvSpPr>
+        <p:spPr/>
+        <p:txBody>
+          <a:bodyPr/>
+          <a:lstStyle/>
+          <a:p>
+            <a:r>
+              <a:rPr lang="en-US" smtClean="0"/>
+              <a:t>aws101</a:t>
+            </a:r>
+            <a:endParaRPr lang="en-US" dirty="0"/>
+          </a:p>
+        </p:txBody>
+      </p:sp>
+      <p:sp>
+        <p:nvSpPr>
+          <p:cNvPr id="5" name="Slide Number Placeholder 4"/>
+          <p:cNvSpPr>
+            <a:spLocks noGrp="1"/>
+          </p:cNvSpPr>
+          <p:nvPr>
+            <p:ph type="sldNum" sz="quarter" idx="12"/>
+          </p:nvPr>
+        </p:nvSpPr>
+        <p:spPr/>
+        <p:txBody>
+          <a:bodyPr/>
+          <a:lstStyle/>
+          <a:p>
+            <a:fld id="{6D22F896-40B5-4ADD-8801-0D06FADFA095}" type="slidenum">
+              <a:rPr lang="en-US" smtClean="0"/>
+              <a:t>28</a:t>
+            </a:fld>
+            <a:endParaRPr lang="en-US" dirty="0"/>
+          </a:p>
+        </p:txBody>
+      </p:sp>
+      <p:sp>
+        <p:nvSpPr>
+          <p:cNvPr id="6" name="TextBox 5"/>
+          <p:cNvSpPr txBox="1"/>
+          <p:nvPr/>
+        </p:nvSpPr>
+        <p:spPr>
+          <a:xfrm>
+            <a:off x="1752597" y="2015067"/>
+            <a:ext cx="4021669" cy="2031325"/>
+          </a:xfrm>
+          <a:prstGeom prst="rect">
+            <a:avLst/>
+          </a:prstGeom>
+          <a:noFill/>
+        </p:spPr>
+        <p:txBody>
+          <a:bodyPr wrap="square" rtlCol="0">
+            <a:spAutoFit/>
+          </a:bodyPr>
+          <a:lstStyle/>
+          <a:p>
+            <a:r>
+              <a:rPr lang="en-CA" dirty="0" smtClean="0"/>
+              <a:t>Simple Queue Service - </a:t>
+            </a:r>
+            <a:r>
+              <a:rPr lang="en-US" dirty="0"/>
+              <a:t>Amazon Simple Queue Service (SQS) is a fully-managed message queuing service for reliably communicating among distributed software components and </a:t>
+            </a:r>
+            <a:r>
+              <a:rPr lang="en-US" dirty="0" err="1"/>
+              <a:t>microservices</a:t>
+            </a:r>
+            <a:r>
+              <a:rPr lang="en-US" dirty="0"/>
+              <a:t> - at any scale.</a:t>
+            </a:r>
+            <a:endParaRPr lang="en-CA" dirty="0"/>
+          </a:p>
+        </p:txBody>
+      </p:sp>
+      <p:sp>
+        <p:nvSpPr>
+          <p:cNvPr id="7" name="TextBox 6"/>
+          <p:cNvSpPr txBox="1"/>
+          <p:nvPr/>
+        </p:nvSpPr>
+        <p:spPr>
+          <a:xfrm>
+            <a:off x="4250265" y="4534939"/>
+            <a:ext cx="3810000" cy="1754326"/>
+          </a:xfrm>
+          <a:prstGeom prst="rect">
+            <a:avLst/>
+          </a:prstGeom>
+          <a:noFill/>
+        </p:spPr>
+        <p:txBody>
+          <a:bodyPr wrap="square" rtlCol="0">
+            <a:spAutoFit/>
+          </a:bodyPr>
+          <a:lstStyle/>
+          <a:p>
+            <a:r>
+              <a:rPr lang="en-CA" dirty="0" smtClean="0"/>
+              <a:t>SES -  </a:t>
+            </a:r>
+            <a:r>
+              <a:rPr lang="en-US" dirty="0" smtClean="0"/>
+              <a:t>Amazon </a:t>
+            </a:r>
+            <a:r>
+              <a:rPr lang="en-US" dirty="0"/>
+              <a:t>Simple Email Service (Amazon SES) is a cost-effective email service built on the reliable and scalable infrastructure that Amazon.com developed to serve its own customer base.</a:t>
+            </a:r>
+            <a:endParaRPr lang="en-CA" dirty="0"/>
+          </a:p>
+        </p:txBody>
+      </p:sp>
+      <p:sp>
+        <p:nvSpPr>
+          <p:cNvPr id="8" name="TextBox 7"/>
+          <p:cNvSpPr txBox="1"/>
+          <p:nvPr/>
+        </p:nvSpPr>
+        <p:spPr>
+          <a:xfrm>
+            <a:off x="7806265" y="2015066"/>
+            <a:ext cx="3810000" cy="2031325"/>
+          </a:xfrm>
+          <a:prstGeom prst="rect">
+            <a:avLst/>
+          </a:prstGeom>
+          <a:noFill/>
+        </p:spPr>
+        <p:txBody>
+          <a:bodyPr wrap="square" rtlCol="0">
+            <a:spAutoFit/>
+          </a:bodyPr>
+          <a:lstStyle/>
+          <a:p>
+            <a:r>
+              <a:rPr lang="en-CA" dirty="0" smtClean="0"/>
+              <a:t>Simple Notification Service - </a:t>
+            </a:r>
+            <a:r>
+              <a:rPr lang="en-US" dirty="0"/>
+              <a:t>Amazon Simple Notification Service (Amazon SNS) is a fast, flexible, fully managed push notification service that lets you send individual messages or to fan-out messages to large numbers of recipients.</a:t>
+            </a:r>
+            <a:endParaRPr lang="en-CA" dirty="0"/>
+          </a:p>
+        </p:txBody>
+      </p:sp>
+      <p:sp>
+        <p:nvSpPr>
+          <p:cNvPr id="9" name="AutoShape 2" descr="Image result for aws sqs logo"/>
+          <p:cNvSpPr>
+            <a:spLocks noChangeAspect="1" noChangeArrowheads="1"/>
+          </p:cNvSpPr>
+          <p:nvPr/>
+        </p:nvSpPr>
+        <p:spPr bwMode="auto">
+          <a:xfrm>
+            <a:off x="155575" y="-144463"/>
+            <a:ext cx="304800" cy="304801"/>
+          </a:xfrm>
+          <a:prstGeom prst="rect">
+            <a:avLst/>
+          </a:prstGeom>
+          <a:noFill/>
+          <a:extLst>
+            <a:ext uri="{909E8E84-426E-40DD-AFC4-6F175D3DCCD1}">
+              <a14:hiddenFill xmlns:a14="http://schemas.microsoft.com/office/drawing/2010/main">
+                <a:solidFill>
+                  <a:srgbClr val="FFFFFF"/>
+                </a:solidFill>
+              </a14:hiddenFill>
+            </a:ext>
+          </a:extLst>
+        </p:spPr>
+        <p:txBody>
+          <a:bodyPr vert="horz" wrap="square" lIns="91440" tIns="45720" rIns="91440" bIns="45720" numCol="1" anchor="t" anchorCtr="0" compatLnSpc="1">
+            <a:prstTxWarp prst="textNoShape">
+              <a:avLst/>
+            </a:prstTxWarp>
+          </a:bodyPr>
+          <a:lstStyle/>
+          <a:p>
+            <a:endParaRPr lang="en-CA"/>
+          </a:p>
+        </p:txBody>
+      </p:sp>
+      <p:pic>
+        <p:nvPicPr>
+          <p:cNvPr id="4100" name="Picture 4" descr="Related image"/>
+          <p:cNvPicPr>
+            <a:picLocks noChangeAspect="1" noChangeArrowheads="1"/>
+          </p:cNvPicPr>
+          <p:nvPr/>
+        </p:nvPicPr>
+        <p:blipFill>
+          <a:blip r:embed="rId2">
+            <a:extLst>
+              <a:ext uri="{28A0092B-C50C-407E-A947-70E740481C1C}">
+                <a14:useLocalDpi xmlns:a14="http://schemas.microsoft.com/office/drawing/2010/main" val="0"/>
+              </a:ext>
+            </a:extLst>
+          </a:blip>
+          <a:srcRect/>
+          <a:stretch>
+            <a:fillRect/>
+          </a:stretch>
+        </p:blipFill>
+        <p:spPr bwMode="auto">
+          <a:xfrm>
+            <a:off x="372531" y="1862669"/>
+            <a:ext cx="1363133" cy="1363133"/>
+          </a:xfrm>
+          <a:prstGeom prst="rect">
+            <a:avLst/>
+          </a:prstGeom>
+          <a:noFill/>
+          <a:extLst>
+            <a:ext uri="{909E8E84-426E-40DD-AFC4-6F175D3DCCD1}">
+              <a14:hiddenFill xmlns:a14="http://schemas.microsoft.com/office/drawing/2010/main">
+                <a:solidFill>
+                  <a:srgbClr val="FFFFFF"/>
+                </a:solidFill>
+              </a14:hiddenFill>
+            </a:ext>
+          </a:extLst>
+        </p:spPr>
+      </p:pic>
+      <p:pic>
+        <p:nvPicPr>
+          <p:cNvPr id="4102" name="Picture 6" descr="Image result for aws sns logo"/>
+          <p:cNvPicPr>
+            <a:picLocks noChangeAspect="1" noChangeArrowheads="1"/>
+          </p:cNvPicPr>
+          <p:nvPr/>
+        </p:nvPicPr>
+        <p:blipFill>
+          <a:blip r:embed="rId3">
+            <a:extLst>
+              <a:ext uri="{28A0092B-C50C-407E-A947-70E740481C1C}">
+                <a14:useLocalDpi xmlns:a14="http://schemas.microsoft.com/office/drawing/2010/main" val="0"/>
+              </a:ext>
+            </a:extLst>
+          </a:blip>
+          <a:srcRect/>
+          <a:stretch>
+            <a:fillRect/>
+          </a:stretch>
+        </p:blipFill>
+        <p:spPr bwMode="auto">
+          <a:xfrm>
+            <a:off x="6444452" y="2015067"/>
+            <a:ext cx="1104638" cy="1104638"/>
+          </a:xfrm>
+          <a:prstGeom prst="rect">
+            <a:avLst/>
+          </a:prstGeom>
+          <a:noFill/>
+          <a:extLst>
+            <a:ext uri="{909E8E84-426E-40DD-AFC4-6F175D3DCCD1}">
+              <a14:hiddenFill xmlns:a14="http://schemas.microsoft.com/office/drawing/2010/main">
+                <a:solidFill>
+                  <a:srgbClr val="FFFFFF"/>
+                </a:solidFill>
+              </a14:hiddenFill>
+            </a:ext>
+          </a:extLst>
+        </p:spPr>
+      </p:pic>
+      <p:pic>
+        <p:nvPicPr>
+          <p:cNvPr id="4107" name="Picture 11" descr="\\officescchome9.office.adroot.bmogc.net\scc9userdata$\ydong05\Desktop\App_Services_copy_Amazon_SES-512.png"/>
+          <p:cNvPicPr>
+            <a:picLocks noChangeAspect="1" noChangeArrowheads="1"/>
+          </p:cNvPicPr>
+          <p:nvPr/>
+        </p:nvPicPr>
+        <p:blipFill>
+          <a:blip r:embed="rId4">
+            <a:extLst>
+              <a:ext uri="{28A0092B-C50C-407E-A947-70E740481C1C}">
+                <a14:useLocalDpi xmlns:a14="http://schemas.microsoft.com/office/drawing/2010/main" val="0"/>
+              </a:ext>
+            </a:extLst>
+          </a:blip>
+          <a:srcRect/>
+          <a:stretch>
+            <a:fillRect/>
+          </a:stretch>
+        </p:blipFill>
+        <p:spPr bwMode="auto">
+          <a:xfrm>
+            <a:off x="2790803" y="4314805"/>
+            <a:ext cx="1459462" cy="1459462"/>
+          </a:xfrm>
+          <a:prstGeom prst="rect">
+            <a:avLst/>
+          </a:prstGeom>
+          <a:noFill/>
+          <a:extLst>
+            <a:ext uri="{909E8E84-426E-40DD-AFC4-6F175D3DCCD1}">
+              <a14:hiddenFill xmlns:a14="http://schemas.microsoft.com/office/drawing/2010/main">
+                <a:solidFill>
+                  <a:srgbClr val="FFFFFF"/>
+                </a:solidFill>
+              </a14:hiddenFill>
+            </a:ext>
+          </a:extLst>
+        </p:spPr>
+      </p:pic>
+    </p:spTree>
+    <p:extLst>
+      <p:ext uri="{BB962C8B-B14F-4D97-AF65-F5344CB8AC3E}">
+        <p14:creationId xmlns:p14="http://schemas.microsoft.com/office/powerpoint/2010/main" val="448981234"/>
+      </p:ext>
+    </p:extLst>
+  </p:cSld>
+  <p:clrMapOvr>
+    <a:masterClrMapping/>
+  </p:clrMapOvr>
+</p:sld>
+</file>
+
+<file path=ppt/slides/slide29.xml><?xml version="1.0" encoding="utf-8"?>
+<p:sld xmlns:a="http://schemas.openxmlformats.org/drawingml/2006/main" xmlns:r="http://schemas.openxmlformats.org/officeDocument/2006/relationships" xmlns:p="http://schemas.openxmlformats.org/presentationml/2006/main">
+  <p:cSld>
+    <p:spTree>
+      <p:nvGrpSpPr>
+        <p:cNvPr id="1" name=""/>
+        <p:cNvGrpSpPr/>
+        <p:nvPr/>
+      </p:nvGrpSpPr>
+      <p:grpSpPr>
+        <a:xfrm>
+          <a:off x="0" y="0"/>
+          <a:ext cx="0" cy="0"/>
+          <a:chOff x="0" y="0"/>
+          <a:chExt cx="0" cy="0"/>
+        </a:xfrm>
+      </p:grpSpPr>
+      <p:sp>
+        <p:nvSpPr>
+          <p:cNvPr id="2" name="Title 1"/>
+          <p:cNvSpPr>
+            <a:spLocks noGrp="1"/>
+          </p:cNvSpPr>
+          <p:nvPr>
+            <p:ph type="title"/>
+          </p:nvPr>
+        </p:nvSpPr>
+        <p:spPr/>
+        <p:txBody>
+          <a:bodyPr/>
+          <a:lstStyle/>
+          <a:p>
+            <a:r>
+              <a:rPr lang="en-CA" dirty="0" smtClean="0"/>
+              <a:t>Analytics</a:t>
+            </a:r>
+            <a:endParaRPr lang="en-CA" dirty="0"/>
+          </a:p>
+        </p:txBody>
+      </p:sp>
+      <p:sp>
+        <p:nvSpPr>
+          <p:cNvPr id="4" name="Footer Placeholder 3"/>
+          <p:cNvSpPr>
+            <a:spLocks noGrp="1"/>
+          </p:cNvSpPr>
+          <p:nvPr>
+            <p:ph type="ftr" sz="quarter" idx="11"/>
+          </p:nvPr>
+        </p:nvSpPr>
+        <p:spPr/>
+        <p:txBody>
+          <a:bodyPr/>
+          <a:lstStyle/>
+          <a:p>
+            <a:r>
+              <a:rPr lang="en-US" smtClean="0"/>
+              <a:t>aws101</a:t>
+            </a:r>
+            <a:endParaRPr lang="en-US" dirty="0"/>
+          </a:p>
+        </p:txBody>
+      </p:sp>
+      <p:sp>
+        <p:nvSpPr>
+          <p:cNvPr id="5" name="Slide Number Placeholder 4"/>
+          <p:cNvSpPr>
+            <a:spLocks noGrp="1"/>
+          </p:cNvSpPr>
+          <p:nvPr>
+            <p:ph type="sldNum" sz="quarter" idx="12"/>
+          </p:nvPr>
+        </p:nvSpPr>
+        <p:spPr/>
+        <p:txBody>
+          <a:bodyPr/>
+          <a:lstStyle/>
+          <a:p>
+            <a:fld id="{6D22F896-40B5-4ADD-8801-0D06FADFA095}" type="slidenum">
+              <a:rPr lang="en-US" smtClean="0"/>
+              <a:t>29</a:t>
+            </a:fld>
+            <a:endParaRPr lang="en-US" dirty="0"/>
+          </a:p>
+        </p:txBody>
+      </p:sp>
+      <p:sp>
+        <p:nvSpPr>
+          <p:cNvPr id="6" name="TextBox 5"/>
+          <p:cNvSpPr txBox="1"/>
+          <p:nvPr/>
+        </p:nvSpPr>
+        <p:spPr>
+          <a:xfrm>
+            <a:off x="1354667" y="1728801"/>
+            <a:ext cx="4368800" cy="1169551"/>
+          </a:xfrm>
+          <a:prstGeom prst="rect">
+            <a:avLst/>
+          </a:prstGeom>
+          <a:noFill/>
+        </p:spPr>
+        <p:txBody>
+          <a:bodyPr wrap="square" rtlCol="0">
+            <a:spAutoFit/>
+          </a:bodyPr>
+          <a:lstStyle/>
+          <a:p>
+            <a:r>
+              <a:rPr lang="en-CA" sz="1400" dirty="0" smtClean="0"/>
+              <a:t>Athena - </a:t>
+            </a:r>
+            <a:r>
+              <a:rPr lang="en-US" sz="1400" dirty="0"/>
+              <a:t>Amazon Athena is an interactive query service that makes it easy to analyze data in Amazon S3 using standard SQL. Athena is </a:t>
+            </a:r>
+            <a:r>
+              <a:rPr lang="en-US" sz="1400" dirty="0" err="1"/>
+              <a:t>serverless</a:t>
+            </a:r>
+            <a:r>
+              <a:rPr lang="en-US" sz="1400" dirty="0"/>
+              <a:t>, so there is no infrastructure to manage, and you pay only for the queries that you run.</a:t>
+            </a:r>
+            <a:endParaRPr lang="en-CA" sz="1400" dirty="0"/>
+          </a:p>
+        </p:txBody>
+      </p:sp>
+      <p:sp>
+        <p:nvSpPr>
+          <p:cNvPr id="7" name="TextBox 6"/>
+          <p:cNvSpPr txBox="1"/>
+          <p:nvPr/>
+        </p:nvSpPr>
+        <p:spPr>
+          <a:xfrm>
+            <a:off x="6917267" y="1733577"/>
+            <a:ext cx="4368800" cy="954107"/>
+          </a:xfrm>
+          <a:prstGeom prst="rect">
+            <a:avLst/>
+          </a:prstGeom>
+          <a:noFill/>
+        </p:spPr>
+        <p:txBody>
+          <a:bodyPr wrap="square" rtlCol="0">
+            <a:spAutoFit/>
+          </a:bodyPr>
+          <a:lstStyle/>
+          <a:p>
+            <a:r>
+              <a:rPr lang="en-CA" sz="1400" dirty="0" smtClean="0"/>
+              <a:t>EMR – AWS Elastic Map Reduce </a:t>
+            </a:r>
+            <a:r>
+              <a:rPr lang="en-US" sz="1400" dirty="0" smtClean="0"/>
+              <a:t>provides </a:t>
+            </a:r>
+            <a:r>
+              <a:rPr lang="en-US" sz="1400" dirty="0"/>
+              <a:t>a managed Hadoop framework that makes it easy, fast, and cost-effective to process vast amounts of data across dynamically scalable Amazon EC2 instances.</a:t>
+            </a:r>
+            <a:endParaRPr lang="en-CA" sz="1400" dirty="0"/>
+          </a:p>
+        </p:txBody>
+      </p:sp>
+      <p:sp>
+        <p:nvSpPr>
+          <p:cNvPr id="8" name="TextBox 7"/>
+          <p:cNvSpPr txBox="1"/>
+          <p:nvPr/>
+        </p:nvSpPr>
+        <p:spPr>
+          <a:xfrm>
+            <a:off x="1354667" y="3090876"/>
+            <a:ext cx="4368800" cy="954107"/>
+          </a:xfrm>
+          <a:prstGeom prst="rect">
+            <a:avLst/>
+          </a:prstGeom>
+          <a:noFill/>
+        </p:spPr>
+        <p:txBody>
+          <a:bodyPr wrap="square" rtlCol="0">
+            <a:spAutoFit/>
+          </a:bodyPr>
+          <a:lstStyle/>
+          <a:p>
+            <a:r>
+              <a:rPr lang="en-CA" sz="1400" dirty="0" err="1" smtClean="0"/>
+              <a:t>CloudSearch</a:t>
+            </a:r>
+            <a:r>
+              <a:rPr lang="en-CA" sz="1400" dirty="0" smtClean="0"/>
+              <a:t> - </a:t>
+            </a:r>
+            <a:r>
+              <a:rPr lang="en-US" sz="1400" dirty="0"/>
+              <a:t>Amazon </a:t>
+            </a:r>
+            <a:r>
+              <a:rPr lang="en-US" sz="1400" dirty="0" err="1"/>
+              <a:t>CloudSearch</a:t>
+            </a:r>
+            <a:r>
+              <a:rPr lang="en-US" sz="1400" dirty="0"/>
+              <a:t> is a managed service in the AWS Cloud that makes it simple and cost-effective to set up, manage, and scale a search solution for your website or application.</a:t>
+            </a:r>
+            <a:endParaRPr lang="en-CA" sz="1400" dirty="0"/>
+          </a:p>
+        </p:txBody>
+      </p:sp>
+      <p:sp>
+        <p:nvSpPr>
+          <p:cNvPr id="9" name="TextBox 8"/>
+          <p:cNvSpPr txBox="1"/>
+          <p:nvPr/>
+        </p:nvSpPr>
+        <p:spPr>
+          <a:xfrm>
+            <a:off x="6917267" y="3011413"/>
+            <a:ext cx="4368800" cy="954107"/>
+          </a:xfrm>
+          <a:prstGeom prst="rect">
+            <a:avLst/>
+          </a:prstGeom>
+          <a:noFill/>
+        </p:spPr>
+        <p:txBody>
+          <a:bodyPr wrap="square" rtlCol="0">
+            <a:spAutoFit/>
+          </a:bodyPr>
+          <a:lstStyle/>
+          <a:p>
+            <a:r>
+              <a:rPr lang="en-CA" sz="1400" dirty="0" err="1" smtClean="0"/>
+              <a:t>Elasticsearch</a:t>
+            </a:r>
+            <a:r>
+              <a:rPr lang="en-CA" sz="1400" dirty="0" smtClean="0"/>
+              <a:t> Service - </a:t>
+            </a:r>
+            <a:r>
+              <a:rPr lang="en-US" sz="1400" dirty="0"/>
+              <a:t>Amazon </a:t>
+            </a:r>
+            <a:r>
+              <a:rPr lang="en-US" sz="1400" dirty="0" err="1"/>
+              <a:t>Elasticsearch</a:t>
+            </a:r>
+            <a:r>
+              <a:rPr lang="en-US" sz="1400" dirty="0"/>
+              <a:t> Service makes it easy to deploy, operate, and scale </a:t>
+            </a:r>
+            <a:r>
+              <a:rPr lang="en-US" sz="1400" dirty="0" err="1"/>
+              <a:t>Elasticsearch</a:t>
+            </a:r>
+            <a:r>
+              <a:rPr lang="en-US" sz="1400" dirty="0"/>
+              <a:t> for log analytics, full text search, application monitoring, and more. </a:t>
+            </a:r>
+            <a:endParaRPr lang="en-CA" sz="1400" dirty="0"/>
+          </a:p>
+        </p:txBody>
+      </p:sp>
+      <p:sp>
+        <p:nvSpPr>
+          <p:cNvPr id="10" name="TextBox 9"/>
+          <p:cNvSpPr txBox="1"/>
+          <p:nvPr/>
+        </p:nvSpPr>
+        <p:spPr>
+          <a:xfrm>
+            <a:off x="1354667" y="4291026"/>
+            <a:ext cx="4368800" cy="738664"/>
+          </a:xfrm>
+          <a:prstGeom prst="rect">
+            <a:avLst/>
+          </a:prstGeom>
+          <a:noFill/>
+        </p:spPr>
+        <p:txBody>
+          <a:bodyPr wrap="square" rtlCol="0">
+            <a:spAutoFit/>
+          </a:bodyPr>
+          <a:lstStyle/>
+          <a:p>
+            <a:r>
+              <a:rPr lang="en-CA" sz="1400" dirty="0" smtClean="0"/>
+              <a:t>Kinesis - </a:t>
+            </a:r>
+            <a:r>
+              <a:rPr lang="en-US" sz="1400" dirty="0"/>
+              <a:t>Amazon Kinesis Streams enables you to build custom applications that process or analyze streaming data for specialized needs.</a:t>
+            </a:r>
+            <a:endParaRPr lang="en-CA" sz="1400" dirty="0"/>
+          </a:p>
+        </p:txBody>
+      </p:sp>
+      <p:sp>
+        <p:nvSpPr>
+          <p:cNvPr id="11" name="TextBox 10"/>
+          <p:cNvSpPr txBox="1"/>
+          <p:nvPr/>
+        </p:nvSpPr>
+        <p:spPr>
+          <a:xfrm>
+            <a:off x="6917267" y="4238651"/>
+            <a:ext cx="4368800" cy="1169551"/>
+          </a:xfrm>
+          <a:prstGeom prst="rect">
+            <a:avLst/>
+          </a:prstGeom>
+          <a:noFill/>
+        </p:spPr>
+        <p:txBody>
+          <a:bodyPr wrap="square" rtlCol="0">
+            <a:spAutoFit/>
+          </a:bodyPr>
+          <a:lstStyle/>
+          <a:p>
+            <a:r>
+              <a:rPr lang="en-CA" sz="1400" dirty="0" smtClean="0"/>
+              <a:t>Data Pipeline - </a:t>
+            </a:r>
+            <a:r>
+              <a:rPr lang="en-US" sz="1400" dirty="0"/>
+              <a:t>AWS Data Pipeline is a web service that helps you reliably process and move data between different AWS compute and storage services, as well as </a:t>
+            </a:r>
+            <a:r>
+              <a:rPr lang="en-US" sz="1400" dirty="0" err="1"/>
+              <a:t>on-premise</a:t>
+            </a:r>
+            <a:r>
+              <a:rPr lang="en-US" sz="1400" dirty="0"/>
+              <a:t> data sources, at specified intervals. </a:t>
+            </a:r>
+            <a:endParaRPr lang="en-CA" sz="1400" dirty="0"/>
+          </a:p>
+        </p:txBody>
+      </p:sp>
+      <p:sp>
+        <p:nvSpPr>
+          <p:cNvPr id="12" name="TextBox 11"/>
+          <p:cNvSpPr txBox="1"/>
+          <p:nvPr/>
+        </p:nvSpPr>
+        <p:spPr>
+          <a:xfrm>
+            <a:off x="1354667" y="5426064"/>
+            <a:ext cx="4926181" cy="1169551"/>
+          </a:xfrm>
+          <a:prstGeom prst="rect">
+            <a:avLst/>
+          </a:prstGeom>
+          <a:noFill/>
+        </p:spPr>
+        <p:txBody>
+          <a:bodyPr wrap="square" rtlCol="0">
+            <a:spAutoFit/>
+          </a:bodyPr>
+          <a:lstStyle/>
+          <a:p>
+            <a:r>
+              <a:rPr lang="en-CA" sz="1400" dirty="0" err="1" smtClean="0"/>
+              <a:t>QuickSight</a:t>
+            </a:r>
+            <a:r>
+              <a:rPr lang="en-CA" sz="1400" dirty="0" smtClean="0"/>
+              <a:t> - </a:t>
+            </a:r>
+            <a:r>
+              <a:rPr lang="en-US" sz="1400" dirty="0"/>
+              <a:t>Amazon </a:t>
+            </a:r>
+            <a:r>
+              <a:rPr lang="en-US" sz="1400" dirty="0" err="1"/>
+              <a:t>QuickSight</a:t>
+            </a:r>
+            <a:r>
+              <a:rPr lang="en-US" sz="1400" dirty="0"/>
+              <a:t> is a very fast, easy-to-use, cloud-powered business analytics service that makes it easy for all employees within an organization to build visualizations, perform ad-hoc analysis, and quickly get business insights from their data, anytime, on any device.</a:t>
+            </a:r>
+            <a:endParaRPr lang="en-CA" sz="1400" dirty="0"/>
+          </a:p>
+        </p:txBody>
+      </p:sp>
+      <p:pic>
+        <p:nvPicPr>
+          <p:cNvPr id="5122" name="Picture 2" descr="\\officescchome9.office.adroot.bmogc.net\scc9userdata$\ydong05\Desktop\athena-logo.png"/>
+          <p:cNvPicPr>
+            <a:picLocks noChangeAspect="1" noChangeArrowheads="1"/>
+          </p:cNvPicPr>
+          <p:nvPr/>
+        </p:nvPicPr>
+        <p:blipFill>
+          <a:blip r:embed="rId2">
+            <a:extLst>
+              <a:ext uri="{28A0092B-C50C-407E-A947-70E740481C1C}">
+                <a14:useLocalDpi xmlns:a14="http://schemas.microsoft.com/office/drawing/2010/main" val="0"/>
+              </a:ext>
+            </a:extLst>
+          </a:blip>
+          <a:srcRect/>
+          <a:stretch>
+            <a:fillRect/>
+          </a:stretch>
+        </p:blipFill>
+        <p:spPr bwMode="auto">
+          <a:xfrm>
+            <a:off x="565782" y="1833029"/>
+            <a:ext cx="579119" cy="572345"/>
+          </a:xfrm>
+          <a:prstGeom prst="rect">
+            <a:avLst/>
+          </a:prstGeom>
+          <a:noFill/>
+          <a:extLst>
+            <a:ext uri="{909E8E84-426E-40DD-AFC4-6F175D3DCCD1}">
+              <a14:hiddenFill xmlns:a14="http://schemas.microsoft.com/office/drawing/2010/main">
+                <a:solidFill>
+                  <a:srgbClr val="FFFFFF"/>
+                </a:solidFill>
+              </a14:hiddenFill>
+            </a:ext>
+          </a:extLst>
+        </p:spPr>
+      </p:pic>
+      <p:pic>
+        <p:nvPicPr>
+          <p:cNvPr id="5124" name="Picture 4" descr="Image result for aws emr logo"/>
+          <p:cNvPicPr>
+            <a:picLocks noChangeAspect="1" noChangeArrowheads="1"/>
+          </p:cNvPicPr>
+          <p:nvPr/>
+        </p:nvPicPr>
+        <p:blipFill>
+          <a:blip r:embed="rId3">
+            <a:extLst>
+              <a:ext uri="{28A0092B-C50C-407E-A947-70E740481C1C}">
+                <a14:useLocalDpi xmlns:a14="http://schemas.microsoft.com/office/drawing/2010/main" val="0"/>
+              </a:ext>
+            </a:extLst>
+          </a:blip>
+          <a:srcRect/>
+          <a:stretch>
+            <a:fillRect/>
+          </a:stretch>
+        </p:blipFill>
+        <p:spPr bwMode="auto">
+          <a:xfrm>
+            <a:off x="6183508" y="1785009"/>
+            <a:ext cx="668384" cy="668384"/>
+          </a:xfrm>
+          <a:prstGeom prst="rect">
+            <a:avLst/>
+          </a:prstGeom>
+          <a:noFill/>
+          <a:extLst>
+            <a:ext uri="{909E8E84-426E-40DD-AFC4-6F175D3DCCD1}">
+              <a14:hiddenFill xmlns:a14="http://schemas.microsoft.com/office/drawing/2010/main">
+                <a:solidFill>
+                  <a:srgbClr val="FFFFFF"/>
+                </a:solidFill>
+              </a14:hiddenFill>
+            </a:ext>
+          </a:extLst>
+        </p:spPr>
+      </p:pic>
+      <p:sp>
+        <p:nvSpPr>
+          <p:cNvPr id="13" name="AutoShape 6" descr="Image result for aws cloudsearch logo"/>
+          <p:cNvSpPr>
+            <a:spLocks noChangeAspect="1" noChangeArrowheads="1"/>
+          </p:cNvSpPr>
+          <p:nvPr/>
+        </p:nvSpPr>
+        <p:spPr bwMode="auto">
+          <a:xfrm>
+            <a:off x="155575" y="-144463"/>
+            <a:ext cx="304800" cy="304801"/>
+          </a:xfrm>
+          <a:prstGeom prst="rect">
+            <a:avLst/>
+          </a:prstGeom>
+          <a:noFill/>
+          <a:extLst>
+            <a:ext uri="{909E8E84-426E-40DD-AFC4-6F175D3DCCD1}">
+              <a14:hiddenFill xmlns:a14="http://schemas.microsoft.com/office/drawing/2010/main">
+                <a:solidFill>
+                  <a:srgbClr val="FFFFFF"/>
+                </a:solidFill>
+              </a14:hiddenFill>
+            </a:ext>
+          </a:extLst>
+        </p:spPr>
+        <p:txBody>
+          <a:bodyPr vert="horz" wrap="square" lIns="91440" tIns="45720" rIns="91440" bIns="45720" numCol="1" anchor="t" anchorCtr="0" compatLnSpc="1">
+            <a:prstTxWarp prst="textNoShape">
+              <a:avLst/>
+            </a:prstTxWarp>
+          </a:bodyPr>
+          <a:lstStyle/>
+          <a:p>
+            <a:endParaRPr lang="en-CA"/>
+          </a:p>
+        </p:txBody>
+      </p:sp>
+      <p:pic>
+        <p:nvPicPr>
+          <p:cNvPr id="5127" name="Picture 7" descr="\\officescchome9.office.adroot.bmogc.net\scc9userdata$\ydong05\Desktop\download.png"/>
+          <p:cNvPicPr>
+            <a:picLocks noChangeAspect="1" noChangeArrowheads="1"/>
+          </p:cNvPicPr>
+          <p:nvPr/>
+        </p:nvPicPr>
+        <p:blipFill>
+          <a:blip r:embed="rId4">
+            <a:extLst>
+              <a:ext uri="{28A0092B-C50C-407E-A947-70E740481C1C}">
+                <a14:useLocalDpi xmlns:a14="http://schemas.microsoft.com/office/drawing/2010/main" val="0"/>
+              </a:ext>
+            </a:extLst>
+          </a:blip>
+          <a:srcRect/>
+          <a:stretch>
+            <a:fillRect/>
+          </a:stretch>
+        </p:blipFill>
+        <p:spPr bwMode="auto">
+          <a:xfrm>
+            <a:off x="424870" y="3024201"/>
+            <a:ext cx="893694" cy="893694"/>
+          </a:xfrm>
+          <a:prstGeom prst="rect">
+            <a:avLst/>
+          </a:prstGeom>
+          <a:noFill/>
+          <a:extLst>
+            <a:ext uri="{909E8E84-426E-40DD-AFC4-6F175D3DCCD1}">
+              <a14:hiddenFill xmlns:a14="http://schemas.microsoft.com/office/drawing/2010/main">
+                <a:solidFill>
+                  <a:srgbClr val="FFFFFF"/>
+                </a:solidFill>
+              </a14:hiddenFill>
+            </a:ext>
+          </a:extLst>
+        </p:spPr>
+      </p:pic>
+      <p:pic>
+        <p:nvPicPr>
+          <p:cNvPr id="5128" name="Picture 8" descr="\\officescchome9.office.adroot.bmogc.net\scc9userdata$\ydong05\Desktop\amazon-elasticsearch-service.png"/>
+          <p:cNvPicPr>
+            <a:picLocks noChangeAspect="1" noChangeArrowheads="1"/>
+          </p:cNvPicPr>
+          <p:nvPr/>
+        </p:nvPicPr>
+        <p:blipFill>
+          <a:blip r:embed="rId5">
+            <a:extLst>
+              <a:ext uri="{28A0092B-C50C-407E-A947-70E740481C1C}">
+                <a14:useLocalDpi xmlns:a14="http://schemas.microsoft.com/office/drawing/2010/main" val="0"/>
+              </a:ext>
+            </a:extLst>
+          </a:blip>
+          <a:srcRect/>
+          <a:stretch>
+            <a:fillRect/>
+          </a:stretch>
+        </p:blipFill>
+        <p:spPr bwMode="auto">
+          <a:xfrm>
+            <a:off x="6166026" y="3062300"/>
+            <a:ext cx="685865" cy="685865"/>
+          </a:xfrm>
+          <a:prstGeom prst="rect">
+            <a:avLst/>
+          </a:prstGeom>
+          <a:noFill/>
+          <a:extLst>
+            <a:ext uri="{909E8E84-426E-40DD-AFC4-6F175D3DCCD1}">
+              <a14:hiddenFill xmlns:a14="http://schemas.microsoft.com/office/drawing/2010/main">
+                <a:solidFill>
+                  <a:srgbClr val="FFFFFF"/>
+                </a:solidFill>
+              </a14:hiddenFill>
+            </a:ext>
+          </a:extLst>
+        </p:spPr>
+      </p:pic>
+      <p:pic>
+        <p:nvPicPr>
+          <p:cNvPr id="5130" name="Picture 10" descr="Image result for aws kinesis logo"/>
+          <p:cNvPicPr>
+            <a:picLocks noChangeAspect="1" noChangeArrowheads="1"/>
+          </p:cNvPicPr>
+          <p:nvPr/>
+        </p:nvPicPr>
         <p:blipFill>
           <a:blip r:embed="rId6">
             <a:extLst>
@@ -9144,8 +11791,8 @@
         </p:blipFill>
         <p:spPr bwMode="auto">
           <a:xfrm>
-            <a:off x="609600" y="5496282"/>
-            <a:ext cx="1061601" cy="1058074"/>
+            <a:off x="565783" y="4341920"/>
+            <a:ext cx="605710" cy="605710"/>
           </a:xfrm>
           <a:prstGeom prst="rect">
             <a:avLst/>
@@ -9162,10 +11809,92 @@
           </a:extLst>
         </p:spPr>
       </p:pic>
+      <p:pic>
+        <p:nvPicPr>
+          <p:cNvPr id="5135" name="Picture 15" descr="\\officescchome9.office.adroot.bmogc.net\scc9userdata$\ydong05\Desktop\Data-Pipeline.png"/>
+          <p:cNvPicPr>
+            <a:picLocks noChangeAspect="1" noChangeArrowheads="1"/>
+          </p:cNvPicPr>
+          <p:nvPr/>
+        </p:nvPicPr>
+        <p:blipFill>
+          <a:blip r:embed="rId7">
+            <a:extLst>
+              <a:ext uri="{28A0092B-C50C-407E-A947-70E740481C1C}">
+                <a14:useLocalDpi xmlns:a14="http://schemas.microsoft.com/office/drawing/2010/main" val="0"/>
+              </a:ext>
+            </a:extLst>
+          </a:blip>
+          <a:srcRect/>
+          <a:stretch>
+            <a:fillRect/>
+          </a:stretch>
+        </p:blipFill>
+        <p:spPr bwMode="auto">
+          <a:xfrm>
+            <a:off x="6280848" y="4343988"/>
+            <a:ext cx="483101" cy="584592"/>
+          </a:xfrm>
+          <a:prstGeom prst="rect">
+            <a:avLst/>
+          </a:prstGeom>
+          <a:noFill/>
+          <a:extLst>
+            <a:ext uri="{909E8E84-426E-40DD-AFC4-6F175D3DCCD1}">
+              <a14:hiddenFill xmlns:a14="http://schemas.microsoft.com/office/drawing/2010/main">
+                <a:solidFill>
+                  <a:srgbClr val="FFFFFF"/>
+                </a:solidFill>
+              </a14:hiddenFill>
+            </a:ext>
+          </a:extLst>
+        </p:spPr>
+      </p:pic>
+      <p:pic>
+        <p:nvPicPr>
+          <p:cNvPr id="5137" name="Picture 17" descr="\\officescchome9.office.adroot.bmogc.net\scc9userdata$\ydong05\Desktop\awsqsightsq.jpg"/>
+          <p:cNvPicPr>
+            <a:picLocks noChangeAspect="1" noChangeArrowheads="1"/>
+          </p:cNvPicPr>
+          <p:nvPr/>
+        </p:nvPicPr>
+        <p:blipFill>
+          <a:blip r:embed="rId8">
+            <a:extLst>
+              <a:ext uri="{28A0092B-C50C-407E-A947-70E740481C1C}">
+                <a14:useLocalDpi xmlns:a14="http://schemas.microsoft.com/office/drawing/2010/main" val="0"/>
+              </a:ext>
+            </a:extLst>
+          </a:blip>
+          <a:srcRect/>
+          <a:stretch>
+            <a:fillRect/>
+          </a:stretch>
+        </p:blipFill>
+        <p:spPr bwMode="auto">
+          <a:xfrm>
+            <a:off x="581563" y="5431631"/>
+            <a:ext cx="574149" cy="528637"/>
+          </a:xfrm>
+          <a:prstGeom prst="rect">
+            <a:avLst/>
+          </a:prstGeom>
+          <a:noFill/>
+          <a:extLst>
+            <a:ext uri="{909E8E84-426E-40DD-AFC4-6F175D3DCCD1}">
+              <a14:hiddenFill xmlns:a14="http://schemas.microsoft.com/office/drawing/2010/main">
+                <a:solidFill>
+                  <a:srgbClr val="FFFFFF"/>
+                </a:solidFill>
+              </a14:hiddenFill>
+            </a:ext>
+          </a:extLst>
+        </p:spPr>
+      </p:pic>
     </p:spTree>
     <p:extLst>
       <p:ext uri="{BB962C8B-B14F-4D97-AF65-F5344CB8AC3E}">
-        <p14:creationId xmlns:p14="http://schemas.microsoft.com/office/powerpoint/2010/main" val="677465705"/>
+        <p14:creationId xmlns:p14="http://schemas.microsoft.com/office/powerpoint/2010/main" val="3004721995"/>
       </p:ext>
     </p:extLst>
   </p:cSld>
@@ -9360,6 +12089,4665 @@
     <p:extLst>
       <p:ext uri="{BB962C8B-B14F-4D97-AF65-F5344CB8AC3E}">
         <p14:creationId xmlns:p14="http://schemas.microsoft.com/office/powerpoint/2010/main" val="1563562151"/>
+      </p:ext>
+    </p:extLst>
+  </p:cSld>
+  <p:clrMapOvr>
+    <a:masterClrMapping/>
+  </p:clrMapOvr>
+</p:sld>
+</file>
+
+<file path=ppt/slides/slide30.xml><?xml version="1.0" encoding="utf-8"?>
+<p:sld xmlns:a="http://schemas.openxmlformats.org/drawingml/2006/main" xmlns:r="http://schemas.openxmlformats.org/officeDocument/2006/relationships" xmlns:p="http://schemas.openxmlformats.org/presentationml/2006/main">
+  <p:cSld>
+    <p:spTree>
+      <p:nvGrpSpPr>
+        <p:cNvPr id="1" name=""/>
+        <p:cNvGrpSpPr/>
+        <p:nvPr/>
+      </p:nvGrpSpPr>
+      <p:grpSpPr>
+        <a:xfrm>
+          <a:off x="0" y="0"/>
+          <a:ext cx="0" cy="0"/>
+          <a:chOff x="0" y="0"/>
+          <a:chExt cx="0" cy="0"/>
+        </a:xfrm>
+      </p:grpSpPr>
+      <p:sp>
+        <p:nvSpPr>
+          <p:cNvPr id="2" name="Title 1"/>
+          <p:cNvSpPr>
+            <a:spLocks noGrp="1"/>
+          </p:cNvSpPr>
+          <p:nvPr>
+            <p:ph type="title"/>
+          </p:nvPr>
+        </p:nvSpPr>
+        <p:spPr/>
+        <p:txBody>
+          <a:bodyPr/>
+          <a:lstStyle/>
+          <a:p>
+            <a:r>
+              <a:rPr lang="en-CA" dirty="0" smtClean="0"/>
+              <a:t>Security, Identity &amp; Compliances</a:t>
+            </a:r>
+            <a:endParaRPr lang="en-CA" dirty="0"/>
+          </a:p>
+        </p:txBody>
+      </p:sp>
+      <p:sp>
+        <p:nvSpPr>
+          <p:cNvPr id="4" name="Footer Placeholder 3"/>
+          <p:cNvSpPr>
+            <a:spLocks noGrp="1"/>
+          </p:cNvSpPr>
+          <p:nvPr>
+            <p:ph type="ftr" sz="quarter" idx="11"/>
+          </p:nvPr>
+        </p:nvSpPr>
+        <p:spPr/>
+        <p:txBody>
+          <a:bodyPr/>
+          <a:lstStyle/>
+          <a:p>
+            <a:r>
+              <a:rPr lang="en-US" smtClean="0"/>
+              <a:t>aws101</a:t>
+            </a:r>
+            <a:endParaRPr lang="en-US" dirty="0"/>
+          </a:p>
+        </p:txBody>
+      </p:sp>
+      <p:sp>
+        <p:nvSpPr>
+          <p:cNvPr id="5" name="Slide Number Placeholder 4"/>
+          <p:cNvSpPr>
+            <a:spLocks noGrp="1"/>
+          </p:cNvSpPr>
+          <p:nvPr>
+            <p:ph type="sldNum" sz="quarter" idx="12"/>
+          </p:nvPr>
+        </p:nvSpPr>
+        <p:spPr/>
+        <p:txBody>
+          <a:bodyPr/>
+          <a:lstStyle/>
+          <a:p>
+            <a:fld id="{6D22F896-40B5-4ADD-8801-0D06FADFA095}" type="slidenum">
+              <a:rPr lang="en-US" smtClean="0"/>
+              <a:t>30</a:t>
+            </a:fld>
+            <a:endParaRPr lang="en-US" dirty="0"/>
+          </a:p>
+        </p:txBody>
+      </p:sp>
+      <p:sp>
+        <p:nvSpPr>
+          <p:cNvPr id="6" name="TextBox 5"/>
+          <p:cNvSpPr txBox="1"/>
+          <p:nvPr/>
+        </p:nvSpPr>
+        <p:spPr>
+          <a:xfrm>
+            <a:off x="1354667" y="1728801"/>
+            <a:ext cx="4368800" cy="738664"/>
+          </a:xfrm>
+          <a:prstGeom prst="rect">
+            <a:avLst/>
+          </a:prstGeom>
+          <a:noFill/>
+        </p:spPr>
+        <p:txBody>
+          <a:bodyPr wrap="square" rtlCol="0">
+            <a:spAutoFit/>
+          </a:bodyPr>
+          <a:lstStyle/>
+          <a:p>
+            <a:r>
+              <a:rPr lang="en-CA" sz="1400" dirty="0" smtClean="0"/>
+              <a:t>IAM - </a:t>
+            </a:r>
+            <a:r>
+              <a:rPr lang="en-US" sz="1400" dirty="0"/>
+              <a:t>AWS Identity and Access Management (IAM) is a web service that helps you securely control access to AWS resources for your users. </a:t>
+            </a:r>
+            <a:endParaRPr lang="en-CA" sz="1400" dirty="0"/>
+          </a:p>
+        </p:txBody>
+      </p:sp>
+      <p:sp>
+        <p:nvSpPr>
+          <p:cNvPr id="7" name="TextBox 6"/>
+          <p:cNvSpPr txBox="1"/>
+          <p:nvPr/>
+        </p:nvSpPr>
+        <p:spPr>
+          <a:xfrm>
+            <a:off x="6917266" y="1733577"/>
+            <a:ext cx="4741333" cy="1169551"/>
+          </a:xfrm>
+          <a:prstGeom prst="rect">
+            <a:avLst/>
+          </a:prstGeom>
+          <a:noFill/>
+        </p:spPr>
+        <p:txBody>
+          <a:bodyPr wrap="square" rtlCol="0">
+            <a:spAutoFit/>
+          </a:bodyPr>
+          <a:lstStyle/>
+          <a:p>
+            <a:r>
+              <a:rPr lang="en-CA" sz="1400" dirty="0" smtClean="0"/>
+              <a:t>Inspector - </a:t>
+            </a:r>
+            <a:r>
+              <a:rPr lang="en-US" sz="1400" dirty="0"/>
+              <a:t>Amazon Inspector is an automated security assessment service that helps improve the security and compliance of applications deployed on AWS. Amazon Inspector automatically assesses applications for vulnerabilities or deviations from best practices.</a:t>
+            </a:r>
+            <a:endParaRPr lang="en-CA" sz="1400" dirty="0"/>
+          </a:p>
+        </p:txBody>
+      </p:sp>
+      <p:sp>
+        <p:nvSpPr>
+          <p:cNvPr id="8" name="TextBox 7"/>
+          <p:cNvSpPr txBox="1"/>
+          <p:nvPr/>
+        </p:nvSpPr>
+        <p:spPr>
+          <a:xfrm>
+            <a:off x="1328089" y="3038502"/>
+            <a:ext cx="4368800" cy="954107"/>
+          </a:xfrm>
+          <a:prstGeom prst="rect">
+            <a:avLst/>
+          </a:prstGeom>
+          <a:noFill/>
+        </p:spPr>
+        <p:txBody>
+          <a:bodyPr wrap="square" rtlCol="0">
+            <a:spAutoFit/>
+          </a:bodyPr>
+          <a:lstStyle/>
+          <a:p>
+            <a:r>
+              <a:rPr lang="en-CA" sz="1400" dirty="0" smtClean="0"/>
+              <a:t>Certificate Manager - </a:t>
+            </a:r>
+            <a:r>
+              <a:rPr lang="en-US" sz="1400" dirty="0"/>
+              <a:t>AWS Certificate Manager (ACM) handles the complexity of provisioning, deploying, and managing SSL/TLS certificates for your AWS-based websites and applications.</a:t>
+            </a:r>
+            <a:endParaRPr lang="en-CA" sz="1400" dirty="0"/>
+          </a:p>
+        </p:txBody>
+      </p:sp>
+      <p:sp>
+        <p:nvSpPr>
+          <p:cNvPr id="9" name="TextBox 8"/>
+          <p:cNvSpPr txBox="1"/>
+          <p:nvPr/>
+        </p:nvSpPr>
+        <p:spPr>
+          <a:xfrm>
+            <a:off x="6917266" y="3011413"/>
+            <a:ext cx="4531783" cy="1169551"/>
+          </a:xfrm>
+          <a:prstGeom prst="rect">
+            <a:avLst/>
+          </a:prstGeom>
+          <a:noFill/>
+        </p:spPr>
+        <p:txBody>
+          <a:bodyPr wrap="square" rtlCol="0">
+            <a:spAutoFit/>
+          </a:bodyPr>
+          <a:lstStyle/>
+          <a:p>
+            <a:r>
+              <a:rPr lang="en-US" sz="1400" dirty="0" smtClean="0"/>
+              <a:t>Directory Service - </a:t>
+            </a:r>
+            <a:r>
+              <a:rPr lang="en-US" sz="1400" dirty="0"/>
+              <a:t>AWS Directory Service for Microsoft Active Directory (Enterprise Edition), also known as AWS Microsoft AD, enables your directory-aware workloads and AWS resources to use managed Active Directory in the AWS Cloud.</a:t>
+            </a:r>
+            <a:endParaRPr lang="en-CA" sz="1400" dirty="0"/>
+          </a:p>
+        </p:txBody>
+      </p:sp>
+      <p:sp>
+        <p:nvSpPr>
+          <p:cNvPr id="10" name="TextBox 9"/>
+          <p:cNvSpPr txBox="1"/>
+          <p:nvPr/>
+        </p:nvSpPr>
+        <p:spPr>
+          <a:xfrm>
+            <a:off x="1354667" y="4291026"/>
+            <a:ext cx="4368800" cy="1600438"/>
+          </a:xfrm>
+          <a:prstGeom prst="rect">
+            <a:avLst/>
+          </a:prstGeom>
+          <a:noFill/>
+        </p:spPr>
+        <p:txBody>
+          <a:bodyPr wrap="square" rtlCol="0">
+            <a:spAutoFit/>
+          </a:bodyPr>
+          <a:lstStyle/>
+          <a:p>
+            <a:r>
+              <a:rPr lang="en-US" sz="1400" dirty="0"/>
+              <a:t>WAF &amp; Shield - AWS WAF is a web application firewall that lets you monitor the HTTP and HTTPS requests that are forwarded to Amazon </a:t>
+            </a:r>
+            <a:r>
+              <a:rPr lang="en-US" sz="1400" dirty="0" err="1"/>
+              <a:t>CloudFront</a:t>
+            </a:r>
+            <a:r>
+              <a:rPr lang="en-US" sz="1400" dirty="0"/>
+              <a:t> or an Application Load Balancer and lets you control access to your content. AWS Shield and Shield Advanced provides protection against DDoS attack</a:t>
+            </a:r>
+            <a:endParaRPr lang="en-CA" sz="1400" dirty="0"/>
+          </a:p>
+          <a:p>
+            <a:r>
+              <a:rPr lang="en-US" sz="1400" dirty="0" smtClean="0"/>
+              <a:t>.</a:t>
+            </a:r>
+            <a:endParaRPr lang="en-CA" sz="1400" dirty="0"/>
+          </a:p>
+        </p:txBody>
+      </p:sp>
+      <p:sp>
+        <p:nvSpPr>
+          <p:cNvPr id="11" name="TextBox 10"/>
+          <p:cNvSpPr txBox="1"/>
+          <p:nvPr/>
+        </p:nvSpPr>
+        <p:spPr>
+          <a:xfrm>
+            <a:off x="6917267" y="4238651"/>
+            <a:ext cx="4368800" cy="1169551"/>
+          </a:xfrm>
+          <a:prstGeom prst="rect">
+            <a:avLst/>
+          </a:prstGeom>
+          <a:noFill/>
+        </p:spPr>
+        <p:txBody>
+          <a:bodyPr wrap="square" rtlCol="0">
+            <a:spAutoFit/>
+          </a:bodyPr>
+          <a:lstStyle/>
+          <a:p>
+            <a:r>
+              <a:rPr lang="en-US" sz="1400" dirty="0" smtClean="0"/>
+              <a:t>Compliance Report – AWS Compliance Report provides </a:t>
+            </a:r>
+            <a:r>
+              <a:rPr lang="en-US" sz="1400" dirty="0"/>
+              <a:t>on-demand downloads of AWS security and compliance documents, such as AWS ISO certifications, Payment Card Industry (PCI), and Service Organization Control (SOC) reports. </a:t>
+            </a:r>
+            <a:endParaRPr lang="en-CA" sz="1400" dirty="0"/>
+          </a:p>
+        </p:txBody>
+      </p:sp>
+      <p:sp>
+        <p:nvSpPr>
+          <p:cNvPr id="13" name="AutoShape 6" descr="Image result for aws cloudsearch logo"/>
+          <p:cNvSpPr>
+            <a:spLocks noChangeAspect="1" noChangeArrowheads="1"/>
+          </p:cNvSpPr>
+          <p:nvPr/>
+        </p:nvSpPr>
+        <p:spPr bwMode="auto">
+          <a:xfrm>
+            <a:off x="155575" y="-144463"/>
+            <a:ext cx="304800" cy="304801"/>
+          </a:xfrm>
+          <a:prstGeom prst="rect">
+            <a:avLst/>
+          </a:prstGeom>
+          <a:noFill/>
+          <a:extLst>
+            <a:ext uri="{909E8E84-426E-40DD-AFC4-6F175D3DCCD1}">
+              <a14:hiddenFill xmlns:a14="http://schemas.microsoft.com/office/drawing/2010/main">
+                <a:solidFill>
+                  <a:srgbClr val="FFFFFF"/>
+                </a:solidFill>
+              </a14:hiddenFill>
+            </a:ext>
+          </a:extLst>
+        </p:spPr>
+        <p:txBody>
+          <a:bodyPr vert="horz" wrap="square" lIns="91440" tIns="45720" rIns="91440" bIns="45720" numCol="1" anchor="t" anchorCtr="0" compatLnSpc="1">
+            <a:prstTxWarp prst="textNoShape">
+              <a:avLst/>
+            </a:prstTxWarp>
+          </a:bodyPr>
+          <a:lstStyle/>
+          <a:p>
+            <a:endParaRPr lang="en-CA"/>
+          </a:p>
+        </p:txBody>
+      </p:sp>
+      <p:sp>
+        <p:nvSpPr>
+          <p:cNvPr id="3" name="AutoShape 2" descr="Image result for aws iam logo"/>
+          <p:cNvSpPr>
+            <a:spLocks noChangeAspect="1" noChangeArrowheads="1"/>
+          </p:cNvSpPr>
+          <p:nvPr/>
+        </p:nvSpPr>
+        <p:spPr bwMode="auto">
+          <a:xfrm>
+            <a:off x="307975" y="7937"/>
+            <a:ext cx="304800" cy="304801"/>
+          </a:xfrm>
+          <a:prstGeom prst="rect">
+            <a:avLst/>
+          </a:prstGeom>
+          <a:noFill/>
+          <a:extLst>
+            <a:ext uri="{909E8E84-426E-40DD-AFC4-6F175D3DCCD1}">
+              <a14:hiddenFill xmlns:a14="http://schemas.microsoft.com/office/drawing/2010/main">
+                <a:solidFill>
+                  <a:srgbClr val="FFFFFF"/>
+                </a:solidFill>
+              </a14:hiddenFill>
+            </a:ext>
+          </a:extLst>
+        </p:spPr>
+        <p:txBody>
+          <a:bodyPr vert="horz" wrap="square" lIns="91440" tIns="45720" rIns="91440" bIns="45720" numCol="1" anchor="t" anchorCtr="0" compatLnSpc="1">
+            <a:prstTxWarp prst="textNoShape">
+              <a:avLst/>
+            </a:prstTxWarp>
+          </a:bodyPr>
+          <a:lstStyle/>
+          <a:p>
+            <a:endParaRPr lang="en-CA"/>
+          </a:p>
+        </p:txBody>
+      </p:sp>
+      <p:pic>
+        <p:nvPicPr>
+          <p:cNvPr id="6148" name="Picture 4" descr="Related image"/>
+          <p:cNvPicPr>
+            <a:picLocks noChangeAspect="1" noChangeArrowheads="1"/>
+          </p:cNvPicPr>
+          <p:nvPr/>
+        </p:nvPicPr>
+        <p:blipFill>
+          <a:blip r:embed="rId2">
+            <a:extLst>
+              <a:ext uri="{28A0092B-C50C-407E-A947-70E740481C1C}">
+                <a14:useLocalDpi xmlns:a14="http://schemas.microsoft.com/office/drawing/2010/main" val="0"/>
+              </a:ext>
+            </a:extLst>
+          </a:blip>
+          <a:srcRect/>
+          <a:stretch>
+            <a:fillRect/>
+          </a:stretch>
+        </p:blipFill>
+        <p:spPr bwMode="auto">
+          <a:xfrm>
+            <a:off x="417922" y="1724569"/>
+            <a:ext cx="900642" cy="900642"/>
+          </a:xfrm>
+          <a:prstGeom prst="rect">
+            <a:avLst/>
+          </a:prstGeom>
+          <a:noFill/>
+          <a:extLst>
+            <a:ext uri="{909E8E84-426E-40DD-AFC4-6F175D3DCCD1}">
+              <a14:hiddenFill xmlns:a14="http://schemas.microsoft.com/office/drawing/2010/main">
+                <a:solidFill>
+                  <a:srgbClr val="FFFFFF"/>
+                </a:solidFill>
+              </a14:hiddenFill>
+            </a:ext>
+          </a:extLst>
+        </p:spPr>
+      </p:pic>
+      <p:pic>
+        <p:nvPicPr>
+          <p:cNvPr id="6150" name="Picture 6" descr="Image result for aws inspector logo"/>
+          <p:cNvPicPr>
+            <a:picLocks noChangeAspect="1" noChangeArrowheads="1"/>
+          </p:cNvPicPr>
+          <p:nvPr/>
+        </p:nvPicPr>
+        <p:blipFill rotWithShape="1">
+          <a:blip r:embed="rId3">
+            <a:extLst>
+              <a:ext uri="{28A0092B-C50C-407E-A947-70E740481C1C}">
+                <a14:useLocalDpi xmlns:a14="http://schemas.microsoft.com/office/drawing/2010/main" val="0"/>
+              </a:ext>
+            </a:extLst>
+          </a:blip>
+          <a:srcRect l="36154" t="21606" r="35147" b="24634"/>
+          <a:stretch/>
+        </p:blipFill>
+        <p:spPr bwMode="auto">
+          <a:xfrm>
+            <a:off x="6045260" y="1733577"/>
+            <a:ext cx="872007" cy="919163"/>
+          </a:xfrm>
+          <a:prstGeom prst="rect">
+            <a:avLst/>
+          </a:prstGeom>
+          <a:noFill/>
+          <a:extLst>
+            <a:ext uri="{909E8E84-426E-40DD-AFC4-6F175D3DCCD1}">
+              <a14:hiddenFill xmlns:a14="http://schemas.microsoft.com/office/drawing/2010/main">
+                <a:solidFill>
+                  <a:srgbClr val="FFFFFF"/>
+                </a:solidFill>
+              </a14:hiddenFill>
+            </a:ext>
+          </a:extLst>
+        </p:spPr>
+      </p:pic>
+      <p:pic>
+        <p:nvPicPr>
+          <p:cNvPr id="6153" name="Picture 9" descr="\\officescchome9.office.adroot.bmogc.net\scc9userdata$\ydong05\Desktop\acm1.png"/>
+          <p:cNvPicPr>
+            <a:picLocks noChangeAspect="1" noChangeArrowheads="1"/>
+          </p:cNvPicPr>
+          <p:nvPr/>
+        </p:nvPicPr>
+        <p:blipFill>
+          <a:blip r:embed="rId4">
+            <a:extLst>
+              <a:ext uri="{28A0092B-C50C-407E-A947-70E740481C1C}">
+                <a14:useLocalDpi xmlns:a14="http://schemas.microsoft.com/office/drawing/2010/main" val="0"/>
+              </a:ext>
+            </a:extLst>
+          </a:blip>
+          <a:srcRect/>
+          <a:stretch>
+            <a:fillRect/>
+          </a:stretch>
+        </p:blipFill>
+        <p:spPr bwMode="auto">
+          <a:xfrm>
+            <a:off x="460375" y="3024227"/>
+            <a:ext cx="785768" cy="785768"/>
+          </a:xfrm>
+          <a:prstGeom prst="rect">
+            <a:avLst/>
+          </a:prstGeom>
+          <a:noFill/>
+          <a:extLst>
+            <a:ext uri="{909E8E84-426E-40DD-AFC4-6F175D3DCCD1}">
+              <a14:hiddenFill xmlns:a14="http://schemas.microsoft.com/office/drawing/2010/main">
+                <a:solidFill>
+                  <a:srgbClr val="FFFFFF"/>
+                </a:solidFill>
+              </a14:hiddenFill>
+            </a:ext>
+          </a:extLst>
+        </p:spPr>
+      </p:pic>
+      <p:pic>
+        <p:nvPicPr>
+          <p:cNvPr id="6155" name="Picture 11" descr="Image result for aws directory service logo"/>
+          <p:cNvPicPr>
+            <a:picLocks noChangeAspect="1" noChangeArrowheads="1"/>
+          </p:cNvPicPr>
+          <p:nvPr/>
+        </p:nvPicPr>
+        <p:blipFill>
+          <a:blip r:embed="rId5">
+            <a:extLst>
+              <a:ext uri="{28A0092B-C50C-407E-A947-70E740481C1C}">
+                <a14:useLocalDpi xmlns:a14="http://schemas.microsoft.com/office/drawing/2010/main" val="0"/>
+              </a:ext>
+            </a:extLst>
+          </a:blip>
+          <a:srcRect/>
+          <a:stretch>
+            <a:fillRect/>
+          </a:stretch>
+        </p:blipFill>
+        <p:spPr bwMode="auto">
+          <a:xfrm>
+            <a:off x="5972152" y="3087166"/>
+            <a:ext cx="1018221" cy="704609"/>
+          </a:xfrm>
+          <a:prstGeom prst="rect">
+            <a:avLst/>
+          </a:prstGeom>
+          <a:noFill/>
+          <a:extLst>
+            <a:ext uri="{909E8E84-426E-40DD-AFC4-6F175D3DCCD1}">
+              <a14:hiddenFill xmlns:a14="http://schemas.microsoft.com/office/drawing/2010/main">
+                <a:solidFill>
+                  <a:srgbClr val="FFFFFF"/>
+                </a:solidFill>
+              </a14:hiddenFill>
+            </a:ext>
+          </a:extLst>
+        </p:spPr>
+      </p:pic>
+      <p:pic>
+        <p:nvPicPr>
+          <p:cNvPr id="6157" name="Picture 13" descr="Image result for aws waf"/>
+          <p:cNvPicPr>
+            <a:picLocks noChangeAspect="1" noChangeArrowheads="1"/>
+          </p:cNvPicPr>
+          <p:nvPr/>
+        </p:nvPicPr>
+        <p:blipFill>
+          <a:blip r:embed="rId6">
+            <a:extLst>
+              <a:ext uri="{28A0092B-C50C-407E-A947-70E740481C1C}">
+                <a14:useLocalDpi xmlns:a14="http://schemas.microsoft.com/office/drawing/2010/main" val="0"/>
+              </a:ext>
+            </a:extLst>
+          </a:blip>
+          <a:srcRect/>
+          <a:stretch>
+            <a:fillRect/>
+          </a:stretch>
+        </p:blipFill>
+        <p:spPr bwMode="auto">
+          <a:xfrm>
+            <a:off x="417922" y="4225928"/>
+            <a:ext cx="858358" cy="858358"/>
+          </a:xfrm>
+          <a:prstGeom prst="rect">
+            <a:avLst/>
+          </a:prstGeom>
+          <a:noFill/>
+          <a:extLst>
+            <a:ext uri="{909E8E84-426E-40DD-AFC4-6F175D3DCCD1}">
+              <a14:hiddenFill xmlns:a14="http://schemas.microsoft.com/office/drawing/2010/main">
+                <a:solidFill>
+                  <a:srgbClr val="FFFFFF"/>
+                </a:solidFill>
+              </a14:hiddenFill>
+            </a:ext>
+          </a:extLst>
+        </p:spPr>
+      </p:pic>
+      <p:pic>
+        <p:nvPicPr>
+          <p:cNvPr id="6159" name="Picture 15" descr="Image result for aws compliance report logo"/>
+          <p:cNvPicPr>
+            <a:picLocks noChangeAspect="1" noChangeArrowheads="1"/>
+          </p:cNvPicPr>
+          <p:nvPr/>
+        </p:nvPicPr>
+        <p:blipFill>
+          <a:blip r:embed="rId7">
+            <a:extLst>
+              <a:ext uri="{28A0092B-C50C-407E-A947-70E740481C1C}">
+                <a14:useLocalDpi xmlns:a14="http://schemas.microsoft.com/office/drawing/2010/main" val="0"/>
+              </a:ext>
+            </a:extLst>
+          </a:blip>
+          <a:srcRect/>
+          <a:stretch>
+            <a:fillRect/>
+          </a:stretch>
+        </p:blipFill>
+        <p:spPr bwMode="auto">
+          <a:xfrm>
+            <a:off x="6175351" y="4262450"/>
+            <a:ext cx="620675" cy="766265"/>
+          </a:xfrm>
+          <a:prstGeom prst="rect">
+            <a:avLst/>
+          </a:prstGeom>
+          <a:noFill/>
+          <a:extLst>
+            <a:ext uri="{909E8E84-426E-40DD-AFC4-6F175D3DCCD1}">
+              <a14:hiddenFill xmlns:a14="http://schemas.microsoft.com/office/drawing/2010/main">
+                <a:solidFill>
+                  <a:srgbClr val="FFFFFF"/>
+                </a:solidFill>
+              </a14:hiddenFill>
+            </a:ext>
+          </a:extLst>
+        </p:spPr>
+      </p:pic>
+    </p:spTree>
+    <p:extLst>
+      <p:ext uri="{BB962C8B-B14F-4D97-AF65-F5344CB8AC3E}">
+        <p14:creationId xmlns:p14="http://schemas.microsoft.com/office/powerpoint/2010/main" val="3729930733"/>
+      </p:ext>
+    </p:extLst>
+  </p:cSld>
+  <p:clrMapOvr>
+    <a:masterClrMapping/>
+  </p:clrMapOvr>
+</p:sld>
+</file>
+
+<file path=ppt/slides/slide31.xml><?xml version="1.0" encoding="utf-8"?>
+<p:sld xmlns:a="http://schemas.openxmlformats.org/drawingml/2006/main" xmlns:r="http://schemas.openxmlformats.org/officeDocument/2006/relationships" xmlns:p="http://schemas.openxmlformats.org/presentationml/2006/main">
+  <p:cSld>
+    <p:spTree>
+      <p:nvGrpSpPr>
+        <p:cNvPr id="1" name=""/>
+        <p:cNvGrpSpPr/>
+        <p:nvPr/>
+      </p:nvGrpSpPr>
+      <p:grpSpPr>
+        <a:xfrm>
+          <a:off x="0" y="0"/>
+          <a:ext cx="0" cy="0"/>
+          <a:chOff x="0" y="0"/>
+          <a:chExt cx="0" cy="0"/>
+        </a:xfrm>
+      </p:grpSpPr>
+      <p:sp>
+        <p:nvSpPr>
+          <p:cNvPr id="2" name="Title 1"/>
+          <p:cNvSpPr>
+            <a:spLocks noGrp="1"/>
+          </p:cNvSpPr>
+          <p:nvPr>
+            <p:ph type="title"/>
+          </p:nvPr>
+        </p:nvSpPr>
+        <p:spPr/>
+        <p:txBody>
+          <a:bodyPr/>
+          <a:lstStyle/>
+          <a:p>
+            <a:r>
+              <a:rPr lang="en-CA" dirty="0" smtClean="0"/>
+              <a:t>Management Tools</a:t>
+            </a:r>
+            <a:endParaRPr lang="en-CA" dirty="0"/>
+          </a:p>
+        </p:txBody>
+      </p:sp>
+      <p:sp>
+        <p:nvSpPr>
+          <p:cNvPr id="4" name="Footer Placeholder 3"/>
+          <p:cNvSpPr>
+            <a:spLocks noGrp="1"/>
+          </p:cNvSpPr>
+          <p:nvPr>
+            <p:ph type="ftr" sz="quarter" idx="11"/>
+          </p:nvPr>
+        </p:nvSpPr>
+        <p:spPr/>
+        <p:txBody>
+          <a:bodyPr/>
+          <a:lstStyle/>
+          <a:p>
+            <a:r>
+              <a:rPr lang="en-US" smtClean="0"/>
+              <a:t>aws101</a:t>
+            </a:r>
+            <a:endParaRPr lang="en-US" dirty="0"/>
+          </a:p>
+        </p:txBody>
+      </p:sp>
+      <p:sp>
+        <p:nvSpPr>
+          <p:cNvPr id="5" name="Slide Number Placeholder 4"/>
+          <p:cNvSpPr>
+            <a:spLocks noGrp="1"/>
+          </p:cNvSpPr>
+          <p:nvPr>
+            <p:ph type="sldNum" sz="quarter" idx="12"/>
+          </p:nvPr>
+        </p:nvSpPr>
+        <p:spPr/>
+        <p:txBody>
+          <a:bodyPr/>
+          <a:lstStyle/>
+          <a:p>
+            <a:fld id="{6D22F896-40B5-4ADD-8801-0D06FADFA095}" type="slidenum">
+              <a:rPr lang="en-US" smtClean="0"/>
+              <a:t>31</a:t>
+            </a:fld>
+            <a:endParaRPr lang="en-US" dirty="0"/>
+          </a:p>
+        </p:txBody>
+      </p:sp>
+      <p:sp>
+        <p:nvSpPr>
+          <p:cNvPr id="6" name="TextBox 5"/>
+          <p:cNvSpPr txBox="1"/>
+          <p:nvPr/>
+        </p:nvSpPr>
+        <p:spPr>
+          <a:xfrm>
+            <a:off x="1354667" y="1728801"/>
+            <a:ext cx="4368800" cy="738664"/>
+          </a:xfrm>
+          <a:prstGeom prst="rect">
+            <a:avLst/>
+          </a:prstGeom>
+          <a:noFill/>
+        </p:spPr>
+        <p:txBody>
+          <a:bodyPr wrap="square" rtlCol="0">
+            <a:spAutoFit/>
+          </a:bodyPr>
+          <a:lstStyle/>
+          <a:p>
+            <a:r>
+              <a:rPr lang="en-US" sz="1400" dirty="0" err="1" smtClean="0"/>
+              <a:t>CloudWatch</a:t>
+            </a:r>
+            <a:r>
+              <a:rPr lang="en-US" sz="1400" dirty="0" smtClean="0"/>
+              <a:t> - Amazon </a:t>
+            </a:r>
+            <a:r>
+              <a:rPr lang="en-US" sz="1400" dirty="0" err="1"/>
+              <a:t>CloudWatch</a:t>
+            </a:r>
+            <a:r>
+              <a:rPr lang="en-US" sz="1400" dirty="0"/>
+              <a:t> is a monitoring service for AWS cloud resources and the applications you run on AWS.</a:t>
+            </a:r>
+            <a:endParaRPr lang="en-CA" sz="1400" dirty="0"/>
+          </a:p>
+        </p:txBody>
+      </p:sp>
+      <p:sp>
+        <p:nvSpPr>
+          <p:cNvPr id="7" name="TextBox 6"/>
+          <p:cNvSpPr txBox="1"/>
+          <p:nvPr/>
+        </p:nvSpPr>
+        <p:spPr>
+          <a:xfrm>
+            <a:off x="6917266" y="1608382"/>
+            <a:ext cx="4741333" cy="1169551"/>
+          </a:xfrm>
+          <a:prstGeom prst="rect">
+            <a:avLst/>
+          </a:prstGeom>
+          <a:noFill/>
+        </p:spPr>
+        <p:txBody>
+          <a:bodyPr wrap="square" rtlCol="0">
+            <a:spAutoFit/>
+          </a:bodyPr>
+          <a:lstStyle/>
+          <a:p>
+            <a:r>
+              <a:rPr lang="en-CA" sz="1400" dirty="0" err="1" smtClean="0"/>
+              <a:t>CloudFormation</a:t>
+            </a:r>
+            <a:r>
+              <a:rPr lang="en-CA" sz="1400" dirty="0"/>
+              <a:t> </a:t>
+            </a:r>
+            <a:r>
+              <a:rPr lang="en-CA" sz="1400" dirty="0" smtClean="0"/>
+              <a:t>- </a:t>
+            </a:r>
+            <a:r>
+              <a:rPr lang="en-US" sz="1400" dirty="0"/>
+              <a:t>AWS </a:t>
+            </a:r>
+            <a:r>
+              <a:rPr lang="en-US" sz="1400" dirty="0" err="1"/>
+              <a:t>CloudFormation</a:t>
+            </a:r>
+            <a:r>
+              <a:rPr lang="en-US" sz="1400" dirty="0"/>
+              <a:t> gives developers and systems administrators an easy way to create and manage a collection of related AWS resources, provisioning and updating them in an orderly and predictable fashion.</a:t>
+            </a:r>
+            <a:endParaRPr lang="en-CA" sz="1400" dirty="0"/>
+          </a:p>
+        </p:txBody>
+      </p:sp>
+      <p:sp>
+        <p:nvSpPr>
+          <p:cNvPr id="8" name="TextBox 7"/>
+          <p:cNvSpPr txBox="1"/>
+          <p:nvPr/>
+        </p:nvSpPr>
+        <p:spPr>
+          <a:xfrm>
+            <a:off x="1328089" y="2867052"/>
+            <a:ext cx="4368800" cy="738664"/>
+          </a:xfrm>
+          <a:prstGeom prst="rect">
+            <a:avLst/>
+          </a:prstGeom>
+          <a:noFill/>
+        </p:spPr>
+        <p:txBody>
+          <a:bodyPr wrap="square" rtlCol="0">
+            <a:spAutoFit/>
+          </a:bodyPr>
+          <a:lstStyle/>
+          <a:p>
+            <a:r>
+              <a:rPr lang="en-CA" sz="1400" dirty="0" err="1" smtClean="0"/>
+              <a:t>CloudTrail</a:t>
+            </a:r>
+            <a:r>
+              <a:rPr lang="en-CA" sz="1400" dirty="0" smtClean="0"/>
+              <a:t> - </a:t>
+            </a:r>
+            <a:r>
+              <a:rPr lang="en-US" sz="1400" dirty="0"/>
+              <a:t>AWS </a:t>
+            </a:r>
+            <a:r>
+              <a:rPr lang="en-US" sz="1400" dirty="0" err="1"/>
+              <a:t>CloudTrail</a:t>
+            </a:r>
+            <a:r>
+              <a:rPr lang="en-US" sz="1400" dirty="0"/>
+              <a:t> is a service that enables governance, compliance, operational auditing, and risk auditing of your AWS account. </a:t>
+            </a:r>
+            <a:endParaRPr lang="en-CA" sz="1400" dirty="0"/>
+          </a:p>
+        </p:txBody>
+      </p:sp>
+      <p:sp>
+        <p:nvSpPr>
+          <p:cNvPr id="9" name="TextBox 8"/>
+          <p:cNvSpPr txBox="1"/>
+          <p:nvPr/>
+        </p:nvSpPr>
+        <p:spPr>
+          <a:xfrm>
+            <a:off x="6917266" y="2859013"/>
+            <a:ext cx="4531783" cy="738664"/>
+          </a:xfrm>
+          <a:prstGeom prst="rect">
+            <a:avLst/>
+          </a:prstGeom>
+          <a:noFill/>
+        </p:spPr>
+        <p:txBody>
+          <a:bodyPr wrap="square" rtlCol="0">
+            <a:spAutoFit/>
+          </a:bodyPr>
+          <a:lstStyle/>
+          <a:p>
+            <a:r>
+              <a:rPr lang="en-CA" sz="1400" dirty="0" err="1" smtClean="0"/>
+              <a:t>Config</a:t>
+            </a:r>
+            <a:r>
+              <a:rPr lang="en-CA" sz="1400" dirty="0" smtClean="0"/>
+              <a:t> - </a:t>
+            </a:r>
+            <a:r>
+              <a:rPr lang="en-US" sz="1400" dirty="0"/>
+              <a:t>AWS </a:t>
+            </a:r>
+            <a:r>
+              <a:rPr lang="en-US" sz="1400" dirty="0" err="1"/>
+              <a:t>Config</a:t>
+            </a:r>
+            <a:r>
+              <a:rPr lang="en-US" sz="1400" dirty="0"/>
+              <a:t> is a service that enables you to assess, audit, and evaluate the configurations of your AWS resources.</a:t>
+            </a:r>
+            <a:endParaRPr lang="en-CA" sz="1400" dirty="0"/>
+          </a:p>
+        </p:txBody>
+      </p:sp>
+      <p:sp>
+        <p:nvSpPr>
+          <p:cNvPr id="10" name="TextBox 9"/>
+          <p:cNvSpPr txBox="1"/>
+          <p:nvPr/>
+        </p:nvSpPr>
+        <p:spPr>
+          <a:xfrm>
+            <a:off x="1354667" y="3957651"/>
+            <a:ext cx="4368800" cy="738664"/>
+          </a:xfrm>
+          <a:prstGeom prst="rect">
+            <a:avLst/>
+          </a:prstGeom>
+          <a:noFill/>
+        </p:spPr>
+        <p:txBody>
+          <a:bodyPr wrap="square" rtlCol="0">
+            <a:spAutoFit/>
+          </a:bodyPr>
+          <a:lstStyle/>
+          <a:p>
+            <a:r>
+              <a:rPr lang="en-US" sz="1400" dirty="0" err="1" smtClean="0"/>
+              <a:t>OpsWorks</a:t>
+            </a:r>
+            <a:r>
+              <a:rPr lang="en-US" sz="1400" dirty="0" smtClean="0"/>
+              <a:t> - AWS </a:t>
+            </a:r>
+            <a:r>
+              <a:rPr lang="en-US" sz="1400" dirty="0" err="1"/>
+              <a:t>OpsWorks</a:t>
+            </a:r>
+            <a:r>
+              <a:rPr lang="en-US" sz="1400" dirty="0"/>
+              <a:t> is a configuration management service that uses Chef, an </a:t>
+            </a:r>
+            <a:r>
+              <a:rPr lang="en-US" sz="1400" dirty="0" smtClean="0"/>
+              <a:t>automation </a:t>
+            </a:r>
+            <a:r>
+              <a:rPr lang="en-US" sz="1400" dirty="0"/>
+              <a:t>platform that treats server configurations as code.</a:t>
+            </a:r>
+            <a:endParaRPr lang="en-CA" sz="1400" dirty="0"/>
+          </a:p>
+        </p:txBody>
+      </p:sp>
+      <p:sp>
+        <p:nvSpPr>
+          <p:cNvPr id="11" name="TextBox 10"/>
+          <p:cNvSpPr txBox="1"/>
+          <p:nvPr/>
+        </p:nvSpPr>
+        <p:spPr>
+          <a:xfrm>
+            <a:off x="6917266" y="3933852"/>
+            <a:ext cx="4368800" cy="738664"/>
+          </a:xfrm>
+          <a:prstGeom prst="rect">
+            <a:avLst/>
+          </a:prstGeom>
+          <a:noFill/>
+        </p:spPr>
+        <p:txBody>
+          <a:bodyPr wrap="square" rtlCol="0">
+            <a:spAutoFit/>
+          </a:bodyPr>
+          <a:lstStyle/>
+          <a:p>
+            <a:r>
+              <a:rPr lang="en-US" sz="1400" dirty="0" smtClean="0"/>
+              <a:t>Service Catalog - AWS </a:t>
+            </a:r>
+            <a:r>
+              <a:rPr lang="en-US" sz="1400" dirty="0"/>
+              <a:t>Service Catalog allows organizations to create and manage catalogs of IT services that are approved for use on AWS.</a:t>
+            </a:r>
+            <a:endParaRPr lang="en-CA" sz="1400" dirty="0"/>
+          </a:p>
+        </p:txBody>
+      </p:sp>
+      <p:sp>
+        <p:nvSpPr>
+          <p:cNvPr id="13" name="AutoShape 6" descr="Image result for aws cloudsearch logo"/>
+          <p:cNvSpPr>
+            <a:spLocks noChangeAspect="1" noChangeArrowheads="1"/>
+          </p:cNvSpPr>
+          <p:nvPr/>
+        </p:nvSpPr>
+        <p:spPr bwMode="auto">
+          <a:xfrm>
+            <a:off x="155575" y="-144463"/>
+            <a:ext cx="304800" cy="304801"/>
+          </a:xfrm>
+          <a:prstGeom prst="rect">
+            <a:avLst/>
+          </a:prstGeom>
+          <a:noFill/>
+          <a:extLst>
+            <a:ext uri="{909E8E84-426E-40DD-AFC4-6F175D3DCCD1}">
+              <a14:hiddenFill xmlns:a14="http://schemas.microsoft.com/office/drawing/2010/main">
+                <a:solidFill>
+                  <a:srgbClr val="FFFFFF"/>
+                </a:solidFill>
+              </a14:hiddenFill>
+            </a:ext>
+          </a:extLst>
+        </p:spPr>
+        <p:txBody>
+          <a:bodyPr vert="horz" wrap="square" lIns="91440" tIns="45720" rIns="91440" bIns="45720" numCol="1" anchor="t" anchorCtr="0" compatLnSpc="1">
+            <a:prstTxWarp prst="textNoShape">
+              <a:avLst/>
+            </a:prstTxWarp>
+          </a:bodyPr>
+          <a:lstStyle/>
+          <a:p>
+            <a:endParaRPr lang="en-CA"/>
+          </a:p>
+        </p:txBody>
+      </p:sp>
+      <p:sp>
+        <p:nvSpPr>
+          <p:cNvPr id="3" name="AutoShape 2" descr="Image result for aws iam logo"/>
+          <p:cNvSpPr>
+            <a:spLocks noChangeAspect="1" noChangeArrowheads="1"/>
+          </p:cNvSpPr>
+          <p:nvPr/>
+        </p:nvSpPr>
+        <p:spPr bwMode="auto">
+          <a:xfrm>
+            <a:off x="307975" y="7937"/>
+            <a:ext cx="304800" cy="304801"/>
+          </a:xfrm>
+          <a:prstGeom prst="rect">
+            <a:avLst/>
+          </a:prstGeom>
+          <a:noFill/>
+          <a:extLst>
+            <a:ext uri="{909E8E84-426E-40DD-AFC4-6F175D3DCCD1}">
+              <a14:hiddenFill xmlns:a14="http://schemas.microsoft.com/office/drawing/2010/main">
+                <a:solidFill>
+                  <a:srgbClr val="FFFFFF"/>
+                </a:solidFill>
+              </a14:hiddenFill>
+            </a:ext>
+          </a:extLst>
+        </p:spPr>
+        <p:txBody>
+          <a:bodyPr vert="horz" wrap="square" lIns="91440" tIns="45720" rIns="91440" bIns="45720" numCol="1" anchor="t" anchorCtr="0" compatLnSpc="1">
+            <a:prstTxWarp prst="textNoShape">
+              <a:avLst/>
+            </a:prstTxWarp>
+          </a:bodyPr>
+          <a:lstStyle/>
+          <a:p>
+            <a:endParaRPr lang="en-CA"/>
+          </a:p>
+        </p:txBody>
+      </p:sp>
+      <p:sp>
+        <p:nvSpPr>
+          <p:cNvPr id="19" name="TextBox 18"/>
+          <p:cNvSpPr txBox="1"/>
+          <p:nvPr/>
+        </p:nvSpPr>
+        <p:spPr>
+          <a:xfrm>
+            <a:off x="1354667" y="5115874"/>
+            <a:ext cx="4368800" cy="1384995"/>
+          </a:xfrm>
+          <a:prstGeom prst="rect">
+            <a:avLst/>
+          </a:prstGeom>
+          <a:noFill/>
+        </p:spPr>
+        <p:txBody>
+          <a:bodyPr wrap="square" rtlCol="0">
+            <a:spAutoFit/>
+          </a:bodyPr>
+          <a:lstStyle/>
+          <a:p>
+            <a:r>
+              <a:rPr lang="en-CA" sz="1400" dirty="0" smtClean="0"/>
+              <a:t>Trusted Advisor - </a:t>
+            </a:r>
+            <a:r>
+              <a:rPr lang="en-US" sz="1400" dirty="0"/>
+              <a:t>An online resource to help you reduce cost, increase performance, and improve security by optimizing your AWS environment, Trusted Advisor provides real time guidance to help you provision your resources following AWS best practices.</a:t>
+            </a:r>
+            <a:endParaRPr lang="en-CA" sz="1400" dirty="0"/>
+          </a:p>
+        </p:txBody>
+      </p:sp>
+      <p:sp>
+        <p:nvSpPr>
+          <p:cNvPr id="20" name="TextBox 19"/>
+          <p:cNvSpPr txBox="1"/>
+          <p:nvPr/>
+        </p:nvSpPr>
+        <p:spPr>
+          <a:xfrm>
+            <a:off x="6917266" y="5145398"/>
+            <a:ext cx="4368800" cy="738664"/>
+          </a:xfrm>
+          <a:prstGeom prst="rect">
+            <a:avLst/>
+          </a:prstGeom>
+          <a:noFill/>
+        </p:spPr>
+        <p:txBody>
+          <a:bodyPr wrap="square" rtlCol="0">
+            <a:spAutoFit/>
+          </a:bodyPr>
+          <a:lstStyle/>
+          <a:p>
+            <a:r>
+              <a:rPr lang="en-US" sz="1400" dirty="0" smtClean="0"/>
+              <a:t>Managed Service - </a:t>
+            </a:r>
+            <a:r>
+              <a:rPr lang="en-US" sz="1400" dirty="0"/>
+              <a:t>AWS Managed Services provides ongoing management of your AWS infrastructure so you can focus on your applications.</a:t>
+            </a:r>
+            <a:endParaRPr lang="en-CA" sz="1400" dirty="0"/>
+          </a:p>
+        </p:txBody>
+      </p:sp>
+      <p:pic>
+        <p:nvPicPr>
+          <p:cNvPr id="7170" name="Picture 2" descr="Image result for aws cloudwatch logo"/>
+          <p:cNvPicPr>
+            <a:picLocks noChangeAspect="1" noChangeArrowheads="1"/>
+          </p:cNvPicPr>
+          <p:nvPr/>
+        </p:nvPicPr>
+        <p:blipFill>
+          <a:blip r:embed="rId2">
+            <a:extLst>
+              <a:ext uri="{28A0092B-C50C-407E-A947-70E740481C1C}">
+                <a14:useLocalDpi xmlns:a14="http://schemas.microsoft.com/office/drawing/2010/main" val="0"/>
+              </a:ext>
+            </a:extLst>
+          </a:blip>
+          <a:srcRect/>
+          <a:stretch>
+            <a:fillRect/>
+          </a:stretch>
+        </p:blipFill>
+        <p:spPr bwMode="auto">
+          <a:xfrm>
+            <a:off x="612775" y="1709751"/>
+            <a:ext cx="704850" cy="704850"/>
+          </a:xfrm>
+          <a:prstGeom prst="rect">
+            <a:avLst/>
+          </a:prstGeom>
+          <a:noFill/>
+          <a:extLst>
+            <a:ext uri="{909E8E84-426E-40DD-AFC4-6F175D3DCCD1}">
+              <a14:hiddenFill xmlns:a14="http://schemas.microsoft.com/office/drawing/2010/main">
+                <a:solidFill>
+                  <a:srgbClr val="FFFFFF"/>
+                </a:solidFill>
+              </a14:hiddenFill>
+            </a:ext>
+          </a:extLst>
+        </p:spPr>
+      </p:pic>
+      <p:sp>
+        <p:nvSpPr>
+          <p:cNvPr id="12" name="AutoShape 4" descr="Image result for aws cloudformation logo"/>
+          <p:cNvSpPr>
+            <a:spLocks noChangeAspect="1" noChangeArrowheads="1"/>
+          </p:cNvSpPr>
+          <p:nvPr/>
+        </p:nvSpPr>
+        <p:spPr bwMode="auto">
+          <a:xfrm>
+            <a:off x="460375" y="160337"/>
+            <a:ext cx="304800" cy="304801"/>
+          </a:xfrm>
+          <a:prstGeom prst="rect">
+            <a:avLst/>
+          </a:prstGeom>
+          <a:noFill/>
+          <a:extLst>
+            <a:ext uri="{909E8E84-426E-40DD-AFC4-6F175D3DCCD1}">
+              <a14:hiddenFill xmlns:a14="http://schemas.microsoft.com/office/drawing/2010/main">
+                <a:solidFill>
+                  <a:srgbClr val="FFFFFF"/>
+                </a:solidFill>
+              </a14:hiddenFill>
+            </a:ext>
+          </a:extLst>
+        </p:spPr>
+        <p:txBody>
+          <a:bodyPr vert="horz" wrap="square" lIns="91440" tIns="45720" rIns="91440" bIns="45720" numCol="1" anchor="t" anchorCtr="0" compatLnSpc="1">
+            <a:prstTxWarp prst="textNoShape">
+              <a:avLst/>
+            </a:prstTxWarp>
+          </a:bodyPr>
+          <a:lstStyle/>
+          <a:p>
+            <a:endParaRPr lang="en-CA"/>
+          </a:p>
+        </p:txBody>
+      </p:sp>
+      <p:sp>
+        <p:nvSpPr>
+          <p:cNvPr id="14" name="AutoShape 6" descr="Image result for aws cloudformation logo"/>
+          <p:cNvSpPr>
+            <a:spLocks noChangeAspect="1" noChangeArrowheads="1"/>
+          </p:cNvSpPr>
+          <p:nvPr/>
+        </p:nvSpPr>
+        <p:spPr bwMode="auto">
+          <a:xfrm>
+            <a:off x="612775" y="312737"/>
+            <a:ext cx="304800" cy="304801"/>
+          </a:xfrm>
+          <a:prstGeom prst="rect">
+            <a:avLst/>
+          </a:prstGeom>
+          <a:noFill/>
+          <a:extLst>
+            <a:ext uri="{909E8E84-426E-40DD-AFC4-6F175D3DCCD1}">
+              <a14:hiddenFill xmlns:a14="http://schemas.microsoft.com/office/drawing/2010/main">
+                <a:solidFill>
+                  <a:srgbClr val="FFFFFF"/>
+                </a:solidFill>
+              </a14:hiddenFill>
+            </a:ext>
+          </a:extLst>
+        </p:spPr>
+        <p:txBody>
+          <a:bodyPr vert="horz" wrap="square" lIns="91440" tIns="45720" rIns="91440" bIns="45720" numCol="1" anchor="t" anchorCtr="0" compatLnSpc="1">
+            <a:prstTxWarp prst="textNoShape">
+              <a:avLst/>
+            </a:prstTxWarp>
+          </a:bodyPr>
+          <a:lstStyle/>
+          <a:p>
+            <a:endParaRPr lang="en-CA"/>
+          </a:p>
+        </p:txBody>
+      </p:sp>
+      <p:pic>
+        <p:nvPicPr>
+          <p:cNvPr id="7176" name="Picture 8" descr="Image result for aws cloudformation logo"/>
+          <p:cNvPicPr>
+            <a:picLocks noChangeAspect="1" noChangeArrowheads="1"/>
+          </p:cNvPicPr>
+          <p:nvPr/>
+        </p:nvPicPr>
+        <p:blipFill rotWithShape="1">
+          <a:blip r:embed="rId3">
+            <a:extLst>
+              <a:ext uri="{28A0092B-C50C-407E-A947-70E740481C1C}">
+                <a14:useLocalDpi xmlns:a14="http://schemas.microsoft.com/office/drawing/2010/main" val="0"/>
+              </a:ext>
+            </a:extLst>
+          </a:blip>
+          <a:srcRect t="11802" r="50000"/>
+          <a:stretch/>
+        </p:blipFill>
+        <p:spPr bwMode="auto">
+          <a:xfrm>
+            <a:off x="6120683" y="1627432"/>
+            <a:ext cx="716680" cy="738664"/>
+          </a:xfrm>
+          <a:prstGeom prst="rect">
+            <a:avLst/>
+          </a:prstGeom>
+          <a:noFill/>
+          <a:extLst>
+            <a:ext uri="{909E8E84-426E-40DD-AFC4-6F175D3DCCD1}">
+              <a14:hiddenFill xmlns:a14="http://schemas.microsoft.com/office/drawing/2010/main">
+                <a:solidFill>
+                  <a:srgbClr val="FFFFFF"/>
+                </a:solidFill>
+              </a14:hiddenFill>
+            </a:ext>
+          </a:extLst>
+        </p:spPr>
+      </p:pic>
+      <p:pic>
+        <p:nvPicPr>
+          <p:cNvPr id="7178" name="Picture 10" descr="Image result for cloudtrail logo"/>
+          <p:cNvPicPr>
+            <a:picLocks noChangeAspect="1" noChangeArrowheads="1"/>
+          </p:cNvPicPr>
+          <p:nvPr/>
+        </p:nvPicPr>
+        <p:blipFill rotWithShape="1">
+          <a:blip r:embed="rId4">
+            <a:extLst>
+              <a:ext uri="{28A0092B-C50C-407E-A947-70E740481C1C}">
+                <a14:useLocalDpi xmlns:a14="http://schemas.microsoft.com/office/drawing/2010/main" val="0"/>
+              </a:ext>
+            </a:extLst>
+          </a:blip>
+          <a:srcRect l="31278" t="18898" r="30055" b="19602"/>
+          <a:stretch/>
+        </p:blipFill>
+        <p:spPr bwMode="auto">
+          <a:xfrm>
+            <a:off x="612775" y="2830229"/>
+            <a:ext cx="656721" cy="696351"/>
+          </a:xfrm>
+          <a:prstGeom prst="rect">
+            <a:avLst/>
+          </a:prstGeom>
+          <a:noFill/>
+          <a:extLst>
+            <a:ext uri="{909E8E84-426E-40DD-AFC4-6F175D3DCCD1}">
+              <a14:hiddenFill xmlns:a14="http://schemas.microsoft.com/office/drawing/2010/main">
+                <a:solidFill>
+                  <a:srgbClr val="FFFFFF"/>
+                </a:solidFill>
+              </a14:hiddenFill>
+            </a:ext>
+          </a:extLst>
+        </p:spPr>
+      </p:pic>
+      <p:pic>
+        <p:nvPicPr>
+          <p:cNvPr id="7180" name="Picture 12" descr="Image result for aws config logo"/>
+          <p:cNvPicPr>
+            <a:picLocks noChangeAspect="1" noChangeArrowheads="1"/>
+          </p:cNvPicPr>
+          <p:nvPr/>
+        </p:nvPicPr>
+        <p:blipFill rotWithShape="1">
+          <a:blip r:embed="rId5">
+            <a:extLst>
+              <a:ext uri="{28A0092B-C50C-407E-A947-70E740481C1C}">
+                <a14:useLocalDpi xmlns:a14="http://schemas.microsoft.com/office/drawing/2010/main" val="0"/>
+              </a:ext>
+            </a:extLst>
+          </a:blip>
+          <a:srcRect l="32194" t="18327" r="31139" b="18660"/>
+          <a:stretch/>
+        </p:blipFill>
+        <p:spPr bwMode="auto">
+          <a:xfrm>
+            <a:off x="6190043" y="2830229"/>
+            <a:ext cx="577959" cy="662161"/>
+          </a:xfrm>
+          <a:prstGeom prst="rect">
+            <a:avLst/>
+          </a:prstGeom>
+          <a:noFill/>
+          <a:extLst>
+            <a:ext uri="{909E8E84-426E-40DD-AFC4-6F175D3DCCD1}">
+              <a14:hiddenFill xmlns:a14="http://schemas.microsoft.com/office/drawing/2010/main">
+                <a:solidFill>
+                  <a:srgbClr val="FFFFFF"/>
+                </a:solidFill>
+              </a14:hiddenFill>
+            </a:ext>
+          </a:extLst>
+        </p:spPr>
+      </p:pic>
+      <p:pic>
+        <p:nvPicPr>
+          <p:cNvPr id="7182" name="Picture 14" descr="Image result for aws opsworks logo"/>
+          <p:cNvPicPr>
+            <a:picLocks noChangeAspect="1" noChangeArrowheads="1"/>
+          </p:cNvPicPr>
+          <p:nvPr/>
+        </p:nvPicPr>
+        <p:blipFill>
+          <a:blip r:embed="rId6">
+            <a:extLst>
+              <a:ext uri="{28A0092B-C50C-407E-A947-70E740481C1C}">
+                <a14:useLocalDpi xmlns:a14="http://schemas.microsoft.com/office/drawing/2010/main" val="0"/>
+              </a:ext>
+            </a:extLst>
+          </a:blip>
+          <a:srcRect/>
+          <a:stretch>
+            <a:fillRect/>
+          </a:stretch>
+        </p:blipFill>
+        <p:spPr bwMode="auto">
+          <a:xfrm>
+            <a:off x="612775" y="3966620"/>
+            <a:ext cx="656721" cy="656721"/>
+          </a:xfrm>
+          <a:prstGeom prst="rect">
+            <a:avLst/>
+          </a:prstGeom>
+          <a:noFill/>
+          <a:extLst>
+            <a:ext uri="{909E8E84-426E-40DD-AFC4-6F175D3DCCD1}">
+              <a14:hiddenFill xmlns:a14="http://schemas.microsoft.com/office/drawing/2010/main">
+                <a:solidFill>
+                  <a:srgbClr val="FFFFFF"/>
+                </a:solidFill>
+              </a14:hiddenFill>
+            </a:ext>
+          </a:extLst>
+        </p:spPr>
+      </p:pic>
+      <p:pic>
+        <p:nvPicPr>
+          <p:cNvPr id="7185" name="Picture 17" descr="\\officescchome9.office.adroot.bmogc.net\scc9userdata$\ydong05\Desktop\Service-Catalog-high.png"/>
+          <p:cNvPicPr>
+            <a:picLocks noChangeAspect="1" noChangeArrowheads="1"/>
+          </p:cNvPicPr>
+          <p:nvPr/>
+        </p:nvPicPr>
+        <p:blipFill>
+          <a:blip r:embed="rId7">
+            <a:extLst>
+              <a:ext uri="{28A0092B-C50C-407E-A947-70E740481C1C}">
+                <a14:useLocalDpi xmlns:a14="http://schemas.microsoft.com/office/drawing/2010/main" val="0"/>
+              </a:ext>
+            </a:extLst>
+          </a:blip>
+          <a:srcRect/>
+          <a:stretch>
+            <a:fillRect/>
+          </a:stretch>
+        </p:blipFill>
+        <p:spPr bwMode="auto">
+          <a:xfrm>
+            <a:off x="6252512" y="3967176"/>
+            <a:ext cx="486915" cy="588220"/>
+          </a:xfrm>
+          <a:prstGeom prst="rect">
+            <a:avLst/>
+          </a:prstGeom>
+          <a:noFill/>
+          <a:extLst>
+            <a:ext uri="{909E8E84-426E-40DD-AFC4-6F175D3DCCD1}">
+              <a14:hiddenFill xmlns:a14="http://schemas.microsoft.com/office/drawing/2010/main">
+                <a:solidFill>
+                  <a:srgbClr val="FFFFFF"/>
+                </a:solidFill>
+              </a14:hiddenFill>
+            </a:ext>
+          </a:extLst>
+        </p:spPr>
+      </p:pic>
+      <p:pic>
+        <p:nvPicPr>
+          <p:cNvPr id="7187" name="Picture 19" descr="Image result for aws trusted advisor logo"/>
+          <p:cNvPicPr>
+            <a:picLocks noChangeAspect="1" noChangeArrowheads="1"/>
+          </p:cNvPicPr>
+          <p:nvPr/>
+        </p:nvPicPr>
+        <p:blipFill>
+          <a:blip r:embed="rId8">
+            <a:extLst>
+              <a:ext uri="{28A0092B-C50C-407E-A947-70E740481C1C}">
+                <a14:useLocalDpi xmlns:a14="http://schemas.microsoft.com/office/drawing/2010/main" val="0"/>
+              </a:ext>
+            </a:extLst>
+          </a:blip>
+          <a:srcRect/>
+          <a:stretch>
+            <a:fillRect/>
+          </a:stretch>
+        </p:blipFill>
+        <p:spPr bwMode="auto">
+          <a:xfrm>
+            <a:off x="460375" y="5035305"/>
+            <a:ext cx="958850" cy="958850"/>
+          </a:xfrm>
+          <a:prstGeom prst="rect">
+            <a:avLst/>
+          </a:prstGeom>
+          <a:noFill/>
+          <a:extLst>
+            <a:ext uri="{909E8E84-426E-40DD-AFC4-6F175D3DCCD1}">
+              <a14:hiddenFill xmlns:a14="http://schemas.microsoft.com/office/drawing/2010/main">
+                <a:solidFill>
+                  <a:srgbClr val="FFFFFF"/>
+                </a:solidFill>
+              </a14:hiddenFill>
+            </a:ext>
+          </a:extLst>
+        </p:spPr>
+      </p:pic>
+      <p:pic>
+        <p:nvPicPr>
+          <p:cNvPr id="7188" name="Picture 20"/>
+          <p:cNvPicPr>
+            <a:picLocks noChangeAspect="1" noChangeArrowheads="1"/>
+          </p:cNvPicPr>
+          <p:nvPr/>
+        </p:nvPicPr>
+        <p:blipFill rotWithShape="1">
+          <a:blip r:embed="rId9">
+            <a:extLst>
+              <a:ext uri="{28A0092B-C50C-407E-A947-70E740481C1C}">
+                <a14:useLocalDpi xmlns:a14="http://schemas.microsoft.com/office/drawing/2010/main" val="0"/>
+              </a:ext>
+            </a:extLst>
+          </a:blip>
+          <a:srcRect l="42958" t="5114" r="43241" b="73881"/>
+          <a:stretch/>
+        </p:blipFill>
+        <p:spPr bwMode="auto">
+          <a:xfrm>
+            <a:off x="6190043" y="5179371"/>
+            <a:ext cx="603347" cy="517028"/>
+          </a:xfrm>
+          <a:prstGeom prst="rect">
+            <a:avLst/>
+          </a:prstGeom>
+          <a:noFill/>
+          <a:ln>
+            <a:noFill/>
+          </a:ln>
+          <a:extLst>
+            <a:ext uri="{909E8E84-426E-40DD-AFC4-6F175D3DCCD1}">
+              <a14:hiddenFill xmlns:a14="http://schemas.microsoft.com/office/drawing/2010/main">
+                <a:solidFill>
+                  <a:schemeClr val="accent1"/>
+                </a:solidFill>
+              </a14:hiddenFill>
+            </a:ext>
+            <a:ext uri="{91240B29-F687-4F45-9708-019B960494DF}">
+              <a14:hiddenLine xmlns:a14="http://schemas.microsoft.com/office/drawing/2010/main" w="9525">
+                <a:solidFill>
+                  <a:schemeClr val="tx1"/>
+                </a:solidFill>
+                <a:miter lim="800000"/>
+                <a:headEnd/>
+                <a:tailEnd/>
+              </a14:hiddenLine>
+            </a:ext>
+          </a:extLst>
+        </p:spPr>
+      </p:pic>
+    </p:spTree>
+    <p:extLst>
+      <p:ext uri="{BB962C8B-B14F-4D97-AF65-F5344CB8AC3E}">
+        <p14:creationId xmlns:p14="http://schemas.microsoft.com/office/powerpoint/2010/main" val="409771195"/>
+      </p:ext>
+    </p:extLst>
+  </p:cSld>
+  <p:clrMapOvr>
+    <a:masterClrMapping/>
+  </p:clrMapOvr>
+</p:sld>
+</file>
+
+<file path=ppt/slides/slide32.xml><?xml version="1.0" encoding="utf-8"?>
+<p:sld xmlns:a="http://schemas.openxmlformats.org/drawingml/2006/main" xmlns:r="http://schemas.openxmlformats.org/officeDocument/2006/relationships" xmlns:p="http://schemas.openxmlformats.org/presentationml/2006/main">
+  <p:cSld>
+    <p:spTree>
+      <p:nvGrpSpPr>
+        <p:cNvPr id="1" name=""/>
+        <p:cNvGrpSpPr/>
+        <p:nvPr/>
+      </p:nvGrpSpPr>
+      <p:grpSpPr>
+        <a:xfrm>
+          <a:off x="0" y="0"/>
+          <a:ext cx="0" cy="0"/>
+          <a:chOff x="0" y="0"/>
+          <a:chExt cx="0" cy="0"/>
+        </a:xfrm>
+      </p:grpSpPr>
+      <p:sp>
+        <p:nvSpPr>
+          <p:cNvPr id="2" name="Title 1"/>
+          <p:cNvSpPr>
+            <a:spLocks noGrp="1"/>
+          </p:cNvSpPr>
+          <p:nvPr>
+            <p:ph type="title"/>
+          </p:nvPr>
+        </p:nvSpPr>
+        <p:spPr/>
+        <p:txBody>
+          <a:bodyPr/>
+          <a:lstStyle/>
+          <a:p>
+            <a:r>
+              <a:rPr lang="en-CA" dirty="0" smtClean="0"/>
+              <a:t>Application Services</a:t>
+            </a:r>
+            <a:endParaRPr lang="en-CA" dirty="0"/>
+          </a:p>
+        </p:txBody>
+      </p:sp>
+      <p:sp>
+        <p:nvSpPr>
+          <p:cNvPr id="4" name="Footer Placeholder 3"/>
+          <p:cNvSpPr>
+            <a:spLocks noGrp="1"/>
+          </p:cNvSpPr>
+          <p:nvPr>
+            <p:ph type="ftr" sz="quarter" idx="11"/>
+          </p:nvPr>
+        </p:nvSpPr>
+        <p:spPr/>
+        <p:txBody>
+          <a:bodyPr/>
+          <a:lstStyle/>
+          <a:p>
+            <a:r>
+              <a:rPr lang="en-US" smtClean="0"/>
+              <a:t>aws101</a:t>
+            </a:r>
+            <a:endParaRPr lang="en-US" dirty="0"/>
+          </a:p>
+        </p:txBody>
+      </p:sp>
+      <p:sp>
+        <p:nvSpPr>
+          <p:cNvPr id="5" name="Slide Number Placeholder 4"/>
+          <p:cNvSpPr>
+            <a:spLocks noGrp="1"/>
+          </p:cNvSpPr>
+          <p:nvPr>
+            <p:ph type="sldNum" sz="quarter" idx="12"/>
+          </p:nvPr>
+        </p:nvSpPr>
+        <p:spPr/>
+        <p:txBody>
+          <a:bodyPr/>
+          <a:lstStyle/>
+          <a:p>
+            <a:fld id="{6D22F896-40B5-4ADD-8801-0D06FADFA095}" type="slidenum">
+              <a:rPr lang="en-US" smtClean="0"/>
+              <a:t>32</a:t>
+            </a:fld>
+            <a:endParaRPr lang="en-US" dirty="0"/>
+          </a:p>
+        </p:txBody>
+      </p:sp>
+      <p:sp>
+        <p:nvSpPr>
+          <p:cNvPr id="6" name="TextBox 5"/>
+          <p:cNvSpPr txBox="1"/>
+          <p:nvPr/>
+        </p:nvSpPr>
+        <p:spPr>
+          <a:xfrm>
+            <a:off x="1643743" y="1731059"/>
+            <a:ext cx="4201886" cy="1477328"/>
+          </a:xfrm>
+          <a:prstGeom prst="rect">
+            <a:avLst/>
+          </a:prstGeom>
+          <a:noFill/>
+        </p:spPr>
+        <p:txBody>
+          <a:bodyPr wrap="square" rtlCol="0">
+            <a:spAutoFit/>
+          </a:bodyPr>
+          <a:lstStyle/>
+          <a:p>
+            <a:r>
+              <a:rPr lang="en-US" dirty="0" smtClean="0"/>
+              <a:t>Step Functions - AWS </a:t>
+            </a:r>
+            <a:r>
+              <a:rPr lang="en-US" dirty="0"/>
+              <a:t>Step Functions makes it easy to coordinate the components of distributed applications and </a:t>
+            </a:r>
+            <a:r>
+              <a:rPr lang="en-US" dirty="0" err="1"/>
+              <a:t>microservices</a:t>
+            </a:r>
+            <a:r>
+              <a:rPr lang="en-US" dirty="0"/>
+              <a:t> using visual workflows.</a:t>
+            </a:r>
+            <a:endParaRPr lang="en-CA" dirty="0"/>
+          </a:p>
+        </p:txBody>
+      </p:sp>
+      <p:sp>
+        <p:nvSpPr>
+          <p:cNvPr id="7" name="TextBox 6"/>
+          <p:cNvSpPr txBox="1"/>
+          <p:nvPr/>
+        </p:nvSpPr>
+        <p:spPr>
+          <a:xfrm>
+            <a:off x="7249887" y="1719995"/>
+            <a:ext cx="4539342" cy="1754326"/>
+          </a:xfrm>
+          <a:prstGeom prst="rect">
+            <a:avLst/>
+          </a:prstGeom>
+          <a:noFill/>
+        </p:spPr>
+        <p:txBody>
+          <a:bodyPr wrap="square" rtlCol="0">
+            <a:spAutoFit/>
+          </a:bodyPr>
+          <a:lstStyle/>
+          <a:p>
+            <a:r>
+              <a:rPr lang="en-CA" dirty="0" smtClean="0"/>
+              <a:t>SWF - </a:t>
+            </a:r>
+            <a:r>
+              <a:rPr lang="en-US" dirty="0"/>
+              <a:t>Amazon </a:t>
+            </a:r>
+            <a:r>
+              <a:rPr lang="en-US" dirty="0" smtClean="0"/>
+              <a:t>Simple Work Flow helps </a:t>
+            </a:r>
+            <a:r>
+              <a:rPr lang="en-US" dirty="0"/>
+              <a:t>developers build, run, and scale background jobs that have parallel or sequential steps. You can think of Amazon SWF as a fully-managed state tracker and task coordinator in the Cloud.</a:t>
+            </a:r>
+            <a:endParaRPr lang="en-CA" dirty="0"/>
+          </a:p>
+        </p:txBody>
+      </p:sp>
+      <p:sp>
+        <p:nvSpPr>
+          <p:cNvPr id="8" name="TextBox 7"/>
+          <p:cNvSpPr txBox="1"/>
+          <p:nvPr/>
+        </p:nvSpPr>
+        <p:spPr>
+          <a:xfrm>
+            <a:off x="1687286" y="4549369"/>
+            <a:ext cx="4114800" cy="1754326"/>
+          </a:xfrm>
+          <a:prstGeom prst="rect">
+            <a:avLst/>
+          </a:prstGeom>
+          <a:noFill/>
+        </p:spPr>
+        <p:txBody>
+          <a:bodyPr wrap="square" rtlCol="0">
+            <a:spAutoFit/>
+          </a:bodyPr>
+          <a:lstStyle/>
+          <a:p>
+            <a:r>
+              <a:rPr lang="en-CA" dirty="0" smtClean="0"/>
+              <a:t>API Gateway - </a:t>
+            </a:r>
+            <a:r>
+              <a:rPr lang="en-US" dirty="0"/>
+              <a:t>Amazon API Gateway is a fully managed service that makes it easy for developers to create, publish, maintain, monitor, and secure APIs at any scale. </a:t>
+            </a:r>
+          </a:p>
+          <a:p>
+            <a:endParaRPr lang="en-CA" dirty="0"/>
+          </a:p>
+        </p:txBody>
+      </p:sp>
+      <p:sp>
+        <p:nvSpPr>
+          <p:cNvPr id="9" name="TextBox 8"/>
+          <p:cNvSpPr txBox="1"/>
+          <p:nvPr/>
+        </p:nvSpPr>
+        <p:spPr>
+          <a:xfrm>
+            <a:off x="7249887" y="4491435"/>
+            <a:ext cx="4157231" cy="1477328"/>
+          </a:xfrm>
+          <a:prstGeom prst="rect">
+            <a:avLst/>
+          </a:prstGeom>
+          <a:noFill/>
+        </p:spPr>
+        <p:txBody>
+          <a:bodyPr wrap="square" rtlCol="0">
+            <a:spAutoFit/>
+          </a:bodyPr>
+          <a:lstStyle/>
+          <a:p>
+            <a:r>
+              <a:rPr lang="en-CA" dirty="0" smtClean="0"/>
+              <a:t>Elastic Transcoder - </a:t>
+            </a:r>
+            <a:r>
+              <a:rPr lang="en-US" dirty="0"/>
+              <a:t>Amazon Elastic Transcoder lets you convert media files that you have stored in Amazon S3 into media files in the formats required by consumer playback devices.</a:t>
+            </a:r>
+            <a:endParaRPr lang="en-CA" dirty="0"/>
+          </a:p>
+        </p:txBody>
+      </p:sp>
+      <p:sp>
+        <p:nvSpPr>
+          <p:cNvPr id="10" name="AutoShape 4" descr="Image result for aws dynamodb logo"/>
+          <p:cNvSpPr>
+            <a:spLocks noChangeAspect="1" noChangeArrowheads="1"/>
+          </p:cNvSpPr>
+          <p:nvPr/>
+        </p:nvSpPr>
+        <p:spPr bwMode="auto">
+          <a:xfrm>
+            <a:off x="155575" y="-144463"/>
+            <a:ext cx="304800" cy="304801"/>
+          </a:xfrm>
+          <a:prstGeom prst="rect">
+            <a:avLst/>
+          </a:prstGeom>
+          <a:noFill/>
+          <a:extLst>
+            <a:ext uri="{909E8E84-426E-40DD-AFC4-6F175D3DCCD1}">
+              <a14:hiddenFill xmlns:a14="http://schemas.microsoft.com/office/drawing/2010/main">
+                <a:solidFill>
+                  <a:srgbClr val="FFFFFF"/>
+                </a:solidFill>
+              </a14:hiddenFill>
+            </a:ext>
+          </a:extLst>
+        </p:spPr>
+        <p:txBody>
+          <a:bodyPr vert="horz" wrap="square" lIns="91440" tIns="45720" rIns="91440" bIns="45720" numCol="1" anchor="t" anchorCtr="0" compatLnSpc="1">
+            <a:prstTxWarp prst="textNoShape">
+              <a:avLst/>
+            </a:prstTxWarp>
+          </a:bodyPr>
+          <a:lstStyle/>
+          <a:p>
+            <a:endParaRPr lang="en-CA"/>
+          </a:p>
+        </p:txBody>
+      </p:sp>
+      <p:pic>
+        <p:nvPicPr>
+          <p:cNvPr id="8194" name="Picture 2" descr="Image result for aws step functions logo"/>
+          <p:cNvPicPr>
+            <a:picLocks noChangeAspect="1" noChangeArrowheads="1"/>
+          </p:cNvPicPr>
+          <p:nvPr/>
+        </p:nvPicPr>
+        <p:blipFill>
+          <a:blip r:embed="rId2">
+            <a:extLst>
+              <a:ext uri="{28A0092B-C50C-407E-A947-70E740481C1C}">
+                <a14:useLocalDpi xmlns:a14="http://schemas.microsoft.com/office/drawing/2010/main" val="0"/>
+              </a:ext>
+            </a:extLst>
+          </a:blip>
+          <a:srcRect/>
+          <a:stretch>
+            <a:fillRect/>
+          </a:stretch>
+        </p:blipFill>
+        <p:spPr bwMode="auto">
+          <a:xfrm>
+            <a:off x="329298" y="1616542"/>
+            <a:ext cx="1357988" cy="1357988"/>
+          </a:xfrm>
+          <a:prstGeom prst="rect">
+            <a:avLst/>
+          </a:prstGeom>
+          <a:noFill/>
+          <a:extLst>
+            <a:ext uri="{909E8E84-426E-40DD-AFC4-6F175D3DCCD1}">
+              <a14:hiddenFill xmlns:a14="http://schemas.microsoft.com/office/drawing/2010/main">
+                <a:solidFill>
+                  <a:srgbClr val="FFFFFF"/>
+                </a:solidFill>
+              </a14:hiddenFill>
+            </a:ext>
+          </a:extLst>
+        </p:spPr>
+      </p:pic>
+      <p:pic>
+        <p:nvPicPr>
+          <p:cNvPr id="8196" name="Picture 4" descr="Image result for aws swf logo"/>
+          <p:cNvPicPr>
+            <a:picLocks noChangeAspect="1" noChangeArrowheads="1"/>
+          </p:cNvPicPr>
+          <p:nvPr/>
+        </p:nvPicPr>
+        <p:blipFill>
+          <a:blip r:embed="rId3">
+            <a:extLst>
+              <a:ext uri="{28A0092B-C50C-407E-A947-70E740481C1C}">
+                <a14:useLocalDpi xmlns:a14="http://schemas.microsoft.com/office/drawing/2010/main" val="0"/>
+              </a:ext>
+            </a:extLst>
+          </a:blip>
+          <a:srcRect/>
+          <a:stretch>
+            <a:fillRect/>
+          </a:stretch>
+        </p:blipFill>
+        <p:spPr bwMode="auto">
+          <a:xfrm>
+            <a:off x="6153300" y="1670503"/>
+            <a:ext cx="926655" cy="926655"/>
+          </a:xfrm>
+          <a:prstGeom prst="rect">
+            <a:avLst/>
+          </a:prstGeom>
+          <a:noFill/>
+          <a:extLst>
+            <a:ext uri="{909E8E84-426E-40DD-AFC4-6F175D3DCCD1}">
+              <a14:hiddenFill xmlns:a14="http://schemas.microsoft.com/office/drawing/2010/main">
+                <a:solidFill>
+                  <a:srgbClr val="FFFFFF"/>
+                </a:solidFill>
+              </a14:hiddenFill>
+            </a:ext>
+          </a:extLst>
+        </p:spPr>
+      </p:pic>
+      <p:pic>
+        <p:nvPicPr>
+          <p:cNvPr id="8198" name="Picture 6" descr="Image result for aws api gateway logo"/>
+          <p:cNvPicPr>
+            <a:picLocks noChangeAspect="1" noChangeArrowheads="1"/>
+          </p:cNvPicPr>
+          <p:nvPr/>
+        </p:nvPicPr>
+        <p:blipFill>
+          <a:blip r:embed="rId4">
+            <a:extLst>
+              <a:ext uri="{28A0092B-C50C-407E-A947-70E740481C1C}">
+                <a14:useLocalDpi xmlns:a14="http://schemas.microsoft.com/office/drawing/2010/main" val="0"/>
+              </a:ext>
+            </a:extLst>
+          </a:blip>
+          <a:srcRect/>
+          <a:stretch>
+            <a:fillRect/>
+          </a:stretch>
+        </p:blipFill>
+        <p:spPr bwMode="auto">
+          <a:xfrm>
+            <a:off x="492936" y="4459067"/>
+            <a:ext cx="1066845" cy="1066845"/>
+          </a:xfrm>
+          <a:prstGeom prst="rect">
+            <a:avLst/>
+          </a:prstGeom>
+          <a:noFill/>
+          <a:extLst>
+            <a:ext uri="{909E8E84-426E-40DD-AFC4-6F175D3DCCD1}">
+              <a14:hiddenFill xmlns:a14="http://schemas.microsoft.com/office/drawing/2010/main">
+                <a:solidFill>
+                  <a:srgbClr val="FFFFFF"/>
+                </a:solidFill>
+              </a14:hiddenFill>
+            </a:ext>
+          </a:extLst>
+        </p:spPr>
+      </p:pic>
+      <p:pic>
+        <p:nvPicPr>
+          <p:cNvPr id="8200" name="Picture 8" descr="Image result for aws elastic transcoder logo"/>
+          <p:cNvPicPr>
+            <a:picLocks noChangeAspect="1" noChangeArrowheads="1"/>
+          </p:cNvPicPr>
+          <p:nvPr/>
+        </p:nvPicPr>
+        <p:blipFill>
+          <a:blip r:embed="rId5">
+            <a:extLst>
+              <a:ext uri="{28A0092B-C50C-407E-A947-70E740481C1C}">
+                <a14:useLocalDpi xmlns:a14="http://schemas.microsoft.com/office/drawing/2010/main" val="0"/>
+              </a:ext>
+            </a:extLst>
+          </a:blip>
+          <a:srcRect/>
+          <a:stretch>
+            <a:fillRect/>
+          </a:stretch>
+        </p:blipFill>
+        <p:spPr bwMode="auto">
+          <a:xfrm>
+            <a:off x="6287534" y="4467975"/>
+            <a:ext cx="776051" cy="937728"/>
+          </a:xfrm>
+          <a:prstGeom prst="rect">
+            <a:avLst/>
+          </a:prstGeom>
+          <a:noFill/>
+          <a:extLst>
+            <a:ext uri="{909E8E84-426E-40DD-AFC4-6F175D3DCCD1}">
+              <a14:hiddenFill xmlns:a14="http://schemas.microsoft.com/office/drawing/2010/main">
+                <a:solidFill>
+                  <a:srgbClr val="FFFFFF"/>
+                </a:solidFill>
+              </a14:hiddenFill>
+            </a:ext>
+          </a:extLst>
+        </p:spPr>
+      </p:pic>
+    </p:spTree>
+    <p:extLst>
+      <p:ext uri="{BB962C8B-B14F-4D97-AF65-F5344CB8AC3E}">
+        <p14:creationId xmlns:p14="http://schemas.microsoft.com/office/powerpoint/2010/main" val="3722328828"/>
+      </p:ext>
+    </p:extLst>
+  </p:cSld>
+  <p:clrMapOvr>
+    <a:masterClrMapping/>
+  </p:clrMapOvr>
+</p:sld>
+</file>
+
+<file path=ppt/slides/slide33.xml><?xml version="1.0" encoding="utf-8"?>
+<p:sld xmlns:a="http://schemas.openxmlformats.org/drawingml/2006/main" xmlns:r="http://schemas.openxmlformats.org/officeDocument/2006/relationships" xmlns:p="http://schemas.openxmlformats.org/presentationml/2006/main">
+  <p:cSld>
+    <p:spTree>
+      <p:nvGrpSpPr>
+        <p:cNvPr id="1" name=""/>
+        <p:cNvGrpSpPr/>
+        <p:nvPr/>
+      </p:nvGrpSpPr>
+      <p:grpSpPr>
+        <a:xfrm>
+          <a:off x="0" y="0"/>
+          <a:ext cx="0" cy="0"/>
+          <a:chOff x="0" y="0"/>
+          <a:chExt cx="0" cy="0"/>
+        </a:xfrm>
+      </p:grpSpPr>
+      <p:sp>
+        <p:nvSpPr>
+          <p:cNvPr id="2" name="Title 1"/>
+          <p:cNvSpPr>
+            <a:spLocks noGrp="1"/>
+          </p:cNvSpPr>
+          <p:nvPr>
+            <p:ph type="title"/>
+          </p:nvPr>
+        </p:nvSpPr>
+        <p:spPr/>
+        <p:txBody>
+          <a:bodyPr/>
+          <a:lstStyle/>
+          <a:p>
+            <a:r>
+              <a:rPr lang="en-CA" dirty="0" smtClean="0"/>
+              <a:t>Developer Tools</a:t>
+            </a:r>
+            <a:endParaRPr lang="en-CA" dirty="0"/>
+          </a:p>
+        </p:txBody>
+      </p:sp>
+      <p:sp>
+        <p:nvSpPr>
+          <p:cNvPr id="4" name="Footer Placeholder 3"/>
+          <p:cNvSpPr>
+            <a:spLocks noGrp="1"/>
+          </p:cNvSpPr>
+          <p:nvPr>
+            <p:ph type="ftr" sz="quarter" idx="11"/>
+          </p:nvPr>
+        </p:nvSpPr>
+        <p:spPr/>
+        <p:txBody>
+          <a:bodyPr/>
+          <a:lstStyle/>
+          <a:p>
+            <a:r>
+              <a:rPr lang="en-US"/>
+              <a:t>aws101</a:t>
+            </a:r>
+            <a:endParaRPr lang="en-US" dirty="0"/>
+          </a:p>
+        </p:txBody>
+      </p:sp>
+      <p:sp>
+        <p:nvSpPr>
+          <p:cNvPr id="5" name="Slide Number Placeholder 4"/>
+          <p:cNvSpPr>
+            <a:spLocks noGrp="1"/>
+          </p:cNvSpPr>
+          <p:nvPr>
+            <p:ph type="sldNum" sz="quarter" idx="12"/>
+          </p:nvPr>
+        </p:nvSpPr>
+        <p:spPr/>
+        <p:txBody>
+          <a:bodyPr/>
+          <a:lstStyle/>
+          <a:p>
+            <a:fld id="{6D22F896-40B5-4ADD-8801-0D06FADFA095}" type="slidenum">
+              <a:rPr lang="en-US" smtClean="0"/>
+              <a:t>33</a:t>
+            </a:fld>
+            <a:endParaRPr lang="en-US" dirty="0"/>
+          </a:p>
+        </p:txBody>
+      </p:sp>
+      <p:sp>
+        <p:nvSpPr>
+          <p:cNvPr id="6" name="TextBox 5"/>
+          <p:cNvSpPr txBox="1"/>
+          <p:nvPr/>
+        </p:nvSpPr>
+        <p:spPr>
+          <a:xfrm>
+            <a:off x="1562100" y="1683191"/>
+            <a:ext cx="4368917" cy="1477328"/>
+          </a:xfrm>
+          <a:prstGeom prst="rect">
+            <a:avLst/>
+          </a:prstGeom>
+          <a:noFill/>
+        </p:spPr>
+        <p:txBody>
+          <a:bodyPr wrap="square" rtlCol="0">
+            <a:spAutoFit/>
+          </a:bodyPr>
+          <a:lstStyle/>
+          <a:p>
+            <a:r>
+              <a:rPr lang="en-CA" dirty="0" smtClean="0"/>
+              <a:t>CodeCommit – AWS CodeCommit </a:t>
+            </a:r>
+            <a:r>
+              <a:rPr lang="en-US" dirty="0"/>
+              <a:t>is a fully-managed source control service that makes it easy for companies to host secure and highly scalable private </a:t>
+            </a:r>
+            <a:r>
+              <a:rPr lang="en-US" dirty="0" err="1"/>
+              <a:t>Git</a:t>
+            </a:r>
+            <a:r>
+              <a:rPr lang="en-US" dirty="0"/>
+              <a:t> repositories. </a:t>
+            </a:r>
+            <a:endParaRPr lang="en-CA" dirty="0"/>
+          </a:p>
+        </p:txBody>
+      </p:sp>
+      <p:sp>
+        <p:nvSpPr>
+          <p:cNvPr id="7" name="TextBox 6"/>
+          <p:cNvSpPr txBox="1"/>
+          <p:nvPr/>
+        </p:nvSpPr>
+        <p:spPr>
+          <a:xfrm>
+            <a:off x="7315200" y="1683191"/>
+            <a:ext cx="4756558" cy="1200329"/>
+          </a:xfrm>
+          <a:prstGeom prst="rect">
+            <a:avLst/>
+          </a:prstGeom>
+          <a:noFill/>
+        </p:spPr>
+        <p:txBody>
+          <a:bodyPr wrap="square" rtlCol="0">
+            <a:spAutoFit/>
+          </a:bodyPr>
+          <a:lstStyle/>
+          <a:p>
+            <a:r>
+              <a:rPr lang="en-CA" dirty="0" err="1" smtClean="0"/>
+              <a:t>CodePipeline</a:t>
+            </a:r>
+            <a:r>
+              <a:rPr lang="en-CA" dirty="0" smtClean="0"/>
+              <a:t> – AWS Code Pipeline </a:t>
+            </a:r>
+            <a:r>
+              <a:rPr lang="en-US" dirty="0"/>
+              <a:t>is a continuous integration and continuous delivery service for fast and reliable application and infrastructure updates.</a:t>
+            </a:r>
+            <a:endParaRPr lang="en-CA" dirty="0"/>
+          </a:p>
+        </p:txBody>
+      </p:sp>
+      <p:sp>
+        <p:nvSpPr>
+          <p:cNvPr id="8" name="TextBox 7"/>
+          <p:cNvSpPr txBox="1"/>
+          <p:nvPr/>
+        </p:nvSpPr>
+        <p:spPr>
+          <a:xfrm>
+            <a:off x="1562100" y="3596849"/>
+            <a:ext cx="4108858" cy="1477328"/>
+          </a:xfrm>
+          <a:prstGeom prst="rect">
+            <a:avLst/>
+          </a:prstGeom>
+          <a:noFill/>
+        </p:spPr>
+        <p:txBody>
+          <a:bodyPr wrap="square" rtlCol="0">
+            <a:spAutoFit/>
+          </a:bodyPr>
+          <a:lstStyle/>
+          <a:p>
+            <a:r>
+              <a:rPr lang="en-CA" dirty="0" err="1" smtClean="0"/>
+              <a:t>CodeBuild</a:t>
+            </a:r>
+            <a:r>
+              <a:rPr lang="en-CA" dirty="0" smtClean="0"/>
+              <a:t> -  AWS </a:t>
+            </a:r>
+            <a:r>
+              <a:rPr lang="en-CA" dirty="0" err="1" smtClean="0"/>
+              <a:t>CodeBuild</a:t>
+            </a:r>
+            <a:r>
+              <a:rPr lang="en-CA" dirty="0" smtClean="0"/>
+              <a:t> </a:t>
+            </a:r>
+            <a:r>
+              <a:rPr lang="en-US" dirty="0"/>
+              <a:t>is a fully managed build service that compiles source code, runs tests, and produces software packages that are ready to deploy. </a:t>
+            </a:r>
+            <a:endParaRPr lang="en-CA" dirty="0"/>
+          </a:p>
+        </p:txBody>
+      </p:sp>
+      <p:sp>
+        <p:nvSpPr>
+          <p:cNvPr id="9" name="TextBox 8"/>
+          <p:cNvSpPr txBox="1"/>
+          <p:nvPr/>
+        </p:nvSpPr>
+        <p:spPr>
+          <a:xfrm>
+            <a:off x="7339203" y="3568343"/>
+            <a:ext cx="4334352" cy="1477328"/>
+          </a:xfrm>
+          <a:prstGeom prst="rect">
+            <a:avLst/>
+          </a:prstGeom>
+          <a:noFill/>
+        </p:spPr>
+        <p:txBody>
+          <a:bodyPr wrap="square" rtlCol="0">
+            <a:spAutoFit/>
+          </a:bodyPr>
+          <a:lstStyle/>
+          <a:p>
+            <a:r>
+              <a:rPr lang="en-CA" dirty="0" err="1" smtClean="0"/>
+              <a:t>CodeDeploy</a:t>
+            </a:r>
+            <a:r>
+              <a:rPr lang="en-CA" dirty="0" smtClean="0"/>
+              <a:t> – AWS </a:t>
+            </a:r>
+            <a:r>
+              <a:rPr lang="en-CA" dirty="0" err="1" smtClean="0"/>
+              <a:t>CodeDeploy</a:t>
+            </a:r>
+            <a:r>
+              <a:rPr lang="en-CA" dirty="0" smtClean="0"/>
+              <a:t> </a:t>
+            </a:r>
+            <a:r>
+              <a:rPr lang="en-US" dirty="0"/>
+              <a:t>is a service that automates code deployments to any instance, including Amazon EC2 instances and servers running on-premises. </a:t>
+            </a:r>
+            <a:endParaRPr lang="en-CA" dirty="0"/>
+          </a:p>
+        </p:txBody>
+      </p:sp>
+      <p:sp>
+        <p:nvSpPr>
+          <p:cNvPr id="10" name="TextBox 9"/>
+          <p:cNvSpPr txBox="1"/>
+          <p:nvPr/>
+        </p:nvSpPr>
+        <p:spPr>
+          <a:xfrm>
+            <a:off x="1574097" y="5463534"/>
+            <a:ext cx="10104904" cy="646331"/>
+          </a:xfrm>
+          <a:prstGeom prst="rect">
+            <a:avLst/>
+          </a:prstGeom>
+          <a:noFill/>
+        </p:spPr>
+        <p:txBody>
+          <a:bodyPr wrap="square" rtlCol="0">
+            <a:spAutoFit/>
+          </a:bodyPr>
+          <a:lstStyle/>
+          <a:p>
+            <a:r>
+              <a:rPr lang="en-CA" dirty="0" smtClean="0"/>
+              <a:t>X-Rays – </a:t>
+            </a:r>
+            <a:r>
+              <a:rPr lang="en-US" dirty="0" smtClean="0"/>
+              <a:t>AWS </a:t>
+            </a:r>
+            <a:r>
+              <a:rPr lang="en-US" dirty="0"/>
+              <a:t>X-Ray makes it easy for developers to analyze the behavior of their distributed applications by providing request tracing, exception collection, and profiling capabilities.  </a:t>
+            </a:r>
+            <a:endParaRPr lang="en-CA" dirty="0"/>
+          </a:p>
+        </p:txBody>
+      </p:sp>
+      <p:pic>
+        <p:nvPicPr>
+          <p:cNvPr id="9218" name="Picture 2" descr="Image result for aws codecommit logo"/>
+          <p:cNvPicPr>
+            <a:picLocks noChangeAspect="1" noChangeArrowheads="1"/>
+          </p:cNvPicPr>
+          <p:nvPr/>
+        </p:nvPicPr>
+        <p:blipFill>
+          <a:blip r:embed="rId2">
+            <a:extLst>
+              <a:ext uri="{28A0092B-C50C-407E-A947-70E740481C1C}">
+                <a14:useLocalDpi xmlns:a14="http://schemas.microsoft.com/office/drawing/2010/main" val="0"/>
+              </a:ext>
+            </a:extLst>
+          </a:blip>
+          <a:srcRect/>
+          <a:stretch>
+            <a:fillRect/>
+          </a:stretch>
+        </p:blipFill>
+        <p:spPr bwMode="auto">
+          <a:xfrm>
+            <a:off x="562133" y="1703844"/>
+            <a:ext cx="940648" cy="940648"/>
+          </a:xfrm>
+          <a:prstGeom prst="rect">
+            <a:avLst/>
+          </a:prstGeom>
+          <a:noFill/>
+          <a:extLst>
+            <a:ext uri="{909E8E84-426E-40DD-AFC4-6F175D3DCCD1}">
+              <a14:hiddenFill xmlns:a14="http://schemas.microsoft.com/office/drawing/2010/main">
+                <a:solidFill>
+                  <a:srgbClr val="FFFFFF"/>
+                </a:solidFill>
+              </a14:hiddenFill>
+            </a:ext>
+          </a:extLst>
+        </p:spPr>
+      </p:pic>
+      <p:pic>
+        <p:nvPicPr>
+          <p:cNvPr id="9220" name="Picture 4" descr="Image result for aws codepipeline logo"/>
+          <p:cNvPicPr>
+            <a:picLocks noChangeAspect="1" noChangeArrowheads="1"/>
+          </p:cNvPicPr>
+          <p:nvPr/>
+        </p:nvPicPr>
+        <p:blipFill>
+          <a:blip r:embed="rId3">
+            <a:extLst>
+              <a:ext uri="{28A0092B-C50C-407E-A947-70E740481C1C}">
+                <a14:useLocalDpi xmlns:a14="http://schemas.microsoft.com/office/drawing/2010/main" val="0"/>
+              </a:ext>
+            </a:extLst>
+          </a:blip>
+          <a:srcRect/>
+          <a:stretch>
+            <a:fillRect/>
+          </a:stretch>
+        </p:blipFill>
+        <p:spPr bwMode="auto">
+          <a:xfrm>
+            <a:off x="6279419" y="1724605"/>
+            <a:ext cx="882759" cy="882759"/>
+          </a:xfrm>
+          <a:prstGeom prst="rect">
+            <a:avLst/>
+          </a:prstGeom>
+          <a:noFill/>
+          <a:extLst>
+            <a:ext uri="{909E8E84-426E-40DD-AFC4-6F175D3DCCD1}">
+              <a14:hiddenFill xmlns:a14="http://schemas.microsoft.com/office/drawing/2010/main">
+                <a:solidFill>
+                  <a:srgbClr val="FFFFFF"/>
+                </a:solidFill>
+              </a14:hiddenFill>
+            </a:ext>
+          </a:extLst>
+        </p:spPr>
+      </p:pic>
+      <p:pic>
+        <p:nvPicPr>
+          <p:cNvPr id="9222" name="Picture 6" descr="Image result for aws codebuild logo"/>
+          <p:cNvPicPr>
+            <a:picLocks noChangeAspect="1" noChangeArrowheads="1"/>
+          </p:cNvPicPr>
+          <p:nvPr/>
+        </p:nvPicPr>
+        <p:blipFill>
+          <a:blip r:embed="rId4">
+            <a:extLst>
+              <a:ext uri="{28A0092B-C50C-407E-A947-70E740481C1C}">
+                <a14:useLocalDpi xmlns:a14="http://schemas.microsoft.com/office/drawing/2010/main" val="0"/>
+              </a:ext>
+            </a:extLst>
+          </a:blip>
+          <a:srcRect/>
+          <a:stretch>
+            <a:fillRect/>
+          </a:stretch>
+        </p:blipFill>
+        <p:spPr bwMode="auto">
+          <a:xfrm>
+            <a:off x="462958" y="3488111"/>
+            <a:ext cx="1135026" cy="1135026"/>
+          </a:xfrm>
+          <a:prstGeom prst="rect">
+            <a:avLst/>
+          </a:prstGeom>
+          <a:noFill/>
+          <a:extLst>
+            <a:ext uri="{909E8E84-426E-40DD-AFC4-6F175D3DCCD1}">
+              <a14:hiddenFill xmlns:a14="http://schemas.microsoft.com/office/drawing/2010/main">
+                <a:solidFill>
+                  <a:srgbClr val="FFFFFF"/>
+                </a:solidFill>
+              </a14:hiddenFill>
+            </a:ext>
+          </a:extLst>
+        </p:spPr>
+      </p:pic>
+      <p:sp>
+        <p:nvSpPr>
+          <p:cNvPr id="3" name="AutoShape 8" descr="Image result for aws codedeploy logo"/>
+          <p:cNvSpPr>
+            <a:spLocks noChangeAspect="1" noChangeArrowheads="1"/>
+          </p:cNvSpPr>
+          <p:nvPr/>
+        </p:nvSpPr>
+        <p:spPr bwMode="auto">
+          <a:xfrm>
+            <a:off x="155575" y="-144463"/>
+            <a:ext cx="304800" cy="304801"/>
+          </a:xfrm>
+          <a:prstGeom prst="rect">
+            <a:avLst/>
+          </a:prstGeom>
+          <a:noFill/>
+          <a:extLst>
+            <a:ext uri="{909E8E84-426E-40DD-AFC4-6F175D3DCCD1}">
+              <a14:hiddenFill xmlns:a14="http://schemas.microsoft.com/office/drawing/2010/main">
+                <a:solidFill>
+                  <a:srgbClr val="FFFFFF"/>
+                </a:solidFill>
+              </a14:hiddenFill>
+            </a:ext>
+          </a:extLst>
+        </p:spPr>
+        <p:txBody>
+          <a:bodyPr vert="horz" wrap="square" lIns="91440" tIns="45720" rIns="91440" bIns="45720" numCol="1" anchor="t" anchorCtr="0" compatLnSpc="1">
+            <a:prstTxWarp prst="textNoShape">
+              <a:avLst/>
+            </a:prstTxWarp>
+          </a:bodyPr>
+          <a:lstStyle/>
+          <a:p>
+            <a:endParaRPr lang="en-CA"/>
+          </a:p>
+        </p:txBody>
+      </p:sp>
+      <p:sp>
+        <p:nvSpPr>
+          <p:cNvPr id="11" name="AutoShape 10" descr="Image result for aws codedeploy logo"/>
+          <p:cNvSpPr>
+            <a:spLocks noChangeAspect="1" noChangeArrowheads="1"/>
+          </p:cNvSpPr>
+          <p:nvPr/>
+        </p:nvSpPr>
+        <p:spPr bwMode="auto">
+          <a:xfrm>
+            <a:off x="307975" y="7937"/>
+            <a:ext cx="304800" cy="304801"/>
+          </a:xfrm>
+          <a:prstGeom prst="rect">
+            <a:avLst/>
+          </a:prstGeom>
+          <a:noFill/>
+          <a:extLst>
+            <a:ext uri="{909E8E84-426E-40DD-AFC4-6F175D3DCCD1}">
+              <a14:hiddenFill xmlns:a14="http://schemas.microsoft.com/office/drawing/2010/main">
+                <a:solidFill>
+                  <a:srgbClr val="FFFFFF"/>
+                </a:solidFill>
+              </a14:hiddenFill>
+            </a:ext>
+          </a:extLst>
+        </p:spPr>
+        <p:txBody>
+          <a:bodyPr vert="horz" wrap="square" lIns="91440" tIns="45720" rIns="91440" bIns="45720" numCol="1" anchor="t" anchorCtr="0" compatLnSpc="1">
+            <a:prstTxWarp prst="textNoShape">
+              <a:avLst/>
+            </a:prstTxWarp>
+          </a:bodyPr>
+          <a:lstStyle/>
+          <a:p>
+            <a:endParaRPr lang="en-CA"/>
+          </a:p>
+        </p:txBody>
+      </p:sp>
+      <p:sp>
+        <p:nvSpPr>
+          <p:cNvPr id="12" name="AutoShape 12" descr="Image result for aws codedeploy logo"/>
+          <p:cNvSpPr>
+            <a:spLocks noChangeAspect="1" noChangeArrowheads="1"/>
+          </p:cNvSpPr>
+          <p:nvPr/>
+        </p:nvSpPr>
+        <p:spPr bwMode="auto">
+          <a:xfrm>
+            <a:off x="460375" y="160337"/>
+            <a:ext cx="304800" cy="304801"/>
+          </a:xfrm>
+          <a:prstGeom prst="rect">
+            <a:avLst/>
+          </a:prstGeom>
+          <a:noFill/>
+          <a:extLst>
+            <a:ext uri="{909E8E84-426E-40DD-AFC4-6F175D3DCCD1}">
+              <a14:hiddenFill xmlns:a14="http://schemas.microsoft.com/office/drawing/2010/main">
+                <a:solidFill>
+                  <a:srgbClr val="FFFFFF"/>
+                </a:solidFill>
+              </a14:hiddenFill>
+            </a:ext>
+          </a:extLst>
+        </p:spPr>
+        <p:txBody>
+          <a:bodyPr vert="horz" wrap="square" lIns="91440" tIns="45720" rIns="91440" bIns="45720" numCol="1" anchor="t" anchorCtr="0" compatLnSpc="1">
+            <a:prstTxWarp prst="textNoShape">
+              <a:avLst/>
+            </a:prstTxWarp>
+          </a:bodyPr>
+          <a:lstStyle/>
+          <a:p>
+            <a:endParaRPr lang="en-CA"/>
+          </a:p>
+        </p:txBody>
+      </p:sp>
+      <p:pic>
+        <p:nvPicPr>
+          <p:cNvPr id="9230" name="Picture 14" descr="Image result for aws codedeploy logo"/>
+          <p:cNvPicPr>
+            <a:picLocks noChangeAspect="1" noChangeArrowheads="1"/>
+          </p:cNvPicPr>
+          <p:nvPr/>
+        </p:nvPicPr>
+        <p:blipFill>
+          <a:blip r:embed="rId5">
+            <a:extLst>
+              <a:ext uri="{28A0092B-C50C-407E-A947-70E740481C1C}">
+                <a14:useLocalDpi xmlns:a14="http://schemas.microsoft.com/office/drawing/2010/main" val="0"/>
+              </a:ext>
+            </a:extLst>
+          </a:blip>
+          <a:srcRect/>
+          <a:stretch>
+            <a:fillRect/>
+          </a:stretch>
+        </p:blipFill>
+        <p:spPr bwMode="auto">
+          <a:xfrm>
+            <a:off x="6272025" y="3596849"/>
+            <a:ext cx="890153" cy="890153"/>
+          </a:xfrm>
+          <a:prstGeom prst="rect">
+            <a:avLst/>
+          </a:prstGeom>
+          <a:noFill/>
+          <a:extLst>
+            <a:ext uri="{909E8E84-426E-40DD-AFC4-6F175D3DCCD1}">
+              <a14:hiddenFill xmlns:a14="http://schemas.microsoft.com/office/drawing/2010/main">
+                <a:solidFill>
+                  <a:srgbClr val="FFFFFF"/>
+                </a:solidFill>
+              </a14:hiddenFill>
+            </a:ext>
+          </a:extLst>
+        </p:spPr>
+      </p:pic>
+      <p:pic>
+        <p:nvPicPr>
+          <p:cNvPr id="9232" name="Picture 16" descr="Image result for aws x-ray logo"/>
+          <p:cNvPicPr>
+            <a:picLocks noChangeAspect="1" noChangeArrowheads="1"/>
+          </p:cNvPicPr>
+          <p:nvPr/>
+        </p:nvPicPr>
+        <p:blipFill rotWithShape="1">
+          <a:blip r:embed="rId6">
+            <a:extLst>
+              <a:ext uri="{28A0092B-C50C-407E-A947-70E740481C1C}">
+                <a14:useLocalDpi xmlns:a14="http://schemas.microsoft.com/office/drawing/2010/main" val="0"/>
+              </a:ext>
+            </a:extLst>
+          </a:blip>
+          <a:srcRect l="25165" t="11010" r="23753" b="30202"/>
+          <a:stretch/>
+        </p:blipFill>
+        <p:spPr bwMode="auto">
+          <a:xfrm>
+            <a:off x="765175" y="5439800"/>
+            <a:ext cx="602850" cy="693797"/>
+          </a:xfrm>
+          <a:prstGeom prst="rect">
+            <a:avLst/>
+          </a:prstGeom>
+          <a:noFill/>
+          <a:extLst>
+            <a:ext uri="{909E8E84-426E-40DD-AFC4-6F175D3DCCD1}">
+              <a14:hiddenFill xmlns:a14="http://schemas.microsoft.com/office/drawing/2010/main">
+                <a:solidFill>
+                  <a:srgbClr val="FFFFFF"/>
+                </a:solidFill>
+              </a14:hiddenFill>
+            </a:ext>
+          </a:extLst>
+        </p:spPr>
+      </p:pic>
+    </p:spTree>
+    <p:extLst>
+      <p:ext uri="{BB962C8B-B14F-4D97-AF65-F5344CB8AC3E}">
+        <p14:creationId xmlns:p14="http://schemas.microsoft.com/office/powerpoint/2010/main" val="3013465765"/>
+      </p:ext>
+    </p:extLst>
+  </p:cSld>
+  <p:clrMapOvr>
+    <a:masterClrMapping/>
+  </p:clrMapOvr>
+</p:sld>
+</file>
+
+<file path=ppt/slides/slide34.xml><?xml version="1.0" encoding="utf-8"?>
+<p:sld xmlns:a="http://schemas.openxmlformats.org/drawingml/2006/main" xmlns:r="http://schemas.openxmlformats.org/officeDocument/2006/relationships" xmlns:p="http://schemas.openxmlformats.org/presentationml/2006/main">
+  <p:cSld>
+    <p:spTree>
+      <p:nvGrpSpPr>
+        <p:cNvPr id="1" name=""/>
+        <p:cNvGrpSpPr/>
+        <p:nvPr/>
+      </p:nvGrpSpPr>
+      <p:grpSpPr>
+        <a:xfrm>
+          <a:off x="0" y="0"/>
+          <a:ext cx="0" cy="0"/>
+          <a:chOff x="0" y="0"/>
+          <a:chExt cx="0" cy="0"/>
+        </a:xfrm>
+      </p:grpSpPr>
+      <p:sp>
+        <p:nvSpPr>
+          <p:cNvPr id="2" name="Title 1"/>
+          <p:cNvSpPr>
+            <a:spLocks noGrp="1"/>
+          </p:cNvSpPr>
+          <p:nvPr>
+            <p:ph type="title"/>
+          </p:nvPr>
+        </p:nvSpPr>
+        <p:spPr/>
+        <p:txBody>
+          <a:bodyPr/>
+          <a:lstStyle/>
+          <a:p>
+            <a:r>
+              <a:rPr lang="en-CA" dirty="0" smtClean="0"/>
+              <a:t>Mobile Services</a:t>
+            </a:r>
+            <a:endParaRPr lang="en-CA" dirty="0"/>
+          </a:p>
+        </p:txBody>
+      </p:sp>
+      <p:sp>
+        <p:nvSpPr>
+          <p:cNvPr id="4" name="Footer Placeholder 3"/>
+          <p:cNvSpPr>
+            <a:spLocks noGrp="1"/>
+          </p:cNvSpPr>
+          <p:nvPr>
+            <p:ph type="ftr" sz="quarter" idx="11"/>
+          </p:nvPr>
+        </p:nvSpPr>
+        <p:spPr/>
+        <p:txBody>
+          <a:bodyPr/>
+          <a:lstStyle/>
+          <a:p>
+            <a:r>
+              <a:rPr lang="en-US"/>
+              <a:t>aws101</a:t>
+            </a:r>
+            <a:endParaRPr lang="en-US" dirty="0"/>
+          </a:p>
+        </p:txBody>
+      </p:sp>
+      <p:sp>
+        <p:nvSpPr>
+          <p:cNvPr id="5" name="Slide Number Placeholder 4"/>
+          <p:cNvSpPr>
+            <a:spLocks noGrp="1"/>
+          </p:cNvSpPr>
+          <p:nvPr>
+            <p:ph type="sldNum" sz="quarter" idx="12"/>
+          </p:nvPr>
+        </p:nvSpPr>
+        <p:spPr/>
+        <p:txBody>
+          <a:bodyPr/>
+          <a:lstStyle/>
+          <a:p>
+            <a:fld id="{6D22F896-40B5-4ADD-8801-0D06FADFA095}" type="slidenum">
+              <a:rPr lang="en-US" smtClean="0"/>
+              <a:t>34</a:t>
+            </a:fld>
+            <a:endParaRPr lang="en-US" dirty="0"/>
+          </a:p>
+        </p:txBody>
+      </p:sp>
+      <p:sp>
+        <p:nvSpPr>
+          <p:cNvPr id="6" name="TextBox 5"/>
+          <p:cNvSpPr txBox="1"/>
+          <p:nvPr/>
+        </p:nvSpPr>
+        <p:spPr>
+          <a:xfrm>
+            <a:off x="1562100" y="1683191"/>
+            <a:ext cx="4779977" cy="1754326"/>
+          </a:xfrm>
+          <a:prstGeom prst="rect">
+            <a:avLst/>
+          </a:prstGeom>
+          <a:noFill/>
+        </p:spPr>
+        <p:txBody>
+          <a:bodyPr wrap="square" rtlCol="0">
+            <a:spAutoFit/>
+          </a:bodyPr>
+          <a:lstStyle/>
+          <a:p>
+            <a:r>
+              <a:rPr lang="en-CA" dirty="0" smtClean="0"/>
+              <a:t>Mobile Hub - </a:t>
+            </a:r>
+            <a:r>
+              <a:rPr lang="en-US" dirty="0"/>
+              <a:t>AWS Mobile Hub guides you through feature selection and configuration, automatically provisions the AWS services required, and generates working code that helps you integrate the Mobile SDK with your app in minutes. </a:t>
+            </a:r>
+            <a:endParaRPr lang="en-CA" dirty="0"/>
+          </a:p>
+        </p:txBody>
+      </p:sp>
+      <p:sp>
+        <p:nvSpPr>
+          <p:cNvPr id="7" name="TextBox 6"/>
+          <p:cNvSpPr txBox="1"/>
+          <p:nvPr/>
+        </p:nvSpPr>
+        <p:spPr>
+          <a:xfrm>
+            <a:off x="7315200" y="1683191"/>
+            <a:ext cx="4756558" cy="923330"/>
+          </a:xfrm>
+          <a:prstGeom prst="rect">
+            <a:avLst/>
+          </a:prstGeom>
+          <a:noFill/>
+        </p:spPr>
+        <p:txBody>
+          <a:bodyPr wrap="square" rtlCol="0">
+            <a:spAutoFit/>
+          </a:bodyPr>
+          <a:lstStyle/>
+          <a:p>
+            <a:r>
+              <a:rPr lang="en-US" dirty="0" err="1" smtClean="0"/>
+              <a:t>Cognito</a:t>
+            </a:r>
+            <a:r>
+              <a:rPr lang="en-US" dirty="0" smtClean="0"/>
+              <a:t> - Amazon </a:t>
+            </a:r>
+            <a:r>
+              <a:rPr lang="en-US" dirty="0" err="1"/>
+              <a:t>Cognito</a:t>
+            </a:r>
+            <a:r>
+              <a:rPr lang="en-US" dirty="0"/>
+              <a:t> lets you easily add user sign-up and sign-in and manage permissions for your mobile and web apps.</a:t>
+            </a:r>
+            <a:endParaRPr lang="en-CA" dirty="0"/>
+          </a:p>
+        </p:txBody>
+      </p:sp>
+      <p:sp>
+        <p:nvSpPr>
+          <p:cNvPr id="8" name="TextBox 7"/>
+          <p:cNvSpPr txBox="1"/>
+          <p:nvPr/>
+        </p:nvSpPr>
+        <p:spPr>
+          <a:xfrm>
+            <a:off x="1562099" y="3596849"/>
+            <a:ext cx="4578641" cy="1754326"/>
+          </a:xfrm>
+          <a:prstGeom prst="rect">
+            <a:avLst/>
+          </a:prstGeom>
+          <a:noFill/>
+        </p:spPr>
+        <p:txBody>
+          <a:bodyPr wrap="square" rtlCol="0">
+            <a:spAutoFit/>
+          </a:bodyPr>
+          <a:lstStyle/>
+          <a:p>
+            <a:r>
+              <a:rPr lang="en-CA" dirty="0" smtClean="0"/>
+              <a:t>Device Farm – AWS </a:t>
+            </a:r>
+            <a:r>
+              <a:rPr lang="en-US" dirty="0" smtClean="0"/>
+              <a:t>Device </a:t>
+            </a:r>
+            <a:r>
+              <a:rPr lang="en-US" dirty="0"/>
+              <a:t>Farm is an app testing service that enables you to test and interact with your Android, iOS, and Web apps on real, physical phones and tablets that are hosted by Amazon Web Services (AWS).</a:t>
+            </a:r>
+            <a:endParaRPr lang="en-CA" dirty="0"/>
+          </a:p>
+        </p:txBody>
+      </p:sp>
+      <p:sp>
+        <p:nvSpPr>
+          <p:cNvPr id="9" name="TextBox 8"/>
+          <p:cNvSpPr txBox="1"/>
+          <p:nvPr/>
+        </p:nvSpPr>
+        <p:spPr>
+          <a:xfrm>
+            <a:off x="7339203" y="3568343"/>
+            <a:ext cx="4334352" cy="1200329"/>
+          </a:xfrm>
+          <a:prstGeom prst="rect">
+            <a:avLst/>
+          </a:prstGeom>
+          <a:noFill/>
+        </p:spPr>
+        <p:txBody>
+          <a:bodyPr wrap="square" rtlCol="0">
+            <a:spAutoFit/>
+          </a:bodyPr>
+          <a:lstStyle/>
+          <a:p>
+            <a:r>
+              <a:rPr lang="en-US" dirty="0" smtClean="0"/>
+              <a:t>Mobile Analytics - AWS </a:t>
+            </a:r>
+            <a:r>
+              <a:rPr lang="en-US" dirty="0"/>
+              <a:t>Mobile Analytics is a service for collecting, visualizing, and understanding app usage data at scale. </a:t>
+            </a:r>
+            <a:endParaRPr lang="en-CA" dirty="0"/>
+          </a:p>
+        </p:txBody>
+      </p:sp>
+      <p:sp>
+        <p:nvSpPr>
+          <p:cNvPr id="10" name="TextBox 9"/>
+          <p:cNvSpPr txBox="1"/>
+          <p:nvPr/>
+        </p:nvSpPr>
+        <p:spPr>
+          <a:xfrm>
+            <a:off x="1837189" y="5555408"/>
+            <a:ext cx="9011302" cy="646331"/>
+          </a:xfrm>
+          <a:prstGeom prst="rect">
+            <a:avLst/>
+          </a:prstGeom>
+          <a:noFill/>
+        </p:spPr>
+        <p:txBody>
+          <a:bodyPr wrap="square" rtlCol="0">
+            <a:spAutoFit/>
+          </a:bodyPr>
+          <a:lstStyle/>
+          <a:p>
+            <a:r>
+              <a:rPr lang="en-US" dirty="0" smtClean="0"/>
+              <a:t>Pinpoint - Amazon </a:t>
+            </a:r>
+            <a:r>
+              <a:rPr lang="en-US" dirty="0"/>
+              <a:t>Pinpoint is an AWS service that you can use to improve user engagement by reaching out to user segments through push notification campaigns. </a:t>
+            </a:r>
+            <a:endParaRPr lang="en-CA" dirty="0"/>
+          </a:p>
+        </p:txBody>
+      </p:sp>
+      <p:sp>
+        <p:nvSpPr>
+          <p:cNvPr id="3" name="AutoShape 8" descr="Image result for aws codedeploy logo"/>
+          <p:cNvSpPr>
+            <a:spLocks noChangeAspect="1" noChangeArrowheads="1"/>
+          </p:cNvSpPr>
+          <p:nvPr/>
+        </p:nvSpPr>
+        <p:spPr bwMode="auto">
+          <a:xfrm>
+            <a:off x="155575" y="-144463"/>
+            <a:ext cx="304800" cy="304801"/>
+          </a:xfrm>
+          <a:prstGeom prst="rect">
+            <a:avLst/>
+          </a:prstGeom>
+          <a:noFill/>
+          <a:extLst>
+            <a:ext uri="{909E8E84-426E-40DD-AFC4-6F175D3DCCD1}">
+              <a14:hiddenFill xmlns:a14="http://schemas.microsoft.com/office/drawing/2010/main">
+                <a:solidFill>
+                  <a:srgbClr val="FFFFFF"/>
+                </a:solidFill>
+              </a14:hiddenFill>
+            </a:ext>
+          </a:extLst>
+        </p:spPr>
+        <p:txBody>
+          <a:bodyPr vert="horz" wrap="square" lIns="91440" tIns="45720" rIns="91440" bIns="45720" numCol="1" anchor="t" anchorCtr="0" compatLnSpc="1">
+            <a:prstTxWarp prst="textNoShape">
+              <a:avLst/>
+            </a:prstTxWarp>
+          </a:bodyPr>
+          <a:lstStyle/>
+          <a:p>
+            <a:endParaRPr lang="en-CA"/>
+          </a:p>
+        </p:txBody>
+      </p:sp>
+      <p:sp>
+        <p:nvSpPr>
+          <p:cNvPr id="11" name="AutoShape 10" descr="Image result for aws codedeploy logo"/>
+          <p:cNvSpPr>
+            <a:spLocks noChangeAspect="1" noChangeArrowheads="1"/>
+          </p:cNvSpPr>
+          <p:nvPr/>
+        </p:nvSpPr>
+        <p:spPr bwMode="auto">
+          <a:xfrm>
+            <a:off x="307975" y="7937"/>
+            <a:ext cx="304800" cy="304801"/>
+          </a:xfrm>
+          <a:prstGeom prst="rect">
+            <a:avLst/>
+          </a:prstGeom>
+          <a:noFill/>
+          <a:extLst>
+            <a:ext uri="{909E8E84-426E-40DD-AFC4-6F175D3DCCD1}">
+              <a14:hiddenFill xmlns:a14="http://schemas.microsoft.com/office/drawing/2010/main">
+                <a:solidFill>
+                  <a:srgbClr val="FFFFFF"/>
+                </a:solidFill>
+              </a14:hiddenFill>
+            </a:ext>
+          </a:extLst>
+        </p:spPr>
+        <p:txBody>
+          <a:bodyPr vert="horz" wrap="square" lIns="91440" tIns="45720" rIns="91440" bIns="45720" numCol="1" anchor="t" anchorCtr="0" compatLnSpc="1">
+            <a:prstTxWarp prst="textNoShape">
+              <a:avLst/>
+            </a:prstTxWarp>
+          </a:bodyPr>
+          <a:lstStyle/>
+          <a:p>
+            <a:endParaRPr lang="en-CA"/>
+          </a:p>
+        </p:txBody>
+      </p:sp>
+      <p:sp>
+        <p:nvSpPr>
+          <p:cNvPr id="12" name="AutoShape 12" descr="Image result for aws codedeploy logo"/>
+          <p:cNvSpPr>
+            <a:spLocks noChangeAspect="1" noChangeArrowheads="1"/>
+          </p:cNvSpPr>
+          <p:nvPr/>
+        </p:nvSpPr>
+        <p:spPr bwMode="auto">
+          <a:xfrm>
+            <a:off x="460375" y="160337"/>
+            <a:ext cx="304800" cy="304801"/>
+          </a:xfrm>
+          <a:prstGeom prst="rect">
+            <a:avLst/>
+          </a:prstGeom>
+          <a:noFill/>
+          <a:extLst>
+            <a:ext uri="{909E8E84-426E-40DD-AFC4-6F175D3DCCD1}">
+              <a14:hiddenFill xmlns:a14="http://schemas.microsoft.com/office/drawing/2010/main">
+                <a:solidFill>
+                  <a:srgbClr val="FFFFFF"/>
+                </a:solidFill>
+              </a14:hiddenFill>
+            </a:ext>
+          </a:extLst>
+        </p:spPr>
+        <p:txBody>
+          <a:bodyPr vert="horz" wrap="square" lIns="91440" tIns="45720" rIns="91440" bIns="45720" numCol="1" anchor="t" anchorCtr="0" compatLnSpc="1">
+            <a:prstTxWarp prst="textNoShape">
+              <a:avLst/>
+            </a:prstTxWarp>
+          </a:bodyPr>
+          <a:lstStyle/>
+          <a:p>
+            <a:endParaRPr lang="en-CA"/>
+          </a:p>
+        </p:txBody>
+      </p:sp>
+      <p:pic>
+        <p:nvPicPr>
+          <p:cNvPr id="10242" name="Picture 2" descr="Image result for aws mobile hub logo"/>
+          <p:cNvPicPr>
+            <a:picLocks noChangeAspect="1" noChangeArrowheads="1"/>
+          </p:cNvPicPr>
+          <p:nvPr/>
+        </p:nvPicPr>
+        <p:blipFill>
+          <a:blip r:embed="rId2">
+            <a:extLst>
+              <a:ext uri="{28A0092B-C50C-407E-A947-70E740481C1C}">
+                <a14:useLocalDpi xmlns:a14="http://schemas.microsoft.com/office/drawing/2010/main" val="0"/>
+              </a:ext>
+            </a:extLst>
+          </a:blip>
+          <a:srcRect/>
+          <a:stretch>
+            <a:fillRect/>
+          </a:stretch>
+        </p:blipFill>
+        <p:spPr bwMode="auto">
+          <a:xfrm>
+            <a:off x="460375" y="1744909"/>
+            <a:ext cx="1007379" cy="1007379"/>
+          </a:xfrm>
+          <a:prstGeom prst="rect">
+            <a:avLst/>
+          </a:prstGeom>
+          <a:noFill/>
+          <a:extLst>
+            <a:ext uri="{909E8E84-426E-40DD-AFC4-6F175D3DCCD1}">
+              <a14:hiddenFill xmlns:a14="http://schemas.microsoft.com/office/drawing/2010/main">
+                <a:solidFill>
+                  <a:srgbClr val="FFFFFF"/>
+                </a:solidFill>
+              </a14:hiddenFill>
+            </a:ext>
+          </a:extLst>
+        </p:spPr>
+      </p:pic>
+      <p:sp>
+        <p:nvSpPr>
+          <p:cNvPr id="13" name="AutoShape 4" descr="Image result for aws cognito logo"/>
+          <p:cNvSpPr>
+            <a:spLocks noChangeAspect="1" noChangeArrowheads="1"/>
+          </p:cNvSpPr>
+          <p:nvPr/>
+        </p:nvSpPr>
+        <p:spPr bwMode="auto">
+          <a:xfrm>
+            <a:off x="612775" y="312737"/>
+            <a:ext cx="304800" cy="304801"/>
+          </a:xfrm>
+          <a:prstGeom prst="rect">
+            <a:avLst/>
+          </a:prstGeom>
+          <a:noFill/>
+          <a:extLst>
+            <a:ext uri="{909E8E84-426E-40DD-AFC4-6F175D3DCCD1}">
+              <a14:hiddenFill xmlns:a14="http://schemas.microsoft.com/office/drawing/2010/main">
+                <a:solidFill>
+                  <a:srgbClr val="FFFFFF"/>
+                </a:solidFill>
+              </a14:hiddenFill>
+            </a:ext>
+          </a:extLst>
+        </p:spPr>
+        <p:txBody>
+          <a:bodyPr vert="horz" wrap="square" lIns="91440" tIns="45720" rIns="91440" bIns="45720" numCol="1" anchor="t" anchorCtr="0" compatLnSpc="1">
+            <a:prstTxWarp prst="textNoShape">
+              <a:avLst/>
+            </a:prstTxWarp>
+          </a:bodyPr>
+          <a:lstStyle/>
+          <a:p>
+            <a:endParaRPr lang="en-CA"/>
+          </a:p>
+        </p:txBody>
+      </p:sp>
+      <p:sp>
+        <p:nvSpPr>
+          <p:cNvPr id="14" name="AutoShape 6" descr="Image result for aws cognito logo"/>
+          <p:cNvSpPr>
+            <a:spLocks noChangeAspect="1" noChangeArrowheads="1"/>
+          </p:cNvSpPr>
+          <p:nvPr/>
+        </p:nvSpPr>
+        <p:spPr bwMode="auto">
+          <a:xfrm>
+            <a:off x="765175" y="465137"/>
+            <a:ext cx="304800" cy="304801"/>
+          </a:xfrm>
+          <a:prstGeom prst="rect">
+            <a:avLst/>
+          </a:prstGeom>
+          <a:noFill/>
+          <a:extLst>
+            <a:ext uri="{909E8E84-426E-40DD-AFC4-6F175D3DCCD1}">
+              <a14:hiddenFill xmlns:a14="http://schemas.microsoft.com/office/drawing/2010/main">
+                <a:solidFill>
+                  <a:srgbClr val="FFFFFF"/>
+                </a:solidFill>
+              </a14:hiddenFill>
+            </a:ext>
+          </a:extLst>
+        </p:spPr>
+        <p:txBody>
+          <a:bodyPr vert="horz" wrap="square" lIns="91440" tIns="45720" rIns="91440" bIns="45720" numCol="1" anchor="t" anchorCtr="0" compatLnSpc="1">
+            <a:prstTxWarp prst="textNoShape">
+              <a:avLst/>
+            </a:prstTxWarp>
+          </a:bodyPr>
+          <a:lstStyle/>
+          <a:p>
+            <a:endParaRPr lang="en-CA"/>
+          </a:p>
+        </p:txBody>
+      </p:sp>
+      <p:pic>
+        <p:nvPicPr>
+          <p:cNvPr id="10248" name="Picture 8" descr="Image result for aws cognito logo"/>
+          <p:cNvPicPr>
+            <a:picLocks noChangeAspect="1" noChangeArrowheads="1"/>
+          </p:cNvPicPr>
+          <p:nvPr/>
+        </p:nvPicPr>
+        <p:blipFill>
+          <a:blip r:embed="rId3">
+            <a:extLst>
+              <a:ext uri="{28A0092B-C50C-407E-A947-70E740481C1C}">
+                <a14:useLocalDpi xmlns:a14="http://schemas.microsoft.com/office/drawing/2010/main" val="0"/>
+              </a:ext>
+            </a:extLst>
+          </a:blip>
+          <a:srcRect/>
+          <a:stretch>
+            <a:fillRect/>
+          </a:stretch>
+        </p:blipFill>
+        <p:spPr bwMode="auto">
+          <a:xfrm>
+            <a:off x="6325299" y="1674802"/>
+            <a:ext cx="1027561" cy="1027561"/>
+          </a:xfrm>
+          <a:prstGeom prst="rect">
+            <a:avLst/>
+          </a:prstGeom>
+          <a:noFill/>
+          <a:extLst>
+            <a:ext uri="{909E8E84-426E-40DD-AFC4-6F175D3DCCD1}">
+              <a14:hiddenFill xmlns:a14="http://schemas.microsoft.com/office/drawing/2010/main">
+                <a:solidFill>
+                  <a:srgbClr val="FFFFFF"/>
+                </a:solidFill>
+              </a14:hiddenFill>
+            </a:ext>
+          </a:extLst>
+        </p:spPr>
+      </p:pic>
+      <p:pic>
+        <p:nvPicPr>
+          <p:cNvPr id="10250" name="Picture 10" descr="Image result for aws device farm logo"/>
+          <p:cNvPicPr>
+            <a:picLocks noChangeAspect="1" noChangeArrowheads="1"/>
+          </p:cNvPicPr>
+          <p:nvPr/>
+        </p:nvPicPr>
+        <p:blipFill>
+          <a:blip r:embed="rId4">
+            <a:extLst>
+              <a:ext uri="{28A0092B-C50C-407E-A947-70E740481C1C}">
+                <a14:useLocalDpi xmlns:a14="http://schemas.microsoft.com/office/drawing/2010/main" val="0"/>
+              </a:ext>
+            </a:extLst>
+          </a:blip>
+          <a:srcRect/>
+          <a:stretch>
+            <a:fillRect/>
+          </a:stretch>
+        </p:blipFill>
+        <p:spPr bwMode="auto">
+          <a:xfrm>
+            <a:off x="498944" y="3703387"/>
+            <a:ext cx="930239" cy="930239"/>
+          </a:xfrm>
+          <a:prstGeom prst="rect">
+            <a:avLst/>
+          </a:prstGeom>
+          <a:noFill/>
+          <a:extLst>
+            <a:ext uri="{909E8E84-426E-40DD-AFC4-6F175D3DCCD1}">
+              <a14:hiddenFill xmlns:a14="http://schemas.microsoft.com/office/drawing/2010/main">
+                <a:solidFill>
+                  <a:srgbClr val="FFFFFF"/>
+                </a:solidFill>
+              </a14:hiddenFill>
+            </a:ext>
+          </a:extLst>
+        </p:spPr>
+      </p:pic>
+      <p:pic>
+        <p:nvPicPr>
+          <p:cNvPr id="10252" name="Picture 12" descr="Image result for aws mobile analytics logo"/>
+          <p:cNvPicPr>
+            <a:picLocks noChangeAspect="1" noChangeArrowheads="1"/>
+          </p:cNvPicPr>
+          <p:nvPr/>
+        </p:nvPicPr>
+        <p:blipFill>
+          <a:blip r:embed="rId5">
+            <a:extLst>
+              <a:ext uri="{28A0092B-C50C-407E-A947-70E740481C1C}">
+                <a14:useLocalDpi xmlns:a14="http://schemas.microsoft.com/office/drawing/2010/main" val="0"/>
+              </a:ext>
+            </a:extLst>
+          </a:blip>
+          <a:srcRect/>
+          <a:stretch>
+            <a:fillRect/>
+          </a:stretch>
+        </p:blipFill>
+        <p:spPr bwMode="auto">
+          <a:xfrm>
+            <a:off x="6322581" y="3568343"/>
+            <a:ext cx="991865" cy="991865"/>
+          </a:xfrm>
+          <a:prstGeom prst="rect">
+            <a:avLst/>
+          </a:prstGeom>
+          <a:noFill/>
+          <a:extLst>
+            <a:ext uri="{909E8E84-426E-40DD-AFC4-6F175D3DCCD1}">
+              <a14:hiddenFill xmlns:a14="http://schemas.microsoft.com/office/drawing/2010/main">
+                <a:solidFill>
+                  <a:srgbClr val="FFFFFF"/>
+                </a:solidFill>
+              </a14:hiddenFill>
+            </a:ext>
+          </a:extLst>
+        </p:spPr>
+      </p:pic>
+      <p:pic>
+        <p:nvPicPr>
+          <p:cNvPr id="10254" name="Picture 14" descr="Image result for aws pin point logo"/>
+          <p:cNvPicPr>
+            <a:picLocks noChangeAspect="1" noChangeArrowheads="1"/>
+          </p:cNvPicPr>
+          <p:nvPr/>
+        </p:nvPicPr>
+        <p:blipFill>
+          <a:blip r:embed="rId6">
+            <a:extLst>
+              <a:ext uri="{28A0092B-C50C-407E-A947-70E740481C1C}">
+                <a14:useLocalDpi xmlns:a14="http://schemas.microsoft.com/office/drawing/2010/main" val="0"/>
+              </a:ext>
+            </a:extLst>
+          </a:blip>
+          <a:srcRect/>
+          <a:stretch>
+            <a:fillRect/>
+          </a:stretch>
+        </p:blipFill>
+        <p:spPr bwMode="auto">
+          <a:xfrm>
+            <a:off x="0" y="5351175"/>
+            <a:ext cx="1977654" cy="968010"/>
+          </a:xfrm>
+          <a:prstGeom prst="rect">
+            <a:avLst/>
+          </a:prstGeom>
+          <a:noFill/>
+          <a:extLst>
+            <a:ext uri="{909E8E84-426E-40DD-AFC4-6F175D3DCCD1}">
+              <a14:hiddenFill xmlns:a14="http://schemas.microsoft.com/office/drawing/2010/main">
+                <a:solidFill>
+                  <a:srgbClr val="FFFFFF"/>
+                </a:solidFill>
+              </a14:hiddenFill>
+            </a:ext>
+          </a:extLst>
+        </p:spPr>
+      </p:pic>
+    </p:spTree>
+    <p:extLst>
+      <p:ext uri="{BB962C8B-B14F-4D97-AF65-F5344CB8AC3E}">
+        <p14:creationId xmlns:p14="http://schemas.microsoft.com/office/powerpoint/2010/main" val="3196888278"/>
+      </p:ext>
+    </p:extLst>
+  </p:cSld>
+  <p:clrMapOvr>
+    <a:masterClrMapping/>
+  </p:clrMapOvr>
+</p:sld>
+</file>
+
+<file path=ppt/slides/slide35.xml><?xml version="1.0" encoding="utf-8"?>
+<p:sld xmlns:a="http://schemas.openxmlformats.org/drawingml/2006/main" xmlns:r="http://schemas.openxmlformats.org/officeDocument/2006/relationships" xmlns:p="http://schemas.openxmlformats.org/presentationml/2006/main">
+  <p:cSld>
+    <p:spTree>
+      <p:nvGrpSpPr>
+        <p:cNvPr id="1" name=""/>
+        <p:cNvGrpSpPr/>
+        <p:nvPr/>
+      </p:nvGrpSpPr>
+      <p:grpSpPr>
+        <a:xfrm>
+          <a:off x="0" y="0"/>
+          <a:ext cx="0" cy="0"/>
+          <a:chOff x="0" y="0"/>
+          <a:chExt cx="0" cy="0"/>
+        </a:xfrm>
+      </p:grpSpPr>
+      <p:sp>
+        <p:nvSpPr>
+          <p:cNvPr id="2" name="Title 1"/>
+          <p:cNvSpPr>
+            <a:spLocks noGrp="1"/>
+          </p:cNvSpPr>
+          <p:nvPr>
+            <p:ph type="title"/>
+          </p:nvPr>
+        </p:nvSpPr>
+        <p:spPr/>
+        <p:txBody>
+          <a:bodyPr/>
+          <a:lstStyle/>
+          <a:p>
+            <a:r>
+              <a:rPr lang="en-CA" dirty="0" smtClean="0"/>
+              <a:t>Desktop &amp; App Streaming</a:t>
+            </a:r>
+            <a:endParaRPr lang="en-CA" dirty="0"/>
+          </a:p>
+        </p:txBody>
+      </p:sp>
+      <p:sp>
+        <p:nvSpPr>
+          <p:cNvPr id="4" name="Footer Placeholder 3"/>
+          <p:cNvSpPr>
+            <a:spLocks noGrp="1"/>
+          </p:cNvSpPr>
+          <p:nvPr>
+            <p:ph type="ftr" sz="quarter" idx="11"/>
+          </p:nvPr>
+        </p:nvSpPr>
+        <p:spPr/>
+        <p:txBody>
+          <a:bodyPr/>
+          <a:lstStyle/>
+          <a:p>
+            <a:r>
+              <a:rPr lang="en-US" smtClean="0"/>
+              <a:t>aws101</a:t>
+            </a:r>
+            <a:endParaRPr lang="en-US" dirty="0"/>
+          </a:p>
+        </p:txBody>
+      </p:sp>
+      <p:sp>
+        <p:nvSpPr>
+          <p:cNvPr id="5" name="Slide Number Placeholder 4"/>
+          <p:cNvSpPr>
+            <a:spLocks noGrp="1"/>
+          </p:cNvSpPr>
+          <p:nvPr>
+            <p:ph type="sldNum" sz="quarter" idx="12"/>
+          </p:nvPr>
+        </p:nvSpPr>
+        <p:spPr/>
+        <p:txBody>
+          <a:bodyPr/>
+          <a:lstStyle/>
+          <a:p>
+            <a:fld id="{6D22F896-40B5-4ADD-8801-0D06FADFA095}" type="slidenum">
+              <a:rPr lang="en-US" smtClean="0"/>
+              <a:t>35</a:t>
+            </a:fld>
+            <a:endParaRPr lang="en-US" dirty="0"/>
+          </a:p>
+        </p:txBody>
+      </p:sp>
+      <p:sp>
+        <p:nvSpPr>
+          <p:cNvPr id="6" name="TextBox 5"/>
+          <p:cNvSpPr txBox="1"/>
+          <p:nvPr/>
+        </p:nvSpPr>
+        <p:spPr>
+          <a:xfrm>
+            <a:off x="1662656" y="1865602"/>
+            <a:ext cx="4602440" cy="2308324"/>
+          </a:xfrm>
+          <a:prstGeom prst="rect">
+            <a:avLst/>
+          </a:prstGeom>
+          <a:noFill/>
+        </p:spPr>
+        <p:txBody>
+          <a:bodyPr wrap="square" rtlCol="0">
+            <a:spAutoFit/>
+          </a:bodyPr>
+          <a:lstStyle/>
+          <a:p>
+            <a:r>
+              <a:rPr lang="en-US" dirty="0" err="1" smtClean="0"/>
+              <a:t>WorkSpaces</a:t>
+            </a:r>
+            <a:r>
+              <a:rPr lang="en-US" dirty="0" smtClean="0"/>
+              <a:t> - Amazon </a:t>
+            </a:r>
+            <a:r>
+              <a:rPr lang="en-US" dirty="0" err="1"/>
+              <a:t>WorkSpaces</a:t>
+            </a:r>
+            <a:r>
+              <a:rPr lang="en-US" dirty="0"/>
+              <a:t> is a fully managed, secure desktop computing service which runs on the AWS cloud. </a:t>
+            </a:r>
+            <a:r>
+              <a:rPr lang="en-US" dirty="0" err="1" smtClean="0"/>
+              <a:t>WorkSpaces</a:t>
+            </a:r>
+            <a:r>
+              <a:rPr lang="en-US" dirty="0" smtClean="0"/>
+              <a:t> </a:t>
+            </a:r>
+            <a:r>
+              <a:rPr lang="en-US" dirty="0"/>
+              <a:t>allows you to easily provision cloud-based virtual desktops and provide your users access to the documents, applications, and resources they need from any supported </a:t>
+            </a:r>
+            <a:r>
+              <a:rPr lang="en-US" dirty="0" smtClean="0"/>
+              <a:t>device.</a:t>
+            </a:r>
+            <a:endParaRPr lang="en-CA" dirty="0"/>
+          </a:p>
+        </p:txBody>
+      </p:sp>
+      <p:sp>
+        <p:nvSpPr>
+          <p:cNvPr id="7" name="TextBox 6"/>
+          <p:cNvSpPr txBox="1"/>
+          <p:nvPr/>
+        </p:nvSpPr>
+        <p:spPr>
+          <a:xfrm>
+            <a:off x="1662657" y="5228205"/>
+            <a:ext cx="3582584" cy="1477328"/>
+          </a:xfrm>
+          <a:prstGeom prst="rect">
+            <a:avLst/>
+          </a:prstGeom>
+          <a:noFill/>
+        </p:spPr>
+        <p:txBody>
+          <a:bodyPr wrap="square" rtlCol="0">
+            <a:spAutoFit/>
+          </a:bodyPr>
+          <a:lstStyle/>
+          <a:p>
+            <a:r>
+              <a:rPr lang="en-US" dirty="0"/>
+              <a:t>AWS </a:t>
+            </a:r>
+            <a:r>
+              <a:rPr lang="en-US" dirty="0" err="1"/>
+              <a:t>IoT</a:t>
+            </a:r>
+            <a:r>
+              <a:rPr lang="en-US" dirty="0"/>
+              <a:t> is a managed cloud platform that lets connected devices easily and securely interact with cloud applications and other devices.</a:t>
+            </a:r>
+            <a:endParaRPr lang="en-CA" dirty="0"/>
+          </a:p>
+        </p:txBody>
+      </p:sp>
+      <p:sp>
+        <p:nvSpPr>
+          <p:cNvPr id="8" name="TextBox 7"/>
+          <p:cNvSpPr txBox="1"/>
+          <p:nvPr/>
+        </p:nvSpPr>
+        <p:spPr>
+          <a:xfrm>
+            <a:off x="7806262" y="1872139"/>
+            <a:ext cx="4260817" cy="2031325"/>
+          </a:xfrm>
+          <a:prstGeom prst="rect">
+            <a:avLst/>
+          </a:prstGeom>
+          <a:noFill/>
+        </p:spPr>
+        <p:txBody>
+          <a:bodyPr wrap="square" rtlCol="0">
+            <a:spAutoFit/>
+          </a:bodyPr>
+          <a:lstStyle/>
+          <a:p>
+            <a:r>
+              <a:rPr lang="en-US" dirty="0" err="1" smtClean="0"/>
+              <a:t>AppStream</a:t>
+            </a:r>
+            <a:r>
+              <a:rPr lang="en-US" dirty="0" smtClean="0"/>
+              <a:t> 2.0 - Amazon </a:t>
+            </a:r>
+            <a:r>
+              <a:rPr lang="en-US" dirty="0" err="1"/>
+              <a:t>AppStream</a:t>
+            </a:r>
+            <a:r>
+              <a:rPr lang="en-US" dirty="0"/>
+              <a:t> 2.0 is a fully managed, secure application streaming service that allows you to stream desktop applications from AWS to any device running a web browser, without rewriting them. </a:t>
+            </a:r>
+            <a:endParaRPr lang="en-CA" dirty="0"/>
+          </a:p>
+        </p:txBody>
+      </p:sp>
+      <p:sp>
+        <p:nvSpPr>
+          <p:cNvPr id="9" name="AutoShape 2" descr="Image result for aws sqs logo"/>
+          <p:cNvSpPr>
+            <a:spLocks noChangeAspect="1" noChangeArrowheads="1"/>
+          </p:cNvSpPr>
+          <p:nvPr/>
+        </p:nvSpPr>
+        <p:spPr bwMode="auto">
+          <a:xfrm>
+            <a:off x="155575" y="-144463"/>
+            <a:ext cx="304800" cy="304801"/>
+          </a:xfrm>
+          <a:prstGeom prst="rect">
+            <a:avLst/>
+          </a:prstGeom>
+          <a:noFill/>
+          <a:extLst>
+            <a:ext uri="{909E8E84-426E-40DD-AFC4-6F175D3DCCD1}">
+              <a14:hiddenFill xmlns:a14="http://schemas.microsoft.com/office/drawing/2010/main">
+                <a:solidFill>
+                  <a:srgbClr val="FFFFFF"/>
+                </a:solidFill>
+              </a14:hiddenFill>
+            </a:ext>
+          </a:extLst>
+        </p:spPr>
+        <p:txBody>
+          <a:bodyPr vert="horz" wrap="square" lIns="91440" tIns="45720" rIns="91440" bIns="45720" numCol="1" anchor="t" anchorCtr="0" compatLnSpc="1">
+            <a:prstTxWarp prst="textNoShape">
+              <a:avLst/>
+            </a:prstTxWarp>
+          </a:bodyPr>
+          <a:lstStyle/>
+          <a:p>
+            <a:endParaRPr lang="en-CA"/>
+          </a:p>
+        </p:txBody>
+      </p:sp>
+      <p:sp>
+        <p:nvSpPr>
+          <p:cNvPr id="15" name="Title 1"/>
+          <p:cNvSpPr txBox="1">
+            <a:spLocks/>
+          </p:cNvSpPr>
+          <p:nvPr/>
+        </p:nvSpPr>
+        <p:spPr>
+          <a:xfrm>
+            <a:off x="597834" y="4173926"/>
+            <a:ext cx="10972800" cy="990600"/>
+          </a:xfrm>
+          <a:prstGeom prst="rect">
+            <a:avLst/>
+          </a:prstGeom>
+        </p:spPr>
+        <p:txBody>
+          <a:bodyPr vert="horz" lIns="91440" tIns="45720" rIns="91440" bIns="45720" rtlCol="0" anchor="ctr">
+            <a:normAutofit/>
+          </a:bodyPr>
+          <a:lstStyle>
+            <a:lvl1pPr algn="l" defTabSz="914400" rtl="0" eaLnBrk="1" latinLnBrk="0" hangingPunct="1">
+              <a:spcBef>
+                <a:spcPct val="0"/>
+              </a:spcBef>
+              <a:buNone/>
+              <a:defRPr sz="4000" kern="1200" spc="-100" baseline="0">
+                <a:solidFill>
+                  <a:schemeClr val="tx2"/>
+                </a:solidFill>
+                <a:latin typeface="+mj-lt"/>
+                <a:ea typeface="+mj-ea"/>
+                <a:cs typeface="+mj-cs"/>
+              </a:defRPr>
+            </a:lvl1pPr>
+          </a:lstStyle>
+          <a:p>
+            <a:r>
+              <a:rPr lang="en-CA" dirty="0" smtClean="0"/>
+              <a:t>Internet of Things</a:t>
+            </a:r>
+            <a:endParaRPr lang="en-CA" dirty="0"/>
+          </a:p>
+        </p:txBody>
+      </p:sp>
+      <p:pic>
+        <p:nvPicPr>
+          <p:cNvPr id="11272" name="Picture 8" descr="Image result for aws workspaces logo"/>
+          <p:cNvPicPr>
+            <a:picLocks noChangeAspect="1" noChangeArrowheads="1"/>
+          </p:cNvPicPr>
+          <p:nvPr/>
+        </p:nvPicPr>
+        <p:blipFill rotWithShape="1">
+          <a:blip r:embed="rId2">
+            <a:extLst>
+              <a:ext uri="{28A0092B-C50C-407E-A947-70E740481C1C}">
+                <a14:useLocalDpi xmlns:a14="http://schemas.microsoft.com/office/drawing/2010/main" val="0"/>
+              </a:ext>
+            </a:extLst>
+          </a:blip>
+          <a:srcRect r="12310"/>
+          <a:stretch/>
+        </p:blipFill>
+        <p:spPr bwMode="auto">
+          <a:xfrm>
+            <a:off x="251759" y="1912808"/>
+            <a:ext cx="1410897" cy="1106956"/>
+          </a:xfrm>
+          <a:prstGeom prst="rect">
+            <a:avLst/>
+          </a:prstGeom>
+          <a:noFill/>
+          <a:extLst>
+            <a:ext uri="{909E8E84-426E-40DD-AFC4-6F175D3DCCD1}">
+              <a14:hiddenFill xmlns:a14="http://schemas.microsoft.com/office/drawing/2010/main">
+                <a:solidFill>
+                  <a:srgbClr val="FFFFFF"/>
+                </a:solidFill>
+              </a14:hiddenFill>
+            </a:ext>
+          </a:extLst>
+        </p:spPr>
+      </p:pic>
+      <p:pic>
+        <p:nvPicPr>
+          <p:cNvPr id="11274" name="Picture 10" descr="Image result for aws appstream 2.0 logo"/>
+          <p:cNvPicPr>
+            <a:picLocks noChangeAspect="1" noChangeArrowheads="1"/>
+          </p:cNvPicPr>
+          <p:nvPr/>
+        </p:nvPicPr>
+        <p:blipFill rotWithShape="1">
+          <a:blip r:embed="rId3">
+            <a:extLst>
+              <a:ext uri="{28A0092B-C50C-407E-A947-70E740481C1C}">
+                <a14:useLocalDpi xmlns:a14="http://schemas.microsoft.com/office/drawing/2010/main" val="0"/>
+              </a:ext>
+            </a:extLst>
+          </a:blip>
+          <a:srcRect l="22632" r="18763"/>
+          <a:stretch/>
+        </p:blipFill>
+        <p:spPr bwMode="auto">
+          <a:xfrm>
+            <a:off x="6746367" y="2019722"/>
+            <a:ext cx="891851" cy="868080"/>
+          </a:xfrm>
+          <a:prstGeom prst="rect">
+            <a:avLst/>
+          </a:prstGeom>
+          <a:noFill/>
+          <a:extLst>
+            <a:ext uri="{909E8E84-426E-40DD-AFC4-6F175D3DCCD1}">
+              <a14:hiddenFill xmlns:a14="http://schemas.microsoft.com/office/drawing/2010/main">
+                <a:solidFill>
+                  <a:srgbClr val="FFFFFF"/>
+                </a:solidFill>
+              </a14:hiddenFill>
+            </a:ext>
+          </a:extLst>
+        </p:spPr>
+      </p:pic>
+      <p:pic>
+        <p:nvPicPr>
+          <p:cNvPr id="11276" name="Picture 12" descr="Image result for aws iot logo"/>
+          <p:cNvPicPr>
+            <a:picLocks noChangeAspect="1" noChangeArrowheads="1"/>
+          </p:cNvPicPr>
+          <p:nvPr/>
+        </p:nvPicPr>
+        <p:blipFill>
+          <a:blip r:embed="rId4">
+            <a:extLst>
+              <a:ext uri="{28A0092B-C50C-407E-A947-70E740481C1C}">
+                <a14:useLocalDpi xmlns:a14="http://schemas.microsoft.com/office/drawing/2010/main" val="0"/>
+              </a:ext>
+            </a:extLst>
+          </a:blip>
+          <a:srcRect/>
+          <a:stretch>
+            <a:fillRect/>
+          </a:stretch>
+        </p:blipFill>
+        <p:spPr bwMode="auto">
+          <a:xfrm>
+            <a:off x="460375" y="5225506"/>
+            <a:ext cx="1036345" cy="1219698"/>
+          </a:xfrm>
+          <a:prstGeom prst="rect">
+            <a:avLst/>
+          </a:prstGeom>
+          <a:noFill/>
+          <a:extLst>
+            <a:ext uri="{909E8E84-426E-40DD-AFC4-6F175D3DCCD1}">
+              <a14:hiddenFill xmlns:a14="http://schemas.microsoft.com/office/drawing/2010/main">
+                <a:solidFill>
+                  <a:srgbClr val="FFFFFF"/>
+                </a:solidFill>
+              </a14:hiddenFill>
+            </a:ext>
+          </a:extLst>
+        </p:spPr>
+      </p:pic>
+      <p:sp>
+        <p:nvSpPr>
+          <p:cNvPr id="3" name="TextBox 2"/>
+          <p:cNvSpPr txBox="1"/>
+          <p:nvPr/>
+        </p:nvSpPr>
+        <p:spPr>
+          <a:xfrm>
+            <a:off x="5246712" y="5208109"/>
+            <a:ext cx="3170298" cy="1477328"/>
+          </a:xfrm>
+          <a:prstGeom prst="rect">
+            <a:avLst/>
+          </a:prstGeom>
+          <a:noFill/>
+        </p:spPr>
+        <p:txBody>
+          <a:bodyPr wrap="square" rtlCol="0">
+            <a:spAutoFit/>
+          </a:bodyPr>
+          <a:lstStyle/>
+          <a:p>
+            <a:r>
+              <a:rPr lang="en-US" dirty="0"/>
+              <a:t>AWS </a:t>
+            </a:r>
+            <a:r>
+              <a:rPr lang="en-US" dirty="0" err="1"/>
+              <a:t>Greengrass</a:t>
+            </a:r>
+            <a:r>
+              <a:rPr lang="en-US" dirty="0"/>
+              <a:t> is software that lets you run local compute, messaging &amp; data caching for connected devices in a secure way. </a:t>
+            </a:r>
+            <a:endParaRPr lang="en-CA" dirty="0"/>
+          </a:p>
+        </p:txBody>
+      </p:sp>
+      <p:sp>
+        <p:nvSpPr>
+          <p:cNvPr id="10" name="TextBox 9"/>
+          <p:cNvSpPr txBox="1"/>
+          <p:nvPr/>
+        </p:nvSpPr>
+        <p:spPr>
+          <a:xfrm>
+            <a:off x="8932984" y="5208110"/>
+            <a:ext cx="2813539" cy="1477328"/>
+          </a:xfrm>
+          <a:prstGeom prst="rect">
+            <a:avLst/>
+          </a:prstGeom>
+          <a:noFill/>
+        </p:spPr>
+        <p:txBody>
+          <a:bodyPr wrap="square" rtlCol="0">
+            <a:spAutoFit/>
+          </a:bodyPr>
+          <a:lstStyle/>
+          <a:p>
+            <a:r>
+              <a:rPr lang="en-US" dirty="0"/>
+              <a:t>The AWS </a:t>
+            </a:r>
+            <a:r>
+              <a:rPr lang="en-US" dirty="0" err="1"/>
+              <a:t>IoT</a:t>
+            </a:r>
+            <a:r>
+              <a:rPr lang="en-US" dirty="0"/>
+              <a:t> Button is a </a:t>
+            </a:r>
+            <a:r>
+              <a:rPr lang="en-US" dirty="0" smtClean="0"/>
+              <a:t>simple </a:t>
+            </a:r>
+            <a:r>
+              <a:rPr lang="en-US" dirty="0" err="1" smtClean="0"/>
+              <a:t>wifi</a:t>
+            </a:r>
+            <a:r>
+              <a:rPr lang="en-US" dirty="0" smtClean="0"/>
+              <a:t> enabled  programmable </a:t>
+            </a:r>
+            <a:r>
+              <a:rPr lang="en-US" dirty="0"/>
+              <a:t>button based on the Amazon Dash Button hardware. </a:t>
+            </a:r>
+            <a:endParaRPr lang="en-CA" dirty="0"/>
+          </a:p>
+        </p:txBody>
+      </p:sp>
+    </p:spTree>
+    <p:extLst>
+      <p:ext uri="{BB962C8B-B14F-4D97-AF65-F5344CB8AC3E}">
+        <p14:creationId xmlns:p14="http://schemas.microsoft.com/office/powerpoint/2010/main" val="2270108868"/>
+      </p:ext>
+    </p:extLst>
+  </p:cSld>
+  <p:clrMapOvr>
+    <a:masterClrMapping/>
+  </p:clrMapOvr>
+</p:sld>
+</file>
+
+<file path=ppt/slides/slide36.xml><?xml version="1.0" encoding="utf-8"?>
+<p:sld xmlns:a="http://schemas.openxmlformats.org/drawingml/2006/main" xmlns:r="http://schemas.openxmlformats.org/officeDocument/2006/relationships" xmlns:p="http://schemas.openxmlformats.org/presentationml/2006/main">
+  <p:cSld>
+    <p:spTree>
+      <p:nvGrpSpPr>
+        <p:cNvPr id="1" name=""/>
+        <p:cNvGrpSpPr/>
+        <p:nvPr/>
+      </p:nvGrpSpPr>
+      <p:grpSpPr>
+        <a:xfrm>
+          <a:off x="0" y="0"/>
+          <a:ext cx="0" cy="0"/>
+          <a:chOff x="0" y="0"/>
+          <a:chExt cx="0" cy="0"/>
+        </a:xfrm>
+      </p:grpSpPr>
+      <p:sp>
+        <p:nvSpPr>
+          <p:cNvPr id="2" name="Title 1"/>
+          <p:cNvSpPr>
+            <a:spLocks noGrp="1"/>
+          </p:cNvSpPr>
+          <p:nvPr>
+            <p:ph type="title"/>
+          </p:nvPr>
+        </p:nvSpPr>
+        <p:spPr/>
+        <p:txBody>
+          <a:bodyPr/>
+          <a:lstStyle/>
+          <a:p>
+            <a:r>
+              <a:rPr lang="en-CA" dirty="0" smtClean="0"/>
+              <a:t>Artificial Intelligence</a:t>
+            </a:r>
+            <a:endParaRPr lang="en-CA" dirty="0"/>
+          </a:p>
+        </p:txBody>
+      </p:sp>
+      <p:sp>
+        <p:nvSpPr>
+          <p:cNvPr id="4" name="Footer Placeholder 3"/>
+          <p:cNvSpPr>
+            <a:spLocks noGrp="1"/>
+          </p:cNvSpPr>
+          <p:nvPr>
+            <p:ph type="ftr" sz="quarter" idx="11"/>
+          </p:nvPr>
+        </p:nvSpPr>
+        <p:spPr/>
+        <p:txBody>
+          <a:bodyPr/>
+          <a:lstStyle/>
+          <a:p>
+            <a:r>
+              <a:rPr lang="en-US" smtClean="0"/>
+              <a:t>aws101</a:t>
+            </a:r>
+            <a:endParaRPr lang="en-US" dirty="0"/>
+          </a:p>
+        </p:txBody>
+      </p:sp>
+      <p:sp>
+        <p:nvSpPr>
+          <p:cNvPr id="5" name="Slide Number Placeholder 4"/>
+          <p:cNvSpPr>
+            <a:spLocks noGrp="1"/>
+          </p:cNvSpPr>
+          <p:nvPr>
+            <p:ph type="sldNum" sz="quarter" idx="12"/>
+          </p:nvPr>
+        </p:nvSpPr>
+        <p:spPr/>
+        <p:txBody>
+          <a:bodyPr/>
+          <a:lstStyle/>
+          <a:p>
+            <a:fld id="{6D22F896-40B5-4ADD-8801-0D06FADFA095}" type="slidenum">
+              <a:rPr lang="en-US" smtClean="0"/>
+              <a:t>36</a:t>
+            </a:fld>
+            <a:endParaRPr lang="en-US" dirty="0"/>
+          </a:p>
+        </p:txBody>
+      </p:sp>
+      <p:sp>
+        <p:nvSpPr>
+          <p:cNvPr id="6" name="TextBox 5"/>
+          <p:cNvSpPr txBox="1"/>
+          <p:nvPr/>
+        </p:nvSpPr>
+        <p:spPr>
+          <a:xfrm>
+            <a:off x="1238234" y="1732785"/>
+            <a:ext cx="5052034" cy="2862322"/>
+          </a:xfrm>
+          <a:prstGeom prst="rect">
+            <a:avLst/>
+          </a:prstGeom>
+          <a:noFill/>
+        </p:spPr>
+        <p:txBody>
+          <a:bodyPr wrap="square" rtlCol="0">
+            <a:spAutoFit/>
+          </a:bodyPr>
+          <a:lstStyle/>
+          <a:p>
+            <a:r>
+              <a:rPr lang="en-US" dirty="0" smtClean="0"/>
+              <a:t>Lex - </a:t>
+            </a:r>
+            <a:r>
+              <a:rPr lang="en-US" dirty="0"/>
+              <a:t>Amazon Lex is a service for building conversational interfaces into any application using voice and text. </a:t>
+            </a:r>
+            <a:r>
+              <a:rPr lang="en-US" dirty="0" smtClean="0"/>
+              <a:t>learning </a:t>
+            </a:r>
+            <a:r>
+              <a:rPr lang="en-US" dirty="0"/>
+              <a:t>functionalities of automatic speech recognition (ASR) for converting speech to text, and natural language understanding (NLU) to recognize the intent of the text, to enable you to build applications with highly engaging user experiences and lifelike conversational interactions</a:t>
+            </a:r>
+            <a:r>
+              <a:rPr lang="en-US" dirty="0" smtClean="0"/>
+              <a:t>.</a:t>
+            </a:r>
+            <a:r>
+              <a:rPr lang="en-US" dirty="0"/>
+              <a:t> Lex provides the advanced deep </a:t>
+            </a:r>
+            <a:endParaRPr lang="en-CA" dirty="0"/>
+          </a:p>
+        </p:txBody>
+      </p:sp>
+      <p:sp>
+        <p:nvSpPr>
+          <p:cNvPr id="7" name="TextBox 6"/>
+          <p:cNvSpPr txBox="1"/>
+          <p:nvPr/>
+        </p:nvSpPr>
+        <p:spPr>
+          <a:xfrm>
+            <a:off x="1238234" y="4739036"/>
+            <a:ext cx="3770644" cy="1754326"/>
+          </a:xfrm>
+          <a:prstGeom prst="rect">
+            <a:avLst/>
+          </a:prstGeom>
+          <a:noFill/>
+        </p:spPr>
+        <p:txBody>
+          <a:bodyPr wrap="square" rtlCol="0">
+            <a:spAutoFit/>
+          </a:bodyPr>
+          <a:lstStyle/>
+          <a:p>
+            <a:r>
+              <a:rPr lang="en-US" dirty="0" smtClean="0"/>
+              <a:t>Polly - Amazon </a:t>
+            </a:r>
+            <a:r>
+              <a:rPr lang="en-US" dirty="0"/>
+              <a:t>Polly is a service that turns text into lifelike speech. Polly lets you create applications that talk, enabling you to build entirely new categories of speech-enabled products. </a:t>
+            </a:r>
+            <a:endParaRPr lang="en-CA" dirty="0"/>
+          </a:p>
+        </p:txBody>
+      </p:sp>
+      <p:sp>
+        <p:nvSpPr>
+          <p:cNvPr id="8" name="TextBox 7"/>
+          <p:cNvSpPr txBox="1"/>
+          <p:nvPr/>
+        </p:nvSpPr>
+        <p:spPr>
+          <a:xfrm>
+            <a:off x="7493977" y="4595107"/>
+            <a:ext cx="4324978" cy="1754326"/>
+          </a:xfrm>
+          <a:prstGeom prst="rect">
+            <a:avLst/>
+          </a:prstGeom>
+          <a:noFill/>
+        </p:spPr>
+        <p:txBody>
+          <a:bodyPr wrap="square" rtlCol="0">
+            <a:spAutoFit/>
+          </a:bodyPr>
+          <a:lstStyle/>
+          <a:p>
+            <a:r>
+              <a:rPr lang="en-US" dirty="0"/>
+              <a:t>Amazon </a:t>
+            </a:r>
+            <a:r>
+              <a:rPr lang="en-US" dirty="0" err="1"/>
+              <a:t>Rekognition</a:t>
+            </a:r>
+            <a:r>
+              <a:rPr lang="en-US" dirty="0"/>
+              <a:t> is a service that makes it easy to add image analysis to your applications. With </a:t>
+            </a:r>
+            <a:r>
+              <a:rPr lang="en-US" dirty="0" err="1"/>
+              <a:t>Rekognition</a:t>
+            </a:r>
+            <a:r>
+              <a:rPr lang="en-US" dirty="0"/>
+              <a:t>, you can detect objects, scenes, and faces in images. You can also search and compare faces. </a:t>
+            </a:r>
+            <a:endParaRPr lang="en-CA" dirty="0"/>
+          </a:p>
+        </p:txBody>
+      </p:sp>
+      <p:sp>
+        <p:nvSpPr>
+          <p:cNvPr id="9" name="TextBox 8"/>
+          <p:cNvSpPr txBox="1"/>
+          <p:nvPr/>
+        </p:nvSpPr>
+        <p:spPr>
+          <a:xfrm>
+            <a:off x="7435780" y="1609863"/>
+            <a:ext cx="4441372" cy="2585323"/>
+          </a:xfrm>
+          <a:prstGeom prst="rect">
+            <a:avLst/>
+          </a:prstGeom>
+          <a:noFill/>
+        </p:spPr>
+        <p:txBody>
+          <a:bodyPr wrap="square" rtlCol="0">
+            <a:spAutoFit/>
+          </a:bodyPr>
+          <a:lstStyle/>
+          <a:p>
+            <a:r>
+              <a:rPr lang="en-US" dirty="0"/>
+              <a:t>Amazon Machine Learning is a service that makes it easy for developers of all skill levels to use machine learning technology. Amazon Machine Learning provides visualization tools and wizards that guide you through the process of creating machine learning (ML) models without having to learn complex ML algorithms and technology.</a:t>
+            </a:r>
+            <a:endParaRPr lang="en-CA" dirty="0"/>
+          </a:p>
+        </p:txBody>
+      </p:sp>
+      <p:sp>
+        <p:nvSpPr>
+          <p:cNvPr id="10" name="AutoShape 4" descr="Image result for aws dynamodb logo"/>
+          <p:cNvSpPr>
+            <a:spLocks noChangeAspect="1" noChangeArrowheads="1"/>
+          </p:cNvSpPr>
+          <p:nvPr/>
+        </p:nvSpPr>
+        <p:spPr bwMode="auto">
+          <a:xfrm>
+            <a:off x="155575" y="-144463"/>
+            <a:ext cx="304800" cy="304801"/>
+          </a:xfrm>
+          <a:prstGeom prst="rect">
+            <a:avLst/>
+          </a:prstGeom>
+          <a:noFill/>
+          <a:extLst>
+            <a:ext uri="{909E8E84-426E-40DD-AFC4-6F175D3DCCD1}">
+              <a14:hiddenFill xmlns:a14="http://schemas.microsoft.com/office/drawing/2010/main">
+                <a:solidFill>
+                  <a:srgbClr val="FFFFFF"/>
+                </a:solidFill>
+              </a14:hiddenFill>
+            </a:ext>
+          </a:extLst>
+        </p:spPr>
+        <p:txBody>
+          <a:bodyPr vert="horz" wrap="square" lIns="91440" tIns="45720" rIns="91440" bIns="45720" numCol="1" anchor="t" anchorCtr="0" compatLnSpc="1">
+            <a:prstTxWarp prst="textNoShape">
+              <a:avLst/>
+            </a:prstTxWarp>
+          </a:bodyPr>
+          <a:lstStyle/>
+          <a:p>
+            <a:endParaRPr lang="en-CA"/>
+          </a:p>
+        </p:txBody>
+      </p:sp>
+      <p:pic>
+        <p:nvPicPr>
+          <p:cNvPr id="8202" name="Picture 10" descr="Image result for aws lex logo"/>
+          <p:cNvPicPr>
+            <a:picLocks noChangeAspect="1" noChangeArrowheads="1"/>
+          </p:cNvPicPr>
+          <p:nvPr/>
+        </p:nvPicPr>
+        <p:blipFill rotWithShape="1">
+          <a:blip r:embed="rId2">
+            <a:extLst>
+              <a:ext uri="{28A0092B-C50C-407E-A947-70E740481C1C}">
+                <a14:useLocalDpi xmlns:a14="http://schemas.microsoft.com/office/drawing/2010/main" val="0"/>
+              </a:ext>
+            </a:extLst>
+          </a:blip>
+          <a:srcRect l="52544" t="27276" r="30462" b="45448"/>
+          <a:stretch/>
+        </p:blipFill>
+        <p:spPr bwMode="auto">
+          <a:xfrm>
+            <a:off x="153008" y="1692593"/>
+            <a:ext cx="1032694" cy="932696"/>
+          </a:xfrm>
+          <a:prstGeom prst="rect">
+            <a:avLst/>
+          </a:prstGeom>
+          <a:noFill/>
+          <a:extLst>
+            <a:ext uri="{909E8E84-426E-40DD-AFC4-6F175D3DCCD1}">
+              <a14:hiddenFill xmlns:a14="http://schemas.microsoft.com/office/drawing/2010/main">
+                <a:solidFill>
+                  <a:srgbClr val="FFFFFF"/>
+                </a:solidFill>
+              </a14:hiddenFill>
+            </a:ext>
+          </a:extLst>
+        </p:spPr>
+      </p:pic>
+      <p:pic>
+        <p:nvPicPr>
+          <p:cNvPr id="8204" name="Picture 12" descr="Image result for aws lex logo"/>
+          <p:cNvPicPr>
+            <a:picLocks noChangeAspect="1" noChangeArrowheads="1"/>
+          </p:cNvPicPr>
+          <p:nvPr/>
+        </p:nvPicPr>
+        <p:blipFill rotWithShape="1">
+          <a:blip r:embed="rId2">
+            <a:extLst>
+              <a:ext uri="{28A0092B-C50C-407E-A947-70E740481C1C}">
+                <a14:useLocalDpi xmlns:a14="http://schemas.microsoft.com/office/drawing/2010/main" val="0"/>
+              </a:ext>
+            </a:extLst>
+          </a:blip>
+          <a:srcRect l="78275" t="27293" r="7505" b="45413"/>
+          <a:stretch/>
+        </p:blipFill>
+        <p:spPr bwMode="auto">
+          <a:xfrm>
+            <a:off x="6410849" y="1609863"/>
+            <a:ext cx="864158" cy="933297"/>
+          </a:xfrm>
+          <a:prstGeom prst="rect">
+            <a:avLst/>
+          </a:prstGeom>
+          <a:noFill/>
+          <a:extLst>
+            <a:ext uri="{909E8E84-426E-40DD-AFC4-6F175D3DCCD1}">
+              <a14:hiddenFill xmlns:a14="http://schemas.microsoft.com/office/drawing/2010/main">
+                <a:solidFill>
+                  <a:srgbClr val="FFFFFF"/>
+                </a:solidFill>
+              </a14:hiddenFill>
+            </a:ext>
+          </a:extLst>
+        </p:spPr>
+      </p:pic>
+      <p:pic>
+        <p:nvPicPr>
+          <p:cNvPr id="8206" name="Picture 14" descr="Image result for aws lex logo"/>
+          <p:cNvPicPr>
+            <a:picLocks noChangeAspect="1" noChangeArrowheads="1"/>
+          </p:cNvPicPr>
+          <p:nvPr/>
+        </p:nvPicPr>
+        <p:blipFill rotWithShape="1">
+          <a:blip r:embed="rId2">
+            <a:extLst>
+              <a:ext uri="{28A0092B-C50C-407E-A947-70E740481C1C}">
+                <a14:useLocalDpi xmlns:a14="http://schemas.microsoft.com/office/drawing/2010/main" val="0"/>
+              </a:ext>
+            </a:extLst>
+          </a:blip>
+          <a:srcRect l="2070" t="26284" r="80072" b="47433"/>
+          <a:stretch/>
+        </p:blipFill>
+        <p:spPr bwMode="auto">
+          <a:xfrm>
+            <a:off x="155575" y="4546174"/>
+            <a:ext cx="1085222" cy="898752"/>
+          </a:xfrm>
+          <a:prstGeom prst="rect">
+            <a:avLst/>
+          </a:prstGeom>
+          <a:noFill/>
+          <a:extLst>
+            <a:ext uri="{909E8E84-426E-40DD-AFC4-6F175D3DCCD1}">
+              <a14:hiddenFill xmlns:a14="http://schemas.microsoft.com/office/drawing/2010/main">
+                <a:solidFill>
+                  <a:srgbClr val="FFFFFF"/>
+                </a:solidFill>
+              </a14:hiddenFill>
+            </a:ext>
+          </a:extLst>
+        </p:spPr>
+      </p:pic>
+      <p:pic>
+        <p:nvPicPr>
+          <p:cNvPr id="8208" name="Picture 16" descr="Image result for aws lex logo"/>
+          <p:cNvPicPr>
+            <a:picLocks noChangeAspect="1" noChangeArrowheads="1"/>
+          </p:cNvPicPr>
+          <p:nvPr/>
+        </p:nvPicPr>
+        <p:blipFill rotWithShape="1">
+          <a:blip r:embed="rId2">
+            <a:extLst>
+              <a:ext uri="{28A0092B-C50C-407E-A947-70E740481C1C}">
+                <a14:useLocalDpi xmlns:a14="http://schemas.microsoft.com/office/drawing/2010/main" val="0"/>
+              </a:ext>
+            </a:extLst>
+          </a:blip>
+          <a:srcRect l="28856" t="26341" r="53372" b="47317"/>
+          <a:stretch/>
+        </p:blipFill>
+        <p:spPr bwMode="auto">
+          <a:xfrm>
+            <a:off x="6393908" y="4434946"/>
+            <a:ext cx="1079973" cy="900729"/>
+          </a:xfrm>
+          <a:prstGeom prst="rect">
+            <a:avLst/>
+          </a:prstGeom>
+          <a:noFill/>
+          <a:extLst>
+            <a:ext uri="{909E8E84-426E-40DD-AFC4-6F175D3DCCD1}">
+              <a14:hiddenFill xmlns:a14="http://schemas.microsoft.com/office/drawing/2010/main">
+                <a:solidFill>
+                  <a:srgbClr val="FFFFFF"/>
+                </a:solidFill>
+              </a14:hiddenFill>
+            </a:ext>
+          </a:extLst>
+        </p:spPr>
+      </p:pic>
+    </p:spTree>
+    <p:extLst>
+      <p:ext uri="{BB962C8B-B14F-4D97-AF65-F5344CB8AC3E}">
+        <p14:creationId xmlns:p14="http://schemas.microsoft.com/office/powerpoint/2010/main" val="2280263012"/>
+      </p:ext>
+    </p:extLst>
+  </p:cSld>
+  <p:clrMapOvr>
+    <a:masterClrMapping/>
+  </p:clrMapOvr>
+</p:sld>
+</file>
+
+<file path=ppt/slides/slide37.xml><?xml version="1.0" encoding="utf-8"?>
+<p:sld xmlns:a="http://schemas.openxmlformats.org/drawingml/2006/main" xmlns:r="http://schemas.openxmlformats.org/officeDocument/2006/relationships" xmlns:p="http://schemas.openxmlformats.org/presentationml/2006/main">
+  <p:cSld>
+    <p:spTree>
+      <p:nvGrpSpPr>
+        <p:cNvPr id="1" name=""/>
+        <p:cNvGrpSpPr/>
+        <p:nvPr/>
+      </p:nvGrpSpPr>
+      <p:grpSpPr>
+        <a:xfrm>
+          <a:off x="0" y="0"/>
+          <a:ext cx="0" cy="0"/>
+          <a:chOff x="0" y="0"/>
+          <a:chExt cx="0" cy="0"/>
+        </a:xfrm>
+      </p:grpSpPr>
+      <p:sp>
+        <p:nvSpPr>
+          <p:cNvPr id="2" name="Title 1"/>
+          <p:cNvSpPr>
+            <a:spLocks noGrp="1"/>
+          </p:cNvSpPr>
+          <p:nvPr>
+            <p:ph type="title"/>
+          </p:nvPr>
+        </p:nvSpPr>
+        <p:spPr/>
+        <p:txBody>
+          <a:bodyPr/>
+          <a:lstStyle/>
+          <a:p>
+            <a:r>
+              <a:rPr lang="en-CA" dirty="0" smtClean="0"/>
+              <a:t>Game Development</a:t>
+            </a:r>
+            <a:endParaRPr lang="en-CA" dirty="0"/>
+          </a:p>
+        </p:txBody>
+      </p:sp>
+      <p:sp>
+        <p:nvSpPr>
+          <p:cNvPr id="4" name="Footer Placeholder 3"/>
+          <p:cNvSpPr>
+            <a:spLocks noGrp="1"/>
+          </p:cNvSpPr>
+          <p:nvPr>
+            <p:ph type="ftr" sz="quarter" idx="11"/>
+          </p:nvPr>
+        </p:nvSpPr>
+        <p:spPr/>
+        <p:txBody>
+          <a:bodyPr/>
+          <a:lstStyle/>
+          <a:p>
+            <a:r>
+              <a:rPr lang="en-US" smtClean="0"/>
+              <a:t>aws101</a:t>
+            </a:r>
+            <a:endParaRPr lang="en-US" dirty="0"/>
+          </a:p>
+        </p:txBody>
+      </p:sp>
+      <p:sp>
+        <p:nvSpPr>
+          <p:cNvPr id="5" name="Slide Number Placeholder 4"/>
+          <p:cNvSpPr>
+            <a:spLocks noGrp="1"/>
+          </p:cNvSpPr>
+          <p:nvPr>
+            <p:ph type="sldNum" sz="quarter" idx="12"/>
+          </p:nvPr>
+        </p:nvSpPr>
+        <p:spPr/>
+        <p:txBody>
+          <a:bodyPr/>
+          <a:lstStyle/>
+          <a:p>
+            <a:fld id="{6D22F896-40B5-4ADD-8801-0D06FADFA095}" type="slidenum">
+              <a:rPr lang="en-US" smtClean="0"/>
+              <a:t>37</a:t>
+            </a:fld>
+            <a:endParaRPr lang="en-US" dirty="0"/>
+          </a:p>
+        </p:txBody>
+      </p:sp>
+      <p:sp>
+        <p:nvSpPr>
+          <p:cNvPr id="6" name="TextBox 5"/>
+          <p:cNvSpPr txBox="1"/>
+          <p:nvPr/>
+        </p:nvSpPr>
+        <p:spPr>
+          <a:xfrm>
+            <a:off x="2888555" y="1865601"/>
+            <a:ext cx="5049644" cy="1200329"/>
+          </a:xfrm>
+          <a:prstGeom prst="rect">
+            <a:avLst/>
+          </a:prstGeom>
+          <a:noFill/>
+        </p:spPr>
+        <p:txBody>
+          <a:bodyPr wrap="square" rtlCol="0">
+            <a:spAutoFit/>
+          </a:bodyPr>
+          <a:lstStyle/>
+          <a:p>
+            <a:r>
+              <a:rPr lang="en-US" dirty="0" err="1" smtClean="0"/>
+              <a:t>Gamelift</a:t>
+            </a:r>
+            <a:r>
+              <a:rPr lang="en-US" dirty="0" smtClean="0"/>
+              <a:t> - </a:t>
+            </a:r>
+            <a:r>
+              <a:rPr lang="en-US" dirty="0"/>
+              <a:t>Amazon </a:t>
+            </a:r>
+            <a:r>
+              <a:rPr lang="en-US" dirty="0" err="1"/>
+              <a:t>GameLift</a:t>
+            </a:r>
+            <a:r>
+              <a:rPr lang="en-US" dirty="0"/>
+              <a:t> is a managed service for deploying, operating, and scaling dedicated game servers for session-based multiplayer games. </a:t>
+            </a:r>
+            <a:endParaRPr lang="en-CA" dirty="0"/>
+          </a:p>
+        </p:txBody>
+      </p:sp>
+      <p:sp>
+        <p:nvSpPr>
+          <p:cNvPr id="7" name="TextBox 6"/>
+          <p:cNvSpPr txBox="1"/>
+          <p:nvPr/>
+        </p:nvSpPr>
+        <p:spPr>
+          <a:xfrm>
+            <a:off x="2888555" y="4765981"/>
+            <a:ext cx="5642496" cy="1200329"/>
+          </a:xfrm>
+          <a:prstGeom prst="rect">
+            <a:avLst/>
+          </a:prstGeom>
+          <a:noFill/>
+        </p:spPr>
+        <p:txBody>
+          <a:bodyPr wrap="square" rtlCol="0">
+            <a:spAutoFit/>
+          </a:bodyPr>
+          <a:lstStyle/>
+          <a:p>
+            <a:r>
+              <a:rPr lang="en-US" dirty="0" smtClean="0"/>
+              <a:t>Connect – Amazon Connect is </a:t>
+            </a:r>
+            <a:r>
+              <a:rPr lang="en-US" dirty="0"/>
+              <a:t>a self-service, cloud-based contact center service that makes it easy for any business to deliver better customer service at lower cost.</a:t>
+            </a:r>
+            <a:endParaRPr lang="en-CA" dirty="0"/>
+          </a:p>
+        </p:txBody>
+      </p:sp>
+      <p:sp>
+        <p:nvSpPr>
+          <p:cNvPr id="9" name="AutoShape 2" descr="Image result for aws sqs logo"/>
+          <p:cNvSpPr>
+            <a:spLocks noChangeAspect="1" noChangeArrowheads="1"/>
+          </p:cNvSpPr>
+          <p:nvPr/>
+        </p:nvSpPr>
+        <p:spPr bwMode="auto">
+          <a:xfrm>
+            <a:off x="155575" y="-144463"/>
+            <a:ext cx="304800" cy="304801"/>
+          </a:xfrm>
+          <a:prstGeom prst="rect">
+            <a:avLst/>
+          </a:prstGeom>
+          <a:noFill/>
+          <a:extLst>
+            <a:ext uri="{909E8E84-426E-40DD-AFC4-6F175D3DCCD1}">
+              <a14:hiddenFill xmlns:a14="http://schemas.microsoft.com/office/drawing/2010/main">
+                <a:solidFill>
+                  <a:srgbClr val="FFFFFF"/>
+                </a:solidFill>
+              </a14:hiddenFill>
+            </a:ext>
+          </a:extLst>
+        </p:spPr>
+        <p:txBody>
+          <a:bodyPr vert="horz" wrap="square" lIns="91440" tIns="45720" rIns="91440" bIns="45720" numCol="1" anchor="t" anchorCtr="0" compatLnSpc="1">
+            <a:prstTxWarp prst="textNoShape">
+              <a:avLst/>
+            </a:prstTxWarp>
+          </a:bodyPr>
+          <a:lstStyle/>
+          <a:p>
+            <a:endParaRPr lang="en-CA"/>
+          </a:p>
+        </p:txBody>
+      </p:sp>
+      <p:sp>
+        <p:nvSpPr>
+          <p:cNvPr id="15" name="Title 1"/>
+          <p:cNvSpPr txBox="1">
+            <a:spLocks/>
+          </p:cNvSpPr>
+          <p:nvPr/>
+        </p:nvSpPr>
+        <p:spPr>
+          <a:xfrm>
+            <a:off x="597834" y="3510734"/>
+            <a:ext cx="10972800" cy="990600"/>
+          </a:xfrm>
+          <a:prstGeom prst="rect">
+            <a:avLst/>
+          </a:prstGeom>
+        </p:spPr>
+        <p:txBody>
+          <a:bodyPr vert="horz" lIns="91440" tIns="45720" rIns="91440" bIns="45720" rtlCol="0" anchor="ctr">
+            <a:normAutofit/>
+          </a:bodyPr>
+          <a:lstStyle>
+            <a:lvl1pPr algn="l" defTabSz="914400" rtl="0" eaLnBrk="1" latinLnBrk="0" hangingPunct="1">
+              <a:spcBef>
+                <a:spcPct val="0"/>
+              </a:spcBef>
+              <a:buNone/>
+              <a:defRPr sz="4000" kern="1200" spc="-100" baseline="0">
+                <a:solidFill>
+                  <a:schemeClr val="tx2"/>
+                </a:solidFill>
+                <a:latin typeface="+mj-lt"/>
+                <a:ea typeface="+mj-ea"/>
+                <a:cs typeface="+mj-cs"/>
+              </a:defRPr>
+            </a:lvl1pPr>
+          </a:lstStyle>
+          <a:p>
+            <a:r>
+              <a:rPr lang="en-CA" dirty="0" smtClean="0"/>
+              <a:t>Contact Center</a:t>
+            </a:r>
+            <a:endParaRPr lang="en-CA" dirty="0"/>
+          </a:p>
+        </p:txBody>
+      </p:sp>
+      <p:pic>
+        <p:nvPicPr>
+          <p:cNvPr id="13314" name="Picture 2" descr="Image result for amazon gamelift logo"/>
+          <p:cNvPicPr>
+            <a:picLocks noChangeAspect="1" noChangeArrowheads="1"/>
+          </p:cNvPicPr>
+          <p:nvPr/>
+        </p:nvPicPr>
+        <p:blipFill>
+          <a:blip r:embed="rId2">
+            <a:extLst>
+              <a:ext uri="{28A0092B-C50C-407E-A947-70E740481C1C}">
+                <a14:useLocalDpi xmlns:a14="http://schemas.microsoft.com/office/drawing/2010/main" val="0"/>
+              </a:ext>
+            </a:extLst>
+          </a:blip>
+          <a:srcRect/>
+          <a:stretch>
+            <a:fillRect/>
+          </a:stretch>
+        </p:blipFill>
+        <p:spPr bwMode="auto">
+          <a:xfrm>
+            <a:off x="1185705" y="1957486"/>
+            <a:ext cx="1016557" cy="1016557"/>
+          </a:xfrm>
+          <a:prstGeom prst="rect">
+            <a:avLst/>
+          </a:prstGeom>
+          <a:noFill/>
+          <a:extLst>
+            <a:ext uri="{909E8E84-426E-40DD-AFC4-6F175D3DCCD1}">
+              <a14:hiddenFill xmlns:a14="http://schemas.microsoft.com/office/drawing/2010/main">
+                <a:solidFill>
+                  <a:srgbClr val="FFFFFF"/>
+                </a:solidFill>
+              </a14:hiddenFill>
+            </a:ext>
+          </a:extLst>
+        </p:spPr>
+      </p:pic>
+      <p:pic>
+        <p:nvPicPr>
+          <p:cNvPr id="13316" name="Picture 4" descr="Image result for amazon connect logo"/>
+          <p:cNvPicPr>
+            <a:picLocks noChangeAspect="1" noChangeArrowheads="1"/>
+          </p:cNvPicPr>
+          <p:nvPr/>
+        </p:nvPicPr>
+        <p:blipFill>
+          <a:blip r:embed="rId3">
+            <a:extLst>
+              <a:ext uri="{28A0092B-C50C-407E-A947-70E740481C1C}">
+                <a14:useLocalDpi xmlns:a14="http://schemas.microsoft.com/office/drawing/2010/main" val="0"/>
+              </a:ext>
+            </a:extLst>
+          </a:blip>
+          <a:srcRect/>
+          <a:stretch>
+            <a:fillRect/>
+          </a:stretch>
+        </p:blipFill>
+        <p:spPr bwMode="auto">
+          <a:xfrm>
+            <a:off x="995565" y="4958054"/>
+            <a:ext cx="1396835" cy="816181"/>
+          </a:xfrm>
+          <a:prstGeom prst="rect">
+            <a:avLst/>
+          </a:prstGeom>
+          <a:noFill/>
+          <a:extLst>
+            <a:ext uri="{909E8E84-426E-40DD-AFC4-6F175D3DCCD1}">
+              <a14:hiddenFill xmlns:a14="http://schemas.microsoft.com/office/drawing/2010/main">
+                <a:solidFill>
+                  <a:srgbClr val="FFFFFF"/>
+                </a:solidFill>
+              </a14:hiddenFill>
+            </a:ext>
+          </a:extLst>
+        </p:spPr>
+      </p:pic>
+    </p:spTree>
+    <p:extLst>
+      <p:ext uri="{BB962C8B-B14F-4D97-AF65-F5344CB8AC3E}">
+        <p14:creationId xmlns:p14="http://schemas.microsoft.com/office/powerpoint/2010/main" val="2227576034"/>
       </p:ext>
     </p:extLst>
   </p:cSld>
